--- a/UniPD/P2 - Semestre 1/25-10/Tutorato 1.pptx
+++ b/UniPD/P2 - Semestre 1/25-10/Tutorato 1.pptx
@@ -5,16 +5,39 @@
     <p:sldMasterId id="2147483660" r:id="rId1"/>
   </p:sldMasterIdLst>
   <p:notesMasterIdLst>
-    <p:notesMasterId r:id="rId9"/>
+    <p:notesMasterId r:id="rId32"/>
   </p:notesMasterIdLst>
   <p:sldIdLst>
     <p:sldId id="256" r:id="rId2"/>
-    <p:sldId id="258" r:id="rId3"/>
-    <p:sldId id="259" r:id="rId4"/>
-    <p:sldId id="261" r:id="rId5"/>
+    <p:sldId id="259" r:id="rId3"/>
+    <p:sldId id="283" r:id="rId4"/>
+    <p:sldId id="258" r:id="rId5"/>
     <p:sldId id="260" r:id="rId6"/>
-    <p:sldId id="262" r:id="rId7"/>
-    <p:sldId id="263" r:id="rId8"/>
+    <p:sldId id="264" r:id="rId7"/>
+    <p:sldId id="272" r:id="rId8"/>
+    <p:sldId id="265" r:id="rId9"/>
+    <p:sldId id="266" r:id="rId10"/>
+    <p:sldId id="282" r:id="rId11"/>
+    <p:sldId id="263" r:id="rId12"/>
+    <p:sldId id="284" r:id="rId13"/>
+    <p:sldId id="274" r:id="rId14"/>
+    <p:sldId id="287" r:id="rId15"/>
+    <p:sldId id="288" r:id="rId16"/>
+    <p:sldId id="286" r:id="rId17"/>
+    <p:sldId id="289" r:id="rId18"/>
+    <p:sldId id="262" r:id="rId19"/>
+    <p:sldId id="276" r:id="rId20"/>
+    <p:sldId id="285" r:id="rId21"/>
+    <p:sldId id="278" r:id="rId22"/>
+    <p:sldId id="290" r:id="rId23"/>
+    <p:sldId id="293" r:id="rId24"/>
+    <p:sldId id="267" r:id="rId25"/>
+    <p:sldId id="275" r:id="rId26"/>
+    <p:sldId id="269" r:id="rId27"/>
+    <p:sldId id="273" r:id="rId28"/>
+    <p:sldId id="291" r:id="rId29"/>
+    <p:sldId id="294" r:id="rId30"/>
+    <p:sldId id="292" r:id="rId31"/>
   </p:sldIdLst>
   <p:sldSz cx="9144000" cy="6858000" type="screen4x3"/>
   <p:notesSz cx="6858000" cy="9144000"/>
@@ -203,7 +226,7 @@
           <a:p>
             <a:fld id="{0E4AAC6D-2322-45B9-8ECA-34DF280B0776}" type="datetimeFigureOut">
               <a:rPr lang="en-US" smtClean="0"/>
-              <a:t>10/16/2023</a:t>
+              <a:t>10/17/2023</a:t>
             </a:fld>
             <a:endParaRPr lang="en-US"/>
           </a:p>
@@ -1873,12 +1896,42 @@
           </a:p>
         </p:txBody>
       </p:sp>
-      <p:sp>
-        <p:nvSpPr>
-          <p:cNvPr id="14" name="Segnaposto testo 13">
-            <a:extLst>
-              <a:ext uri="{FF2B5EF4-FFF2-40B4-BE49-F238E27FC236}">
-                <a16:creationId xmlns:a16="http://schemas.microsoft.com/office/drawing/2014/main" id="{7911EC5C-3FAC-F039-FC92-45AFAEF074A6}"/>
+    </p:spTree>
+    <p:extLst>
+      <p:ext uri="{BB962C8B-B14F-4D97-AF65-F5344CB8AC3E}">
+        <p14:creationId xmlns:p14="http://schemas.microsoft.com/office/powerpoint/2010/main" val="3799510736"/>
+      </p:ext>
+    </p:extLst>
+  </p:cSld>
+  <p:clrMapOvr>
+    <a:masterClrMapping/>
+  </p:clrMapOvr>
+</p:sld>
+</file>
+
+<file path=ppt/slides/slide10.xml><?xml version="1.0" encoding="utf-8"?>
+<p:sld xmlns:a="http://schemas.openxmlformats.org/drawingml/2006/main" xmlns:r="http://schemas.openxmlformats.org/officeDocument/2006/relationships" xmlns:p="http://schemas.openxmlformats.org/presentationml/2006/main">
+  <p:cSld>
+    <p:spTree>
+      <p:nvGrpSpPr>
+        <p:cNvPr id="1" name=""/>
+        <p:cNvGrpSpPr/>
+        <p:nvPr/>
+      </p:nvGrpSpPr>
+      <p:grpSpPr>
+        <a:xfrm>
+          <a:off x="0" y="0"/>
+          <a:ext cx="0" cy="0"/>
+          <a:chOff x="0" y="0"/>
+          <a:chExt cx="0" cy="0"/>
+        </a:xfrm>
+      </p:grpSpPr>
+      <p:sp>
+        <p:nvSpPr>
+          <p:cNvPr id="2" name="Titolo 1">
+            <a:extLst>
+              <a:ext uri="{FF2B5EF4-FFF2-40B4-BE49-F238E27FC236}">
+                <a16:creationId xmlns:a16="http://schemas.microsoft.com/office/drawing/2014/main" id="{7E094D2C-2C58-27DB-8836-62C5F689C9C6}"/>
               </a:ext>
             </a:extLst>
           </p:cNvPr>
@@ -1886,7 +1939,7 @@
             <a:spLocks noGrp="1"/>
           </p:cNvSpPr>
           <p:nvPr>
-            <p:ph type="body" sz="quarter" idx="14"/>
+            <p:ph type="title"/>
           </p:nvPr>
         </p:nvSpPr>
         <p:spPr/>
@@ -1894,14 +1947,1710 @@
           <a:bodyPr/>
           <a:lstStyle/>
           <a:p>
-            <a:endParaRPr lang="it-IT"/>
-          </a:p>
-        </p:txBody>
-      </p:sp>
+            <a:r>
+              <a:rPr lang="it-IT" dirty="0"/>
+              <a:t>Costruttori</a:t>
+            </a:r>
+          </a:p>
+        </p:txBody>
+      </p:sp>
+      <p:sp>
+        <p:nvSpPr>
+          <p:cNvPr id="4" name="Segnaposto numero diapositiva 3">
+            <a:extLst>
+              <a:ext uri="{FF2B5EF4-FFF2-40B4-BE49-F238E27FC236}">
+                <a16:creationId xmlns:a16="http://schemas.microsoft.com/office/drawing/2014/main" id="{8FC0F31B-BCEA-FE98-0DBD-53D618ED76C0}"/>
+              </a:ext>
+            </a:extLst>
+          </p:cNvPr>
+          <p:cNvSpPr>
+            <a:spLocks noGrp="1"/>
+          </p:cNvSpPr>
+          <p:nvPr>
+            <p:ph type="sldNum" sz="quarter" idx="4"/>
+          </p:nvPr>
+        </p:nvSpPr>
+        <p:spPr/>
+        <p:txBody>
+          <a:bodyPr/>
+          <a:lstStyle/>
+          <a:p>
+            <a:fld id="{4D021CEB-2F22-4EA1-9BAF-E3833982B82A}" type="slidenum">
+              <a:rPr lang="en-US" smtClean="0"/>
+              <a:pPr/>
+              <a:t>10</a:t>
+            </a:fld>
+            <a:r>
+              <a:rPr lang="en-US" dirty="0"/>
+              <a:t> of 32</a:t>
+            </a:r>
+          </a:p>
+        </p:txBody>
+      </p:sp>
+      <p:sp>
+        <p:nvSpPr>
+          <p:cNvPr id="5" name="CasellaDiTesto 4">
+            <a:extLst>
+              <a:ext uri="{FF2B5EF4-FFF2-40B4-BE49-F238E27FC236}">
+                <a16:creationId xmlns:a16="http://schemas.microsoft.com/office/drawing/2014/main" id="{71CF3303-6EC9-CDFB-DF05-BA3795CCB248}"/>
+              </a:ext>
+            </a:extLst>
+          </p:cNvPr>
+          <p:cNvSpPr txBox="1"/>
+          <p:nvPr/>
+        </p:nvSpPr>
+        <p:spPr>
+          <a:xfrm>
+            <a:off x="640526" y="1251171"/>
+            <a:ext cx="7315200" cy="2862322"/>
+          </a:xfrm>
+          <a:prstGeom prst="rect">
+            <a:avLst/>
+          </a:prstGeom>
+          <a:noFill/>
+        </p:spPr>
+        <p:txBody>
+          <a:bodyPr wrap="square" rtlCol="0">
+            <a:spAutoFit/>
+          </a:bodyPr>
+          <a:lstStyle/>
+          <a:p>
+            <a:r>
+              <a:rPr lang="it-IT" dirty="0"/>
+              <a:t>I costruttori vengono chiamati implicitamente; per evitare questo fatto, usiamo la keyword </a:t>
+            </a:r>
+            <a:r>
+              <a:rPr lang="it-IT" u="sng" dirty="0"/>
+              <a:t>explicit</a:t>
+            </a:r>
+            <a:r>
+              <a:rPr lang="it-IT" dirty="0"/>
+              <a:t>.</a:t>
+            </a:r>
+          </a:p>
+          <a:p>
+            <a:endParaRPr lang="it-IT" dirty="0"/>
+          </a:p>
+          <a:p>
+            <a:endParaRPr lang="it-IT" dirty="0"/>
+          </a:p>
+          <a:p>
+            <a:endParaRPr lang="it-IT" dirty="0"/>
+          </a:p>
+          <a:p>
+            <a:endParaRPr lang="it-IT" dirty="0"/>
+          </a:p>
+          <a:p>
+            <a:endParaRPr lang="it-IT" dirty="0"/>
+          </a:p>
+          <a:p>
+            <a:endParaRPr lang="it-IT" dirty="0"/>
+          </a:p>
+          <a:p>
+            <a:endParaRPr lang="it-IT" dirty="0"/>
+          </a:p>
+          <a:p>
+            <a:r>
+              <a:rPr lang="it-IT" dirty="0"/>
+              <a:t>Sarebbe anche possibile definire degli operatori espliciti di conversione</a:t>
+            </a:r>
+          </a:p>
+        </p:txBody>
+      </p:sp>
+      <p:pic>
+        <p:nvPicPr>
+          <p:cNvPr id="7" name="Immagine 6">
+            <a:extLst>
+              <a:ext uri="{FF2B5EF4-FFF2-40B4-BE49-F238E27FC236}">
+                <a16:creationId xmlns:a16="http://schemas.microsoft.com/office/drawing/2014/main" id="{59BD9846-B99B-777B-E748-4E0BCB3868E3}"/>
+              </a:ext>
+            </a:extLst>
+          </p:cNvPr>
+          <p:cNvPicPr>
+            <a:picLocks noChangeAspect="1"/>
+          </p:cNvPicPr>
+          <p:nvPr/>
+        </p:nvPicPr>
+        <p:blipFill>
+          <a:blip r:embed="rId2"/>
+          <a:stretch>
+            <a:fillRect/>
+          </a:stretch>
+        </p:blipFill>
+        <p:spPr>
+          <a:xfrm>
+            <a:off x="1188274" y="1962279"/>
+            <a:ext cx="6086276" cy="1717103"/>
+          </a:xfrm>
+          <a:prstGeom prst="rect">
+            <a:avLst/>
+          </a:prstGeom>
+        </p:spPr>
+      </p:pic>
+      <p:pic>
+        <p:nvPicPr>
+          <p:cNvPr id="13" name="Immagine 12">
+            <a:extLst>
+              <a:ext uri="{FF2B5EF4-FFF2-40B4-BE49-F238E27FC236}">
+                <a16:creationId xmlns:a16="http://schemas.microsoft.com/office/drawing/2014/main" id="{1910CB30-B4DD-8455-0B19-BE34D67918A5}"/>
+              </a:ext>
+            </a:extLst>
+          </p:cNvPr>
+          <p:cNvPicPr>
+            <a:picLocks noChangeAspect="1"/>
+          </p:cNvPicPr>
+          <p:nvPr/>
+        </p:nvPicPr>
+        <p:blipFill>
+          <a:blip r:embed="rId3"/>
+          <a:stretch>
+            <a:fillRect/>
+          </a:stretch>
+        </p:blipFill>
+        <p:spPr>
+          <a:xfrm>
+            <a:off x="1632769" y="4113492"/>
+            <a:ext cx="4841183" cy="2050667"/>
+          </a:xfrm>
+          <a:prstGeom prst="rect">
+            <a:avLst/>
+          </a:prstGeom>
+        </p:spPr>
+      </p:pic>
     </p:spTree>
     <p:extLst>
       <p:ext uri="{BB962C8B-B14F-4D97-AF65-F5344CB8AC3E}">
-        <p14:creationId xmlns:p14="http://schemas.microsoft.com/office/powerpoint/2010/main" val="3799510736"/>
+        <p14:creationId xmlns:p14="http://schemas.microsoft.com/office/powerpoint/2010/main" val="1562140548"/>
+      </p:ext>
+    </p:extLst>
+  </p:cSld>
+  <p:clrMapOvr>
+    <a:masterClrMapping/>
+  </p:clrMapOvr>
+</p:sld>
+</file>
+
+<file path=ppt/slides/slide11.xml><?xml version="1.0" encoding="utf-8"?>
+<p:sld xmlns:a="http://schemas.openxmlformats.org/drawingml/2006/main" xmlns:r="http://schemas.openxmlformats.org/officeDocument/2006/relationships" xmlns:p="http://schemas.openxmlformats.org/presentationml/2006/main">
+  <p:cSld>
+    <p:spTree>
+      <p:nvGrpSpPr>
+        <p:cNvPr id="1" name=""/>
+        <p:cNvGrpSpPr/>
+        <p:nvPr/>
+      </p:nvGrpSpPr>
+      <p:grpSpPr>
+        <a:xfrm>
+          <a:off x="0" y="0"/>
+          <a:ext cx="0" cy="0"/>
+          <a:chOff x="0" y="0"/>
+          <a:chExt cx="0" cy="0"/>
+        </a:xfrm>
+      </p:grpSpPr>
+      <p:sp>
+        <p:nvSpPr>
+          <p:cNvPr id="2" name="Titolo 1">
+            <a:extLst>
+              <a:ext uri="{FF2B5EF4-FFF2-40B4-BE49-F238E27FC236}">
+                <a16:creationId xmlns:a16="http://schemas.microsoft.com/office/drawing/2014/main" id="{A1C33B46-A1F8-111B-8108-D696C1BBCC68}"/>
+              </a:ext>
+            </a:extLst>
+          </p:cNvPr>
+          <p:cNvSpPr>
+            <a:spLocks noGrp="1"/>
+          </p:cNvSpPr>
+          <p:nvPr>
+            <p:ph type="title"/>
+          </p:nvPr>
+        </p:nvSpPr>
+        <p:spPr/>
+        <p:txBody>
+          <a:bodyPr/>
+          <a:lstStyle/>
+          <a:p>
+            <a:r>
+              <a:rPr lang="it-IT" dirty="0"/>
+              <a:t>La keyword «const»</a:t>
+            </a:r>
+          </a:p>
+        </p:txBody>
+      </p:sp>
+      <p:sp>
+        <p:nvSpPr>
+          <p:cNvPr id="4" name="Segnaposto numero diapositiva 3">
+            <a:extLst>
+              <a:ext uri="{FF2B5EF4-FFF2-40B4-BE49-F238E27FC236}">
+                <a16:creationId xmlns:a16="http://schemas.microsoft.com/office/drawing/2014/main" id="{30F37182-85E1-1CBA-A05A-CCEC4E40C29C}"/>
+              </a:ext>
+            </a:extLst>
+          </p:cNvPr>
+          <p:cNvSpPr>
+            <a:spLocks noGrp="1"/>
+          </p:cNvSpPr>
+          <p:nvPr>
+            <p:ph type="sldNum" sz="quarter" idx="4"/>
+          </p:nvPr>
+        </p:nvSpPr>
+        <p:spPr/>
+        <p:txBody>
+          <a:bodyPr/>
+          <a:lstStyle/>
+          <a:p>
+            <a:fld id="{4D021CEB-2F22-4EA1-9BAF-E3833982B82A}" type="slidenum">
+              <a:rPr lang="en-US" smtClean="0"/>
+              <a:pPr/>
+              <a:t>11</a:t>
+            </a:fld>
+            <a:r>
+              <a:rPr lang="en-US" dirty="0"/>
+              <a:t> of 32</a:t>
+            </a:r>
+          </a:p>
+        </p:txBody>
+      </p:sp>
+      <p:sp>
+        <p:nvSpPr>
+          <p:cNvPr id="9" name="CasellaDiTesto 8">
+            <a:extLst>
+              <a:ext uri="{FF2B5EF4-FFF2-40B4-BE49-F238E27FC236}">
+                <a16:creationId xmlns:a16="http://schemas.microsoft.com/office/drawing/2014/main" id="{4B6313EF-3010-D4E4-5F5D-1FF5C2A34D0E}"/>
+              </a:ext>
+            </a:extLst>
+          </p:cNvPr>
+          <p:cNvSpPr txBox="1"/>
+          <p:nvPr/>
+        </p:nvSpPr>
+        <p:spPr>
+          <a:xfrm>
+            <a:off x="484246" y="1557431"/>
+            <a:ext cx="7769737" cy="923330"/>
+          </a:xfrm>
+          <a:prstGeom prst="rect">
+            <a:avLst/>
+          </a:prstGeom>
+          <a:noFill/>
+        </p:spPr>
+        <p:txBody>
+          <a:bodyPr wrap="square" rtlCol="0">
+            <a:spAutoFit/>
+          </a:bodyPr>
+          <a:lstStyle/>
+          <a:p>
+            <a:pPr marL="285750" indent="-285750">
+              <a:buFont typeface="Arial" panose="020B0604020202020204" pitchFamily="34" charset="0"/>
+              <a:buChar char="•"/>
+            </a:pPr>
+            <a:r>
+              <a:rPr lang="it-IT" dirty="0"/>
+              <a:t>Vogliamo ottenere </a:t>
+            </a:r>
+            <a:r>
+              <a:rPr lang="it-IT" b="1" dirty="0"/>
+              <a:t>immutabilità</a:t>
+            </a:r>
+          </a:p>
+          <a:p>
+            <a:pPr marL="742950" lvl="1" indent="-285750">
+              <a:buFont typeface="Arial" panose="020B0604020202020204" pitchFamily="34" charset="0"/>
+              <a:buChar char="•"/>
+            </a:pPr>
+            <a:r>
+              <a:rPr lang="it-IT" dirty="0"/>
+              <a:t>Se nelle funzioni </a:t>
+            </a:r>
+            <a:r>
+              <a:rPr lang="it-IT" dirty="0">
+                <a:sym typeface="Wingdings" panose="05000000000000000000" pitchFamily="2" charset="2"/>
+              </a:rPr>
+              <a:t> ogni invocazione non farà modifiche sul parametro</a:t>
+            </a:r>
+          </a:p>
+          <a:p>
+            <a:endParaRPr lang="it-IT" dirty="0"/>
+          </a:p>
+        </p:txBody>
+      </p:sp>
+      <p:sp>
+        <p:nvSpPr>
+          <p:cNvPr id="15" name="CasellaDiTesto 14">
+            <a:extLst>
+              <a:ext uri="{FF2B5EF4-FFF2-40B4-BE49-F238E27FC236}">
+                <a16:creationId xmlns:a16="http://schemas.microsoft.com/office/drawing/2014/main" id="{47625C31-8315-14C7-62B3-10401704C7E5}"/>
+              </a:ext>
+            </a:extLst>
+          </p:cNvPr>
+          <p:cNvSpPr txBox="1"/>
+          <p:nvPr/>
+        </p:nvSpPr>
+        <p:spPr>
+          <a:xfrm>
+            <a:off x="377939" y="4305376"/>
+            <a:ext cx="7668768" cy="369332"/>
+          </a:xfrm>
+          <a:prstGeom prst="rect">
+            <a:avLst/>
+          </a:prstGeom>
+          <a:noFill/>
+        </p:spPr>
+        <p:txBody>
+          <a:bodyPr wrap="square">
+            <a:spAutoFit/>
+          </a:bodyPr>
+          <a:lstStyle/>
+          <a:p>
+            <a:pPr marL="742950" lvl="1" indent="-285750">
+              <a:buFont typeface="Arial" panose="020B0604020202020204" pitchFamily="34" charset="0"/>
+              <a:buChar char="•"/>
+            </a:pPr>
+            <a:r>
+              <a:rPr lang="it-IT" dirty="0">
+                <a:sym typeface="Wingdings" panose="05000000000000000000" pitchFamily="2" charset="2"/>
+              </a:rPr>
+              <a:t>Se sui parametri  abbiamo un valore che non può essere modificato</a:t>
+            </a:r>
+            <a:endParaRPr lang="it-IT" dirty="0"/>
+          </a:p>
+        </p:txBody>
+      </p:sp>
+      <p:pic>
+        <p:nvPicPr>
+          <p:cNvPr id="10" name="Immagine 9">
+            <a:extLst>
+              <a:ext uri="{FF2B5EF4-FFF2-40B4-BE49-F238E27FC236}">
+                <a16:creationId xmlns:a16="http://schemas.microsoft.com/office/drawing/2014/main" id="{71ED464E-2519-74E7-8CB5-88A16C8E9E20}"/>
+              </a:ext>
+            </a:extLst>
+          </p:cNvPr>
+          <p:cNvPicPr>
+            <a:picLocks noChangeAspect="1"/>
+          </p:cNvPicPr>
+          <p:nvPr/>
+        </p:nvPicPr>
+        <p:blipFill>
+          <a:blip r:embed="rId2"/>
+          <a:stretch>
+            <a:fillRect/>
+          </a:stretch>
+        </p:blipFill>
+        <p:spPr>
+          <a:xfrm>
+            <a:off x="2160133" y="4721339"/>
+            <a:ext cx="4417962" cy="1220889"/>
+          </a:xfrm>
+          <a:prstGeom prst="rect">
+            <a:avLst/>
+          </a:prstGeom>
+        </p:spPr>
+      </p:pic>
+      <p:pic>
+        <p:nvPicPr>
+          <p:cNvPr id="12" name="Immagine 11">
+            <a:extLst>
+              <a:ext uri="{FF2B5EF4-FFF2-40B4-BE49-F238E27FC236}">
+                <a16:creationId xmlns:a16="http://schemas.microsoft.com/office/drawing/2014/main" id="{C07B29D0-0423-7C81-63B7-020F5A313DAC}"/>
+              </a:ext>
+            </a:extLst>
+          </p:cNvPr>
+          <p:cNvPicPr>
+            <a:picLocks noChangeAspect="1"/>
+          </p:cNvPicPr>
+          <p:nvPr/>
+        </p:nvPicPr>
+        <p:blipFill>
+          <a:blip r:embed="rId3"/>
+          <a:stretch>
+            <a:fillRect/>
+          </a:stretch>
+        </p:blipFill>
+        <p:spPr>
+          <a:xfrm>
+            <a:off x="377938" y="2310311"/>
+            <a:ext cx="3194317" cy="1873999"/>
+          </a:xfrm>
+          <a:prstGeom prst="rect">
+            <a:avLst/>
+          </a:prstGeom>
+        </p:spPr>
+      </p:pic>
+      <p:pic>
+        <p:nvPicPr>
+          <p:cNvPr id="14" name="Immagine 13">
+            <a:extLst>
+              <a:ext uri="{FF2B5EF4-FFF2-40B4-BE49-F238E27FC236}">
+                <a16:creationId xmlns:a16="http://schemas.microsoft.com/office/drawing/2014/main" id="{6984D7E3-7165-D6FE-F82B-E9EE31848F04}"/>
+              </a:ext>
+            </a:extLst>
+          </p:cNvPr>
+          <p:cNvPicPr>
+            <a:picLocks noChangeAspect="1"/>
+          </p:cNvPicPr>
+          <p:nvPr/>
+        </p:nvPicPr>
+        <p:blipFill>
+          <a:blip r:embed="rId4"/>
+          <a:stretch>
+            <a:fillRect/>
+          </a:stretch>
+        </p:blipFill>
+        <p:spPr>
+          <a:xfrm>
+            <a:off x="3974412" y="2593553"/>
+            <a:ext cx="4427846" cy="1229053"/>
+          </a:xfrm>
+          <a:prstGeom prst="rect">
+            <a:avLst/>
+          </a:prstGeom>
+        </p:spPr>
+      </p:pic>
+    </p:spTree>
+    <p:extLst>
+      <p:ext uri="{BB962C8B-B14F-4D97-AF65-F5344CB8AC3E}">
+        <p14:creationId xmlns:p14="http://schemas.microsoft.com/office/powerpoint/2010/main" val="1925308791"/>
+      </p:ext>
+    </p:extLst>
+  </p:cSld>
+  <p:clrMapOvr>
+    <a:masterClrMapping/>
+  </p:clrMapOvr>
+</p:sld>
+</file>
+
+<file path=ppt/slides/slide12.xml><?xml version="1.0" encoding="utf-8"?>
+<p:sld xmlns:a="http://schemas.openxmlformats.org/drawingml/2006/main" xmlns:r="http://schemas.openxmlformats.org/officeDocument/2006/relationships" xmlns:p="http://schemas.openxmlformats.org/presentationml/2006/main">
+  <p:cSld>
+    <p:spTree>
+      <p:nvGrpSpPr>
+        <p:cNvPr id="1" name=""/>
+        <p:cNvGrpSpPr/>
+        <p:nvPr/>
+      </p:nvGrpSpPr>
+      <p:grpSpPr>
+        <a:xfrm>
+          <a:off x="0" y="0"/>
+          <a:ext cx="0" cy="0"/>
+          <a:chOff x="0" y="0"/>
+          <a:chExt cx="0" cy="0"/>
+        </a:xfrm>
+      </p:grpSpPr>
+      <p:sp>
+        <p:nvSpPr>
+          <p:cNvPr id="2" name="Titolo 1">
+            <a:extLst>
+              <a:ext uri="{FF2B5EF4-FFF2-40B4-BE49-F238E27FC236}">
+                <a16:creationId xmlns:a16="http://schemas.microsoft.com/office/drawing/2014/main" id="{A1C33B46-A1F8-111B-8108-D696C1BBCC68}"/>
+              </a:ext>
+            </a:extLst>
+          </p:cNvPr>
+          <p:cNvSpPr>
+            <a:spLocks noGrp="1"/>
+          </p:cNvSpPr>
+          <p:nvPr>
+            <p:ph type="title"/>
+          </p:nvPr>
+        </p:nvSpPr>
+        <p:spPr/>
+        <p:txBody>
+          <a:bodyPr/>
+          <a:lstStyle/>
+          <a:p>
+            <a:r>
+              <a:rPr lang="it-IT" dirty="0"/>
+              <a:t>Const correctness</a:t>
+            </a:r>
+          </a:p>
+        </p:txBody>
+      </p:sp>
+      <p:sp>
+        <p:nvSpPr>
+          <p:cNvPr id="4" name="Segnaposto numero diapositiva 3">
+            <a:extLst>
+              <a:ext uri="{FF2B5EF4-FFF2-40B4-BE49-F238E27FC236}">
+                <a16:creationId xmlns:a16="http://schemas.microsoft.com/office/drawing/2014/main" id="{30F37182-85E1-1CBA-A05A-CCEC4E40C29C}"/>
+              </a:ext>
+            </a:extLst>
+          </p:cNvPr>
+          <p:cNvSpPr>
+            <a:spLocks noGrp="1"/>
+          </p:cNvSpPr>
+          <p:nvPr>
+            <p:ph type="sldNum" sz="quarter" idx="4"/>
+          </p:nvPr>
+        </p:nvSpPr>
+        <p:spPr/>
+        <p:txBody>
+          <a:bodyPr/>
+          <a:lstStyle/>
+          <a:p>
+            <a:fld id="{4D021CEB-2F22-4EA1-9BAF-E3833982B82A}" type="slidenum">
+              <a:rPr lang="en-US" smtClean="0"/>
+              <a:pPr/>
+              <a:t>12</a:t>
+            </a:fld>
+            <a:r>
+              <a:rPr lang="en-US" dirty="0"/>
+              <a:t> of 32</a:t>
+            </a:r>
+          </a:p>
+        </p:txBody>
+      </p:sp>
+      <p:pic>
+        <p:nvPicPr>
+          <p:cNvPr id="5" name="Immagine 4">
+            <a:extLst>
+              <a:ext uri="{FF2B5EF4-FFF2-40B4-BE49-F238E27FC236}">
+                <a16:creationId xmlns:a16="http://schemas.microsoft.com/office/drawing/2014/main" id="{A92C03CA-3C81-8268-AC82-236FF9866346}"/>
+              </a:ext>
+            </a:extLst>
+          </p:cNvPr>
+          <p:cNvPicPr>
+            <a:picLocks noChangeAspect="1"/>
+          </p:cNvPicPr>
+          <p:nvPr/>
+        </p:nvPicPr>
+        <p:blipFill>
+          <a:blip r:embed="rId2"/>
+          <a:stretch>
+            <a:fillRect/>
+          </a:stretch>
+        </p:blipFill>
+        <p:spPr>
+          <a:xfrm>
+            <a:off x="1661491" y="1865329"/>
+            <a:ext cx="5821017" cy="2745580"/>
+          </a:xfrm>
+          <a:prstGeom prst="rect">
+            <a:avLst/>
+          </a:prstGeom>
+        </p:spPr>
+      </p:pic>
+    </p:spTree>
+    <p:extLst>
+      <p:ext uri="{BB962C8B-B14F-4D97-AF65-F5344CB8AC3E}">
+        <p14:creationId xmlns:p14="http://schemas.microsoft.com/office/powerpoint/2010/main" val="1548187695"/>
+      </p:ext>
+    </p:extLst>
+  </p:cSld>
+  <p:clrMapOvr>
+    <a:masterClrMapping/>
+  </p:clrMapOvr>
+</p:sld>
+</file>
+
+<file path=ppt/slides/slide13.xml><?xml version="1.0" encoding="utf-8"?>
+<p:sld xmlns:a="http://schemas.openxmlformats.org/drawingml/2006/main" xmlns:r="http://schemas.openxmlformats.org/officeDocument/2006/relationships" xmlns:p="http://schemas.openxmlformats.org/presentationml/2006/main">
+  <p:cSld>
+    <p:spTree>
+      <p:nvGrpSpPr>
+        <p:cNvPr id="1" name=""/>
+        <p:cNvGrpSpPr/>
+        <p:nvPr/>
+      </p:nvGrpSpPr>
+      <p:grpSpPr>
+        <a:xfrm>
+          <a:off x="0" y="0"/>
+          <a:ext cx="0" cy="0"/>
+          <a:chOff x="0" y="0"/>
+          <a:chExt cx="0" cy="0"/>
+        </a:xfrm>
+      </p:grpSpPr>
+      <p:sp>
+        <p:nvSpPr>
+          <p:cNvPr id="2" name="Titolo 1">
+            <a:extLst>
+              <a:ext uri="{FF2B5EF4-FFF2-40B4-BE49-F238E27FC236}">
+                <a16:creationId xmlns:a16="http://schemas.microsoft.com/office/drawing/2014/main" id="{7E094D2C-2C58-27DB-8836-62C5F689C9C6}"/>
+              </a:ext>
+            </a:extLst>
+          </p:cNvPr>
+          <p:cNvSpPr>
+            <a:spLocks noGrp="1"/>
+          </p:cNvSpPr>
+          <p:nvPr>
+            <p:ph type="title"/>
+          </p:nvPr>
+        </p:nvSpPr>
+        <p:spPr/>
+        <p:txBody>
+          <a:bodyPr/>
+          <a:lstStyle/>
+          <a:p>
+            <a:r>
+              <a:rPr lang="it-IT" dirty="0"/>
+              <a:t>Implicazioni</a:t>
+            </a:r>
+          </a:p>
+        </p:txBody>
+      </p:sp>
+      <p:sp>
+        <p:nvSpPr>
+          <p:cNvPr id="4" name="Segnaposto numero diapositiva 3">
+            <a:extLst>
+              <a:ext uri="{FF2B5EF4-FFF2-40B4-BE49-F238E27FC236}">
+                <a16:creationId xmlns:a16="http://schemas.microsoft.com/office/drawing/2014/main" id="{8FC0F31B-BCEA-FE98-0DBD-53D618ED76C0}"/>
+              </a:ext>
+            </a:extLst>
+          </p:cNvPr>
+          <p:cNvSpPr>
+            <a:spLocks noGrp="1"/>
+          </p:cNvSpPr>
+          <p:nvPr>
+            <p:ph type="sldNum" sz="quarter" idx="4"/>
+          </p:nvPr>
+        </p:nvSpPr>
+        <p:spPr/>
+        <p:txBody>
+          <a:bodyPr/>
+          <a:lstStyle/>
+          <a:p>
+            <a:fld id="{4D021CEB-2F22-4EA1-9BAF-E3833982B82A}" type="slidenum">
+              <a:rPr lang="en-US" smtClean="0"/>
+              <a:pPr/>
+              <a:t>13</a:t>
+            </a:fld>
+            <a:r>
+              <a:rPr lang="en-US" dirty="0"/>
+              <a:t> of 32</a:t>
+            </a:r>
+          </a:p>
+        </p:txBody>
+      </p:sp>
+      <p:pic>
+        <p:nvPicPr>
+          <p:cNvPr id="5" name="Immagine 4">
+            <a:extLst>
+              <a:ext uri="{FF2B5EF4-FFF2-40B4-BE49-F238E27FC236}">
+                <a16:creationId xmlns:a16="http://schemas.microsoft.com/office/drawing/2014/main" id="{BF7E3385-D0EA-05C4-2F22-2480D4313C42}"/>
+              </a:ext>
+            </a:extLst>
+          </p:cNvPr>
+          <p:cNvPicPr>
+            <a:picLocks noChangeAspect="1"/>
+          </p:cNvPicPr>
+          <p:nvPr/>
+        </p:nvPicPr>
+        <p:blipFill>
+          <a:blip r:embed="rId2"/>
+          <a:stretch>
+            <a:fillRect/>
+          </a:stretch>
+        </p:blipFill>
+        <p:spPr>
+          <a:xfrm>
+            <a:off x="1382192" y="1517176"/>
+            <a:ext cx="6379616" cy="3823647"/>
+          </a:xfrm>
+          <a:prstGeom prst="rect">
+            <a:avLst/>
+          </a:prstGeom>
+        </p:spPr>
+      </p:pic>
+    </p:spTree>
+    <p:extLst>
+      <p:ext uri="{BB962C8B-B14F-4D97-AF65-F5344CB8AC3E}">
+        <p14:creationId xmlns:p14="http://schemas.microsoft.com/office/powerpoint/2010/main" val="891444211"/>
+      </p:ext>
+    </p:extLst>
+  </p:cSld>
+  <p:clrMapOvr>
+    <a:masterClrMapping/>
+  </p:clrMapOvr>
+</p:sld>
+</file>
+
+<file path=ppt/slides/slide14.xml><?xml version="1.0" encoding="utf-8"?>
+<p:sld xmlns:a="http://schemas.openxmlformats.org/drawingml/2006/main" xmlns:r="http://schemas.openxmlformats.org/officeDocument/2006/relationships" xmlns:p="http://schemas.openxmlformats.org/presentationml/2006/main">
+  <p:cSld>
+    <p:spTree>
+      <p:nvGrpSpPr>
+        <p:cNvPr id="1" name=""/>
+        <p:cNvGrpSpPr/>
+        <p:nvPr/>
+      </p:nvGrpSpPr>
+      <p:grpSpPr>
+        <a:xfrm>
+          <a:off x="0" y="0"/>
+          <a:ext cx="0" cy="0"/>
+          <a:chOff x="0" y="0"/>
+          <a:chExt cx="0" cy="0"/>
+        </a:xfrm>
+      </p:grpSpPr>
+      <p:sp>
+        <p:nvSpPr>
+          <p:cNvPr id="2" name="Titolo 1">
+            <a:extLst>
+              <a:ext uri="{FF2B5EF4-FFF2-40B4-BE49-F238E27FC236}">
+                <a16:creationId xmlns:a16="http://schemas.microsoft.com/office/drawing/2014/main" id="{7E094D2C-2C58-27DB-8836-62C5F689C9C6}"/>
+              </a:ext>
+            </a:extLst>
+          </p:cNvPr>
+          <p:cNvSpPr>
+            <a:spLocks noGrp="1"/>
+          </p:cNvSpPr>
+          <p:nvPr>
+            <p:ph type="title"/>
+          </p:nvPr>
+        </p:nvSpPr>
+        <p:spPr/>
+        <p:txBody>
+          <a:bodyPr/>
+          <a:lstStyle/>
+          <a:p>
+            <a:r>
+              <a:rPr lang="it-IT" dirty="0"/>
+              <a:t>Esercizio 1: Cosa stampa (1)</a:t>
+            </a:r>
+          </a:p>
+        </p:txBody>
+      </p:sp>
+      <p:sp>
+        <p:nvSpPr>
+          <p:cNvPr id="4" name="Segnaposto numero diapositiva 3">
+            <a:extLst>
+              <a:ext uri="{FF2B5EF4-FFF2-40B4-BE49-F238E27FC236}">
+                <a16:creationId xmlns:a16="http://schemas.microsoft.com/office/drawing/2014/main" id="{8FC0F31B-BCEA-FE98-0DBD-53D618ED76C0}"/>
+              </a:ext>
+            </a:extLst>
+          </p:cNvPr>
+          <p:cNvSpPr>
+            <a:spLocks noGrp="1"/>
+          </p:cNvSpPr>
+          <p:nvPr>
+            <p:ph type="sldNum" sz="quarter" idx="4"/>
+          </p:nvPr>
+        </p:nvSpPr>
+        <p:spPr/>
+        <p:txBody>
+          <a:bodyPr/>
+          <a:lstStyle/>
+          <a:p>
+            <a:fld id="{4D021CEB-2F22-4EA1-9BAF-E3833982B82A}" type="slidenum">
+              <a:rPr lang="en-US" smtClean="0"/>
+              <a:pPr/>
+              <a:t>14</a:t>
+            </a:fld>
+            <a:r>
+              <a:rPr lang="en-US" dirty="0"/>
+              <a:t> of 32</a:t>
+            </a:r>
+          </a:p>
+        </p:txBody>
+      </p:sp>
+      <p:pic>
+        <p:nvPicPr>
+          <p:cNvPr id="6" name="Immagine 5">
+            <a:extLst>
+              <a:ext uri="{FF2B5EF4-FFF2-40B4-BE49-F238E27FC236}">
+                <a16:creationId xmlns:a16="http://schemas.microsoft.com/office/drawing/2014/main" id="{6B59C408-AC40-5978-E347-9847B0C25FF5}"/>
+              </a:ext>
+            </a:extLst>
+          </p:cNvPr>
+          <p:cNvPicPr>
+            <a:picLocks noChangeAspect="1"/>
+          </p:cNvPicPr>
+          <p:nvPr/>
+        </p:nvPicPr>
+        <p:blipFill>
+          <a:blip r:embed="rId2"/>
+          <a:stretch>
+            <a:fillRect/>
+          </a:stretch>
+        </p:blipFill>
+        <p:spPr>
+          <a:xfrm>
+            <a:off x="2171734" y="1204481"/>
+            <a:ext cx="4475525" cy="4891519"/>
+          </a:xfrm>
+          <a:prstGeom prst="rect">
+            <a:avLst/>
+          </a:prstGeom>
+        </p:spPr>
+      </p:pic>
+    </p:spTree>
+    <p:extLst>
+      <p:ext uri="{BB962C8B-B14F-4D97-AF65-F5344CB8AC3E}">
+        <p14:creationId xmlns:p14="http://schemas.microsoft.com/office/powerpoint/2010/main" val="3347103466"/>
+      </p:ext>
+    </p:extLst>
+  </p:cSld>
+  <p:clrMapOvr>
+    <a:masterClrMapping/>
+  </p:clrMapOvr>
+</p:sld>
+</file>
+
+<file path=ppt/slides/slide15.xml><?xml version="1.0" encoding="utf-8"?>
+<p:sld xmlns:a="http://schemas.openxmlformats.org/drawingml/2006/main" xmlns:r="http://schemas.openxmlformats.org/officeDocument/2006/relationships" xmlns:p="http://schemas.openxmlformats.org/presentationml/2006/main">
+  <p:cSld>
+    <p:spTree>
+      <p:nvGrpSpPr>
+        <p:cNvPr id="1" name=""/>
+        <p:cNvGrpSpPr/>
+        <p:nvPr/>
+      </p:nvGrpSpPr>
+      <p:grpSpPr>
+        <a:xfrm>
+          <a:off x="0" y="0"/>
+          <a:ext cx="0" cy="0"/>
+          <a:chOff x="0" y="0"/>
+          <a:chExt cx="0" cy="0"/>
+        </a:xfrm>
+      </p:grpSpPr>
+      <p:sp>
+        <p:nvSpPr>
+          <p:cNvPr id="2" name="Titolo 1">
+            <a:extLst>
+              <a:ext uri="{FF2B5EF4-FFF2-40B4-BE49-F238E27FC236}">
+                <a16:creationId xmlns:a16="http://schemas.microsoft.com/office/drawing/2014/main" id="{7E094D2C-2C58-27DB-8836-62C5F689C9C6}"/>
+              </a:ext>
+            </a:extLst>
+          </p:cNvPr>
+          <p:cNvSpPr>
+            <a:spLocks noGrp="1"/>
+          </p:cNvSpPr>
+          <p:nvPr>
+            <p:ph type="title"/>
+          </p:nvPr>
+        </p:nvSpPr>
+        <p:spPr/>
+        <p:txBody>
+          <a:bodyPr/>
+          <a:lstStyle/>
+          <a:p>
+            <a:r>
+              <a:rPr lang="it-IT" dirty="0"/>
+              <a:t>Esercizio 1: Soluzione</a:t>
+            </a:r>
+          </a:p>
+        </p:txBody>
+      </p:sp>
+      <p:sp>
+        <p:nvSpPr>
+          <p:cNvPr id="4" name="Segnaposto numero diapositiva 3">
+            <a:extLst>
+              <a:ext uri="{FF2B5EF4-FFF2-40B4-BE49-F238E27FC236}">
+                <a16:creationId xmlns:a16="http://schemas.microsoft.com/office/drawing/2014/main" id="{8FC0F31B-BCEA-FE98-0DBD-53D618ED76C0}"/>
+              </a:ext>
+            </a:extLst>
+          </p:cNvPr>
+          <p:cNvSpPr>
+            <a:spLocks noGrp="1"/>
+          </p:cNvSpPr>
+          <p:nvPr>
+            <p:ph type="sldNum" sz="quarter" idx="4"/>
+          </p:nvPr>
+        </p:nvSpPr>
+        <p:spPr/>
+        <p:txBody>
+          <a:bodyPr/>
+          <a:lstStyle/>
+          <a:p>
+            <a:fld id="{4D021CEB-2F22-4EA1-9BAF-E3833982B82A}" type="slidenum">
+              <a:rPr lang="en-US" smtClean="0"/>
+              <a:pPr/>
+              <a:t>15</a:t>
+            </a:fld>
+            <a:r>
+              <a:rPr lang="en-US" dirty="0"/>
+              <a:t> of 32</a:t>
+            </a:r>
+          </a:p>
+        </p:txBody>
+      </p:sp>
+      <p:pic>
+        <p:nvPicPr>
+          <p:cNvPr id="8" name="Immagine 7">
+            <a:extLst>
+              <a:ext uri="{FF2B5EF4-FFF2-40B4-BE49-F238E27FC236}">
+                <a16:creationId xmlns:a16="http://schemas.microsoft.com/office/drawing/2014/main" id="{AD405734-8B03-28BE-4A35-86507E819832}"/>
+              </a:ext>
+            </a:extLst>
+          </p:cNvPr>
+          <p:cNvPicPr>
+            <a:picLocks noChangeAspect="1"/>
+          </p:cNvPicPr>
+          <p:nvPr/>
+        </p:nvPicPr>
+        <p:blipFill>
+          <a:blip r:embed="rId2"/>
+          <a:stretch>
+            <a:fillRect/>
+          </a:stretch>
+        </p:blipFill>
+        <p:spPr>
+          <a:xfrm>
+            <a:off x="422550" y="1828661"/>
+            <a:ext cx="8298899" cy="3200677"/>
+          </a:xfrm>
+          <a:prstGeom prst="rect">
+            <a:avLst/>
+          </a:prstGeom>
+        </p:spPr>
+      </p:pic>
+    </p:spTree>
+    <p:extLst>
+      <p:ext uri="{BB962C8B-B14F-4D97-AF65-F5344CB8AC3E}">
+        <p14:creationId xmlns:p14="http://schemas.microsoft.com/office/powerpoint/2010/main" val="1063531952"/>
+      </p:ext>
+    </p:extLst>
+  </p:cSld>
+  <p:clrMapOvr>
+    <a:masterClrMapping/>
+  </p:clrMapOvr>
+</p:sld>
+</file>
+
+<file path=ppt/slides/slide16.xml><?xml version="1.0" encoding="utf-8"?>
+<p:sld xmlns:a="http://schemas.openxmlformats.org/drawingml/2006/main" xmlns:r="http://schemas.openxmlformats.org/officeDocument/2006/relationships" xmlns:p="http://schemas.openxmlformats.org/presentationml/2006/main">
+  <p:cSld>
+    <p:spTree>
+      <p:nvGrpSpPr>
+        <p:cNvPr id="1" name=""/>
+        <p:cNvGrpSpPr/>
+        <p:nvPr/>
+      </p:nvGrpSpPr>
+      <p:grpSpPr>
+        <a:xfrm>
+          <a:off x="0" y="0"/>
+          <a:ext cx="0" cy="0"/>
+          <a:chOff x="0" y="0"/>
+          <a:chExt cx="0" cy="0"/>
+        </a:xfrm>
+      </p:grpSpPr>
+      <p:sp>
+        <p:nvSpPr>
+          <p:cNvPr id="2" name="Titolo 1">
+            <a:extLst>
+              <a:ext uri="{FF2B5EF4-FFF2-40B4-BE49-F238E27FC236}">
+                <a16:creationId xmlns:a16="http://schemas.microsoft.com/office/drawing/2014/main" id="{7E094D2C-2C58-27DB-8836-62C5F689C9C6}"/>
+              </a:ext>
+            </a:extLst>
+          </p:cNvPr>
+          <p:cNvSpPr>
+            <a:spLocks noGrp="1"/>
+          </p:cNvSpPr>
+          <p:nvPr>
+            <p:ph type="title"/>
+          </p:nvPr>
+        </p:nvSpPr>
+        <p:spPr/>
+        <p:txBody>
+          <a:bodyPr/>
+          <a:lstStyle/>
+          <a:p>
+            <a:r>
+              <a:rPr lang="it-IT" dirty="0"/>
+              <a:t>Esercizio 2: Cosa stampa (2)</a:t>
+            </a:r>
+          </a:p>
+        </p:txBody>
+      </p:sp>
+      <p:sp>
+        <p:nvSpPr>
+          <p:cNvPr id="4" name="Segnaposto numero diapositiva 3">
+            <a:extLst>
+              <a:ext uri="{FF2B5EF4-FFF2-40B4-BE49-F238E27FC236}">
+                <a16:creationId xmlns:a16="http://schemas.microsoft.com/office/drawing/2014/main" id="{8FC0F31B-BCEA-FE98-0DBD-53D618ED76C0}"/>
+              </a:ext>
+            </a:extLst>
+          </p:cNvPr>
+          <p:cNvSpPr>
+            <a:spLocks noGrp="1"/>
+          </p:cNvSpPr>
+          <p:nvPr>
+            <p:ph type="sldNum" sz="quarter" idx="4"/>
+          </p:nvPr>
+        </p:nvSpPr>
+        <p:spPr/>
+        <p:txBody>
+          <a:bodyPr/>
+          <a:lstStyle/>
+          <a:p>
+            <a:fld id="{4D021CEB-2F22-4EA1-9BAF-E3833982B82A}" type="slidenum">
+              <a:rPr lang="en-US" smtClean="0"/>
+              <a:pPr/>
+              <a:t>16</a:t>
+            </a:fld>
+            <a:r>
+              <a:rPr lang="en-US" dirty="0"/>
+              <a:t> of 32</a:t>
+            </a:r>
+          </a:p>
+        </p:txBody>
+      </p:sp>
+      <p:pic>
+        <p:nvPicPr>
+          <p:cNvPr id="8" name="Immagine 7">
+            <a:extLst>
+              <a:ext uri="{FF2B5EF4-FFF2-40B4-BE49-F238E27FC236}">
+                <a16:creationId xmlns:a16="http://schemas.microsoft.com/office/drawing/2014/main" id="{4B826BB8-3F23-0D24-7C4F-7F8A2DDE3EDA}"/>
+              </a:ext>
+            </a:extLst>
+          </p:cNvPr>
+          <p:cNvPicPr>
+            <a:picLocks noChangeAspect="1"/>
+          </p:cNvPicPr>
+          <p:nvPr/>
+        </p:nvPicPr>
+        <p:blipFill>
+          <a:blip r:embed="rId2"/>
+          <a:stretch>
+            <a:fillRect/>
+          </a:stretch>
+        </p:blipFill>
+        <p:spPr>
+          <a:xfrm>
+            <a:off x="2687506" y="1717400"/>
+            <a:ext cx="3768988" cy="4099924"/>
+          </a:xfrm>
+          <a:prstGeom prst="rect">
+            <a:avLst/>
+          </a:prstGeom>
+        </p:spPr>
+      </p:pic>
+    </p:spTree>
+    <p:extLst>
+      <p:ext uri="{BB962C8B-B14F-4D97-AF65-F5344CB8AC3E}">
+        <p14:creationId xmlns:p14="http://schemas.microsoft.com/office/powerpoint/2010/main" val="1453023319"/>
+      </p:ext>
+    </p:extLst>
+  </p:cSld>
+  <p:clrMapOvr>
+    <a:masterClrMapping/>
+  </p:clrMapOvr>
+</p:sld>
+</file>
+
+<file path=ppt/slides/slide17.xml><?xml version="1.0" encoding="utf-8"?>
+<p:sld xmlns:a="http://schemas.openxmlformats.org/drawingml/2006/main" xmlns:r="http://schemas.openxmlformats.org/officeDocument/2006/relationships" xmlns:p="http://schemas.openxmlformats.org/presentationml/2006/main">
+  <p:cSld>
+    <p:spTree>
+      <p:nvGrpSpPr>
+        <p:cNvPr id="1" name=""/>
+        <p:cNvGrpSpPr/>
+        <p:nvPr/>
+      </p:nvGrpSpPr>
+      <p:grpSpPr>
+        <a:xfrm>
+          <a:off x="0" y="0"/>
+          <a:ext cx="0" cy="0"/>
+          <a:chOff x="0" y="0"/>
+          <a:chExt cx="0" cy="0"/>
+        </a:xfrm>
+      </p:grpSpPr>
+      <p:sp>
+        <p:nvSpPr>
+          <p:cNvPr id="2" name="Titolo 1">
+            <a:extLst>
+              <a:ext uri="{FF2B5EF4-FFF2-40B4-BE49-F238E27FC236}">
+                <a16:creationId xmlns:a16="http://schemas.microsoft.com/office/drawing/2014/main" id="{7E094D2C-2C58-27DB-8836-62C5F689C9C6}"/>
+              </a:ext>
+            </a:extLst>
+          </p:cNvPr>
+          <p:cNvSpPr>
+            <a:spLocks noGrp="1"/>
+          </p:cNvSpPr>
+          <p:nvPr>
+            <p:ph type="title"/>
+          </p:nvPr>
+        </p:nvSpPr>
+        <p:spPr/>
+        <p:txBody>
+          <a:bodyPr/>
+          <a:lstStyle/>
+          <a:p>
+            <a:r>
+              <a:rPr lang="it-IT" dirty="0"/>
+              <a:t>Esercizio 2: Soluzione</a:t>
+            </a:r>
+          </a:p>
+        </p:txBody>
+      </p:sp>
+      <p:sp>
+        <p:nvSpPr>
+          <p:cNvPr id="4" name="Segnaposto numero diapositiva 3">
+            <a:extLst>
+              <a:ext uri="{FF2B5EF4-FFF2-40B4-BE49-F238E27FC236}">
+                <a16:creationId xmlns:a16="http://schemas.microsoft.com/office/drawing/2014/main" id="{8FC0F31B-BCEA-FE98-0DBD-53D618ED76C0}"/>
+              </a:ext>
+            </a:extLst>
+          </p:cNvPr>
+          <p:cNvSpPr>
+            <a:spLocks noGrp="1"/>
+          </p:cNvSpPr>
+          <p:nvPr>
+            <p:ph type="sldNum" sz="quarter" idx="4"/>
+          </p:nvPr>
+        </p:nvSpPr>
+        <p:spPr/>
+        <p:txBody>
+          <a:bodyPr/>
+          <a:lstStyle/>
+          <a:p>
+            <a:fld id="{4D021CEB-2F22-4EA1-9BAF-E3833982B82A}" type="slidenum">
+              <a:rPr lang="en-US" smtClean="0"/>
+              <a:pPr/>
+              <a:t>17</a:t>
+            </a:fld>
+            <a:r>
+              <a:rPr lang="en-US" dirty="0"/>
+              <a:t> of 32</a:t>
+            </a:r>
+          </a:p>
+        </p:txBody>
+      </p:sp>
+      <p:pic>
+        <p:nvPicPr>
+          <p:cNvPr id="8" name="Immagine 7">
+            <a:extLst>
+              <a:ext uri="{FF2B5EF4-FFF2-40B4-BE49-F238E27FC236}">
+                <a16:creationId xmlns:a16="http://schemas.microsoft.com/office/drawing/2014/main" id="{57E06D64-5885-705E-1F7F-6B39C9BB55E0}"/>
+              </a:ext>
+            </a:extLst>
+          </p:cNvPr>
+          <p:cNvPicPr>
+            <a:picLocks noChangeAspect="1"/>
+          </p:cNvPicPr>
+          <p:nvPr/>
+        </p:nvPicPr>
+        <p:blipFill>
+          <a:blip r:embed="rId2"/>
+          <a:stretch>
+            <a:fillRect/>
+          </a:stretch>
+        </p:blipFill>
+        <p:spPr>
+          <a:xfrm>
+            <a:off x="2594155" y="1603862"/>
+            <a:ext cx="3955689" cy="3991406"/>
+          </a:xfrm>
+          <a:prstGeom prst="rect">
+            <a:avLst/>
+          </a:prstGeom>
+        </p:spPr>
+      </p:pic>
+    </p:spTree>
+    <p:extLst>
+      <p:ext uri="{BB962C8B-B14F-4D97-AF65-F5344CB8AC3E}">
+        <p14:creationId xmlns:p14="http://schemas.microsoft.com/office/powerpoint/2010/main" val="569145528"/>
+      </p:ext>
+    </p:extLst>
+  </p:cSld>
+  <p:clrMapOvr>
+    <a:masterClrMapping/>
+  </p:clrMapOvr>
+</p:sld>
+</file>
+
+<file path=ppt/slides/slide18.xml><?xml version="1.0" encoding="utf-8"?>
+<p:sld xmlns:a="http://schemas.openxmlformats.org/drawingml/2006/main" xmlns:r="http://schemas.openxmlformats.org/officeDocument/2006/relationships" xmlns:p="http://schemas.openxmlformats.org/presentationml/2006/main">
+  <p:cSld>
+    <p:spTree>
+      <p:nvGrpSpPr>
+        <p:cNvPr id="1" name=""/>
+        <p:cNvGrpSpPr/>
+        <p:nvPr/>
+      </p:nvGrpSpPr>
+      <p:grpSpPr>
+        <a:xfrm>
+          <a:off x="0" y="0"/>
+          <a:ext cx="0" cy="0"/>
+          <a:chOff x="0" y="0"/>
+          <a:chExt cx="0" cy="0"/>
+        </a:xfrm>
+      </p:grpSpPr>
+      <p:sp>
+        <p:nvSpPr>
+          <p:cNvPr id="2" name="Titolo 1">
+            <a:extLst>
+              <a:ext uri="{FF2B5EF4-FFF2-40B4-BE49-F238E27FC236}">
+                <a16:creationId xmlns:a16="http://schemas.microsoft.com/office/drawing/2014/main" id="{A1C33B46-A1F8-111B-8108-D696C1BBCC68}"/>
+              </a:ext>
+            </a:extLst>
+          </p:cNvPr>
+          <p:cNvSpPr>
+            <a:spLocks noGrp="1"/>
+          </p:cNvSpPr>
+          <p:nvPr>
+            <p:ph type="title"/>
+          </p:nvPr>
+        </p:nvSpPr>
+        <p:spPr/>
+        <p:txBody>
+          <a:bodyPr/>
+          <a:lstStyle/>
+          <a:p>
+            <a:r>
+              <a:rPr lang="it-IT" dirty="0"/>
+              <a:t>La keyword «static»</a:t>
+            </a:r>
+          </a:p>
+        </p:txBody>
+      </p:sp>
+      <p:sp>
+        <p:nvSpPr>
+          <p:cNvPr id="4" name="Segnaposto numero diapositiva 3">
+            <a:extLst>
+              <a:ext uri="{FF2B5EF4-FFF2-40B4-BE49-F238E27FC236}">
+                <a16:creationId xmlns:a16="http://schemas.microsoft.com/office/drawing/2014/main" id="{30F37182-85E1-1CBA-A05A-CCEC4E40C29C}"/>
+              </a:ext>
+            </a:extLst>
+          </p:cNvPr>
+          <p:cNvSpPr>
+            <a:spLocks noGrp="1"/>
+          </p:cNvSpPr>
+          <p:nvPr>
+            <p:ph type="sldNum" sz="quarter" idx="4"/>
+          </p:nvPr>
+        </p:nvSpPr>
+        <p:spPr/>
+        <p:txBody>
+          <a:bodyPr/>
+          <a:lstStyle/>
+          <a:p>
+            <a:fld id="{4D021CEB-2F22-4EA1-9BAF-E3833982B82A}" type="slidenum">
+              <a:rPr lang="en-US" smtClean="0"/>
+              <a:pPr/>
+              <a:t>18</a:t>
+            </a:fld>
+            <a:r>
+              <a:rPr lang="en-US" dirty="0"/>
+              <a:t> of 32</a:t>
+            </a:r>
+          </a:p>
+        </p:txBody>
+      </p:sp>
+      <p:sp>
+        <p:nvSpPr>
+          <p:cNvPr id="3" name="CasellaDiTesto 2">
+            <a:extLst>
+              <a:ext uri="{FF2B5EF4-FFF2-40B4-BE49-F238E27FC236}">
+                <a16:creationId xmlns:a16="http://schemas.microsoft.com/office/drawing/2014/main" id="{071EBCA2-DD64-3D2B-5131-56B7182EE4C9}"/>
+              </a:ext>
+            </a:extLst>
+          </p:cNvPr>
+          <p:cNvSpPr txBox="1"/>
+          <p:nvPr/>
+        </p:nvSpPr>
+        <p:spPr>
+          <a:xfrm>
+            <a:off x="557399" y="1467248"/>
+            <a:ext cx="7315200" cy="1754326"/>
+          </a:xfrm>
+          <a:prstGeom prst="rect">
+            <a:avLst/>
+          </a:prstGeom>
+          <a:noFill/>
+        </p:spPr>
+        <p:txBody>
+          <a:bodyPr wrap="square" rtlCol="0">
+            <a:spAutoFit/>
+          </a:bodyPr>
+          <a:lstStyle/>
+          <a:p>
+            <a:pPr marL="285750" indent="-285750">
+              <a:buFont typeface="Arial" panose="020B0604020202020204" pitchFamily="34" charset="0"/>
+              <a:buChar char="•"/>
+            </a:pPr>
+            <a:r>
+              <a:rPr lang="it-IT" dirty="0"/>
+              <a:t>Variabili: istanza condivisa da tutte le istanze della classe invece di essere specifica di ogni istanza</a:t>
+            </a:r>
+          </a:p>
+          <a:p>
+            <a:pPr marL="285750" indent="-285750">
+              <a:buFont typeface="Arial" panose="020B0604020202020204" pitchFamily="34" charset="0"/>
+              <a:buChar char="•"/>
+            </a:pPr>
+            <a:endParaRPr lang="it-IT" dirty="0"/>
+          </a:p>
+          <a:p>
+            <a:pPr marL="285750" indent="-285750">
+              <a:buFont typeface="Arial" panose="020B0604020202020204" pitchFamily="34" charset="0"/>
+              <a:buChar char="•"/>
+            </a:pPr>
+            <a:r>
+              <a:rPr lang="it-IT" dirty="0"/>
+              <a:t>Funzioni: possono essere richiamate direttamente senza creare oggetti</a:t>
+            </a:r>
+          </a:p>
+          <a:p>
+            <a:endParaRPr lang="it-IT" dirty="0"/>
+          </a:p>
+          <a:p>
+            <a:endParaRPr lang="it-IT" dirty="0"/>
+          </a:p>
+        </p:txBody>
+      </p:sp>
+      <p:pic>
+        <p:nvPicPr>
+          <p:cNvPr id="6" name="Immagine 5">
+            <a:extLst>
+              <a:ext uri="{FF2B5EF4-FFF2-40B4-BE49-F238E27FC236}">
+                <a16:creationId xmlns:a16="http://schemas.microsoft.com/office/drawing/2014/main" id="{61BCDBFB-BA13-4E57-2B80-BB5F662C4671}"/>
+              </a:ext>
+            </a:extLst>
+          </p:cNvPr>
+          <p:cNvPicPr>
+            <a:picLocks noChangeAspect="1"/>
+          </p:cNvPicPr>
+          <p:nvPr/>
+        </p:nvPicPr>
+        <p:blipFill>
+          <a:blip r:embed="rId2"/>
+          <a:stretch>
+            <a:fillRect/>
+          </a:stretch>
+        </p:blipFill>
+        <p:spPr>
+          <a:xfrm>
+            <a:off x="2482480" y="2878980"/>
+            <a:ext cx="3772016" cy="1519583"/>
+          </a:xfrm>
+          <a:prstGeom prst="rect">
+            <a:avLst/>
+          </a:prstGeom>
+        </p:spPr>
+      </p:pic>
+      <p:pic>
+        <p:nvPicPr>
+          <p:cNvPr id="8" name="Immagine 7">
+            <a:extLst>
+              <a:ext uri="{FF2B5EF4-FFF2-40B4-BE49-F238E27FC236}">
+                <a16:creationId xmlns:a16="http://schemas.microsoft.com/office/drawing/2014/main" id="{EC8C0D8B-48A9-30F0-DF4D-87B2AA87007A}"/>
+              </a:ext>
+            </a:extLst>
+          </p:cNvPr>
+          <p:cNvPicPr>
+            <a:picLocks noChangeAspect="1"/>
+          </p:cNvPicPr>
+          <p:nvPr/>
+        </p:nvPicPr>
+        <p:blipFill>
+          <a:blip r:embed="rId3"/>
+          <a:stretch>
+            <a:fillRect/>
+          </a:stretch>
+        </p:blipFill>
+        <p:spPr>
+          <a:xfrm>
+            <a:off x="1281507" y="4731413"/>
+            <a:ext cx="6350685" cy="799388"/>
+          </a:xfrm>
+          <a:prstGeom prst="rect">
+            <a:avLst/>
+          </a:prstGeom>
+        </p:spPr>
+      </p:pic>
+    </p:spTree>
+    <p:extLst>
+      <p:ext uri="{BB962C8B-B14F-4D97-AF65-F5344CB8AC3E}">
+        <p14:creationId xmlns:p14="http://schemas.microsoft.com/office/powerpoint/2010/main" val="1083001816"/>
+      </p:ext>
+    </p:extLst>
+  </p:cSld>
+  <p:clrMapOvr>
+    <a:masterClrMapping/>
+  </p:clrMapOvr>
+</p:sld>
+</file>
+
+<file path=ppt/slides/slide19.xml><?xml version="1.0" encoding="utf-8"?>
+<p:sld xmlns:a="http://schemas.openxmlformats.org/drawingml/2006/main" xmlns:r="http://schemas.openxmlformats.org/officeDocument/2006/relationships" xmlns:p="http://schemas.openxmlformats.org/presentationml/2006/main">
+  <p:cSld>
+    <p:spTree>
+      <p:nvGrpSpPr>
+        <p:cNvPr id="1" name=""/>
+        <p:cNvGrpSpPr/>
+        <p:nvPr/>
+      </p:nvGrpSpPr>
+      <p:grpSpPr>
+        <a:xfrm>
+          <a:off x="0" y="0"/>
+          <a:ext cx="0" cy="0"/>
+          <a:chOff x="0" y="0"/>
+          <a:chExt cx="0" cy="0"/>
+        </a:xfrm>
+      </p:grpSpPr>
+      <p:sp>
+        <p:nvSpPr>
+          <p:cNvPr id="2" name="Titolo 1">
+            <a:extLst>
+              <a:ext uri="{FF2B5EF4-FFF2-40B4-BE49-F238E27FC236}">
+                <a16:creationId xmlns:a16="http://schemas.microsoft.com/office/drawing/2014/main" id="{A1C33B46-A1F8-111B-8108-D696C1BBCC68}"/>
+              </a:ext>
+            </a:extLst>
+          </p:cNvPr>
+          <p:cNvSpPr>
+            <a:spLocks noGrp="1"/>
+          </p:cNvSpPr>
+          <p:nvPr>
+            <p:ph type="title"/>
+          </p:nvPr>
+        </p:nvSpPr>
+        <p:spPr/>
+        <p:txBody>
+          <a:bodyPr/>
+          <a:lstStyle/>
+          <a:p>
+            <a:r>
+              <a:rPr lang="it-IT" dirty="0"/>
+              <a:t>Costruttore di copia</a:t>
+            </a:r>
+          </a:p>
+        </p:txBody>
+      </p:sp>
+      <p:sp>
+        <p:nvSpPr>
+          <p:cNvPr id="4" name="Segnaposto numero diapositiva 3">
+            <a:extLst>
+              <a:ext uri="{FF2B5EF4-FFF2-40B4-BE49-F238E27FC236}">
+                <a16:creationId xmlns:a16="http://schemas.microsoft.com/office/drawing/2014/main" id="{30F37182-85E1-1CBA-A05A-CCEC4E40C29C}"/>
+              </a:ext>
+            </a:extLst>
+          </p:cNvPr>
+          <p:cNvSpPr>
+            <a:spLocks noGrp="1"/>
+          </p:cNvSpPr>
+          <p:nvPr>
+            <p:ph type="sldNum" sz="quarter" idx="4"/>
+          </p:nvPr>
+        </p:nvSpPr>
+        <p:spPr/>
+        <p:txBody>
+          <a:bodyPr/>
+          <a:lstStyle/>
+          <a:p>
+            <a:fld id="{4D021CEB-2F22-4EA1-9BAF-E3833982B82A}" type="slidenum">
+              <a:rPr lang="en-US" smtClean="0"/>
+              <a:pPr/>
+              <a:t>19</a:t>
+            </a:fld>
+            <a:r>
+              <a:rPr lang="en-US" dirty="0"/>
+              <a:t> of 32</a:t>
+            </a:r>
+          </a:p>
+        </p:txBody>
+      </p:sp>
+      <p:sp>
+        <p:nvSpPr>
+          <p:cNvPr id="9" name="CasellaDiTesto 8">
+            <a:extLst>
+              <a:ext uri="{FF2B5EF4-FFF2-40B4-BE49-F238E27FC236}">
+                <a16:creationId xmlns:a16="http://schemas.microsoft.com/office/drawing/2014/main" id="{4B6313EF-3010-D4E4-5F5D-1FF5C2A34D0E}"/>
+              </a:ext>
+            </a:extLst>
+          </p:cNvPr>
+          <p:cNvSpPr txBox="1"/>
+          <p:nvPr/>
+        </p:nvSpPr>
+        <p:spPr>
+          <a:xfrm>
+            <a:off x="484244" y="1170455"/>
+            <a:ext cx="7769737" cy="5078313"/>
+          </a:xfrm>
+          <a:prstGeom prst="rect">
+            <a:avLst/>
+          </a:prstGeom>
+          <a:noFill/>
+        </p:spPr>
+        <p:txBody>
+          <a:bodyPr wrap="square" rtlCol="0">
+            <a:spAutoFit/>
+          </a:bodyPr>
+          <a:lstStyle/>
+          <a:p>
+            <a:pPr marL="285750" indent="-285750">
+              <a:buFont typeface="Arial" panose="020B0604020202020204" pitchFamily="34" charset="0"/>
+              <a:buChar char="•"/>
+            </a:pPr>
+            <a:r>
+              <a:rPr lang="it-IT" dirty="0"/>
+              <a:t>Casi di invocazione:</a:t>
+            </a:r>
+          </a:p>
+          <a:p>
+            <a:pPr marL="285750" indent="-285750">
+              <a:buFont typeface="Arial" panose="020B0604020202020204" pitchFamily="34" charset="0"/>
+              <a:buChar char="•"/>
+            </a:pPr>
+            <a:endParaRPr lang="it-IT" dirty="0"/>
+          </a:p>
+          <a:p>
+            <a:pPr marL="342900" indent="-342900">
+              <a:buAutoNum type="arabicParenR"/>
+            </a:pPr>
+            <a:r>
+              <a:rPr lang="it-IT" dirty="0"/>
+              <a:t>Quando un oggetto viene dichiarato ed inizializzato on un altro oggetto della stessa classe:</a:t>
+            </a:r>
+          </a:p>
+          <a:p>
+            <a:pPr marL="342900" indent="-342900">
+              <a:buAutoNum type="arabicParenR"/>
+            </a:pPr>
+            <a:endParaRPr lang="it-IT" dirty="0"/>
+          </a:p>
+          <a:p>
+            <a:pPr marL="342900" indent="-342900">
+              <a:buAutoNum type="arabicParenR"/>
+            </a:pPr>
+            <a:endParaRPr lang="it-IT" dirty="0"/>
+          </a:p>
+          <a:p>
+            <a:pPr marL="342900" indent="-342900">
+              <a:buAutoNum type="arabicParenR"/>
+            </a:pPr>
+            <a:endParaRPr lang="it-IT" dirty="0"/>
+          </a:p>
+          <a:p>
+            <a:pPr marL="342900" indent="-342900">
+              <a:buAutoNum type="arabicParenR"/>
+            </a:pPr>
+            <a:endParaRPr lang="it-IT" dirty="0"/>
+          </a:p>
+          <a:p>
+            <a:pPr marL="342900" indent="-342900">
+              <a:buAutoNum type="arabicParenR"/>
+            </a:pPr>
+            <a:endParaRPr lang="it-IT" dirty="0"/>
+          </a:p>
+          <a:p>
+            <a:pPr marL="342900" indent="-342900">
+              <a:buAutoNum type="arabicParenR"/>
+            </a:pPr>
+            <a:r>
+              <a:rPr lang="it-IT" dirty="0"/>
+              <a:t>Quando un oggetto viene passato </a:t>
+            </a:r>
+            <a:r>
+              <a:rPr lang="it-IT" i="1" dirty="0"/>
+              <a:t>per valore</a:t>
+            </a:r>
+            <a:r>
+              <a:rPr lang="it-IT" dirty="0"/>
+              <a:t>  come parametro di una funzione come:</a:t>
+            </a:r>
+          </a:p>
+          <a:p>
+            <a:pPr marL="342900" indent="-342900">
+              <a:buAutoNum type="arabicParenR"/>
+            </a:pPr>
+            <a:endParaRPr lang="it-IT" dirty="0"/>
+          </a:p>
+          <a:p>
+            <a:pPr marL="342900" indent="-342900">
+              <a:buAutoNum type="arabicParenR"/>
+            </a:pPr>
+            <a:endParaRPr lang="it-IT" dirty="0"/>
+          </a:p>
+          <a:p>
+            <a:pPr marL="342900" indent="-342900">
+              <a:buAutoNum type="arabicParenR"/>
+            </a:pPr>
+            <a:endParaRPr lang="it-IT" dirty="0"/>
+          </a:p>
+          <a:p>
+            <a:pPr marL="342900" indent="-342900">
+              <a:buAutoNum type="arabicParenR"/>
+            </a:pPr>
+            <a:endParaRPr lang="it-IT" dirty="0"/>
+          </a:p>
+          <a:p>
+            <a:pPr marL="342900" indent="-342900">
+              <a:buAutoNum type="arabicParenR"/>
+            </a:pPr>
+            <a:endParaRPr lang="it-IT" dirty="0"/>
+          </a:p>
+          <a:p>
+            <a:pPr marL="342900" indent="-342900">
+              <a:buAutoNum type="arabicParenR"/>
+            </a:pPr>
+            <a:endParaRPr lang="it-IT" dirty="0"/>
+          </a:p>
+          <a:p>
+            <a:pPr marL="342900" indent="-342900">
+              <a:buAutoNum type="arabicParenR"/>
+            </a:pPr>
+            <a:r>
+              <a:rPr lang="it-IT" dirty="0"/>
+              <a:t>Quando una funzione ritorna per valore tramite </a:t>
+            </a:r>
+            <a:r>
+              <a:rPr lang="it-IT" i="1" dirty="0"/>
+              <a:t>return </a:t>
+            </a:r>
+            <a:r>
+              <a:rPr lang="it-IT" dirty="0"/>
+              <a:t>un oggetto</a:t>
+            </a:r>
+          </a:p>
+        </p:txBody>
+      </p:sp>
+      <p:pic>
+        <p:nvPicPr>
+          <p:cNvPr id="5" name="Immagine 4">
+            <a:extLst>
+              <a:ext uri="{FF2B5EF4-FFF2-40B4-BE49-F238E27FC236}">
+                <a16:creationId xmlns:a16="http://schemas.microsoft.com/office/drawing/2014/main" id="{C1E21FDC-5F2F-65AB-9929-A288B42888E0}"/>
+              </a:ext>
+            </a:extLst>
+          </p:cNvPr>
+          <p:cNvPicPr>
+            <a:picLocks noChangeAspect="1"/>
+          </p:cNvPicPr>
+          <p:nvPr/>
+        </p:nvPicPr>
+        <p:blipFill>
+          <a:blip r:embed="rId2"/>
+          <a:stretch>
+            <a:fillRect/>
+          </a:stretch>
+        </p:blipFill>
+        <p:spPr>
+          <a:xfrm>
+            <a:off x="2230652" y="2419980"/>
+            <a:ext cx="3962884" cy="1128384"/>
+          </a:xfrm>
+          <a:prstGeom prst="rect">
+            <a:avLst/>
+          </a:prstGeom>
+        </p:spPr>
+      </p:pic>
+      <p:pic>
+        <p:nvPicPr>
+          <p:cNvPr id="8" name="Immagine 7">
+            <a:extLst>
+              <a:ext uri="{FF2B5EF4-FFF2-40B4-BE49-F238E27FC236}">
+                <a16:creationId xmlns:a16="http://schemas.microsoft.com/office/drawing/2014/main" id="{E3655459-391F-BE1B-4165-DCF248644ECD}"/>
+              </a:ext>
+            </a:extLst>
+          </p:cNvPr>
+          <p:cNvPicPr>
+            <a:picLocks noChangeAspect="1"/>
+          </p:cNvPicPr>
+          <p:nvPr/>
+        </p:nvPicPr>
+        <p:blipFill>
+          <a:blip r:embed="rId3"/>
+          <a:stretch>
+            <a:fillRect/>
+          </a:stretch>
+        </p:blipFill>
+        <p:spPr>
+          <a:xfrm>
+            <a:off x="2635092" y="3998977"/>
+            <a:ext cx="3143048" cy="1820062"/>
+          </a:xfrm>
+          <a:prstGeom prst="rect">
+            <a:avLst/>
+          </a:prstGeom>
+        </p:spPr>
+      </p:pic>
+    </p:spTree>
+    <p:extLst>
+      <p:ext uri="{BB962C8B-B14F-4D97-AF65-F5344CB8AC3E}">
+        <p14:creationId xmlns:p14="http://schemas.microsoft.com/office/powerpoint/2010/main" val="429483692"/>
       </p:ext>
     </p:extLst>
   </p:cSld>
@@ -1951,7 +3700,7 @@
           <a:p>
             <a:r>
               <a:rPr lang="it-IT" dirty="0"/>
-              <a:t>Partiamo da un esempio…</a:t>
+              <a:t>Le classi</a:t>
             </a:r>
           </a:p>
         </p:txBody>
@@ -1983,19 +3732,1756 @@
               <a:t>2</a:t>
             </a:fld>
             <a:r>
-              <a:rPr lang="en-US"/>
-              <a:t> of XX</a:t>
-            </a:r>
-            <a:endParaRPr lang="en-US" dirty="0"/>
+              <a:rPr lang="en-US" dirty="0"/>
+              <a:t> of 32</a:t>
+            </a:r>
+          </a:p>
+        </p:txBody>
+      </p:sp>
+      <p:sp>
+        <p:nvSpPr>
+          <p:cNvPr id="3" name="CasellaDiTesto 2">
+            <a:extLst>
+              <a:ext uri="{FF2B5EF4-FFF2-40B4-BE49-F238E27FC236}">
+                <a16:creationId xmlns:a16="http://schemas.microsoft.com/office/drawing/2014/main" id="{882FCE22-207E-4077-C468-65DB9728DF24}"/>
+              </a:ext>
+            </a:extLst>
+          </p:cNvPr>
+          <p:cNvSpPr txBox="1"/>
+          <p:nvPr/>
+        </p:nvSpPr>
+        <p:spPr>
+          <a:xfrm>
+            <a:off x="1389888" y="3796041"/>
+            <a:ext cx="6662374" cy="2862322"/>
+          </a:xfrm>
+          <a:prstGeom prst="rect">
+            <a:avLst/>
+          </a:prstGeom>
+          <a:noFill/>
+        </p:spPr>
+        <p:txBody>
+          <a:bodyPr wrap="square" rtlCol="0">
+            <a:spAutoFit/>
+          </a:bodyPr>
+          <a:lstStyle/>
+          <a:p>
+            <a:r>
+              <a:rPr lang="it-IT" b="1" dirty="0"/>
+              <a:t>Abstract Data Type </a:t>
+            </a:r>
+            <a:r>
+              <a:rPr lang="it-IT" dirty="0"/>
+              <a:t>– dato astratto per esprimere operazioni</a:t>
+            </a:r>
+          </a:p>
+          <a:p>
+            <a:endParaRPr lang="it-IT" i="1" dirty="0"/>
+          </a:p>
+          <a:p>
+            <a:r>
+              <a:rPr lang="it-IT" dirty="0"/>
+              <a:t>Importante distinguere come accediamo questi dati:</a:t>
+            </a:r>
+          </a:p>
+          <a:p>
+            <a:endParaRPr lang="it-IT" dirty="0"/>
+          </a:p>
+          <a:p>
+            <a:pPr marL="285750" indent="-285750">
+              <a:buFont typeface="Arial" panose="020B0604020202020204" pitchFamily="34" charset="0"/>
+              <a:buChar char="•"/>
+            </a:pPr>
+            <a:r>
+              <a:rPr lang="it-IT" b="1" dirty="0"/>
+              <a:t>private</a:t>
+            </a:r>
+            <a:r>
+              <a:rPr lang="it-IT" i="1" dirty="0"/>
+              <a:t> (information hiding)</a:t>
+            </a:r>
+          </a:p>
+          <a:p>
+            <a:pPr marL="742950" lvl="1" indent="-285750">
+              <a:buFont typeface="Arial" panose="020B0604020202020204" pitchFamily="34" charset="0"/>
+              <a:buChar char="•"/>
+            </a:pPr>
+            <a:r>
+              <a:rPr lang="it-IT" dirty="0"/>
+              <a:t>accessibili con operatore (.) oppure con scoping</a:t>
+            </a:r>
+          </a:p>
+          <a:p>
+            <a:pPr marL="285750" indent="-285750">
+              <a:buFont typeface="Arial" panose="020B0604020202020204" pitchFamily="34" charset="0"/>
+              <a:buChar char="•"/>
+            </a:pPr>
+            <a:endParaRPr lang="it-IT" i="1" dirty="0"/>
+          </a:p>
+          <a:p>
+            <a:pPr marL="285750" indent="-285750">
+              <a:buFont typeface="Arial" panose="020B0604020202020204" pitchFamily="34" charset="0"/>
+              <a:buChar char="•"/>
+            </a:pPr>
+            <a:r>
+              <a:rPr lang="it-IT" b="1" dirty="0"/>
+              <a:t>public</a:t>
+            </a:r>
+          </a:p>
+          <a:p>
+            <a:pPr marL="742950" lvl="1" indent="-285750">
+              <a:buFont typeface="Arial" panose="020B0604020202020204" pitchFamily="34" charset="0"/>
+              <a:buChar char="•"/>
+            </a:pPr>
+            <a:r>
+              <a:rPr lang="it-IT" dirty="0"/>
+              <a:t>funzionalità pubblicamente accessibili</a:t>
+            </a:r>
+            <a:r>
+              <a:rPr lang="it-IT" i="1" dirty="0"/>
+              <a:t>)</a:t>
+            </a:r>
+          </a:p>
+          <a:p>
+            <a:pPr marL="285750" indent="-285750">
+              <a:buFont typeface="Arial" panose="020B0604020202020204" pitchFamily="34" charset="0"/>
+              <a:buChar char="•"/>
+            </a:pPr>
+            <a:endParaRPr lang="it-IT" i="1" dirty="0"/>
           </a:p>
         </p:txBody>
       </p:sp>
       <p:pic>
         <p:nvPicPr>
-          <p:cNvPr id="1026" name="Picture 2">
-            <a:extLst>
-              <a:ext uri="{FF2B5EF4-FFF2-40B4-BE49-F238E27FC236}">
-                <a16:creationId xmlns:a16="http://schemas.microsoft.com/office/drawing/2014/main" id="{0DE9C769-30F5-5238-652C-DBD531F322BC}"/>
+          <p:cNvPr id="9" name="Immagine 8">
+            <a:extLst>
+              <a:ext uri="{FF2B5EF4-FFF2-40B4-BE49-F238E27FC236}">
+                <a16:creationId xmlns:a16="http://schemas.microsoft.com/office/drawing/2014/main" id="{2EB59B25-1D98-6829-6EEC-B430F83414F1}"/>
+              </a:ext>
+            </a:extLst>
+          </p:cNvPr>
+          <p:cNvPicPr>
+            <a:picLocks noChangeAspect="1"/>
+          </p:cNvPicPr>
+          <p:nvPr/>
+        </p:nvPicPr>
+        <p:blipFill>
+          <a:blip r:embed="rId2"/>
+          <a:stretch>
+            <a:fillRect/>
+          </a:stretch>
+        </p:blipFill>
+        <p:spPr>
+          <a:xfrm>
+            <a:off x="2829204" y="1283618"/>
+            <a:ext cx="3071724" cy="2431364"/>
+          </a:xfrm>
+          <a:prstGeom prst="rect">
+            <a:avLst/>
+          </a:prstGeom>
+        </p:spPr>
+      </p:pic>
+    </p:spTree>
+    <p:extLst>
+      <p:ext uri="{BB962C8B-B14F-4D97-AF65-F5344CB8AC3E}">
+        <p14:creationId xmlns:p14="http://schemas.microsoft.com/office/powerpoint/2010/main" val="4060275590"/>
+      </p:ext>
+    </p:extLst>
+  </p:cSld>
+  <p:clrMapOvr>
+    <a:masterClrMapping/>
+  </p:clrMapOvr>
+</p:sld>
+</file>
+
+<file path=ppt/slides/slide20.xml><?xml version="1.0" encoding="utf-8"?>
+<p:sld xmlns:a="http://schemas.openxmlformats.org/drawingml/2006/main" xmlns:r="http://schemas.openxmlformats.org/officeDocument/2006/relationships" xmlns:p="http://schemas.openxmlformats.org/presentationml/2006/main">
+  <p:cSld>
+    <p:spTree>
+      <p:nvGrpSpPr>
+        <p:cNvPr id="1" name=""/>
+        <p:cNvGrpSpPr/>
+        <p:nvPr/>
+      </p:nvGrpSpPr>
+      <p:grpSpPr>
+        <a:xfrm>
+          <a:off x="0" y="0"/>
+          <a:ext cx="0" cy="0"/>
+          <a:chOff x="0" y="0"/>
+          <a:chExt cx="0" cy="0"/>
+        </a:xfrm>
+      </p:grpSpPr>
+      <p:sp>
+        <p:nvSpPr>
+          <p:cNvPr id="2" name="Titolo 1">
+            <a:extLst>
+              <a:ext uri="{FF2B5EF4-FFF2-40B4-BE49-F238E27FC236}">
+                <a16:creationId xmlns:a16="http://schemas.microsoft.com/office/drawing/2014/main" id="{A1C33B46-A1F8-111B-8108-D696C1BBCC68}"/>
+              </a:ext>
+            </a:extLst>
+          </p:cNvPr>
+          <p:cNvSpPr>
+            <a:spLocks noGrp="1"/>
+          </p:cNvSpPr>
+          <p:nvPr>
+            <p:ph type="title"/>
+          </p:nvPr>
+        </p:nvSpPr>
+        <p:spPr/>
+        <p:txBody>
+          <a:bodyPr/>
+          <a:lstStyle/>
+          <a:p>
+            <a:r>
+              <a:rPr lang="it-IT" dirty="0"/>
+              <a:t>Operatore di assegnazione</a:t>
+            </a:r>
+          </a:p>
+        </p:txBody>
+      </p:sp>
+      <p:sp>
+        <p:nvSpPr>
+          <p:cNvPr id="4" name="Segnaposto numero diapositiva 3">
+            <a:extLst>
+              <a:ext uri="{FF2B5EF4-FFF2-40B4-BE49-F238E27FC236}">
+                <a16:creationId xmlns:a16="http://schemas.microsoft.com/office/drawing/2014/main" id="{30F37182-85E1-1CBA-A05A-CCEC4E40C29C}"/>
+              </a:ext>
+            </a:extLst>
+          </p:cNvPr>
+          <p:cNvSpPr>
+            <a:spLocks noGrp="1"/>
+          </p:cNvSpPr>
+          <p:nvPr>
+            <p:ph type="sldNum" sz="quarter" idx="4"/>
+          </p:nvPr>
+        </p:nvSpPr>
+        <p:spPr/>
+        <p:txBody>
+          <a:bodyPr/>
+          <a:lstStyle/>
+          <a:p>
+            <a:fld id="{4D021CEB-2F22-4EA1-9BAF-E3833982B82A}" type="slidenum">
+              <a:rPr lang="en-US" smtClean="0"/>
+              <a:pPr/>
+              <a:t>20</a:t>
+            </a:fld>
+            <a:r>
+              <a:rPr lang="en-US" dirty="0"/>
+              <a:t> of 32</a:t>
+            </a:r>
+          </a:p>
+        </p:txBody>
+      </p:sp>
+      <p:sp>
+        <p:nvSpPr>
+          <p:cNvPr id="9" name="CasellaDiTesto 8">
+            <a:extLst>
+              <a:ext uri="{FF2B5EF4-FFF2-40B4-BE49-F238E27FC236}">
+                <a16:creationId xmlns:a16="http://schemas.microsoft.com/office/drawing/2014/main" id="{4B6313EF-3010-D4E4-5F5D-1FF5C2A34D0E}"/>
+              </a:ext>
+            </a:extLst>
+          </p:cNvPr>
+          <p:cNvSpPr txBox="1"/>
+          <p:nvPr/>
+        </p:nvSpPr>
+        <p:spPr>
+          <a:xfrm>
+            <a:off x="687131" y="1865399"/>
+            <a:ext cx="7769737" cy="2031325"/>
+          </a:xfrm>
+          <a:prstGeom prst="rect">
+            <a:avLst/>
+          </a:prstGeom>
+          <a:noFill/>
+        </p:spPr>
+        <p:txBody>
+          <a:bodyPr wrap="square" rtlCol="0">
+            <a:spAutoFit/>
+          </a:bodyPr>
+          <a:lstStyle/>
+          <a:p>
+            <a:pPr marL="285750" indent="-285750">
+              <a:buFont typeface="Arial" panose="020B0604020202020204" pitchFamily="34" charset="0"/>
+              <a:buChar char="•"/>
+            </a:pPr>
+            <a:r>
+              <a:rPr lang="it-IT" dirty="0"/>
+              <a:t>Assegnazione di ogni campo dati membro a membro </a:t>
+            </a:r>
+            <a:r>
+              <a:rPr lang="it-IT" i="1" dirty="0"/>
+              <a:t>right to left</a:t>
+            </a:r>
+            <a:endParaRPr lang="it-IT" dirty="0"/>
+          </a:p>
+          <a:p>
+            <a:pPr marL="285750" indent="-285750">
+              <a:buFont typeface="Arial" panose="020B0604020202020204" pitchFamily="34" charset="0"/>
+              <a:buChar char="•"/>
+            </a:pPr>
+            <a:endParaRPr lang="it-IT" dirty="0"/>
+          </a:p>
+          <a:p>
+            <a:pPr marL="285750" indent="-285750">
+              <a:buFont typeface="Arial" panose="020B0604020202020204" pitchFamily="34" charset="0"/>
+              <a:buChar char="•"/>
+            </a:pPr>
+            <a:r>
+              <a:rPr lang="it-IT" dirty="0"/>
+              <a:t>Questo il comportamento </a:t>
+            </a:r>
+            <a:r>
+              <a:rPr lang="it-IT" i="1" dirty="0"/>
+              <a:t>standard</a:t>
+            </a:r>
+            <a:r>
+              <a:rPr lang="it-IT" dirty="0"/>
+              <a:t>, qualora il programmatore non ridefinisca esplicitamente il suo comportamento</a:t>
+            </a:r>
+          </a:p>
+          <a:p>
+            <a:pPr marL="285750" indent="-285750">
+              <a:buFont typeface="Arial" panose="020B0604020202020204" pitchFamily="34" charset="0"/>
+              <a:buChar char="•"/>
+            </a:pPr>
+            <a:endParaRPr lang="it-IT" dirty="0"/>
+          </a:p>
+          <a:p>
+            <a:r>
+              <a:rPr lang="it-IT" dirty="0"/>
+              <a:t>Lo analizzeremo più a fondo successivamente</a:t>
+            </a:r>
+          </a:p>
+          <a:p>
+            <a:pPr marL="285750" indent="-285750">
+              <a:buFont typeface="Arial" panose="020B0604020202020204" pitchFamily="34" charset="0"/>
+              <a:buChar char="•"/>
+            </a:pPr>
+            <a:endParaRPr lang="it-IT" dirty="0"/>
+          </a:p>
+        </p:txBody>
+      </p:sp>
+      <p:pic>
+        <p:nvPicPr>
+          <p:cNvPr id="6" name="Immagine 5">
+            <a:extLst>
+              <a:ext uri="{FF2B5EF4-FFF2-40B4-BE49-F238E27FC236}">
+                <a16:creationId xmlns:a16="http://schemas.microsoft.com/office/drawing/2014/main" id="{D585905D-3C7B-062B-D7C9-25EFFF64420E}"/>
+              </a:ext>
+            </a:extLst>
+          </p:cNvPr>
+          <p:cNvPicPr>
+            <a:picLocks noChangeAspect="1"/>
+          </p:cNvPicPr>
+          <p:nvPr/>
+        </p:nvPicPr>
+        <p:blipFill>
+          <a:blip r:embed="rId2"/>
+          <a:stretch>
+            <a:fillRect/>
+          </a:stretch>
+        </p:blipFill>
+        <p:spPr>
+          <a:xfrm>
+            <a:off x="2608934" y="3680619"/>
+            <a:ext cx="3730191" cy="2451957"/>
+          </a:xfrm>
+          <a:prstGeom prst="rect">
+            <a:avLst/>
+          </a:prstGeom>
+        </p:spPr>
+      </p:pic>
+    </p:spTree>
+    <p:extLst>
+      <p:ext uri="{BB962C8B-B14F-4D97-AF65-F5344CB8AC3E}">
+        <p14:creationId xmlns:p14="http://schemas.microsoft.com/office/powerpoint/2010/main" val="1803315984"/>
+      </p:ext>
+    </p:extLst>
+  </p:cSld>
+  <p:clrMapOvr>
+    <a:masterClrMapping/>
+  </p:clrMapOvr>
+</p:sld>
+</file>
+
+<file path=ppt/slides/slide21.xml><?xml version="1.0" encoding="utf-8"?>
+<p:sld xmlns:a="http://schemas.openxmlformats.org/drawingml/2006/main" xmlns:r="http://schemas.openxmlformats.org/officeDocument/2006/relationships" xmlns:p="http://schemas.openxmlformats.org/presentationml/2006/main">
+  <p:cSld>
+    <p:spTree>
+      <p:nvGrpSpPr>
+        <p:cNvPr id="1" name=""/>
+        <p:cNvGrpSpPr/>
+        <p:nvPr/>
+      </p:nvGrpSpPr>
+      <p:grpSpPr>
+        <a:xfrm>
+          <a:off x="0" y="0"/>
+          <a:ext cx="0" cy="0"/>
+          <a:chOff x="0" y="0"/>
+          <a:chExt cx="0" cy="0"/>
+        </a:xfrm>
+      </p:grpSpPr>
+      <p:sp>
+        <p:nvSpPr>
+          <p:cNvPr id="2" name="Titolo 1">
+            <a:extLst>
+              <a:ext uri="{FF2B5EF4-FFF2-40B4-BE49-F238E27FC236}">
+                <a16:creationId xmlns:a16="http://schemas.microsoft.com/office/drawing/2014/main" id="{A1C33B46-A1F8-111B-8108-D696C1BBCC68}"/>
+              </a:ext>
+            </a:extLst>
+          </p:cNvPr>
+          <p:cNvSpPr>
+            <a:spLocks noGrp="1"/>
+          </p:cNvSpPr>
+          <p:nvPr>
+            <p:ph type="title"/>
+          </p:nvPr>
+        </p:nvSpPr>
+        <p:spPr/>
+        <p:txBody>
+          <a:bodyPr>
+            <a:normAutofit fontScale="90000"/>
+          </a:bodyPr>
+          <a:lstStyle/>
+          <a:p>
+            <a:r>
+              <a:rPr lang="it-IT" dirty="0"/>
+              <a:t>Ottimizzazione del compilatore</a:t>
+            </a:r>
+          </a:p>
+        </p:txBody>
+      </p:sp>
+      <p:sp>
+        <p:nvSpPr>
+          <p:cNvPr id="4" name="Segnaposto numero diapositiva 3">
+            <a:extLst>
+              <a:ext uri="{FF2B5EF4-FFF2-40B4-BE49-F238E27FC236}">
+                <a16:creationId xmlns:a16="http://schemas.microsoft.com/office/drawing/2014/main" id="{30F37182-85E1-1CBA-A05A-CCEC4E40C29C}"/>
+              </a:ext>
+            </a:extLst>
+          </p:cNvPr>
+          <p:cNvSpPr>
+            <a:spLocks noGrp="1"/>
+          </p:cNvSpPr>
+          <p:nvPr>
+            <p:ph type="sldNum" sz="quarter" idx="4"/>
+          </p:nvPr>
+        </p:nvSpPr>
+        <p:spPr/>
+        <p:txBody>
+          <a:bodyPr/>
+          <a:lstStyle/>
+          <a:p>
+            <a:fld id="{4D021CEB-2F22-4EA1-9BAF-E3833982B82A}" type="slidenum">
+              <a:rPr lang="en-US" smtClean="0"/>
+              <a:pPr/>
+              <a:t>21</a:t>
+            </a:fld>
+            <a:r>
+              <a:rPr lang="en-US" dirty="0"/>
+              <a:t> of 32</a:t>
+            </a:r>
+          </a:p>
+        </p:txBody>
+      </p:sp>
+      <p:sp>
+        <p:nvSpPr>
+          <p:cNvPr id="3" name="CasellaDiTesto 2">
+            <a:extLst>
+              <a:ext uri="{FF2B5EF4-FFF2-40B4-BE49-F238E27FC236}">
+                <a16:creationId xmlns:a16="http://schemas.microsoft.com/office/drawing/2014/main" id="{6BF61A20-403F-2E80-D5FA-072071836244}"/>
+              </a:ext>
+            </a:extLst>
+          </p:cNvPr>
+          <p:cNvSpPr txBox="1"/>
+          <p:nvPr/>
+        </p:nvSpPr>
+        <p:spPr>
+          <a:xfrm>
+            <a:off x="2456688" y="1402346"/>
+            <a:ext cx="3913632" cy="646331"/>
+          </a:xfrm>
+          <a:prstGeom prst="rect">
+            <a:avLst/>
+          </a:prstGeom>
+          <a:noFill/>
+        </p:spPr>
+        <p:txBody>
+          <a:bodyPr wrap="square" rtlCol="0">
+            <a:spAutoFit/>
+          </a:bodyPr>
+          <a:lstStyle/>
+          <a:p>
+            <a:r>
+              <a:rPr lang="it-IT" i="1" dirty="0">
+                <a:latin typeface="Consolas" panose="020B0609020204030204" pitchFamily="49" charset="0"/>
+              </a:rPr>
+              <a:t>g++ -fno-elide-constructors</a:t>
+            </a:r>
+            <a:endParaRPr lang="it-IT" i="1" dirty="0"/>
+          </a:p>
+          <a:p>
+            <a:pPr marL="285750" indent="-285750">
+              <a:buFont typeface="Arial" panose="020B0604020202020204" pitchFamily="34" charset="0"/>
+              <a:buChar char="•"/>
+            </a:pPr>
+            <a:endParaRPr lang="it-IT" dirty="0"/>
+          </a:p>
+        </p:txBody>
+      </p:sp>
+      <p:sp>
+        <p:nvSpPr>
+          <p:cNvPr id="6" name="CasellaDiTesto 5">
+            <a:extLst>
+              <a:ext uri="{FF2B5EF4-FFF2-40B4-BE49-F238E27FC236}">
+                <a16:creationId xmlns:a16="http://schemas.microsoft.com/office/drawing/2014/main" id="{F5B84F5E-DD35-27D6-D2B3-0E25058CC1BC}"/>
+              </a:ext>
+            </a:extLst>
+          </p:cNvPr>
+          <p:cNvSpPr txBox="1"/>
+          <p:nvPr/>
+        </p:nvSpPr>
+        <p:spPr>
+          <a:xfrm>
+            <a:off x="761999" y="1930947"/>
+            <a:ext cx="7620000" cy="923330"/>
+          </a:xfrm>
+          <a:prstGeom prst="rect">
+            <a:avLst/>
+          </a:prstGeom>
+          <a:noFill/>
+        </p:spPr>
+        <p:txBody>
+          <a:bodyPr wrap="square" rtlCol="0">
+            <a:spAutoFit/>
+          </a:bodyPr>
+          <a:lstStyle/>
+          <a:p>
+            <a:r>
+              <a:rPr lang="it-IT" dirty="0"/>
+              <a:t>Evita la creazione di un oggetto temporaneo inutile per costruire oggetti dello stesso tipo; a fini didattici spesso non consideriamo questa (e lo usiamo nelle stampe per vedere «tutto» quello che avviene in memoria)</a:t>
+            </a:r>
+          </a:p>
+        </p:txBody>
+      </p:sp>
+      <p:pic>
+        <p:nvPicPr>
+          <p:cNvPr id="7" name="Immagine 6">
+            <a:extLst>
+              <a:ext uri="{FF2B5EF4-FFF2-40B4-BE49-F238E27FC236}">
+                <a16:creationId xmlns:a16="http://schemas.microsoft.com/office/drawing/2014/main" id="{7342C12D-26EE-481B-9907-05DE9AC973EF}"/>
+              </a:ext>
+            </a:extLst>
+          </p:cNvPr>
+          <p:cNvPicPr>
+            <a:picLocks noChangeAspect="1"/>
+          </p:cNvPicPr>
+          <p:nvPr/>
+        </p:nvPicPr>
+        <p:blipFill>
+          <a:blip r:embed="rId2"/>
+          <a:stretch>
+            <a:fillRect/>
+          </a:stretch>
+        </p:blipFill>
+        <p:spPr>
+          <a:xfrm>
+            <a:off x="1838539" y="3116410"/>
+            <a:ext cx="5466921" cy="2772325"/>
+          </a:xfrm>
+          <a:prstGeom prst="rect">
+            <a:avLst/>
+          </a:prstGeom>
+        </p:spPr>
+      </p:pic>
+    </p:spTree>
+    <p:extLst>
+      <p:ext uri="{BB962C8B-B14F-4D97-AF65-F5344CB8AC3E}">
+        <p14:creationId xmlns:p14="http://schemas.microsoft.com/office/powerpoint/2010/main" val="2319117001"/>
+      </p:ext>
+    </p:extLst>
+  </p:cSld>
+  <p:clrMapOvr>
+    <a:masterClrMapping/>
+  </p:clrMapOvr>
+</p:sld>
+</file>
+
+<file path=ppt/slides/slide22.xml><?xml version="1.0" encoding="utf-8"?>
+<p:sld xmlns:a="http://schemas.openxmlformats.org/drawingml/2006/main" xmlns:r="http://schemas.openxmlformats.org/officeDocument/2006/relationships" xmlns:p="http://schemas.openxmlformats.org/presentationml/2006/main">
+  <p:cSld>
+    <p:spTree>
+      <p:nvGrpSpPr>
+        <p:cNvPr id="1" name=""/>
+        <p:cNvGrpSpPr/>
+        <p:nvPr/>
+      </p:nvGrpSpPr>
+      <p:grpSpPr>
+        <a:xfrm>
+          <a:off x="0" y="0"/>
+          <a:ext cx="0" cy="0"/>
+          <a:chOff x="0" y="0"/>
+          <a:chExt cx="0" cy="0"/>
+        </a:xfrm>
+      </p:grpSpPr>
+      <p:sp>
+        <p:nvSpPr>
+          <p:cNvPr id="2" name="Titolo 1">
+            <a:extLst>
+              <a:ext uri="{FF2B5EF4-FFF2-40B4-BE49-F238E27FC236}">
+                <a16:creationId xmlns:a16="http://schemas.microsoft.com/office/drawing/2014/main" id="{7E094D2C-2C58-27DB-8836-62C5F689C9C6}"/>
+              </a:ext>
+            </a:extLst>
+          </p:cNvPr>
+          <p:cNvSpPr>
+            <a:spLocks noGrp="1"/>
+          </p:cNvSpPr>
+          <p:nvPr>
+            <p:ph type="title"/>
+          </p:nvPr>
+        </p:nvSpPr>
+        <p:spPr/>
+        <p:txBody>
+          <a:bodyPr/>
+          <a:lstStyle/>
+          <a:p>
+            <a:r>
+              <a:rPr lang="it-IT" dirty="0"/>
+              <a:t>Esercizio 3: Cosa stampa (3)</a:t>
+            </a:r>
+          </a:p>
+        </p:txBody>
+      </p:sp>
+      <p:sp>
+        <p:nvSpPr>
+          <p:cNvPr id="4" name="Segnaposto numero diapositiva 3">
+            <a:extLst>
+              <a:ext uri="{FF2B5EF4-FFF2-40B4-BE49-F238E27FC236}">
+                <a16:creationId xmlns:a16="http://schemas.microsoft.com/office/drawing/2014/main" id="{8FC0F31B-BCEA-FE98-0DBD-53D618ED76C0}"/>
+              </a:ext>
+            </a:extLst>
+          </p:cNvPr>
+          <p:cNvSpPr>
+            <a:spLocks noGrp="1"/>
+          </p:cNvSpPr>
+          <p:nvPr>
+            <p:ph type="sldNum" sz="quarter" idx="4"/>
+          </p:nvPr>
+        </p:nvSpPr>
+        <p:spPr/>
+        <p:txBody>
+          <a:bodyPr/>
+          <a:lstStyle/>
+          <a:p>
+            <a:fld id="{4D021CEB-2F22-4EA1-9BAF-E3833982B82A}" type="slidenum">
+              <a:rPr lang="en-US" smtClean="0"/>
+              <a:pPr/>
+              <a:t>22</a:t>
+            </a:fld>
+            <a:r>
+              <a:rPr lang="en-US" dirty="0"/>
+              <a:t> of 32</a:t>
+            </a:r>
+          </a:p>
+        </p:txBody>
+      </p:sp>
+      <p:pic>
+        <p:nvPicPr>
+          <p:cNvPr id="6" name="Immagine 5">
+            <a:extLst>
+              <a:ext uri="{FF2B5EF4-FFF2-40B4-BE49-F238E27FC236}">
+                <a16:creationId xmlns:a16="http://schemas.microsoft.com/office/drawing/2014/main" id="{64FD58DB-5C4B-44EC-7A30-4B0DCEBC10B9}"/>
+              </a:ext>
+            </a:extLst>
+          </p:cNvPr>
+          <p:cNvPicPr>
+            <a:picLocks noChangeAspect="1"/>
+          </p:cNvPicPr>
+          <p:nvPr/>
+        </p:nvPicPr>
+        <p:blipFill>
+          <a:blip r:embed="rId2"/>
+          <a:stretch>
+            <a:fillRect/>
+          </a:stretch>
+        </p:blipFill>
+        <p:spPr>
+          <a:xfrm>
+            <a:off x="2390523" y="1850006"/>
+            <a:ext cx="4614078" cy="3567492"/>
+          </a:xfrm>
+          <a:prstGeom prst="rect">
+            <a:avLst/>
+          </a:prstGeom>
+        </p:spPr>
+      </p:pic>
+    </p:spTree>
+    <p:extLst>
+      <p:ext uri="{BB962C8B-B14F-4D97-AF65-F5344CB8AC3E}">
+        <p14:creationId xmlns:p14="http://schemas.microsoft.com/office/powerpoint/2010/main" val="2514840377"/>
+      </p:ext>
+    </p:extLst>
+  </p:cSld>
+  <p:clrMapOvr>
+    <a:masterClrMapping/>
+  </p:clrMapOvr>
+</p:sld>
+</file>
+
+<file path=ppt/slides/slide23.xml><?xml version="1.0" encoding="utf-8"?>
+<p:sld xmlns:a="http://schemas.openxmlformats.org/drawingml/2006/main" xmlns:r="http://schemas.openxmlformats.org/officeDocument/2006/relationships" xmlns:p="http://schemas.openxmlformats.org/presentationml/2006/main">
+  <p:cSld>
+    <p:spTree>
+      <p:nvGrpSpPr>
+        <p:cNvPr id="1" name=""/>
+        <p:cNvGrpSpPr/>
+        <p:nvPr/>
+      </p:nvGrpSpPr>
+      <p:grpSpPr>
+        <a:xfrm>
+          <a:off x="0" y="0"/>
+          <a:ext cx="0" cy="0"/>
+          <a:chOff x="0" y="0"/>
+          <a:chExt cx="0" cy="0"/>
+        </a:xfrm>
+      </p:grpSpPr>
+      <p:sp>
+        <p:nvSpPr>
+          <p:cNvPr id="2" name="Titolo 1">
+            <a:extLst>
+              <a:ext uri="{FF2B5EF4-FFF2-40B4-BE49-F238E27FC236}">
+                <a16:creationId xmlns:a16="http://schemas.microsoft.com/office/drawing/2014/main" id="{7E094D2C-2C58-27DB-8836-62C5F689C9C6}"/>
+              </a:ext>
+            </a:extLst>
+          </p:cNvPr>
+          <p:cNvSpPr>
+            <a:spLocks noGrp="1"/>
+          </p:cNvSpPr>
+          <p:nvPr>
+            <p:ph type="title"/>
+          </p:nvPr>
+        </p:nvSpPr>
+        <p:spPr/>
+        <p:txBody>
+          <a:bodyPr/>
+          <a:lstStyle/>
+          <a:p>
+            <a:r>
+              <a:rPr lang="it-IT" dirty="0"/>
+              <a:t>Esercizio 3: Soluzione</a:t>
+            </a:r>
+          </a:p>
+        </p:txBody>
+      </p:sp>
+      <p:sp>
+        <p:nvSpPr>
+          <p:cNvPr id="4" name="Segnaposto numero diapositiva 3">
+            <a:extLst>
+              <a:ext uri="{FF2B5EF4-FFF2-40B4-BE49-F238E27FC236}">
+                <a16:creationId xmlns:a16="http://schemas.microsoft.com/office/drawing/2014/main" id="{8FC0F31B-BCEA-FE98-0DBD-53D618ED76C0}"/>
+              </a:ext>
+            </a:extLst>
+          </p:cNvPr>
+          <p:cNvSpPr>
+            <a:spLocks noGrp="1"/>
+          </p:cNvSpPr>
+          <p:nvPr>
+            <p:ph type="sldNum" sz="quarter" idx="4"/>
+          </p:nvPr>
+        </p:nvSpPr>
+        <p:spPr/>
+        <p:txBody>
+          <a:bodyPr/>
+          <a:lstStyle/>
+          <a:p>
+            <a:fld id="{4D021CEB-2F22-4EA1-9BAF-E3833982B82A}" type="slidenum">
+              <a:rPr lang="en-US" smtClean="0"/>
+              <a:pPr/>
+              <a:t>23</a:t>
+            </a:fld>
+            <a:r>
+              <a:rPr lang="en-US" dirty="0"/>
+              <a:t> of 32</a:t>
+            </a:r>
+          </a:p>
+        </p:txBody>
+      </p:sp>
+      <p:pic>
+        <p:nvPicPr>
+          <p:cNvPr id="5" name="Immagine 4">
+            <a:extLst>
+              <a:ext uri="{FF2B5EF4-FFF2-40B4-BE49-F238E27FC236}">
+                <a16:creationId xmlns:a16="http://schemas.microsoft.com/office/drawing/2014/main" id="{8B6859A2-06F6-C757-4428-8D0D19767977}"/>
+              </a:ext>
+            </a:extLst>
+          </p:cNvPr>
+          <p:cNvPicPr>
+            <a:picLocks noChangeAspect="1"/>
+          </p:cNvPicPr>
+          <p:nvPr/>
+        </p:nvPicPr>
+        <p:blipFill>
+          <a:blip r:embed="rId2"/>
+          <a:stretch>
+            <a:fillRect/>
+          </a:stretch>
+        </p:blipFill>
+        <p:spPr>
+          <a:xfrm>
+            <a:off x="437791" y="1840092"/>
+            <a:ext cx="8268417" cy="3177815"/>
+          </a:xfrm>
+          <a:prstGeom prst="rect">
+            <a:avLst/>
+          </a:prstGeom>
+        </p:spPr>
+      </p:pic>
+    </p:spTree>
+    <p:extLst>
+      <p:ext uri="{BB962C8B-B14F-4D97-AF65-F5344CB8AC3E}">
+        <p14:creationId xmlns:p14="http://schemas.microsoft.com/office/powerpoint/2010/main" val="3390164786"/>
+      </p:ext>
+    </p:extLst>
+  </p:cSld>
+  <p:clrMapOvr>
+    <a:masterClrMapping/>
+  </p:clrMapOvr>
+</p:sld>
+</file>
+
+<file path=ppt/slides/slide24.xml><?xml version="1.0" encoding="utf-8"?>
+<p:sld xmlns:a="http://schemas.openxmlformats.org/drawingml/2006/main" xmlns:r="http://schemas.openxmlformats.org/officeDocument/2006/relationships" xmlns:p="http://schemas.openxmlformats.org/presentationml/2006/main">
+  <p:cSld>
+    <p:spTree>
+      <p:nvGrpSpPr>
+        <p:cNvPr id="1" name=""/>
+        <p:cNvGrpSpPr/>
+        <p:nvPr/>
+      </p:nvGrpSpPr>
+      <p:grpSpPr>
+        <a:xfrm>
+          <a:off x="0" y="0"/>
+          <a:ext cx="0" cy="0"/>
+          <a:chOff x="0" y="0"/>
+          <a:chExt cx="0" cy="0"/>
+        </a:xfrm>
+      </p:grpSpPr>
+      <p:sp>
+        <p:nvSpPr>
+          <p:cNvPr id="2" name="Titolo 1">
+            <a:extLst>
+              <a:ext uri="{FF2B5EF4-FFF2-40B4-BE49-F238E27FC236}">
+                <a16:creationId xmlns:a16="http://schemas.microsoft.com/office/drawing/2014/main" id="{A1C33B46-A1F8-111B-8108-D696C1BBCC68}"/>
+              </a:ext>
+            </a:extLst>
+          </p:cNvPr>
+          <p:cNvSpPr>
+            <a:spLocks noGrp="1"/>
+          </p:cNvSpPr>
+          <p:nvPr>
+            <p:ph type="title"/>
+          </p:nvPr>
+        </p:nvSpPr>
+        <p:spPr/>
+        <p:txBody>
+          <a:bodyPr/>
+          <a:lstStyle/>
+          <a:p>
+            <a:r>
+              <a:rPr lang="it-IT" dirty="0"/>
+              <a:t>Overloading degli operatori</a:t>
+            </a:r>
+          </a:p>
+        </p:txBody>
+      </p:sp>
+      <p:sp>
+        <p:nvSpPr>
+          <p:cNvPr id="4" name="Segnaposto numero diapositiva 3">
+            <a:extLst>
+              <a:ext uri="{FF2B5EF4-FFF2-40B4-BE49-F238E27FC236}">
+                <a16:creationId xmlns:a16="http://schemas.microsoft.com/office/drawing/2014/main" id="{30F37182-85E1-1CBA-A05A-CCEC4E40C29C}"/>
+              </a:ext>
+            </a:extLst>
+          </p:cNvPr>
+          <p:cNvSpPr>
+            <a:spLocks noGrp="1"/>
+          </p:cNvSpPr>
+          <p:nvPr>
+            <p:ph type="sldNum" sz="quarter" idx="4"/>
+          </p:nvPr>
+        </p:nvSpPr>
+        <p:spPr/>
+        <p:txBody>
+          <a:bodyPr/>
+          <a:lstStyle/>
+          <a:p>
+            <a:fld id="{4D021CEB-2F22-4EA1-9BAF-E3833982B82A}" type="slidenum">
+              <a:rPr lang="en-US" smtClean="0"/>
+              <a:pPr/>
+              <a:t>24</a:t>
+            </a:fld>
+            <a:r>
+              <a:rPr lang="en-US" dirty="0"/>
+              <a:t> of 32</a:t>
+            </a:r>
+          </a:p>
+        </p:txBody>
+      </p:sp>
+      <p:sp>
+        <p:nvSpPr>
+          <p:cNvPr id="9" name="CasellaDiTesto 8">
+            <a:extLst>
+              <a:ext uri="{FF2B5EF4-FFF2-40B4-BE49-F238E27FC236}">
+                <a16:creationId xmlns:a16="http://schemas.microsoft.com/office/drawing/2014/main" id="{4B6313EF-3010-D4E4-5F5D-1FF5C2A34D0E}"/>
+              </a:ext>
+            </a:extLst>
+          </p:cNvPr>
+          <p:cNvSpPr txBox="1"/>
+          <p:nvPr/>
+        </p:nvSpPr>
+        <p:spPr>
+          <a:xfrm>
+            <a:off x="484246" y="1557431"/>
+            <a:ext cx="7769737" cy="4524315"/>
+          </a:xfrm>
+          <a:prstGeom prst="rect">
+            <a:avLst/>
+          </a:prstGeom>
+          <a:noFill/>
+        </p:spPr>
+        <p:txBody>
+          <a:bodyPr wrap="square" rtlCol="0">
+            <a:spAutoFit/>
+          </a:bodyPr>
+          <a:lstStyle/>
+          <a:p>
+            <a:pPr marL="285750" indent="-285750">
+              <a:buFont typeface="Arial" panose="020B0604020202020204" pitchFamily="34" charset="0"/>
+              <a:buChar char="•"/>
+            </a:pPr>
+            <a:r>
+              <a:rPr lang="it-IT" dirty="0"/>
+              <a:t>Ridefinizione di funzionalità per il contesto di una classe</a:t>
+            </a:r>
+          </a:p>
+          <a:p>
+            <a:pPr marL="285750" indent="-285750">
+              <a:buFont typeface="Arial" panose="020B0604020202020204" pitchFamily="34" charset="0"/>
+              <a:buChar char="•"/>
+            </a:pPr>
+            <a:endParaRPr lang="it-IT" dirty="0"/>
+          </a:p>
+          <a:p>
+            <a:pPr marL="285750" indent="-285750">
+              <a:buFont typeface="Arial" panose="020B0604020202020204" pitchFamily="34" charset="0"/>
+              <a:buChar char="•"/>
+            </a:pPr>
+            <a:r>
+              <a:rPr lang="it-IT" dirty="0"/>
+              <a:t>Tali funzionalità vengono definite mediante l’uso di operatori</a:t>
+            </a:r>
+          </a:p>
+          <a:p>
+            <a:pPr marL="285750" indent="-285750">
+              <a:buFont typeface="Arial" panose="020B0604020202020204" pitchFamily="34" charset="0"/>
+              <a:buChar char="•"/>
+            </a:pPr>
+            <a:endParaRPr lang="it-IT" dirty="0"/>
+          </a:p>
+          <a:p>
+            <a:pPr marL="285750" indent="-285750">
+              <a:buFont typeface="Arial" panose="020B0604020202020204" pitchFamily="34" charset="0"/>
+              <a:buChar char="•"/>
+            </a:pPr>
+            <a:endParaRPr lang="it-IT" dirty="0"/>
+          </a:p>
+          <a:p>
+            <a:pPr marL="285750" indent="-285750">
+              <a:buFont typeface="Arial" panose="020B0604020202020204" pitchFamily="34" charset="0"/>
+              <a:buChar char="•"/>
+            </a:pPr>
+            <a:endParaRPr lang="it-IT" dirty="0"/>
+          </a:p>
+          <a:p>
+            <a:pPr marL="285750" indent="-285750">
+              <a:buFont typeface="Arial" panose="020B0604020202020204" pitchFamily="34" charset="0"/>
+              <a:buChar char="•"/>
+            </a:pPr>
+            <a:endParaRPr lang="it-IT" dirty="0"/>
+          </a:p>
+          <a:p>
+            <a:pPr marL="285750" indent="-285750">
+              <a:buFont typeface="Arial" panose="020B0604020202020204" pitchFamily="34" charset="0"/>
+              <a:buChar char="•"/>
+            </a:pPr>
+            <a:r>
+              <a:rPr lang="it-IT" dirty="0"/>
+              <a:t>Caso importante:</a:t>
+            </a:r>
+          </a:p>
+          <a:p>
+            <a:pPr marL="742950" lvl="1" indent="-285750">
+              <a:buFont typeface="Arial" panose="020B0604020202020204" pitchFamily="34" charset="0"/>
+              <a:buChar char="•"/>
+            </a:pPr>
+            <a:r>
+              <a:rPr lang="it-IT" u="sng" dirty="0"/>
+              <a:t>Assegnazione standard</a:t>
+            </a:r>
+          </a:p>
+          <a:p>
+            <a:pPr lvl="1"/>
+            <a:endParaRPr lang="it-IT" dirty="0"/>
+          </a:p>
+          <a:p>
+            <a:pPr lvl="1"/>
+            <a:endParaRPr lang="it-IT" dirty="0"/>
+          </a:p>
+          <a:p>
+            <a:pPr lvl="1"/>
+            <a:endParaRPr lang="it-IT" dirty="0"/>
+          </a:p>
+          <a:p>
+            <a:pPr lvl="1"/>
+            <a:endParaRPr lang="it-IT" dirty="0"/>
+          </a:p>
+          <a:p>
+            <a:pPr marL="742950" lvl="1" indent="-285750">
+              <a:buFont typeface="Arial" panose="020B0604020202020204" pitchFamily="34" charset="0"/>
+              <a:buChar char="•"/>
+            </a:pPr>
+            <a:r>
+              <a:rPr lang="it-IT" dirty="0"/>
+              <a:t>Simile all’assegnazione standard, vi è il </a:t>
+            </a:r>
+            <a:r>
+              <a:rPr lang="it-IT" u="sng" dirty="0"/>
+              <a:t>costruttore di copia</a:t>
+            </a:r>
+          </a:p>
+          <a:p>
+            <a:pPr lvl="1"/>
+            <a:endParaRPr lang="it-IT" dirty="0"/>
+          </a:p>
+          <a:p>
+            <a:pPr marL="285750" indent="-285750">
+              <a:buFont typeface="Arial" panose="020B0604020202020204" pitchFamily="34" charset="0"/>
+              <a:buChar char="•"/>
+            </a:pPr>
+            <a:endParaRPr lang="it-IT" dirty="0"/>
+          </a:p>
+        </p:txBody>
+      </p:sp>
+      <p:pic>
+        <p:nvPicPr>
+          <p:cNvPr id="5" name="Immagine 4">
+            <a:extLst>
+              <a:ext uri="{FF2B5EF4-FFF2-40B4-BE49-F238E27FC236}">
+                <a16:creationId xmlns:a16="http://schemas.microsoft.com/office/drawing/2014/main" id="{C62E3CCC-934F-C007-76CB-21E517C631BB}"/>
+              </a:ext>
+            </a:extLst>
+          </p:cNvPr>
+          <p:cNvPicPr>
+            <a:picLocks noChangeAspect="1"/>
+          </p:cNvPicPr>
+          <p:nvPr/>
+        </p:nvPicPr>
+        <p:blipFill>
+          <a:blip r:embed="rId2"/>
+          <a:stretch>
+            <a:fillRect/>
+          </a:stretch>
+        </p:blipFill>
+        <p:spPr>
+          <a:xfrm>
+            <a:off x="1521039" y="2752594"/>
+            <a:ext cx="6101922" cy="608095"/>
+          </a:xfrm>
+          <a:prstGeom prst="rect">
+            <a:avLst/>
+          </a:prstGeom>
+        </p:spPr>
+      </p:pic>
+      <p:pic>
+        <p:nvPicPr>
+          <p:cNvPr id="6" name="Immagine 5">
+            <a:extLst>
+              <a:ext uri="{FF2B5EF4-FFF2-40B4-BE49-F238E27FC236}">
+                <a16:creationId xmlns:a16="http://schemas.microsoft.com/office/drawing/2014/main" id="{922C048C-1D1C-6906-FC68-86C1DAEF2EEF}"/>
+              </a:ext>
+            </a:extLst>
+          </p:cNvPr>
+          <p:cNvPicPr>
+            <a:picLocks noChangeAspect="1"/>
+          </p:cNvPicPr>
+          <p:nvPr/>
+        </p:nvPicPr>
+        <p:blipFill>
+          <a:blip r:embed="rId3"/>
+          <a:stretch>
+            <a:fillRect/>
+          </a:stretch>
+        </p:blipFill>
+        <p:spPr>
+          <a:xfrm>
+            <a:off x="4517355" y="3552642"/>
+            <a:ext cx="2685674" cy="779050"/>
+          </a:xfrm>
+          <a:prstGeom prst="rect">
+            <a:avLst/>
+          </a:prstGeom>
+        </p:spPr>
+      </p:pic>
+      <p:pic>
+        <p:nvPicPr>
+          <p:cNvPr id="11" name="Immagine 10">
+            <a:extLst>
+              <a:ext uri="{FF2B5EF4-FFF2-40B4-BE49-F238E27FC236}">
+                <a16:creationId xmlns:a16="http://schemas.microsoft.com/office/drawing/2014/main" id="{C23277DD-9E95-2566-1CB0-D62BF9839433}"/>
+              </a:ext>
+            </a:extLst>
+          </p:cNvPr>
+          <p:cNvPicPr>
+            <a:picLocks noChangeAspect="1"/>
+          </p:cNvPicPr>
+          <p:nvPr/>
+        </p:nvPicPr>
+        <p:blipFill>
+          <a:blip r:embed="rId4"/>
+          <a:stretch>
+            <a:fillRect/>
+          </a:stretch>
+        </p:blipFill>
+        <p:spPr>
+          <a:xfrm>
+            <a:off x="7061507" y="4809016"/>
+            <a:ext cx="1776241" cy="825895"/>
+          </a:xfrm>
+          <a:prstGeom prst="rect">
+            <a:avLst/>
+          </a:prstGeom>
+        </p:spPr>
+      </p:pic>
+    </p:spTree>
+    <p:extLst>
+      <p:ext uri="{BB962C8B-B14F-4D97-AF65-F5344CB8AC3E}">
+        <p14:creationId xmlns:p14="http://schemas.microsoft.com/office/powerpoint/2010/main" val="888774464"/>
+      </p:ext>
+    </p:extLst>
+  </p:cSld>
+  <p:clrMapOvr>
+    <a:masterClrMapping/>
+  </p:clrMapOvr>
+</p:sld>
+</file>
+
+<file path=ppt/slides/slide25.xml><?xml version="1.0" encoding="utf-8"?>
+<p:sld xmlns:a="http://schemas.openxmlformats.org/drawingml/2006/main" xmlns:r="http://schemas.openxmlformats.org/officeDocument/2006/relationships" xmlns:p="http://schemas.openxmlformats.org/presentationml/2006/main">
+  <p:cSld>
+    <p:spTree>
+      <p:nvGrpSpPr>
+        <p:cNvPr id="1" name=""/>
+        <p:cNvGrpSpPr/>
+        <p:nvPr/>
+      </p:nvGrpSpPr>
+      <p:grpSpPr>
+        <a:xfrm>
+          <a:off x="0" y="0"/>
+          <a:ext cx="0" cy="0"/>
+          <a:chOff x="0" y="0"/>
+          <a:chExt cx="0" cy="0"/>
+        </a:xfrm>
+      </p:grpSpPr>
+      <p:sp>
+        <p:nvSpPr>
+          <p:cNvPr id="2" name="Titolo 1">
+            <a:extLst>
+              <a:ext uri="{FF2B5EF4-FFF2-40B4-BE49-F238E27FC236}">
+                <a16:creationId xmlns:a16="http://schemas.microsoft.com/office/drawing/2014/main" id="{A1C33B46-A1F8-111B-8108-D696C1BBCC68}"/>
+              </a:ext>
+            </a:extLst>
+          </p:cNvPr>
+          <p:cNvSpPr>
+            <a:spLocks noGrp="1"/>
+          </p:cNvSpPr>
+          <p:nvPr>
+            <p:ph type="title"/>
+          </p:nvPr>
+        </p:nvSpPr>
+        <p:spPr/>
+        <p:txBody>
+          <a:bodyPr/>
+          <a:lstStyle/>
+          <a:p>
+            <a:r>
+              <a:rPr lang="it-IT" dirty="0"/>
+              <a:t>Overloading degli operatori</a:t>
+            </a:r>
+          </a:p>
+        </p:txBody>
+      </p:sp>
+      <p:sp>
+        <p:nvSpPr>
+          <p:cNvPr id="4" name="Segnaposto numero diapositiva 3">
+            <a:extLst>
+              <a:ext uri="{FF2B5EF4-FFF2-40B4-BE49-F238E27FC236}">
+                <a16:creationId xmlns:a16="http://schemas.microsoft.com/office/drawing/2014/main" id="{30F37182-85E1-1CBA-A05A-CCEC4E40C29C}"/>
+              </a:ext>
+            </a:extLst>
+          </p:cNvPr>
+          <p:cNvSpPr>
+            <a:spLocks noGrp="1"/>
+          </p:cNvSpPr>
+          <p:nvPr>
+            <p:ph type="sldNum" sz="quarter" idx="4"/>
+          </p:nvPr>
+        </p:nvSpPr>
+        <p:spPr/>
+        <p:txBody>
+          <a:bodyPr/>
+          <a:lstStyle/>
+          <a:p>
+            <a:fld id="{4D021CEB-2F22-4EA1-9BAF-E3833982B82A}" type="slidenum">
+              <a:rPr lang="en-US" smtClean="0"/>
+              <a:pPr/>
+              <a:t>25</a:t>
+            </a:fld>
+            <a:r>
+              <a:rPr lang="en-US" dirty="0"/>
+              <a:t> of 32</a:t>
+            </a:r>
+          </a:p>
+        </p:txBody>
+      </p:sp>
+      <p:pic>
+        <p:nvPicPr>
+          <p:cNvPr id="5" name="Immagine 4">
+            <a:extLst>
+              <a:ext uri="{FF2B5EF4-FFF2-40B4-BE49-F238E27FC236}">
+                <a16:creationId xmlns:a16="http://schemas.microsoft.com/office/drawing/2014/main" id="{5C266208-244E-2124-E579-1836727D1A0C}"/>
+              </a:ext>
+            </a:extLst>
+          </p:cNvPr>
+          <p:cNvPicPr>
+            <a:picLocks noChangeAspect="1"/>
+          </p:cNvPicPr>
+          <p:nvPr/>
+        </p:nvPicPr>
+        <p:blipFill>
+          <a:blip r:embed="rId2"/>
+          <a:stretch>
+            <a:fillRect/>
+          </a:stretch>
+        </p:blipFill>
+        <p:spPr>
+          <a:xfrm>
+            <a:off x="941401" y="1523695"/>
+            <a:ext cx="7553805" cy="2148927"/>
+          </a:xfrm>
+          <a:prstGeom prst="rect">
+            <a:avLst/>
+          </a:prstGeom>
+        </p:spPr>
+      </p:pic>
+      <p:sp>
+        <p:nvSpPr>
+          <p:cNvPr id="7" name="CasellaDiTesto 6">
+            <a:extLst>
+              <a:ext uri="{FF2B5EF4-FFF2-40B4-BE49-F238E27FC236}">
+                <a16:creationId xmlns:a16="http://schemas.microsoft.com/office/drawing/2014/main" id="{8545F119-2EA8-E1B2-1131-3546AF4257DC}"/>
+              </a:ext>
+            </a:extLst>
+          </p:cNvPr>
+          <p:cNvSpPr txBox="1"/>
+          <p:nvPr/>
+        </p:nvSpPr>
+        <p:spPr>
+          <a:xfrm>
+            <a:off x="417145" y="3758726"/>
+            <a:ext cx="7769737" cy="646331"/>
+          </a:xfrm>
+          <a:prstGeom prst="rect">
+            <a:avLst/>
+          </a:prstGeom>
+          <a:noFill/>
+        </p:spPr>
+        <p:txBody>
+          <a:bodyPr wrap="square" rtlCol="0">
+            <a:spAutoFit/>
+          </a:bodyPr>
+          <a:lstStyle/>
+          <a:p>
+            <a:pPr marL="742950" lvl="1" indent="-285750">
+              <a:buFont typeface="Arial" panose="020B0604020202020204" pitchFamily="34" charset="0"/>
+              <a:buChar char="•"/>
+            </a:pPr>
+            <a:r>
+              <a:rPr lang="it-IT" dirty="0"/>
+              <a:t>Operatori particolari</a:t>
+            </a:r>
+          </a:p>
+          <a:p>
+            <a:pPr marL="1200150" lvl="2" indent="-285750">
+              <a:buFont typeface="Arial" panose="020B0604020202020204" pitchFamily="34" charset="0"/>
+              <a:buChar char="•"/>
+            </a:pPr>
+            <a:r>
+              <a:rPr lang="it-IT" dirty="0"/>
+              <a:t>Operatore ternario</a:t>
+            </a:r>
+          </a:p>
+        </p:txBody>
+      </p:sp>
+      <p:pic>
+        <p:nvPicPr>
+          <p:cNvPr id="9" name="Immagine 8">
+            <a:extLst>
+              <a:ext uri="{FF2B5EF4-FFF2-40B4-BE49-F238E27FC236}">
+                <a16:creationId xmlns:a16="http://schemas.microsoft.com/office/drawing/2014/main" id="{D52256D4-D525-4959-4B82-56E0F6AA06E1}"/>
+              </a:ext>
+            </a:extLst>
+          </p:cNvPr>
+          <p:cNvPicPr>
+            <a:picLocks noChangeAspect="1"/>
+          </p:cNvPicPr>
+          <p:nvPr/>
+        </p:nvPicPr>
+        <p:blipFill>
+          <a:blip r:embed="rId3"/>
+          <a:stretch>
+            <a:fillRect/>
+          </a:stretch>
+        </p:blipFill>
+        <p:spPr>
+          <a:xfrm>
+            <a:off x="1749229" y="4418858"/>
+            <a:ext cx="5645542" cy="1192566"/>
+          </a:xfrm>
+          <a:prstGeom prst="rect">
+            <a:avLst/>
+          </a:prstGeom>
+        </p:spPr>
+      </p:pic>
+    </p:spTree>
+    <p:extLst>
+      <p:ext uri="{BB962C8B-B14F-4D97-AF65-F5344CB8AC3E}">
+        <p14:creationId xmlns:p14="http://schemas.microsoft.com/office/powerpoint/2010/main" val="683277579"/>
+      </p:ext>
+    </p:extLst>
+  </p:cSld>
+  <p:clrMapOvr>
+    <a:masterClrMapping/>
+  </p:clrMapOvr>
+</p:sld>
+</file>
+
+<file path=ppt/slides/slide26.xml><?xml version="1.0" encoding="utf-8"?>
+<p:sld xmlns:a="http://schemas.openxmlformats.org/drawingml/2006/main" xmlns:r="http://schemas.openxmlformats.org/officeDocument/2006/relationships" xmlns:p="http://schemas.openxmlformats.org/presentationml/2006/main">
+  <p:cSld>
+    <p:spTree>
+      <p:nvGrpSpPr>
+        <p:cNvPr id="1" name=""/>
+        <p:cNvGrpSpPr/>
+        <p:nvPr/>
+      </p:nvGrpSpPr>
+      <p:grpSpPr>
+        <a:xfrm>
+          <a:off x="0" y="0"/>
+          <a:ext cx="0" cy="0"/>
+          <a:chOff x="0" y="0"/>
+          <a:chExt cx="0" cy="0"/>
+        </a:xfrm>
+      </p:grpSpPr>
+      <p:sp>
+        <p:nvSpPr>
+          <p:cNvPr id="2" name="Titolo 1">
+            <a:extLst>
+              <a:ext uri="{FF2B5EF4-FFF2-40B4-BE49-F238E27FC236}">
+                <a16:creationId xmlns:a16="http://schemas.microsoft.com/office/drawing/2014/main" id="{A1C33B46-A1F8-111B-8108-D696C1BBCC68}"/>
+              </a:ext>
+            </a:extLst>
+          </p:cNvPr>
+          <p:cNvSpPr>
+            <a:spLocks noGrp="1"/>
+          </p:cNvSpPr>
+          <p:nvPr>
+            <p:ph type="title"/>
+          </p:nvPr>
+        </p:nvSpPr>
+        <p:spPr/>
+        <p:txBody>
+          <a:bodyPr/>
+          <a:lstStyle/>
+          <a:p>
+            <a:r>
+              <a:rPr lang="it-IT" dirty="0"/>
+              <a:t>Overloading degli operatori</a:t>
+            </a:r>
+          </a:p>
+        </p:txBody>
+      </p:sp>
+      <p:sp>
+        <p:nvSpPr>
+          <p:cNvPr id="4" name="Segnaposto numero diapositiva 3">
+            <a:extLst>
+              <a:ext uri="{FF2B5EF4-FFF2-40B4-BE49-F238E27FC236}">
+                <a16:creationId xmlns:a16="http://schemas.microsoft.com/office/drawing/2014/main" id="{30F37182-85E1-1CBA-A05A-CCEC4E40C29C}"/>
+              </a:ext>
+            </a:extLst>
+          </p:cNvPr>
+          <p:cNvSpPr>
+            <a:spLocks noGrp="1"/>
+          </p:cNvSpPr>
+          <p:nvPr>
+            <p:ph type="sldNum" sz="quarter" idx="4"/>
+          </p:nvPr>
+        </p:nvSpPr>
+        <p:spPr/>
+        <p:txBody>
+          <a:bodyPr/>
+          <a:lstStyle/>
+          <a:p>
+            <a:fld id="{4D021CEB-2F22-4EA1-9BAF-E3833982B82A}" type="slidenum">
+              <a:rPr lang="en-US" smtClean="0"/>
+              <a:pPr/>
+              <a:t>26</a:t>
+            </a:fld>
+            <a:r>
+              <a:rPr lang="en-US" dirty="0"/>
+              <a:t> of 32</a:t>
+            </a:r>
+          </a:p>
+        </p:txBody>
+      </p:sp>
+      <p:sp>
+        <p:nvSpPr>
+          <p:cNvPr id="9" name="CasellaDiTesto 8">
+            <a:extLst>
+              <a:ext uri="{FF2B5EF4-FFF2-40B4-BE49-F238E27FC236}">
+                <a16:creationId xmlns:a16="http://schemas.microsoft.com/office/drawing/2014/main" id="{4B6313EF-3010-D4E4-5F5D-1FF5C2A34D0E}"/>
+              </a:ext>
+            </a:extLst>
+          </p:cNvPr>
+          <p:cNvSpPr txBox="1"/>
+          <p:nvPr/>
+        </p:nvSpPr>
+        <p:spPr>
+          <a:xfrm>
+            <a:off x="484246" y="1557431"/>
+            <a:ext cx="7769737" cy="4801314"/>
+          </a:xfrm>
+          <a:prstGeom prst="rect">
+            <a:avLst/>
+          </a:prstGeom>
+          <a:noFill/>
+        </p:spPr>
+        <p:txBody>
+          <a:bodyPr wrap="square" rtlCol="0">
+            <a:spAutoFit/>
+          </a:bodyPr>
+          <a:lstStyle/>
+          <a:p>
+            <a:pPr marL="742950" lvl="1" indent="-285750">
+              <a:buFont typeface="Arial" panose="020B0604020202020204" pitchFamily="34" charset="0"/>
+              <a:buChar char="•"/>
+            </a:pPr>
+            <a:r>
+              <a:rPr lang="it-IT" dirty="0"/>
+              <a:t>Si possono sovraccaricare degli operatori come funzioni esterne</a:t>
+            </a:r>
+          </a:p>
+          <a:p>
+            <a:pPr marL="1200150" lvl="2" indent="-285750">
+              <a:buFont typeface="Arial" panose="020B0604020202020204" pitchFamily="34" charset="0"/>
+              <a:buChar char="•"/>
+            </a:pPr>
+            <a:r>
+              <a:rPr lang="it-IT" dirty="0"/>
+              <a:t>Operatore di stampa</a:t>
+            </a:r>
+          </a:p>
+          <a:p>
+            <a:pPr marL="1200150" lvl="2" indent="-285750">
+              <a:buFont typeface="Arial" panose="020B0604020202020204" pitchFamily="34" charset="0"/>
+              <a:buChar char="•"/>
+            </a:pPr>
+            <a:endParaRPr lang="it-IT" dirty="0"/>
+          </a:p>
+          <a:p>
+            <a:pPr marL="1200150" lvl="2" indent="-285750">
+              <a:buFont typeface="Arial" panose="020B0604020202020204" pitchFamily="34" charset="0"/>
+              <a:buChar char="•"/>
+            </a:pPr>
+            <a:endParaRPr lang="it-IT" dirty="0"/>
+          </a:p>
+          <a:p>
+            <a:pPr marL="1200150" lvl="2" indent="-285750">
+              <a:buFont typeface="Arial" panose="020B0604020202020204" pitchFamily="34" charset="0"/>
+              <a:buChar char="•"/>
+            </a:pPr>
+            <a:endParaRPr lang="it-IT" dirty="0"/>
+          </a:p>
+          <a:p>
+            <a:pPr marL="1200150" lvl="2" indent="-285750">
+              <a:buFont typeface="Arial" panose="020B0604020202020204" pitchFamily="34" charset="0"/>
+              <a:buChar char="•"/>
+            </a:pPr>
+            <a:endParaRPr lang="it-IT" dirty="0"/>
+          </a:p>
+          <a:p>
+            <a:pPr marL="285750" indent="-285750">
+              <a:buFont typeface="Arial" panose="020B0604020202020204" pitchFamily="34" charset="0"/>
+              <a:buChar char="•"/>
+            </a:pPr>
+            <a:r>
+              <a:rPr lang="it-IT" dirty="0"/>
+              <a:t>Altri esempi di overloading</a:t>
+            </a:r>
+          </a:p>
+          <a:p>
+            <a:pPr marL="742950" lvl="1" indent="-285750">
+              <a:buFont typeface="Arial" panose="020B0604020202020204" pitchFamily="34" charset="0"/>
+              <a:buChar char="•"/>
+            </a:pPr>
+            <a:r>
+              <a:rPr lang="it-IT" dirty="0"/>
+              <a:t>operator + (somma)</a:t>
+            </a:r>
+          </a:p>
+          <a:p>
+            <a:pPr marL="742950" lvl="1" indent="-285750">
+              <a:buFont typeface="Arial" panose="020B0604020202020204" pitchFamily="34" charset="0"/>
+              <a:buChar char="•"/>
+            </a:pPr>
+            <a:r>
+              <a:rPr lang="it-IT" dirty="0"/>
+              <a:t>operator == (confronto)</a:t>
+            </a:r>
+          </a:p>
+          <a:p>
+            <a:pPr marL="285750" indent="-285750">
+              <a:buFont typeface="Arial" panose="020B0604020202020204" pitchFamily="34" charset="0"/>
+              <a:buChar char="•"/>
+            </a:pPr>
+            <a:r>
+              <a:rPr lang="it-IT" dirty="0"/>
+              <a:t>Altri operatori che ci saranno utili successivamente:</a:t>
+            </a:r>
+          </a:p>
+          <a:p>
+            <a:pPr marL="742950" lvl="1" indent="-285750">
+              <a:buFont typeface="Arial" panose="020B0604020202020204" pitchFamily="34" charset="0"/>
+              <a:buChar char="•"/>
+            </a:pPr>
+            <a:r>
+              <a:rPr lang="it-IT" dirty="0"/>
+              <a:t>operator * (referenziazione)</a:t>
+            </a:r>
+          </a:p>
+          <a:p>
+            <a:pPr marL="742950" lvl="1" indent="-285750">
+              <a:buFont typeface="Arial" panose="020B0604020202020204" pitchFamily="34" charset="0"/>
+              <a:buChar char="•"/>
+            </a:pPr>
+            <a:r>
+              <a:rPr lang="it-IT" dirty="0"/>
+              <a:t>operator &amp; (dereferenziazione)</a:t>
+            </a:r>
+          </a:p>
+          <a:p>
+            <a:pPr marL="742950" lvl="1" indent="-285750">
+              <a:buFont typeface="Arial" panose="020B0604020202020204" pitchFamily="34" charset="0"/>
+              <a:buChar char="•"/>
+            </a:pPr>
+            <a:r>
+              <a:rPr lang="it-IT" dirty="0"/>
+              <a:t>operator </a:t>
+            </a:r>
+            <a:r>
+              <a:rPr lang="it-IT" dirty="0">
+                <a:sym typeface="Wingdings" panose="05000000000000000000" pitchFamily="2" charset="2"/>
+              </a:rPr>
+              <a:t>-&gt; (selezione a membro)</a:t>
+            </a:r>
+          </a:p>
+          <a:p>
+            <a:pPr marL="742950" lvl="1" indent="-285750">
+              <a:buFont typeface="Arial" panose="020B0604020202020204" pitchFamily="34" charset="0"/>
+              <a:buChar char="•"/>
+            </a:pPr>
+            <a:r>
+              <a:rPr lang="it-IT" dirty="0">
+                <a:sym typeface="Wingdings" panose="05000000000000000000" pitchFamily="2" charset="2"/>
+              </a:rPr>
+              <a:t>operator [] (indicizzazione)</a:t>
+            </a:r>
+          </a:p>
+          <a:p>
+            <a:pPr marL="742950" lvl="1" indent="-285750">
+              <a:buFont typeface="Arial" panose="020B0604020202020204" pitchFamily="34" charset="0"/>
+              <a:buChar char="•"/>
+            </a:pPr>
+            <a:r>
+              <a:rPr lang="it-IT" dirty="0">
+                <a:sym typeface="Wingdings" panose="05000000000000000000" pitchFamily="2" charset="2"/>
+              </a:rPr>
+              <a:t>operator ++ (somma</a:t>
+            </a:r>
+          </a:p>
+          <a:p>
+            <a:pPr marL="1200150" lvl="2" indent="-285750">
+              <a:buFont typeface="Arial" panose="020B0604020202020204" pitchFamily="34" charset="0"/>
+              <a:buChar char="•"/>
+            </a:pPr>
+            <a:r>
+              <a:rPr lang="it-IT" dirty="0">
+                <a:sym typeface="Wingdings" panose="05000000000000000000" pitchFamily="2" charset="2"/>
+              </a:rPr>
+              <a:t>Incremento prefisso</a:t>
+            </a:r>
+          </a:p>
+          <a:p>
+            <a:pPr marL="1200150" lvl="2" indent="-285750">
+              <a:buFont typeface="Arial" panose="020B0604020202020204" pitchFamily="34" charset="0"/>
+              <a:buChar char="•"/>
+            </a:pPr>
+            <a:r>
+              <a:rPr lang="it-IT" dirty="0">
+                <a:sym typeface="Wingdings" panose="05000000000000000000" pitchFamily="2" charset="2"/>
+              </a:rPr>
+              <a:t>Incremento postfisso</a:t>
+            </a:r>
+            <a:endParaRPr lang="it-IT" dirty="0"/>
+          </a:p>
+        </p:txBody>
+      </p:sp>
+      <p:pic>
+        <p:nvPicPr>
+          <p:cNvPr id="11" name="Immagine 10">
+            <a:extLst>
+              <a:ext uri="{FF2B5EF4-FFF2-40B4-BE49-F238E27FC236}">
+                <a16:creationId xmlns:a16="http://schemas.microsoft.com/office/drawing/2014/main" id="{33463B1A-E8B1-8FE9-20E9-7D615C39CFA4}"/>
+              </a:ext>
+            </a:extLst>
+          </p:cNvPr>
+          <p:cNvPicPr>
+            <a:picLocks noChangeAspect="1"/>
+          </p:cNvPicPr>
+          <p:nvPr/>
+        </p:nvPicPr>
+        <p:blipFill>
+          <a:blip r:embed="rId2"/>
+          <a:stretch>
+            <a:fillRect/>
+          </a:stretch>
+        </p:blipFill>
+        <p:spPr>
+          <a:xfrm>
+            <a:off x="793422" y="2312376"/>
+            <a:ext cx="7557156" cy="744266"/>
+          </a:xfrm>
+          <a:prstGeom prst="rect">
+            <a:avLst/>
+          </a:prstGeom>
+        </p:spPr>
+      </p:pic>
+    </p:spTree>
+    <p:extLst>
+      <p:ext uri="{BB962C8B-B14F-4D97-AF65-F5344CB8AC3E}">
+        <p14:creationId xmlns:p14="http://schemas.microsoft.com/office/powerpoint/2010/main" val="3452887810"/>
+      </p:ext>
+    </p:extLst>
+  </p:cSld>
+  <p:clrMapOvr>
+    <a:masterClrMapping/>
+  </p:clrMapOvr>
+</p:sld>
+</file>
+
+<file path=ppt/slides/slide27.xml><?xml version="1.0" encoding="utf-8"?>
+<p:sld xmlns:a="http://schemas.openxmlformats.org/drawingml/2006/main" xmlns:r="http://schemas.openxmlformats.org/officeDocument/2006/relationships" xmlns:p="http://schemas.openxmlformats.org/presentationml/2006/main">
+  <p:cSld>
+    <p:spTree>
+      <p:nvGrpSpPr>
+        <p:cNvPr id="1" name=""/>
+        <p:cNvGrpSpPr/>
+        <p:nvPr/>
+      </p:nvGrpSpPr>
+      <p:grpSpPr>
+        <a:xfrm>
+          <a:off x="0" y="0"/>
+          <a:ext cx="0" cy="0"/>
+          <a:chOff x="0" y="0"/>
+          <a:chExt cx="0" cy="0"/>
+        </a:xfrm>
+      </p:grpSpPr>
+      <p:sp>
+        <p:nvSpPr>
+          <p:cNvPr id="2" name="Titolo 1">
+            <a:extLst>
+              <a:ext uri="{FF2B5EF4-FFF2-40B4-BE49-F238E27FC236}">
+                <a16:creationId xmlns:a16="http://schemas.microsoft.com/office/drawing/2014/main" id="{A1C33B46-A1F8-111B-8108-D696C1BBCC68}"/>
+              </a:ext>
+            </a:extLst>
+          </p:cNvPr>
+          <p:cNvSpPr>
+            <a:spLocks noGrp="1"/>
+          </p:cNvSpPr>
+          <p:nvPr>
+            <p:ph type="title"/>
+          </p:nvPr>
+        </p:nvSpPr>
+        <p:spPr/>
+        <p:txBody>
+          <a:bodyPr/>
+          <a:lstStyle/>
+          <a:p>
+            <a:r>
+              <a:rPr lang="it-IT" dirty="0"/>
+              <a:t>Overloading degli operatori</a:t>
+            </a:r>
+          </a:p>
+        </p:txBody>
+      </p:sp>
+      <p:sp>
+        <p:nvSpPr>
+          <p:cNvPr id="4" name="Segnaposto numero diapositiva 3">
+            <a:extLst>
+              <a:ext uri="{FF2B5EF4-FFF2-40B4-BE49-F238E27FC236}">
+                <a16:creationId xmlns:a16="http://schemas.microsoft.com/office/drawing/2014/main" id="{30F37182-85E1-1CBA-A05A-CCEC4E40C29C}"/>
+              </a:ext>
+            </a:extLst>
+          </p:cNvPr>
+          <p:cNvSpPr>
+            <a:spLocks noGrp="1"/>
+          </p:cNvSpPr>
+          <p:nvPr>
+            <p:ph type="sldNum" sz="quarter" idx="4"/>
+          </p:nvPr>
+        </p:nvSpPr>
+        <p:spPr/>
+        <p:txBody>
+          <a:bodyPr/>
+          <a:lstStyle/>
+          <a:p>
+            <a:fld id="{4D021CEB-2F22-4EA1-9BAF-E3833982B82A}" type="slidenum">
+              <a:rPr lang="en-US" smtClean="0"/>
+              <a:pPr/>
+              <a:t>27</a:t>
+            </a:fld>
+            <a:r>
+              <a:rPr lang="en-US" dirty="0"/>
+              <a:t> of 32</a:t>
+            </a:r>
+          </a:p>
+        </p:txBody>
+      </p:sp>
+      <p:pic>
+        <p:nvPicPr>
+          <p:cNvPr id="3" name="Picture 4" descr="Orario bianco - OROLOGI di Rexite | Arredinitaly">
+            <a:extLst>
+              <a:ext uri="{FF2B5EF4-FFF2-40B4-BE49-F238E27FC236}">
+                <a16:creationId xmlns:a16="http://schemas.microsoft.com/office/drawing/2014/main" id="{04AE8E3B-D957-E061-1728-5FE6414DEE43}"/>
               </a:ext>
             </a:extLst>
           </p:cNvPr>
@@ -2019,8 +5505,8 @@
         </p:blipFill>
         <p:spPr bwMode="auto">
           <a:xfrm>
-            <a:off x="5178828" y="1882832"/>
-            <a:ext cx="3092335" cy="3092335"/>
+            <a:off x="832591" y="1580135"/>
+            <a:ext cx="3333750" cy="3333750"/>
           </a:xfrm>
           <a:prstGeom prst="rect">
             <a:avLst/>
@@ -2037,12 +5523,47 @@
           </a:extLst>
         </p:spPr>
       </p:pic>
+      <p:sp>
+        <p:nvSpPr>
+          <p:cNvPr id="5" name="CasellaDiTesto 4">
+            <a:extLst>
+              <a:ext uri="{FF2B5EF4-FFF2-40B4-BE49-F238E27FC236}">
+                <a16:creationId xmlns:a16="http://schemas.microsoft.com/office/drawing/2014/main" id="{058BACD3-0645-5D05-B75D-A86D0E2EB011}"/>
+              </a:ext>
+            </a:extLst>
+          </p:cNvPr>
+          <p:cNvSpPr txBox="1"/>
+          <p:nvPr/>
+        </p:nvSpPr>
+        <p:spPr>
+          <a:xfrm>
+            <a:off x="1559498" y="5365052"/>
+            <a:ext cx="7424928" cy="369332"/>
+          </a:xfrm>
+          <a:prstGeom prst="rect">
+            <a:avLst/>
+          </a:prstGeom>
+          <a:noFill/>
+        </p:spPr>
+        <p:txBody>
+          <a:bodyPr wrap="square" rtlCol="0">
+            <a:spAutoFit/>
+          </a:bodyPr>
+          <a:lstStyle/>
+          <a:p>
+            <a:r>
+              <a:rPr lang="it-IT" dirty="0"/>
+              <a:t>Estendiamo la nostra classe «orario» e vediamo alcuni esempi…</a:t>
+            </a:r>
+          </a:p>
+        </p:txBody>
+      </p:sp>
       <p:pic>
         <p:nvPicPr>
-          <p:cNvPr id="1028" name="Picture 4" descr="Orario bianco - OROLOGI di Rexite | Arredinitaly">
-            <a:extLst>
-              <a:ext uri="{FF2B5EF4-FFF2-40B4-BE49-F238E27FC236}">
-                <a16:creationId xmlns:a16="http://schemas.microsoft.com/office/drawing/2014/main" id="{13B8337C-E983-19BE-8511-4E78B7FBE047}"/>
+          <p:cNvPr id="6" name="Picture 2">
+            <a:extLst>
+              <a:ext uri="{FF2B5EF4-FFF2-40B4-BE49-F238E27FC236}">
+                <a16:creationId xmlns:a16="http://schemas.microsoft.com/office/drawing/2014/main" id="{5F47177A-DE4A-34A6-EFFD-03A0620070D8}"/>
               </a:ext>
             </a:extLst>
           </p:cNvPr>
@@ -2066,8 +5587,8 @@
         </p:blipFill>
         <p:spPr bwMode="auto">
           <a:xfrm>
-            <a:off x="722863" y="1521055"/>
-            <a:ext cx="3333750" cy="3333750"/>
+            <a:off x="4977661" y="1580135"/>
+            <a:ext cx="3092335" cy="3092335"/>
           </a:xfrm>
           <a:prstGeom prst="rect">
             <a:avLst/>
@@ -2084,45 +5605,282 @@
           </a:extLst>
         </p:spPr>
       </p:pic>
-      <p:sp>
-        <p:nvSpPr>
-          <p:cNvPr id="5" name="CasellaDiTesto 4">
-            <a:extLst>
-              <a:ext uri="{FF2B5EF4-FFF2-40B4-BE49-F238E27FC236}">
-                <a16:creationId xmlns:a16="http://schemas.microsoft.com/office/drawing/2014/main" id="{2934096E-B231-E64D-28DC-F727747F9E45}"/>
-              </a:ext>
-            </a:extLst>
-          </p:cNvPr>
-          <p:cNvSpPr txBox="1"/>
-          <p:nvPr/>
-        </p:nvSpPr>
-        <p:spPr>
-          <a:xfrm>
-            <a:off x="3898670" y="5300849"/>
-            <a:ext cx="2019992" cy="369332"/>
-          </a:xfrm>
-          <a:prstGeom prst="rect">
-            <a:avLst/>
-          </a:prstGeom>
-          <a:noFill/>
-        </p:spPr>
-        <p:txBody>
-          <a:bodyPr wrap="square" rtlCol="0">
-            <a:spAutoFit/>
-          </a:bodyPr>
-          <a:lstStyle/>
-          <a:p>
-            <a:r>
-              <a:rPr lang="it-IT" dirty="0"/>
-              <a:t>Classe «orario»</a:t>
-            </a:r>
-          </a:p>
-        </p:txBody>
-      </p:sp>
     </p:spTree>
     <p:extLst>
       <p:ext uri="{BB962C8B-B14F-4D97-AF65-F5344CB8AC3E}">
-        <p14:creationId xmlns:p14="http://schemas.microsoft.com/office/powerpoint/2010/main" val="3283044308"/>
+        <p14:creationId xmlns:p14="http://schemas.microsoft.com/office/powerpoint/2010/main" val="3487479897"/>
+      </p:ext>
+    </p:extLst>
+  </p:cSld>
+  <p:clrMapOvr>
+    <a:masterClrMapping/>
+  </p:clrMapOvr>
+</p:sld>
+</file>
+
+<file path=ppt/slides/slide28.xml><?xml version="1.0" encoding="utf-8"?>
+<p:sld xmlns:a="http://schemas.openxmlformats.org/drawingml/2006/main" xmlns:r="http://schemas.openxmlformats.org/officeDocument/2006/relationships" xmlns:p="http://schemas.openxmlformats.org/presentationml/2006/main">
+  <p:cSld>
+    <p:spTree>
+      <p:nvGrpSpPr>
+        <p:cNvPr id="1" name=""/>
+        <p:cNvGrpSpPr/>
+        <p:nvPr/>
+      </p:nvGrpSpPr>
+      <p:grpSpPr>
+        <a:xfrm>
+          <a:off x="0" y="0"/>
+          <a:ext cx="0" cy="0"/>
+          <a:chOff x="0" y="0"/>
+          <a:chExt cx="0" cy="0"/>
+        </a:xfrm>
+      </p:grpSpPr>
+      <p:sp>
+        <p:nvSpPr>
+          <p:cNvPr id="2" name="Titolo 1">
+            <a:extLst>
+              <a:ext uri="{FF2B5EF4-FFF2-40B4-BE49-F238E27FC236}">
+                <a16:creationId xmlns:a16="http://schemas.microsoft.com/office/drawing/2014/main" id="{E6829A7B-6540-852A-128E-AB81590C2F7C}"/>
+              </a:ext>
+            </a:extLst>
+          </p:cNvPr>
+          <p:cNvSpPr>
+            <a:spLocks noGrp="1"/>
+          </p:cNvSpPr>
+          <p:nvPr>
+            <p:ph type="title"/>
+          </p:nvPr>
+        </p:nvSpPr>
+        <p:spPr/>
+        <p:txBody>
+          <a:bodyPr/>
+          <a:lstStyle/>
+          <a:p>
+            <a:r>
+              <a:rPr lang="it-IT" dirty="0"/>
+              <a:t>Esercizio 4: Cosa stampa (4)</a:t>
+            </a:r>
+          </a:p>
+        </p:txBody>
+      </p:sp>
+      <p:sp>
+        <p:nvSpPr>
+          <p:cNvPr id="4" name="Segnaposto numero diapositiva 3">
+            <a:extLst>
+              <a:ext uri="{FF2B5EF4-FFF2-40B4-BE49-F238E27FC236}">
+                <a16:creationId xmlns:a16="http://schemas.microsoft.com/office/drawing/2014/main" id="{C1A726B9-09D1-40A0-9688-9AA9FFB433D8}"/>
+              </a:ext>
+            </a:extLst>
+          </p:cNvPr>
+          <p:cNvSpPr>
+            <a:spLocks noGrp="1"/>
+          </p:cNvSpPr>
+          <p:nvPr>
+            <p:ph type="sldNum" sz="quarter" idx="4"/>
+          </p:nvPr>
+        </p:nvSpPr>
+        <p:spPr/>
+        <p:txBody>
+          <a:bodyPr/>
+          <a:lstStyle/>
+          <a:p>
+            <a:fld id="{4D021CEB-2F22-4EA1-9BAF-E3833982B82A}" type="slidenum">
+              <a:rPr lang="en-US" smtClean="0"/>
+              <a:pPr/>
+              <a:t>28</a:t>
+            </a:fld>
+            <a:r>
+              <a:rPr lang="en-US" dirty="0"/>
+              <a:t> of 32</a:t>
+            </a:r>
+          </a:p>
+        </p:txBody>
+      </p:sp>
+      <p:pic>
+        <p:nvPicPr>
+          <p:cNvPr id="6" name="Immagine 5">
+            <a:extLst>
+              <a:ext uri="{FF2B5EF4-FFF2-40B4-BE49-F238E27FC236}">
+                <a16:creationId xmlns:a16="http://schemas.microsoft.com/office/drawing/2014/main" id="{5E0EDCE1-6D2D-D3A3-4255-2AAC4A278E9C}"/>
+              </a:ext>
+            </a:extLst>
+          </p:cNvPr>
+          <p:cNvPicPr>
+            <a:picLocks noChangeAspect="1"/>
+          </p:cNvPicPr>
+          <p:nvPr/>
+        </p:nvPicPr>
+        <p:blipFill>
+          <a:blip r:embed="rId2"/>
+          <a:stretch>
+            <a:fillRect/>
+          </a:stretch>
+        </p:blipFill>
+        <p:spPr>
+          <a:xfrm>
+            <a:off x="473807" y="1561933"/>
+            <a:ext cx="3829969" cy="4088532"/>
+          </a:xfrm>
+          <a:prstGeom prst="rect">
+            <a:avLst/>
+          </a:prstGeom>
+        </p:spPr>
+      </p:pic>
+      <p:pic>
+        <p:nvPicPr>
+          <p:cNvPr id="8" name="Immagine 7">
+            <a:extLst>
+              <a:ext uri="{FF2B5EF4-FFF2-40B4-BE49-F238E27FC236}">
+                <a16:creationId xmlns:a16="http://schemas.microsoft.com/office/drawing/2014/main" id="{3D3C7E72-5AC8-328C-9DD7-69700DD22F04}"/>
+              </a:ext>
+            </a:extLst>
+          </p:cNvPr>
+          <p:cNvPicPr>
+            <a:picLocks noChangeAspect="1"/>
+          </p:cNvPicPr>
+          <p:nvPr/>
+        </p:nvPicPr>
+        <p:blipFill>
+          <a:blip r:embed="rId3"/>
+          <a:stretch>
+            <a:fillRect/>
+          </a:stretch>
+        </p:blipFill>
+        <p:spPr>
+          <a:xfrm>
+            <a:off x="4940284" y="1905526"/>
+            <a:ext cx="3515709" cy="3046948"/>
+          </a:xfrm>
+          <a:prstGeom prst="rect">
+            <a:avLst/>
+          </a:prstGeom>
+        </p:spPr>
+      </p:pic>
+    </p:spTree>
+    <p:extLst>
+      <p:ext uri="{BB962C8B-B14F-4D97-AF65-F5344CB8AC3E}">
+        <p14:creationId xmlns:p14="http://schemas.microsoft.com/office/powerpoint/2010/main" val="4169302503"/>
+      </p:ext>
+    </p:extLst>
+  </p:cSld>
+  <p:clrMapOvr>
+    <a:masterClrMapping/>
+  </p:clrMapOvr>
+</p:sld>
+</file>
+
+<file path=ppt/slides/slide29.xml><?xml version="1.0" encoding="utf-8"?>
+<p:sld xmlns:a="http://schemas.openxmlformats.org/drawingml/2006/main" xmlns:r="http://schemas.openxmlformats.org/officeDocument/2006/relationships" xmlns:p="http://schemas.openxmlformats.org/presentationml/2006/main">
+  <p:cSld>
+    <p:spTree>
+      <p:nvGrpSpPr>
+        <p:cNvPr id="1" name=""/>
+        <p:cNvGrpSpPr/>
+        <p:nvPr/>
+      </p:nvGrpSpPr>
+      <p:grpSpPr>
+        <a:xfrm>
+          <a:off x="0" y="0"/>
+          <a:ext cx="0" cy="0"/>
+          <a:chOff x="0" y="0"/>
+          <a:chExt cx="0" cy="0"/>
+        </a:xfrm>
+      </p:grpSpPr>
+      <p:sp>
+        <p:nvSpPr>
+          <p:cNvPr id="2" name="Titolo 1">
+            <a:extLst>
+              <a:ext uri="{FF2B5EF4-FFF2-40B4-BE49-F238E27FC236}">
+                <a16:creationId xmlns:a16="http://schemas.microsoft.com/office/drawing/2014/main" id="{E6829A7B-6540-852A-128E-AB81590C2F7C}"/>
+              </a:ext>
+            </a:extLst>
+          </p:cNvPr>
+          <p:cNvSpPr>
+            <a:spLocks noGrp="1"/>
+          </p:cNvSpPr>
+          <p:nvPr>
+            <p:ph type="title"/>
+          </p:nvPr>
+        </p:nvSpPr>
+        <p:spPr/>
+        <p:txBody>
+          <a:bodyPr/>
+          <a:lstStyle/>
+          <a:p>
+            <a:r>
+              <a:rPr lang="it-IT" dirty="0"/>
+              <a:t>Esercizio 4: Soluzione</a:t>
+            </a:r>
+          </a:p>
+        </p:txBody>
+      </p:sp>
+      <p:sp>
+        <p:nvSpPr>
+          <p:cNvPr id="4" name="Segnaposto numero diapositiva 3">
+            <a:extLst>
+              <a:ext uri="{FF2B5EF4-FFF2-40B4-BE49-F238E27FC236}">
+                <a16:creationId xmlns:a16="http://schemas.microsoft.com/office/drawing/2014/main" id="{C1A726B9-09D1-40A0-9688-9AA9FFB433D8}"/>
+              </a:ext>
+            </a:extLst>
+          </p:cNvPr>
+          <p:cNvSpPr>
+            <a:spLocks noGrp="1"/>
+          </p:cNvSpPr>
+          <p:nvPr>
+            <p:ph type="sldNum" sz="quarter" idx="4"/>
+          </p:nvPr>
+        </p:nvSpPr>
+        <p:spPr/>
+        <p:txBody>
+          <a:bodyPr/>
+          <a:lstStyle/>
+          <a:p>
+            <a:fld id="{4D021CEB-2F22-4EA1-9BAF-E3833982B82A}" type="slidenum">
+              <a:rPr lang="en-US" smtClean="0"/>
+              <a:pPr/>
+              <a:t>29</a:t>
+            </a:fld>
+            <a:r>
+              <a:rPr lang="en-US" dirty="0"/>
+              <a:t> of 32</a:t>
+            </a:r>
+          </a:p>
+        </p:txBody>
+      </p:sp>
+      <p:pic>
+        <p:nvPicPr>
+          <p:cNvPr id="5" name="Immagine 4">
+            <a:extLst>
+              <a:ext uri="{FF2B5EF4-FFF2-40B4-BE49-F238E27FC236}">
+                <a16:creationId xmlns:a16="http://schemas.microsoft.com/office/drawing/2014/main" id="{0BB57CED-A33C-7CBD-CDA7-BDB721096742}"/>
+              </a:ext>
+            </a:extLst>
+          </p:cNvPr>
+          <p:cNvPicPr>
+            <a:picLocks noChangeAspect="1"/>
+          </p:cNvPicPr>
+          <p:nvPr/>
+        </p:nvPicPr>
+        <p:blipFill>
+          <a:blip r:embed="rId2"/>
+          <a:stretch>
+            <a:fillRect/>
+          </a:stretch>
+        </p:blipFill>
+        <p:spPr>
+          <a:xfrm>
+            <a:off x="2417004" y="2010832"/>
+            <a:ext cx="4309991" cy="3076855"/>
+          </a:xfrm>
+          <a:prstGeom prst="rect">
+            <a:avLst/>
+          </a:prstGeom>
+        </p:spPr>
+      </p:pic>
+    </p:spTree>
+    <p:extLst>
+      <p:ext uri="{BB962C8B-B14F-4D97-AF65-F5344CB8AC3E}">
+        <p14:creationId xmlns:p14="http://schemas.microsoft.com/office/powerpoint/2010/main" val="3965213729"/>
       </p:ext>
     </p:extLst>
   </p:cSld>
@@ -2172,7 +5930,7 @@
           <a:p>
             <a:r>
               <a:rPr lang="it-IT" dirty="0"/>
-              <a:t>Le classi</a:t>
+              <a:t>Namespace</a:t>
             </a:r>
           </a:p>
         </p:txBody>
@@ -2204,19 +5962,108 @@
               <a:t>3</a:t>
             </a:fld>
             <a:r>
-              <a:rPr lang="en-US"/>
-              <a:t> of XX</a:t>
-            </a:r>
-            <a:endParaRPr lang="en-US" dirty="0"/>
+              <a:rPr lang="en-US" dirty="0"/>
+              <a:t> of 32</a:t>
+            </a:r>
+          </a:p>
+        </p:txBody>
+      </p:sp>
+      <p:sp>
+        <p:nvSpPr>
+          <p:cNvPr id="3" name="CasellaDiTesto 2">
+            <a:extLst>
+              <a:ext uri="{FF2B5EF4-FFF2-40B4-BE49-F238E27FC236}">
+                <a16:creationId xmlns:a16="http://schemas.microsoft.com/office/drawing/2014/main" id="{882FCE22-207E-4077-C468-65DB9728DF24}"/>
+              </a:ext>
+            </a:extLst>
+          </p:cNvPr>
+          <p:cNvSpPr txBox="1"/>
+          <p:nvPr/>
+        </p:nvSpPr>
+        <p:spPr>
+          <a:xfrm>
+            <a:off x="1011936" y="1491753"/>
+            <a:ext cx="6662374" cy="2308324"/>
+          </a:xfrm>
+          <a:prstGeom prst="rect">
+            <a:avLst/>
+          </a:prstGeom>
+          <a:noFill/>
+        </p:spPr>
+        <p:txBody>
+          <a:bodyPr wrap="square" rtlCol="0">
+            <a:spAutoFit/>
+          </a:bodyPr>
+          <a:lstStyle/>
+          <a:p>
+            <a:pPr marL="285750" indent="-285750">
+              <a:buFont typeface="Arial" panose="020B0604020202020204" pitchFamily="34" charset="0"/>
+              <a:buChar char="•"/>
+            </a:pPr>
+            <a:r>
+              <a:rPr lang="it-IT" dirty="0"/>
+              <a:t>Usiamo una programmazione modulare, quindi utilizziamo i </a:t>
+            </a:r>
+            <a:r>
+              <a:rPr lang="it-IT" i="1" dirty="0"/>
+              <a:t>namespace</a:t>
+            </a:r>
+            <a:r>
+              <a:rPr lang="it-IT" dirty="0"/>
+              <a:t> per identificare una collezione di nomi ed identificatori appartenenti ad una stessa classe</a:t>
+            </a:r>
+          </a:p>
+          <a:p>
+            <a:pPr marL="285750" indent="-285750">
+              <a:buFont typeface="Arial" panose="020B0604020202020204" pitchFamily="34" charset="0"/>
+              <a:buChar char="•"/>
+            </a:pPr>
+            <a:endParaRPr lang="it-IT" dirty="0"/>
+          </a:p>
+          <a:p>
+            <a:pPr marL="285750" indent="-285750">
+              <a:buFont typeface="Arial" panose="020B0604020202020204" pitchFamily="34" charset="0"/>
+              <a:buChar char="•"/>
+            </a:pPr>
+            <a:r>
+              <a:rPr lang="it-IT" dirty="0"/>
+              <a:t>Un esempio classico è il namespace </a:t>
+            </a:r>
+            <a:r>
+              <a:rPr lang="it-IT" i="1" dirty="0"/>
+              <a:t>std </a:t>
+            </a:r>
+            <a:r>
+              <a:rPr lang="it-IT" dirty="0"/>
+              <a:t>(con la direttiva «using»)</a:t>
+            </a:r>
+            <a:endParaRPr lang="it-IT" i="1" dirty="0"/>
+          </a:p>
+          <a:p>
+            <a:pPr marL="285750" indent="-285750">
+              <a:buFont typeface="Arial" panose="020B0604020202020204" pitchFamily="34" charset="0"/>
+              <a:buChar char="•"/>
+            </a:pPr>
+            <a:endParaRPr lang="it-IT" i="1" dirty="0"/>
+          </a:p>
+          <a:p>
+            <a:pPr marL="285750" indent="-285750">
+              <a:buFont typeface="Arial" panose="020B0604020202020204" pitchFamily="34" charset="0"/>
+              <a:buChar char="•"/>
+            </a:pPr>
+            <a:r>
+              <a:rPr lang="it-IT" dirty="0"/>
+              <a:t>Spesso utilizziamo l’operatore di scoping per riferirci ai suoi membri al suo interno</a:t>
+            </a:r>
           </a:p>
         </p:txBody>
       </p:sp>
       <p:pic>
         <p:nvPicPr>
-          <p:cNvPr id="6" name="Immagine 5">
-            <a:extLst>
-              <a:ext uri="{FF2B5EF4-FFF2-40B4-BE49-F238E27FC236}">
-                <a16:creationId xmlns:a16="http://schemas.microsoft.com/office/drawing/2014/main" id="{D3ABA53B-8A5F-7B2F-1CC2-5C6C08DDA379}"/>
+          <p:cNvPr id="7" name="Immagine 6">
+            <a:extLst>
+              <a:ext uri="{FF2B5EF4-FFF2-40B4-BE49-F238E27FC236}">
+                <a16:creationId xmlns:a16="http://schemas.microsoft.com/office/drawing/2014/main" id="{482699C5-5A7C-AC8A-ABBD-F176476B60DB}"/>
               </a:ext>
             </a:extLst>
           </p:cNvPr>
@@ -2233,8 +6080,8 @@
         </p:blipFill>
         <p:spPr>
           <a:xfrm>
-            <a:off x="807394" y="2180603"/>
-            <a:ext cx="7529212" cy="2347163"/>
+            <a:off x="2384698" y="3989253"/>
+            <a:ext cx="4374604" cy="1376994"/>
           </a:xfrm>
           <a:prstGeom prst="rect">
             <a:avLst/>
@@ -2244,7 +6091,128 @@
     </p:spTree>
     <p:extLst>
       <p:ext uri="{BB962C8B-B14F-4D97-AF65-F5344CB8AC3E}">
-        <p14:creationId xmlns:p14="http://schemas.microsoft.com/office/powerpoint/2010/main" val="4060275590"/>
+        <p14:creationId xmlns:p14="http://schemas.microsoft.com/office/powerpoint/2010/main" val="2865899089"/>
+      </p:ext>
+    </p:extLst>
+  </p:cSld>
+  <p:clrMapOvr>
+    <a:masterClrMapping/>
+  </p:clrMapOvr>
+</p:sld>
+</file>
+
+<file path=ppt/slides/slide30.xml><?xml version="1.0" encoding="utf-8"?>
+<p:sld xmlns:a="http://schemas.openxmlformats.org/drawingml/2006/main" xmlns:r="http://schemas.openxmlformats.org/officeDocument/2006/relationships" xmlns:p="http://schemas.openxmlformats.org/presentationml/2006/main">
+  <p:cSld>
+    <p:spTree>
+      <p:nvGrpSpPr>
+        <p:cNvPr id="1" name=""/>
+        <p:cNvGrpSpPr/>
+        <p:nvPr/>
+      </p:nvGrpSpPr>
+      <p:grpSpPr>
+        <a:xfrm>
+          <a:off x="0" y="0"/>
+          <a:ext cx="0" cy="0"/>
+          <a:chOff x="0" y="0"/>
+          <a:chExt cx="0" cy="0"/>
+        </a:xfrm>
+      </p:grpSpPr>
+      <p:sp>
+        <p:nvSpPr>
+          <p:cNvPr id="2" name="Titolo 1">
+            <a:extLst>
+              <a:ext uri="{FF2B5EF4-FFF2-40B4-BE49-F238E27FC236}">
+                <a16:creationId xmlns:a16="http://schemas.microsoft.com/office/drawing/2014/main" id="{5CF5972C-0648-4853-0835-24A93B1910D8}"/>
+              </a:ext>
+            </a:extLst>
+          </p:cNvPr>
+          <p:cNvSpPr>
+            <a:spLocks noGrp="1"/>
+          </p:cNvSpPr>
+          <p:nvPr>
+            <p:ph type="title"/>
+          </p:nvPr>
+        </p:nvSpPr>
+        <p:spPr/>
+        <p:txBody>
+          <a:bodyPr/>
+          <a:lstStyle/>
+          <a:p>
+            <a:r>
+              <a:rPr lang="it-IT" dirty="0"/>
+              <a:t>Esercizio 5: Modellazione</a:t>
+            </a:r>
+          </a:p>
+        </p:txBody>
+      </p:sp>
+      <p:sp>
+        <p:nvSpPr>
+          <p:cNvPr id="4" name="Segnaposto numero diapositiva 3">
+            <a:extLst>
+              <a:ext uri="{FF2B5EF4-FFF2-40B4-BE49-F238E27FC236}">
+                <a16:creationId xmlns:a16="http://schemas.microsoft.com/office/drawing/2014/main" id="{D7633F4F-FEB4-A12D-AED3-C2BED95952C1}"/>
+              </a:ext>
+            </a:extLst>
+          </p:cNvPr>
+          <p:cNvSpPr>
+            <a:spLocks noGrp="1"/>
+          </p:cNvSpPr>
+          <p:nvPr>
+            <p:ph type="sldNum" sz="quarter" idx="4"/>
+          </p:nvPr>
+        </p:nvSpPr>
+        <p:spPr/>
+        <p:txBody>
+          <a:bodyPr/>
+          <a:lstStyle/>
+          <a:p>
+            <a:fld id="{4D021CEB-2F22-4EA1-9BAF-E3833982B82A}" type="slidenum">
+              <a:rPr lang="en-US" smtClean="0"/>
+              <a:pPr/>
+              <a:t>30</a:t>
+            </a:fld>
+            <a:r>
+              <a:rPr lang="en-US" dirty="0"/>
+              <a:t> of 32</a:t>
+            </a:r>
+          </a:p>
+        </p:txBody>
+      </p:sp>
+      <p:pic>
+        <p:nvPicPr>
+          <p:cNvPr id="6" name="Immagine 5">
+            <a:extLst>
+              <a:ext uri="{FF2B5EF4-FFF2-40B4-BE49-F238E27FC236}">
+                <a16:creationId xmlns:a16="http://schemas.microsoft.com/office/drawing/2014/main" id="{4ECB75AF-5757-61C8-A2B0-29EA02BC34C7}"/>
+              </a:ext>
+            </a:extLst>
+          </p:cNvPr>
+          <p:cNvPicPr>
+            <a:picLocks noChangeAspect="1"/>
+          </p:cNvPicPr>
+          <p:nvPr/>
+        </p:nvPicPr>
+        <p:blipFill>
+          <a:blip r:embed="rId2"/>
+          <a:stretch>
+            <a:fillRect/>
+          </a:stretch>
+        </p:blipFill>
+        <p:spPr>
+          <a:xfrm>
+            <a:off x="1296413" y="2252287"/>
+            <a:ext cx="6551173" cy="2395143"/>
+          </a:xfrm>
+          <a:prstGeom prst="rect">
+            <a:avLst/>
+          </a:prstGeom>
+        </p:spPr>
+      </p:pic>
+    </p:spTree>
+    <p:extLst>
+      <p:ext uri="{BB962C8B-B14F-4D97-AF65-F5344CB8AC3E}">
+        <p14:creationId xmlns:p14="http://schemas.microsoft.com/office/powerpoint/2010/main" val="397861251"/>
       </p:ext>
     </p:extLst>
   </p:cSld>
@@ -2294,7 +6262,7 @@
           <a:p>
             <a:r>
               <a:rPr lang="it-IT" dirty="0"/>
-              <a:t>Tipi di dato e modificatori</a:t>
+              <a:t>Partiamo da un esempio…</a:t>
             </a:r>
           </a:p>
         </p:txBody>
@@ -2326,19 +6294,112 @@
               <a:t>4</a:t>
             </a:fld>
             <a:r>
-              <a:rPr lang="en-US"/>
-              <a:t> of XX</a:t>
-            </a:r>
-            <a:endParaRPr lang="en-US" dirty="0"/>
-          </a:p>
-        </p:txBody>
-      </p:sp>
-      <p:sp>
-        <p:nvSpPr>
-          <p:cNvPr id="3" name="CasellaDiTesto 2">
-            <a:extLst>
-              <a:ext uri="{FF2B5EF4-FFF2-40B4-BE49-F238E27FC236}">
-                <a16:creationId xmlns:a16="http://schemas.microsoft.com/office/drawing/2014/main" id="{9066951D-9468-BA66-4CD6-FBCED60A5F12}"/>
+              <a:rPr lang="en-US" dirty="0"/>
+              <a:t> of 32</a:t>
+            </a:r>
+          </a:p>
+        </p:txBody>
+      </p:sp>
+      <p:pic>
+        <p:nvPicPr>
+          <p:cNvPr id="1026" name="Picture 2">
+            <a:extLst>
+              <a:ext uri="{FF2B5EF4-FFF2-40B4-BE49-F238E27FC236}">
+                <a16:creationId xmlns:a16="http://schemas.microsoft.com/office/drawing/2014/main" id="{0DE9C769-30F5-5238-652C-DBD531F322BC}"/>
+              </a:ext>
+            </a:extLst>
+          </p:cNvPr>
+          <p:cNvPicPr>
+            <a:picLocks noChangeAspect="1" noChangeArrowheads="1"/>
+          </p:cNvPicPr>
+          <p:nvPr/>
+        </p:nvPicPr>
+        <p:blipFill>
+          <a:blip r:embed="rId2">
+            <a:extLst>
+              <a:ext uri="{28A0092B-C50C-407E-A947-70E740481C1C}">
+                <a14:useLocalDpi xmlns:a14="http://schemas.microsoft.com/office/drawing/2010/main" val="0"/>
+              </a:ext>
+            </a:extLst>
+          </a:blip>
+          <a:srcRect/>
+          <a:stretch>
+            <a:fillRect/>
+          </a:stretch>
+        </p:blipFill>
+        <p:spPr bwMode="auto">
+          <a:xfrm>
+            <a:off x="5178828" y="1882832"/>
+            <a:ext cx="3092335" cy="3092335"/>
+          </a:xfrm>
+          <a:prstGeom prst="rect">
+            <a:avLst/>
+          </a:prstGeom>
+          <a:noFill/>
+          <a:extLst>
+            <a:ext uri="{909E8E84-426E-40DD-AFC4-6F175D3DCCD1}">
+              <a14:hiddenFill xmlns:a14="http://schemas.microsoft.com/office/drawing/2010/main">
+                <a:solidFill>
+                  <a:srgbClr val="FFFFFF"/>
+                </a:solidFill>
+              </a14:hiddenFill>
+            </a:ext>
+          </a:extLst>
+        </p:spPr>
+      </p:pic>
+      <p:pic>
+        <p:nvPicPr>
+          <p:cNvPr id="1028" name="Picture 4" descr="Orario bianco - OROLOGI di Rexite | Arredinitaly">
+            <a:extLst>
+              <a:ext uri="{FF2B5EF4-FFF2-40B4-BE49-F238E27FC236}">
+                <a16:creationId xmlns:a16="http://schemas.microsoft.com/office/drawing/2014/main" id="{13B8337C-E983-19BE-8511-4E78B7FBE047}"/>
+              </a:ext>
+            </a:extLst>
+          </p:cNvPr>
+          <p:cNvPicPr>
+            <a:picLocks noChangeAspect="1" noChangeArrowheads="1"/>
+          </p:cNvPicPr>
+          <p:nvPr/>
+        </p:nvPicPr>
+        <p:blipFill>
+          <a:blip r:embed="rId3">
+            <a:extLst>
+              <a:ext uri="{28A0092B-C50C-407E-A947-70E740481C1C}">
+                <a14:useLocalDpi xmlns:a14="http://schemas.microsoft.com/office/drawing/2010/main" val="0"/>
+              </a:ext>
+            </a:extLst>
+          </a:blip>
+          <a:srcRect/>
+          <a:stretch>
+            <a:fillRect/>
+          </a:stretch>
+        </p:blipFill>
+        <p:spPr bwMode="auto">
+          <a:xfrm>
+            <a:off x="722863" y="1521055"/>
+            <a:ext cx="3333750" cy="3333750"/>
+          </a:xfrm>
+          <a:prstGeom prst="rect">
+            <a:avLst/>
+          </a:prstGeom>
+          <a:noFill/>
+          <a:extLst>
+            <a:ext uri="{909E8E84-426E-40DD-AFC4-6F175D3DCCD1}">
+              <a14:hiddenFill xmlns:a14="http://schemas.microsoft.com/office/drawing/2010/main">
+                <a:solidFill>
+                  <a:srgbClr val="FFFFFF"/>
+                </a:solidFill>
+              </a14:hiddenFill>
+            </a:ext>
+          </a:extLst>
+        </p:spPr>
+      </p:pic>
+      <p:sp>
+        <p:nvSpPr>
+          <p:cNvPr id="5" name="CasellaDiTesto 4">
+            <a:extLst>
+              <a:ext uri="{FF2B5EF4-FFF2-40B4-BE49-F238E27FC236}">
+                <a16:creationId xmlns:a16="http://schemas.microsoft.com/office/drawing/2014/main" id="{2934096E-B231-E64D-28DC-F727747F9E45}"/>
               </a:ext>
             </a:extLst>
           </p:cNvPr>
@@ -2347,8 +6408,8 @@
         </p:nvSpPr>
         <p:spPr>
           <a:xfrm>
-            <a:off x="615142" y="1537855"/>
-            <a:ext cx="7315200" cy="2308324"/>
+            <a:off x="3898670" y="5300849"/>
+            <a:ext cx="2019992" cy="369332"/>
           </a:xfrm>
           <a:prstGeom prst="rect">
             <a:avLst/>
@@ -2362,62 +6423,16 @@
           <a:lstStyle/>
           <a:p>
             <a:r>
-              <a:rPr lang="it-IT" b="1" dirty="0"/>
-              <a:t>Abstract Data Type – dato astratto per esprimere operazioni</a:t>
-            </a:r>
-          </a:p>
-          <a:p>
-            <a:endParaRPr lang="it-IT" i="1" dirty="0"/>
-          </a:p>
-          <a:p>
-            <a:r>
-              <a:rPr lang="it-IT" dirty="0"/>
-              <a:t>Importante distinguere come accediamo questi dati:</a:t>
-            </a:r>
-          </a:p>
-          <a:p>
-            <a:endParaRPr lang="it-IT" dirty="0"/>
-          </a:p>
-          <a:p>
-            <a:pPr marL="285750" indent="-285750">
-              <a:buFont typeface="Arial" panose="020B0604020202020204" pitchFamily="34" charset="0"/>
-              <a:buChar char="•"/>
-            </a:pPr>
-            <a:r>
-              <a:rPr lang="it-IT" i="1" dirty="0"/>
-              <a:t>private (information hiding)</a:t>
-            </a:r>
-          </a:p>
-          <a:p>
-            <a:pPr marL="285750" indent="-285750">
-              <a:buFont typeface="Arial" panose="020B0604020202020204" pitchFamily="34" charset="0"/>
-              <a:buChar char="•"/>
-            </a:pPr>
-            <a:endParaRPr lang="it-IT" i="1" dirty="0"/>
-          </a:p>
-          <a:p>
-            <a:pPr marL="285750" indent="-285750">
-              <a:buFont typeface="Arial" panose="020B0604020202020204" pitchFamily="34" charset="0"/>
-              <a:buChar char="•"/>
-            </a:pPr>
-            <a:r>
-              <a:rPr lang="it-IT" i="1" dirty="0"/>
-              <a:t>public (funzionalità pubblicamente accessibili)</a:t>
-            </a:r>
-          </a:p>
-          <a:p>
-            <a:pPr marL="285750" indent="-285750">
-              <a:buFont typeface="Arial" panose="020B0604020202020204" pitchFamily="34" charset="0"/>
-              <a:buChar char="•"/>
-            </a:pPr>
-            <a:endParaRPr lang="it-IT" i="1" dirty="0"/>
+              <a:rPr lang="it-IT" dirty="0"/>
+              <a:t>Classe «orario»</a:t>
+            </a:r>
           </a:p>
         </p:txBody>
       </p:sp>
     </p:spTree>
     <p:extLst>
       <p:ext uri="{BB962C8B-B14F-4D97-AF65-F5344CB8AC3E}">
-        <p14:creationId xmlns:p14="http://schemas.microsoft.com/office/powerpoint/2010/main" val="2413318239"/>
+        <p14:creationId xmlns:p14="http://schemas.microsoft.com/office/powerpoint/2010/main" val="3283044308"/>
       </p:ext>
     </p:extLst>
   </p:cSld>
@@ -2499,10 +6514,9 @@
               <a:t>5</a:t>
             </a:fld>
             <a:r>
-              <a:rPr lang="en-US"/>
-              <a:t> of XX</a:t>
-            </a:r>
-            <a:endParaRPr lang="en-US" dirty="0"/>
+              <a:rPr lang="en-US" dirty="0"/>
+              <a:t> of 32</a:t>
+            </a:r>
           </a:p>
         </p:txBody>
       </p:sp>
@@ -2536,7 +6550,19 @@
           <a:p>
             <a:r>
               <a:rPr lang="it-IT" dirty="0"/>
-              <a:t>Puntatore speciale disponibile all'interno di metodi di una classe in C++ che fa riferimento all'oggetto su cui il metodo è stato chiamato.</a:t>
+              <a:t>I metodi di una classe possiedono un parametro implicito </a:t>
+            </a:r>
+            <a:r>
+              <a:rPr lang="it-IT" b="1" dirty="0"/>
+              <a:t>this</a:t>
+            </a:r>
+            <a:r>
+              <a:rPr lang="it-IT" i="1" dirty="0"/>
+              <a:t> </a:t>
+            </a:r>
+            <a:r>
+              <a:rPr lang="it-IT" dirty="0"/>
+              <a:t>di puntatore di tipo puntatore ad oggetti della classe stessa. </a:t>
             </a:r>
           </a:p>
           <a:p>
@@ -2552,10 +6578,10 @@
       </p:sp>
       <p:pic>
         <p:nvPicPr>
-          <p:cNvPr id="7" name="Immagine 6">
-            <a:extLst>
-              <a:ext uri="{FF2B5EF4-FFF2-40B4-BE49-F238E27FC236}">
-                <a16:creationId xmlns:a16="http://schemas.microsoft.com/office/drawing/2014/main" id="{C4913EA2-96D0-FCEE-50F8-89A506D6B139}"/>
+          <p:cNvPr id="9" name="Immagine 8">
+            <a:extLst>
+              <a:ext uri="{FF2B5EF4-FFF2-40B4-BE49-F238E27FC236}">
+                <a16:creationId xmlns:a16="http://schemas.microsoft.com/office/drawing/2014/main" id="{DDB9D878-A16E-B5F3-4610-D1A9F6BD7CE4}"/>
               </a:ext>
             </a:extLst>
           </p:cNvPr>
@@ -2572,8 +6598,8 @@
         </p:blipFill>
         <p:spPr>
           <a:xfrm>
-            <a:off x="2963046" y="3340934"/>
-            <a:ext cx="2187130" cy="2088061"/>
+            <a:off x="3033314" y="3196517"/>
+            <a:ext cx="2478855" cy="2621182"/>
           </a:xfrm>
           <a:prstGeom prst="rect">
             <a:avLst/>
@@ -2615,7 +6641,7 @@
           <p:cNvPr id="2" name="Titolo 1">
             <a:extLst>
               <a:ext uri="{FF2B5EF4-FFF2-40B4-BE49-F238E27FC236}">
-                <a16:creationId xmlns:a16="http://schemas.microsoft.com/office/drawing/2014/main" id="{A1C33B46-A1F8-111B-8108-D696C1BBCC68}"/>
+                <a16:creationId xmlns:a16="http://schemas.microsoft.com/office/drawing/2014/main" id="{7E094D2C-2C58-27DB-8836-62C5F689C9C6}"/>
               </a:ext>
             </a:extLst>
           </p:cNvPr>
@@ -2633,7 +6659,7 @@
           <a:p>
             <a:r>
               <a:rPr lang="it-IT" dirty="0"/>
-              <a:t>La keyword «static»</a:t>
+              <a:t>Costruttori</a:t>
             </a:r>
           </a:p>
         </p:txBody>
@@ -2643,7 +6669,7 @@
           <p:cNvPr id="4" name="Segnaposto numero diapositiva 3">
             <a:extLst>
               <a:ext uri="{FF2B5EF4-FFF2-40B4-BE49-F238E27FC236}">
-                <a16:creationId xmlns:a16="http://schemas.microsoft.com/office/drawing/2014/main" id="{30F37182-85E1-1CBA-A05A-CCEC4E40C29C}"/>
+                <a16:creationId xmlns:a16="http://schemas.microsoft.com/office/drawing/2014/main" id="{8FC0F31B-BCEA-FE98-0DBD-53D618ED76C0}"/>
               </a:ext>
             </a:extLst>
           </p:cNvPr>
@@ -2665,19 +6691,18 @@
               <a:t>6</a:t>
             </a:fld>
             <a:r>
-              <a:rPr lang="en-US"/>
-              <a:t> of XX</a:t>
-            </a:r>
-            <a:endParaRPr lang="en-US" dirty="0"/>
-          </a:p>
-        </p:txBody>
-      </p:sp>
-      <p:sp>
-        <p:nvSpPr>
-          <p:cNvPr id="3" name="CasellaDiTesto 2">
-            <a:extLst>
-              <a:ext uri="{FF2B5EF4-FFF2-40B4-BE49-F238E27FC236}">
-                <a16:creationId xmlns:a16="http://schemas.microsoft.com/office/drawing/2014/main" id="{071EBCA2-DD64-3D2B-5131-56B7182EE4C9}"/>
+              <a:rPr lang="en-US" dirty="0"/>
+              <a:t> of 32</a:t>
+            </a:r>
+          </a:p>
+        </p:txBody>
+      </p:sp>
+      <p:sp>
+        <p:nvSpPr>
+          <p:cNvPr id="5" name="CasellaDiTesto 4">
+            <a:extLst>
+              <a:ext uri="{FF2B5EF4-FFF2-40B4-BE49-F238E27FC236}">
+                <a16:creationId xmlns:a16="http://schemas.microsoft.com/office/drawing/2014/main" id="{71CF3303-6EC9-CDFB-DF05-BA3795CCB248}"/>
               </a:ext>
             </a:extLst>
           </p:cNvPr>
@@ -2686,8 +6711,8 @@
         </p:nvSpPr>
         <p:spPr>
           <a:xfrm>
-            <a:off x="557399" y="1467248"/>
-            <a:ext cx="7315200" cy="1754326"/>
+            <a:off x="541990" y="1563881"/>
+            <a:ext cx="7315200" cy="4247317"/>
           </a:xfrm>
           <a:prstGeom prst="rect">
             <a:avLst/>
@@ -2700,13 +6725,35 @@
           </a:bodyPr>
           <a:lstStyle/>
           <a:p>
+            <a:r>
+              <a:rPr lang="it-IT" dirty="0"/>
+              <a:t>Sono dei metodi con lo stesso nome della classe e senza tipo di ritorno che vengono invocati automaticamente quando viene dichiarato (e quindi costruito) un oggetto.</a:t>
+            </a:r>
+          </a:p>
+          <a:p>
+            <a:endParaRPr lang="it-IT" dirty="0"/>
+          </a:p>
+          <a:p>
+            <a:r>
+              <a:rPr lang="it-IT" dirty="0"/>
+              <a:t>Ne esistono di vario tipo:</a:t>
+            </a:r>
+          </a:p>
+          <a:p>
+            <a:endParaRPr lang="it-IT" dirty="0"/>
+          </a:p>
+          <a:p>
             <a:pPr marL="285750" indent="-285750">
               <a:buFont typeface="Arial" panose="020B0604020202020204" pitchFamily="34" charset="0"/>
               <a:buChar char="•"/>
             </a:pPr>
             <a:r>
-              <a:rPr lang="it-IT" dirty="0"/>
-              <a:t>Variabili: istanza condivisa da tutte le istanze della classe invece di essere specifica di ogni istanza</a:t>
+              <a:rPr lang="it-IT" b="1" dirty="0"/>
+              <a:t>Default</a:t>
+            </a:r>
+            <a:r>
+              <a:rPr lang="it-IT" dirty="0"/>
+              <a:t> (costruttore senza parametri)</a:t>
             </a:r>
           </a:p>
           <a:p>
@@ -2721,25 +6768,58 @@
               <a:buFont typeface="Arial" panose="020B0604020202020204" pitchFamily="34" charset="0"/>
               <a:buChar char="•"/>
             </a:pPr>
-            <a:r>
-              <a:rPr lang="it-IT" dirty="0"/>
-              <a:t>Funzioni: possono essere richiamate direttamente senza creare oggetti</a:t>
-            </a:r>
-          </a:p>
-          <a:p>
             <a:endParaRPr lang="it-IT" dirty="0"/>
           </a:p>
           <a:p>
+            <a:pPr marL="285750" indent="-285750">
+              <a:buFont typeface="Arial" panose="020B0604020202020204" pitchFamily="34" charset="0"/>
+              <a:buChar char="•"/>
+            </a:pPr>
             <a:endParaRPr lang="it-IT" dirty="0"/>
+          </a:p>
+          <a:p>
+            <a:pPr marL="285750" indent="-285750">
+              <a:buFont typeface="Arial" panose="020B0604020202020204" pitchFamily="34" charset="0"/>
+              <a:buChar char="•"/>
+            </a:pPr>
+            <a:endParaRPr lang="it-IT" dirty="0"/>
+          </a:p>
+          <a:p>
+            <a:endParaRPr lang="it-IT" dirty="0"/>
+          </a:p>
+          <a:p>
+            <a:pPr marL="285750" indent="-285750">
+              <a:buFont typeface="Arial" panose="020B0604020202020204" pitchFamily="34" charset="0"/>
+              <a:buChar char="•"/>
+            </a:pPr>
+            <a:endParaRPr lang="it-IT" dirty="0"/>
+          </a:p>
+          <a:p>
+            <a:pPr marL="285750" indent="-285750">
+              <a:buFont typeface="Arial" panose="020B0604020202020204" pitchFamily="34" charset="0"/>
+              <a:buChar char="•"/>
+            </a:pPr>
+            <a:r>
+              <a:rPr lang="it-IT" dirty="0"/>
+              <a:t>Se in una classe non viene dichiarato esplicitamente alcun costruttore, è automatica mente disponibile il cosiddetto </a:t>
+            </a:r>
+            <a:r>
+              <a:rPr lang="it-IT" b="1" dirty="0"/>
+              <a:t>costruttore standard</a:t>
+            </a:r>
+            <a:r>
+              <a:rPr lang="it-IT" dirty="0"/>
+              <a:t>. </a:t>
+            </a:r>
           </a:p>
         </p:txBody>
       </p:sp>
       <p:pic>
         <p:nvPicPr>
-          <p:cNvPr id="13" name="Immagine 12">
-            <a:extLst>
-              <a:ext uri="{FF2B5EF4-FFF2-40B4-BE49-F238E27FC236}">
-                <a16:creationId xmlns:a16="http://schemas.microsoft.com/office/drawing/2014/main" id="{A7A987F1-425E-C349-F77F-AF2C608DA9B4}"/>
+          <p:cNvPr id="10" name="Immagine 9">
+            <a:extLst>
+              <a:ext uri="{FF2B5EF4-FFF2-40B4-BE49-F238E27FC236}">
+                <a16:creationId xmlns:a16="http://schemas.microsoft.com/office/drawing/2014/main" id="{D4A69980-8F12-5BCF-06CB-4E9933EC2E69}"/>
               </a:ext>
             </a:extLst>
           </p:cNvPr>
@@ -2756,8 +6836,38 @@
         </p:blipFill>
         <p:spPr>
           <a:xfrm>
-            <a:off x="958757" y="3060376"/>
-            <a:ext cx="7475868" cy="2133785"/>
+            <a:off x="1299002" y="3655384"/>
+            <a:ext cx="1915354" cy="1236366"/>
+          </a:xfrm>
+          <a:prstGeom prst="rect">
+            <a:avLst/>
+          </a:prstGeom>
+        </p:spPr>
+      </p:pic>
+      <p:pic>
+        <p:nvPicPr>
+          <p:cNvPr id="14" name="Immagine 13">
+            <a:extLst>
+              <a:ext uri="{FF2B5EF4-FFF2-40B4-BE49-F238E27FC236}">
+                <a16:creationId xmlns:a16="http://schemas.microsoft.com/office/drawing/2014/main" id="{3C8B602E-0B0F-9C70-2181-5F2E383A5F4B}"/>
+              </a:ext>
+            </a:extLst>
+          </p:cNvPr>
+          <p:cNvPicPr>
+            <a:picLocks noChangeAspect="1"/>
+          </p:cNvPicPr>
+          <p:nvPr/>
+        </p:nvPicPr>
+        <p:blipFill>
+          <a:blip r:embed="rId3"/>
+          <a:stretch>
+            <a:fillRect/>
+          </a:stretch>
+        </p:blipFill>
+        <p:spPr>
+          <a:xfrm>
+            <a:off x="4199590" y="3655384"/>
+            <a:ext cx="2481626" cy="1236366"/>
           </a:xfrm>
           <a:prstGeom prst="rect">
             <a:avLst/>
@@ -2767,7 +6877,7 @@
     </p:spTree>
     <p:extLst>
       <p:ext uri="{BB962C8B-B14F-4D97-AF65-F5344CB8AC3E}">
-        <p14:creationId xmlns:p14="http://schemas.microsoft.com/office/powerpoint/2010/main" val="1083001816"/>
+        <p14:creationId xmlns:p14="http://schemas.microsoft.com/office/powerpoint/2010/main" val="2765833035"/>
       </p:ext>
     </p:extLst>
   </p:cSld>
@@ -2799,7 +6909,7 @@
           <p:cNvPr id="2" name="Titolo 1">
             <a:extLst>
               <a:ext uri="{FF2B5EF4-FFF2-40B4-BE49-F238E27FC236}">
-                <a16:creationId xmlns:a16="http://schemas.microsoft.com/office/drawing/2014/main" id="{A1C33B46-A1F8-111B-8108-D696C1BBCC68}"/>
+                <a16:creationId xmlns:a16="http://schemas.microsoft.com/office/drawing/2014/main" id="{7E094D2C-2C58-27DB-8836-62C5F689C9C6}"/>
               </a:ext>
             </a:extLst>
           </p:cNvPr>
@@ -2812,12 +6922,14 @@
         </p:nvSpPr>
         <p:spPr/>
         <p:txBody>
-          <a:bodyPr/>
-          <a:lstStyle/>
-          <a:p>
-            <a:r>
-              <a:rPr lang="it-IT" dirty="0"/>
-              <a:t>Overloading di operatori</a:t>
+          <a:bodyPr>
+            <a:noAutofit/>
+          </a:bodyPr>
+          <a:lstStyle/>
+          <a:p>
+            <a:r>
+              <a:rPr lang="it-IT" sz="2800" dirty="0"/>
+              <a:t>Esempio utile: Costruttore di default legale</a:t>
             </a:r>
           </a:p>
         </p:txBody>
@@ -2827,7 +6939,7 @@
           <p:cNvPr id="4" name="Segnaposto numero diapositiva 3">
             <a:extLst>
               <a:ext uri="{FF2B5EF4-FFF2-40B4-BE49-F238E27FC236}">
-                <a16:creationId xmlns:a16="http://schemas.microsoft.com/office/drawing/2014/main" id="{30F37182-85E1-1CBA-A05A-CCEC4E40C29C}"/>
+                <a16:creationId xmlns:a16="http://schemas.microsoft.com/office/drawing/2014/main" id="{8FC0F31B-BCEA-FE98-0DBD-53D618ED76C0}"/>
               </a:ext>
             </a:extLst>
           </p:cNvPr>
@@ -2849,19 +6961,65 @@
               <a:t>7</a:t>
             </a:fld>
             <a:r>
-              <a:rPr lang="en-US"/>
-              <a:t> of XX</a:t>
-            </a:r>
-            <a:endParaRPr lang="en-US" dirty="0"/>
-          </a:p>
-        </p:txBody>
-      </p:sp>
-      <p:sp>
-        <p:nvSpPr>
-          <p:cNvPr id="3" name="CasellaDiTesto 2">
-            <a:extLst>
-              <a:ext uri="{FF2B5EF4-FFF2-40B4-BE49-F238E27FC236}">
-                <a16:creationId xmlns:a16="http://schemas.microsoft.com/office/drawing/2014/main" id="{071EBCA2-DD64-3D2B-5131-56B7182EE4C9}"/>
+              <a:rPr lang="en-US" dirty="0"/>
+              <a:t> of 32</a:t>
+            </a:r>
+          </a:p>
+        </p:txBody>
+      </p:sp>
+      <p:pic>
+        <p:nvPicPr>
+          <p:cNvPr id="3" name="Picture 2">
+            <a:extLst>
+              <a:ext uri="{FF2B5EF4-FFF2-40B4-BE49-F238E27FC236}">
+                <a16:creationId xmlns:a16="http://schemas.microsoft.com/office/drawing/2014/main" id="{F36E02E6-6F12-1A94-9EAD-D2680300AB97}"/>
+              </a:ext>
+            </a:extLst>
+          </p:cNvPr>
+          <p:cNvPicPr>
+            <a:picLocks noChangeAspect="1" noChangeArrowheads="1"/>
+          </p:cNvPicPr>
+          <p:nvPr/>
+        </p:nvPicPr>
+        <p:blipFill>
+          <a:blip r:embed="rId2">
+            <a:extLst>
+              <a:ext uri="{28A0092B-C50C-407E-A947-70E740481C1C}">
+                <a14:useLocalDpi xmlns:a14="http://schemas.microsoft.com/office/drawing/2010/main" val="0"/>
+              </a:ext>
+            </a:extLst>
+          </a:blip>
+          <a:srcRect/>
+          <a:stretch>
+            <a:fillRect/>
+          </a:stretch>
+        </p:blipFill>
+        <p:spPr bwMode="auto">
+          <a:xfrm>
+            <a:off x="2923308" y="1882832"/>
+            <a:ext cx="3092335" cy="3092335"/>
+          </a:xfrm>
+          <a:prstGeom prst="rect">
+            <a:avLst/>
+          </a:prstGeom>
+          <a:noFill/>
+          <a:extLst>
+            <a:ext uri="{909E8E84-426E-40DD-AFC4-6F175D3DCCD1}">
+              <a14:hiddenFill xmlns:a14="http://schemas.microsoft.com/office/drawing/2010/main">
+                <a:solidFill>
+                  <a:srgbClr val="FFFFFF"/>
+                </a:solidFill>
+              </a14:hiddenFill>
+            </a:ext>
+          </a:extLst>
+        </p:spPr>
+      </p:pic>
+      <p:sp>
+        <p:nvSpPr>
+          <p:cNvPr id="6" name="CasellaDiTesto 5">
+            <a:extLst>
+              <a:ext uri="{FF2B5EF4-FFF2-40B4-BE49-F238E27FC236}">
+                <a16:creationId xmlns:a16="http://schemas.microsoft.com/office/drawing/2014/main" id="{01B2C9AA-5A39-AE1A-1E0F-E55F9EFC9619}"/>
               </a:ext>
             </a:extLst>
           </p:cNvPr>
@@ -2870,8 +7028,8 @@
         </p:nvSpPr>
         <p:spPr>
           <a:xfrm>
-            <a:off x="557399" y="1467248"/>
-            <a:ext cx="7315200" cy="646331"/>
+            <a:off x="3555980" y="5205222"/>
+            <a:ext cx="4399746" cy="369332"/>
           </a:xfrm>
           <a:prstGeom prst="rect">
             <a:avLst/>
@@ -2884,24 +7042,557 @@
           </a:bodyPr>
           <a:lstStyle/>
           <a:p>
+            <a:r>
+              <a:rPr lang="it-IT" dirty="0"/>
+              <a:t>Andiamo al codice…</a:t>
+            </a:r>
+          </a:p>
+        </p:txBody>
+      </p:sp>
+    </p:spTree>
+    <p:extLst>
+      <p:ext uri="{BB962C8B-B14F-4D97-AF65-F5344CB8AC3E}">
+        <p14:creationId xmlns:p14="http://schemas.microsoft.com/office/powerpoint/2010/main" val="1832306644"/>
+      </p:ext>
+    </p:extLst>
+  </p:cSld>
+  <p:clrMapOvr>
+    <a:masterClrMapping/>
+  </p:clrMapOvr>
+</p:sld>
+</file>
+
+<file path=ppt/slides/slide8.xml><?xml version="1.0" encoding="utf-8"?>
+<p:sld xmlns:a="http://schemas.openxmlformats.org/drawingml/2006/main" xmlns:r="http://schemas.openxmlformats.org/officeDocument/2006/relationships" xmlns:p="http://schemas.openxmlformats.org/presentationml/2006/main">
+  <p:cSld>
+    <p:spTree>
+      <p:nvGrpSpPr>
+        <p:cNvPr id="1" name=""/>
+        <p:cNvGrpSpPr/>
+        <p:nvPr/>
+      </p:nvGrpSpPr>
+      <p:grpSpPr>
+        <a:xfrm>
+          <a:off x="0" y="0"/>
+          <a:ext cx="0" cy="0"/>
+          <a:chOff x="0" y="0"/>
+          <a:chExt cx="0" cy="0"/>
+        </a:xfrm>
+      </p:grpSpPr>
+      <p:sp>
+        <p:nvSpPr>
+          <p:cNvPr id="2" name="Titolo 1">
+            <a:extLst>
+              <a:ext uri="{FF2B5EF4-FFF2-40B4-BE49-F238E27FC236}">
+                <a16:creationId xmlns:a16="http://schemas.microsoft.com/office/drawing/2014/main" id="{7E094D2C-2C58-27DB-8836-62C5F689C9C6}"/>
+              </a:ext>
+            </a:extLst>
+          </p:cNvPr>
+          <p:cNvSpPr>
+            <a:spLocks noGrp="1"/>
+          </p:cNvSpPr>
+          <p:nvPr>
+            <p:ph type="title"/>
+          </p:nvPr>
+        </p:nvSpPr>
+        <p:spPr/>
+        <p:txBody>
+          <a:bodyPr/>
+          <a:lstStyle/>
+          <a:p>
+            <a:r>
+              <a:rPr lang="it-IT" dirty="0"/>
+              <a:t>Costruttori</a:t>
+            </a:r>
+          </a:p>
+        </p:txBody>
+      </p:sp>
+      <p:sp>
+        <p:nvSpPr>
+          <p:cNvPr id="4" name="Segnaposto numero diapositiva 3">
+            <a:extLst>
+              <a:ext uri="{FF2B5EF4-FFF2-40B4-BE49-F238E27FC236}">
+                <a16:creationId xmlns:a16="http://schemas.microsoft.com/office/drawing/2014/main" id="{8FC0F31B-BCEA-FE98-0DBD-53D618ED76C0}"/>
+              </a:ext>
+            </a:extLst>
+          </p:cNvPr>
+          <p:cNvSpPr>
+            <a:spLocks noGrp="1"/>
+          </p:cNvSpPr>
+          <p:nvPr>
+            <p:ph type="sldNum" sz="quarter" idx="4"/>
+          </p:nvPr>
+        </p:nvSpPr>
+        <p:spPr/>
+        <p:txBody>
+          <a:bodyPr/>
+          <a:lstStyle/>
+          <a:p>
+            <a:fld id="{4D021CEB-2F22-4EA1-9BAF-E3833982B82A}" type="slidenum">
+              <a:rPr lang="en-US" smtClean="0"/>
+              <a:pPr/>
+              <a:t>8</a:t>
+            </a:fld>
+            <a:r>
+              <a:rPr lang="en-US" dirty="0"/>
+              <a:t> of 32</a:t>
+            </a:r>
+          </a:p>
+        </p:txBody>
+      </p:sp>
+      <p:sp>
+        <p:nvSpPr>
+          <p:cNvPr id="5" name="CasellaDiTesto 4">
+            <a:extLst>
+              <a:ext uri="{FF2B5EF4-FFF2-40B4-BE49-F238E27FC236}">
+                <a16:creationId xmlns:a16="http://schemas.microsoft.com/office/drawing/2014/main" id="{71CF3303-6EC9-CDFB-DF05-BA3795CCB248}"/>
+              </a:ext>
+            </a:extLst>
+          </p:cNvPr>
+          <p:cNvSpPr txBox="1"/>
+          <p:nvPr/>
+        </p:nvSpPr>
+        <p:spPr>
+          <a:xfrm>
+            <a:off x="615142" y="1537855"/>
+            <a:ext cx="7315200" cy="3693319"/>
+          </a:xfrm>
+          <a:prstGeom prst="rect">
+            <a:avLst/>
+          </a:prstGeom>
+          <a:noFill/>
+        </p:spPr>
+        <p:txBody>
+          <a:bodyPr wrap="square" rtlCol="0">
+            <a:spAutoFit/>
+          </a:bodyPr>
+          <a:lstStyle/>
+          <a:p>
+            <a:r>
+              <a:rPr lang="it-IT" dirty="0"/>
+              <a:t>I costruttori possono essere utilizzati come:</a:t>
+            </a:r>
+          </a:p>
+          <a:p>
+            <a:endParaRPr lang="it-IT" dirty="0"/>
+          </a:p>
+          <a:p>
             <a:pPr marL="285750" indent="-285750">
               <a:buFont typeface="Arial" panose="020B0604020202020204" pitchFamily="34" charset="0"/>
               <a:buChar char="•"/>
             </a:pPr>
             <a:r>
-              <a:rPr lang="it-IT" dirty="0"/>
-              <a:t>a</a:t>
-            </a:r>
-          </a:p>
-          <a:p>
+              <a:rPr lang="it-IT" i="1" dirty="0"/>
+              <a:t>convertitori di tipo</a:t>
+            </a:r>
+          </a:p>
+          <a:p>
+            <a:pPr marL="285750" indent="-285750">
+              <a:buFont typeface="Arial" panose="020B0604020202020204" pitchFamily="34" charset="0"/>
+              <a:buChar char="•"/>
+            </a:pPr>
             <a:endParaRPr lang="it-IT" dirty="0"/>
           </a:p>
-        </p:txBody>
-      </p:sp>
+          <a:p>
+            <a:pPr marL="285750" indent="-285750">
+              <a:buFont typeface="Arial" panose="020B0604020202020204" pitchFamily="34" charset="0"/>
+              <a:buChar char="•"/>
+            </a:pPr>
+            <a:endParaRPr lang="it-IT" dirty="0"/>
+          </a:p>
+          <a:p>
+            <a:pPr marL="285750" indent="-285750">
+              <a:buFont typeface="Arial" panose="020B0604020202020204" pitchFamily="34" charset="0"/>
+              <a:buChar char="•"/>
+            </a:pPr>
+            <a:endParaRPr lang="it-IT" dirty="0"/>
+          </a:p>
+          <a:p>
+            <a:pPr marL="285750" indent="-285750">
+              <a:buFont typeface="Arial" panose="020B0604020202020204" pitchFamily="34" charset="0"/>
+              <a:buChar char="•"/>
+            </a:pPr>
+            <a:endParaRPr lang="it-IT" dirty="0"/>
+          </a:p>
+          <a:p>
+            <a:pPr marL="285750" indent="-285750">
+              <a:buFont typeface="Arial" panose="020B0604020202020204" pitchFamily="34" charset="0"/>
+              <a:buChar char="•"/>
+            </a:pPr>
+            <a:endParaRPr lang="it-IT" dirty="0"/>
+          </a:p>
+          <a:p>
+            <a:pPr marL="285750" indent="-285750">
+              <a:buFont typeface="Arial" panose="020B0604020202020204" pitchFamily="34" charset="0"/>
+              <a:buChar char="•"/>
+            </a:pPr>
+            <a:endParaRPr lang="it-IT" dirty="0"/>
+          </a:p>
+          <a:p>
+            <a:pPr marL="285750" indent="-285750">
+              <a:buFont typeface="Arial" panose="020B0604020202020204" pitchFamily="34" charset="0"/>
+              <a:buChar char="•"/>
+            </a:pPr>
+            <a:r>
+              <a:rPr lang="it-IT" dirty="0"/>
+              <a:t>assegnare valori a seconda del numero di parametri (</a:t>
+            </a:r>
+            <a:r>
+              <a:rPr lang="it-IT" b="1" dirty="0"/>
+              <a:t>overloading</a:t>
+            </a:r>
+            <a:r>
+              <a:rPr lang="it-IT" dirty="0"/>
+              <a:t>)</a:t>
+            </a:r>
+          </a:p>
+          <a:p>
+            <a:pPr marL="285750" indent="-285750">
+              <a:buFont typeface="Arial" panose="020B0604020202020204" pitchFamily="34" charset="0"/>
+              <a:buChar char="•"/>
+            </a:pPr>
+            <a:endParaRPr lang="it-IT" dirty="0"/>
+          </a:p>
+          <a:p>
+            <a:endParaRPr lang="it-IT" dirty="0"/>
+          </a:p>
+          <a:p>
+            <a:endParaRPr lang="it-IT" dirty="0"/>
+          </a:p>
+        </p:txBody>
+      </p:sp>
+      <p:pic>
+        <p:nvPicPr>
+          <p:cNvPr id="7" name="Immagine 6">
+            <a:extLst>
+              <a:ext uri="{FF2B5EF4-FFF2-40B4-BE49-F238E27FC236}">
+                <a16:creationId xmlns:a16="http://schemas.microsoft.com/office/drawing/2014/main" id="{2BD64A8D-37AF-1F5D-8DD0-B78E717026BD}"/>
+              </a:ext>
+            </a:extLst>
+          </p:cNvPr>
+          <p:cNvPicPr>
+            <a:picLocks noChangeAspect="1"/>
+          </p:cNvPicPr>
+          <p:nvPr/>
+        </p:nvPicPr>
+        <p:blipFill>
+          <a:blip r:embed="rId2"/>
+          <a:stretch>
+            <a:fillRect/>
+          </a:stretch>
+        </p:blipFill>
+        <p:spPr>
+          <a:xfrm>
+            <a:off x="3055651" y="2412626"/>
+            <a:ext cx="3032698" cy="1506752"/>
+          </a:xfrm>
+          <a:prstGeom prst="rect">
+            <a:avLst/>
+          </a:prstGeom>
+        </p:spPr>
+      </p:pic>
+      <p:pic>
+        <p:nvPicPr>
+          <p:cNvPr id="12" name="Immagine 11">
+            <a:extLst>
+              <a:ext uri="{FF2B5EF4-FFF2-40B4-BE49-F238E27FC236}">
+                <a16:creationId xmlns:a16="http://schemas.microsoft.com/office/drawing/2014/main" id="{C69836CC-7F98-66A4-6B5E-CBA6E3E8D3C3}"/>
+              </a:ext>
+            </a:extLst>
+          </p:cNvPr>
+          <p:cNvPicPr>
+            <a:picLocks noChangeAspect="1"/>
+          </p:cNvPicPr>
+          <p:nvPr/>
+        </p:nvPicPr>
+        <p:blipFill>
+          <a:blip r:embed="rId3"/>
+          <a:stretch>
+            <a:fillRect/>
+          </a:stretch>
+        </p:blipFill>
+        <p:spPr>
+          <a:xfrm>
+            <a:off x="3291036" y="4462061"/>
+            <a:ext cx="2561927" cy="1209230"/>
+          </a:xfrm>
+          <a:prstGeom prst="rect">
+            <a:avLst/>
+          </a:prstGeom>
+        </p:spPr>
+      </p:pic>
     </p:spTree>
     <p:extLst>
       <p:ext uri="{BB962C8B-B14F-4D97-AF65-F5344CB8AC3E}">
-        <p14:creationId xmlns:p14="http://schemas.microsoft.com/office/powerpoint/2010/main" val="1925308791"/>
+        <p14:creationId xmlns:p14="http://schemas.microsoft.com/office/powerpoint/2010/main" val="1688503499"/>
+      </p:ext>
+    </p:extLst>
+  </p:cSld>
+  <p:clrMapOvr>
+    <a:masterClrMapping/>
+  </p:clrMapOvr>
+</p:sld>
+</file>
+
+<file path=ppt/slides/slide9.xml><?xml version="1.0" encoding="utf-8"?>
+<p:sld xmlns:a="http://schemas.openxmlformats.org/drawingml/2006/main" xmlns:r="http://schemas.openxmlformats.org/officeDocument/2006/relationships" xmlns:p="http://schemas.openxmlformats.org/presentationml/2006/main">
+  <p:cSld>
+    <p:spTree>
+      <p:nvGrpSpPr>
+        <p:cNvPr id="1" name=""/>
+        <p:cNvGrpSpPr/>
+        <p:nvPr/>
+      </p:nvGrpSpPr>
+      <p:grpSpPr>
+        <a:xfrm>
+          <a:off x="0" y="0"/>
+          <a:ext cx="0" cy="0"/>
+          <a:chOff x="0" y="0"/>
+          <a:chExt cx="0" cy="0"/>
+        </a:xfrm>
+      </p:grpSpPr>
+      <p:sp>
+        <p:nvSpPr>
+          <p:cNvPr id="2" name="Titolo 1">
+            <a:extLst>
+              <a:ext uri="{FF2B5EF4-FFF2-40B4-BE49-F238E27FC236}">
+                <a16:creationId xmlns:a16="http://schemas.microsoft.com/office/drawing/2014/main" id="{7E094D2C-2C58-27DB-8836-62C5F689C9C6}"/>
+              </a:ext>
+            </a:extLst>
+          </p:cNvPr>
+          <p:cNvSpPr>
+            <a:spLocks noGrp="1"/>
+          </p:cNvSpPr>
+          <p:nvPr>
+            <p:ph type="title"/>
+          </p:nvPr>
+        </p:nvSpPr>
+        <p:spPr/>
+        <p:txBody>
+          <a:bodyPr/>
+          <a:lstStyle/>
+          <a:p>
+            <a:r>
+              <a:rPr lang="it-IT" dirty="0"/>
+              <a:t>Costruttori</a:t>
+            </a:r>
+          </a:p>
+        </p:txBody>
+      </p:sp>
+      <p:sp>
+        <p:nvSpPr>
+          <p:cNvPr id="4" name="Segnaposto numero diapositiva 3">
+            <a:extLst>
+              <a:ext uri="{FF2B5EF4-FFF2-40B4-BE49-F238E27FC236}">
+                <a16:creationId xmlns:a16="http://schemas.microsoft.com/office/drawing/2014/main" id="{8FC0F31B-BCEA-FE98-0DBD-53D618ED76C0}"/>
+              </a:ext>
+            </a:extLst>
+          </p:cNvPr>
+          <p:cNvSpPr>
+            <a:spLocks noGrp="1"/>
+          </p:cNvSpPr>
+          <p:nvPr>
+            <p:ph type="sldNum" sz="quarter" idx="4"/>
+          </p:nvPr>
+        </p:nvSpPr>
+        <p:spPr/>
+        <p:txBody>
+          <a:bodyPr/>
+          <a:lstStyle/>
+          <a:p>
+            <a:fld id="{4D021CEB-2F22-4EA1-9BAF-E3833982B82A}" type="slidenum">
+              <a:rPr lang="en-US" smtClean="0"/>
+              <a:pPr/>
+              <a:t>9</a:t>
+            </a:fld>
+            <a:r>
+              <a:rPr lang="en-US" dirty="0"/>
+              <a:t> of 32</a:t>
+            </a:r>
+          </a:p>
+        </p:txBody>
+      </p:sp>
+      <p:sp>
+        <p:nvSpPr>
+          <p:cNvPr id="5" name="CasellaDiTesto 4">
+            <a:extLst>
+              <a:ext uri="{FF2B5EF4-FFF2-40B4-BE49-F238E27FC236}">
+                <a16:creationId xmlns:a16="http://schemas.microsoft.com/office/drawing/2014/main" id="{71CF3303-6EC9-CDFB-DF05-BA3795CCB248}"/>
+              </a:ext>
+            </a:extLst>
+          </p:cNvPr>
+          <p:cNvSpPr txBox="1"/>
+          <p:nvPr/>
+        </p:nvSpPr>
+        <p:spPr>
+          <a:xfrm>
+            <a:off x="615142" y="1537855"/>
+            <a:ext cx="7315200" cy="1200329"/>
+          </a:xfrm>
+          <a:prstGeom prst="rect">
+            <a:avLst/>
+          </a:prstGeom>
+          <a:noFill/>
+        </p:spPr>
+        <p:txBody>
+          <a:bodyPr wrap="square" rtlCol="0">
+            <a:spAutoFit/>
+          </a:bodyPr>
+          <a:lstStyle/>
+          <a:p>
+            <a:r>
+              <a:rPr lang="it-IT" dirty="0"/>
+              <a:t>La creazione di oggetti può essere statica e prevedere la creazione di un cosiddetto </a:t>
+            </a:r>
+            <a:r>
+              <a:rPr lang="it-IT" u="sng" dirty="0"/>
+              <a:t>oggetto anonimo</a:t>
+            </a:r>
+            <a:r>
+              <a:rPr lang="it-IT" i="1" dirty="0"/>
+              <a:t>, </a:t>
+            </a:r>
+            <a:r>
+              <a:rPr lang="it-IT" dirty="0"/>
+              <a:t>creato solo per assegnarlo ad un oggetto specifico</a:t>
+            </a:r>
+          </a:p>
+          <a:p>
+            <a:endParaRPr lang="it-IT" dirty="0"/>
+          </a:p>
+        </p:txBody>
+      </p:sp>
+      <p:sp>
+        <p:nvSpPr>
+          <p:cNvPr id="8" name="CasellaDiTesto 7">
+            <a:extLst>
+              <a:ext uri="{FF2B5EF4-FFF2-40B4-BE49-F238E27FC236}">
+                <a16:creationId xmlns:a16="http://schemas.microsoft.com/office/drawing/2014/main" id="{97950B39-F4C1-43A3-C332-6B577ADC08C2}"/>
+              </a:ext>
+            </a:extLst>
+          </p:cNvPr>
+          <p:cNvSpPr txBox="1"/>
+          <p:nvPr/>
+        </p:nvSpPr>
+        <p:spPr>
+          <a:xfrm>
+            <a:off x="640526" y="3209836"/>
+            <a:ext cx="7315200" cy="2585323"/>
+          </a:xfrm>
+          <a:prstGeom prst="rect">
+            <a:avLst/>
+          </a:prstGeom>
+          <a:noFill/>
+        </p:spPr>
+        <p:txBody>
+          <a:bodyPr wrap="square" rtlCol="0">
+            <a:spAutoFit/>
+          </a:bodyPr>
+          <a:lstStyle/>
+          <a:p>
+            <a:r>
+              <a:rPr lang="it-IT" dirty="0"/>
+              <a:t>Può altrimenti essere dinamica, tramite l’operatore </a:t>
+            </a:r>
+            <a:r>
+              <a:rPr lang="it-IT" b="1" dirty="0"/>
+              <a:t>new</a:t>
+            </a:r>
+            <a:r>
+              <a:rPr lang="it-IT" i="1" dirty="0"/>
+              <a:t>.</a:t>
+            </a:r>
+          </a:p>
+          <a:p>
+            <a:endParaRPr lang="it-IT" i="1" dirty="0"/>
+          </a:p>
+          <a:p>
+            <a:endParaRPr lang="it-IT" i="1" dirty="0"/>
+          </a:p>
+          <a:p>
+            <a:endParaRPr lang="it-IT" i="1" dirty="0"/>
+          </a:p>
+          <a:p>
+            <a:endParaRPr lang="it-IT" i="1" dirty="0"/>
+          </a:p>
+          <a:p>
+            <a:endParaRPr lang="it-IT" i="1" dirty="0"/>
+          </a:p>
+          <a:p>
+            <a:endParaRPr lang="it-IT" i="1" dirty="0"/>
+          </a:p>
+          <a:p>
+            <a:endParaRPr lang="it-IT" i="1" dirty="0"/>
+          </a:p>
+          <a:p>
+            <a:endParaRPr lang="it-IT" dirty="0"/>
+          </a:p>
+        </p:txBody>
+      </p:sp>
+      <p:pic>
+        <p:nvPicPr>
+          <p:cNvPr id="6" name="Immagine 5">
+            <a:extLst>
+              <a:ext uri="{FF2B5EF4-FFF2-40B4-BE49-F238E27FC236}">
+                <a16:creationId xmlns:a16="http://schemas.microsoft.com/office/drawing/2014/main" id="{421EC983-F5A0-5F7A-CEC8-BE88DBD4828D}"/>
+              </a:ext>
+            </a:extLst>
+          </p:cNvPr>
+          <p:cNvPicPr>
+            <a:picLocks noChangeAspect="1"/>
+          </p:cNvPicPr>
+          <p:nvPr/>
+        </p:nvPicPr>
+        <p:blipFill>
+          <a:blip r:embed="rId2"/>
+          <a:stretch>
+            <a:fillRect/>
+          </a:stretch>
+        </p:blipFill>
+        <p:spPr>
+          <a:xfrm>
+            <a:off x="3350336" y="2285334"/>
+            <a:ext cx="2443327" cy="924502"/>
+          </a:xfrm>
+          <a:prstGeom prst="rect">
+            <a:avLst/>
+          </a:prstGeom>
+        </p:spPr>
+      </p:pic>
+      <p:pic>
+        <p:nvPicPr>
+          <p:cNvPr id="10" name="Immagine 9">
+            <a:extLst>
+              <a:ext uri="{FF2B5EF4-FFF2-40B4-BE49-F238E27FC236}">
+                <a16:creationId xmlns:a16="http://schemas.microsoft.com/office/drawing/2014/main" id="{514E2FA0-71CB-5FE6-268D-C698D3D32247}"/>
+              </a:ext>
+            </a:extLst>
+          </p:cNvPr>
+          <p:cNvPicPr>
+            <a:picLocks noChangeAspect="1"/>
+          </p:cNvPicPr>
+          <p:nvPr/>
+        </p:nvPicPr>
+        <p:blipFill>
+          <a:blip r:embed="rId3"/>
+          <a:stretch>
+            <a:fillRect/>
+          </a:stretch>
+        </p:blipFill>
+        <p:spPr>
+          <a:xfrm>
+            <a:off x="2377959" y="3641770"/>
+            <a:ext cx="4683548" cy="1810271"/>
+          </a:xfrm>
+          <a:prstGeom prst="rect">
+            <a:avLst/>
+          </a:prstGeom>
+        </p:spPr>
+      </p:pic>
+    </p:spTree>
+    <p:extLst>
+      <p:ext uri="{BB962C8B-B14F-4D97-AF65-F5344CB8AC3E}">
+        <p14:creationId xmlns:p14="http://schemas.microsoft.com/office/powerpoint/2010/main" val="1332099971"/>
       </p:ext>
     </p:extLst>
   </p:cSld>

--- a/UniPD/P2 - Semestre 1/25-10/Tutorato 1.pptx
+++ b/UniPD/P2 - Semestre 1/25-10/Tutorato 1.pptx
@@ -5,39 +5,45 @@
     <p:sldMasterId id="2147483660" r:id="rId1"/>
   </p:sldMasterIdLst>
   <p:notesMasterIdLst>
-    <p:notesMasterId r:id="rId32"/>
+    <p:notesMasterId r:id="rId38"/>
   </p:notesMasterIdLst>
   <p:sldIdLst>
     <p:sldId id="256" r:id="rId2"/>
     <p:sldId id="259" r:id="rId3"/>
     <p:sldId id="283" r:id="rId4"/>
-    <p:sldId id="258" r:id="rId5"/>
-    <p:sldId id="260" r:id="rId6"/>
-    <p:sldId id="264" r:id="rId7"/>
-    <p:sldId id="272" r:id="rId8"/>
-    <p:sldId id="265" r:id="rId9"/>
-    <p:sldId id="266" r:id="rId10"/>
-    <p:sldId id="282" r:id="rId11"/>
-    <p:sldId id="263" r:id="rId12"/>
-    <p:sldId id="284" r:id="rId13"/>
-    <p:sldId id="274" r:id="rId14"/>
-    <p:sldId id="287" r:id="rId15"/>
-    <p:sldId id="288" r:id="rId16"/>
-    <p:sldId id="286" r:id="rId17"/>
-    <p:sldId id="289" r:id="rId18"/>
-    <p:sldId id="262" r:id="rId19"/>
-    <p:sldId id="276" r:id="rId20"/>
-    <p:sldId id="285" r:id="rId21"/>
-    <p:sldId id="278" r:id="rId22"/>
-    <p:sldId id="290" r:id="rId23"/>
-    <p:sldId id="293" r:id="rId24"/>
-    <p:sldId id="267" r:id="rId25"/>
-    <p:sldId id="275" r:id="rId26"/>
-    <p:sldId id="269" r:id="rId27"/>
-    <p:sldId id="273" r:id="rId28"/>
-    <p:sldId id="291" r:id="rId29"/>
-    <p:sldId id="294" r:id="rId30"/>
-    <p:sldId id="292" r:id="rId31"/>
+    <p:sldId id="297" r:id="rId5"/>
+    <p:sldId id="258" r:id="rId6"/>
+    <p:sldId id="260" r:id="rId7"/>
+    <p:sldId id="264" r:id="rId8"/>
+    <p:sldId id="272" r:id="rId9"/>
+    <p:sldId id="265" r:id="rId10"/>
+    <p:sldId id="266" r:id="rId11"/>
+    <p:sldId id="295" r:id="rId12"/>
+    <p:sldId id="282" r:id="rId13"/>
+    <p:sldId id="263" r:id="rId14"/>
+    <p:sldId id="284" r:id="rId15"/>
+    <p:sldId id="274" r:id="rId16"/>
+    <p:sldId id="287" r:id="rId17"/>
+    <p:sldId id="288" r:id="rId18"/>
+    <p:sldId id="286" r:id="rId19"/>
+    <p:sldId id="289" r:id="rId20"/>
+    <p:sldId id="262" r:id="rId21"/>
+    <p:sldId id="296" r:id="rId22"/>
+    <p:sldId id="276" r:id="rId23"/>
+    <p:sldId id="285" r:id="rId24"/>
+    <p:sldId id="278" r:id="rId25"/>
+    <p:sldId id="290" r:id="rId26"/>
+    <p:sldId id="293" r:id="rId27"/>
+    <p:sldId id="299" r:id="rId28"/>
+    <p:sldId id="301" r:id="rId29"/>
+    <p:sldId id="267" r:id="rId30"/>
+    <p:sldId id="275" r:id="rId31"/>
+    <p:sldId id="269" r:id="rId32"/>
+    <p:sldId id="273" r:id="rId33"/>
+    <p:sldId id="291" r:id="rId34"/>
+    <p:sldId id="294" r:id="rId35"/>
+    <p:sldId id="292" r:id="rId36"/>
+    <p:sldId id="302" r:id="rId37"/>
   </p:sldIdLst>
   <p:sldSz cx="9144000" cy="6858000" type="screen4x3"/>
   <p:notesSz cx="6858000" cy="9144000"/>
@@ -226,7 +232,7 @@
           <a:p>
             <a:fld id="{0E4AAC6D-2322-45B9-8ECA-34DF280B0776}" type="datetimeFigureOut">
               <a:rPr lang="en-US" smtClean="0"/>
-              <a:t>10/17/2023</a:t>
+              <a:t>10/24/2023</a:t>
             </a:fld>
             <a:endParaRPr lang="en-US"/>
           </a:p>
@@ -1891,7 +1897,7 @@
           <a:p>
             <a:r>
               <a:rPr lang="en-US" dirty="0"/>
-              <a:t>2103389 – Computer Science</a:t>
+              <a:t>2103389 – LM Computer Science</a:t>
             </a:r>
           </a:p>
         </p:txBody>
@@ -1982,7 +1988,7 @@
             </a:fld>
             <a:r>
               <a:rPr lang="en-US" dirty="0"/>
-              <a:t> of 32</a:t>
+              <a:t> di 35</a:t>
             </a:r>
           </a:p>
         </p:txBody>
@@ -2001,8 +2007,8 @@
         </p:nvSpPr>
         <p:spPr>
           <a:xfrm>
-            <a:off x="640526" y="1251171"/>
-            <a:ext cx="7315200" cy="2862322"/>
+            <a:off x="615142" y="1537855"/>
+            <a:ext cx="7315200" cy="1200329"/>
           </a:xfrm>
           <a:prstGeom prst="rect">
             <a:avLst/>
@@ -2017,52 +2023,101 @@
           <a:p>
             <a:r>
               <a:rPr lang="it-IT" dirty="0"/>
-              <a:t>I costruttori vengono chiamati implicitamente; per evitare questo fatto, usiamo la keyword </a:t>
+              <a:t>La creazione di oggetti può essere statica e prevedere la creazione di un cosiddetto </a:t>
             </a:r>
             <a:r>
               <a:rPr lang="it-IT" u="sng" dirty="0"/>
-              <a:t>explicit</a:t>
-            </a:r>
-            <a:r>
-              <a:rPr lang="it-IT" dirty="0"/>
+              <a:t>oggetto anonimo</a:t>
+            </a:r>
+            <a:r>
+              <a:rPr lang="it-IT" i="1" dirty="0"/>
+              <a:t>, </a:t>
+            </a:r>
+            <a:r>
+              <a:rPr lang="it-IT" dirty="0"/>
+              <a:t>creato solo per assegnarlo ad un oggetto specifico</a:t>
+            </a:r>
+          </a:p>
+          <a:p>
+            <a:endParaRPr lang="it-IT" dirty="0"/>
+          </a:p>
+        </p:txBody>
+      </p:sp>
+      <p:sp>
+        <p:nvSpPr>
+          <p:cNvPr id="8" name="CasellaDiTesto 7">
+            <a:extLst>
+              <a:ext uri="{FF2B5EF4-FFF2-40B4-BE49-F238E27FC236}">
+                <a16:creationId xmlns:a16="http://schemas.microsoft.com/office/drawing/2014/main" id="{97950B39-F4C1-43A3-C332-6B577ADC08C2}"/>
+              </a:ext>
+            </a:extLst>
+          </p:cNvPr>
+          <p:cNvSpPr txBox="1"/>
+          <p:nvPr/>
+        </p:nvSpPr>
+        <p:spPr>
+          <a:xfrm>
+            <a:off x="640526" y="3323295"/>
+            <a:ext cx="7315200" cy="2585323"/>
+          </a:xfrm>
+          <a:prstGeom prst="rect">
+            <a:avLst/>
+          </a:prstGeom>
+          <a:noFill/>
+        </p:spPr>
+        <p:txBody>
+          <a:bodyPr wrap="square" rtlCol="0">
+            <a:spAutoFit/>
+          </a:bodyPr>
+          <a:lstStyle/>
+          <a:p>
+            <a:r>
+              <a:rPr lang="it-IT" dirty="0"/>
+              <a:t>Può altrimenti essere dinamica, tramite l’operatore </a:t>
+            </a:r>
+            <a:r>
+              <a:rPr lang="it-IT" u="sng" dirty="0">
+                <a:latin typeface="Consolas" panose="020B0609020204030204" pitchFamily="49" charset="0"/>
+              </a:rPr>
+              <a:t>new</a:t>
+            </a:r>
+            <a:r>
+              <a:rPr lang="it-IT" i="1" dirty="0"/>
               <a:t>.</a:t>
             </a:r>
           </a:p>
           <a:p>
-            <a:endParaRPr lang="it-IT" dirty="0"/>
-          </a:p>
-          <a:p>
-            <a:endParaRPr lang="it-IT" dirty="0"/>
-          </a:p>
-          <a:p>
-            <a:endParaRPr lang="it-IT" dirty="0"/>
-          </a:p>
-          <a:p>
-            <a:endParaRPr lang="it-IT" dirty="0"/>
-          </a:p>
-          <a:p>
-            <a:endParaRPr lang="it-IT" dirty="0"/>
-          </a:p>
-          <a:p>
-            <a:endParaRPr lang="it-IT" dirty="0"/>
-          </a:p>
-          <a:p>
-            <a:endParaRPr lang="it-IT" dirty="0"/>
-          </a:p>
-          <a:p>
-            <a:r>
-              <a:rPr lang="it-IT" dirty="0"/>
-              <a:t>Sarebbe anche possibile definire degli operatori espliciti di conversione</a:t>
-            </a:r>
+            <a:endParaRPr lang="it-IT" i="1" dirty="0"/>
+          </a:p>
+          <a:p>
+            <a:endParaRPr lang="it-IT" i="1" dirty="0"/>
+          </a:p>
+          <a:p>
+            <a:endParaRPr lang="it-IT" i="1" dirty="0"/>
+          </a:p>
+          <a:p>
+            <a:endParaRPr lang="it-IT" i="1" dirty="0"/>
+          </a:p>
+          <a:p>
+            <a:endParaRPr lang="it-IT" i="1" dirty="0"/>
+          </a:p>
+          <a:p>
+            <a:endParaRPr lang="it-IT" i="1" dirty="0"/>
+          </a:p>
+          <a:p>
+            <a:endParaRPr lang="it-IT" i="1" dirty="0"/>
+          </a:p>
+          <a:p>
+            <a:endParaRPr lang="it-IT" dirty="0"/>
           </a:p>
         </p:txBody>
       </p:sp>
       <p:pic>
         <p:nvPicPr>
-          <p:cNvPr id="7" name="Immagine 6">
-            <a:extLst>
-              <a:ext uri="{FF2B5EF4-FFF2-40B4-BE49-F238E27FC236}">
-                <a16:creationId xmlns:a16="http://schemas.microsoft.com/office/drawing/2014/main" id="{59BD9846-B99B-777B-E748-4E0BCB3868E3}"/>
+          <p:cNvPr id="6" name="Immagine 5">
+            <a:extLst>
+              <a:ext uri="{FF2B5EF4-FFF2-40B4-BE49-F238E27FC236}">
+                <a16:creationId xmlns:a16="http://schemas.microsoft.com/office/drawing/2014/main" id="{421EC983-F5A0-5F7A-CEC8-BE88DBD4828D}"/>
               </a:ext>
             </a:extLst>
           </p:cNvPr>
@@ -2079,8 +2134,8 @@
         </p:blipFill>
         <p:spPr>
           <a:xfrm>
-            <a:off x="1188274" y="1962279"/>
-            <a:ext cx="6086276" cy="1717103"/>
+            <a:off x="3350336" y="2285334"/>
+            <a:ext cx="2443327" cy="924502"/>
           </a:xfrm>
           <a:prstGeom prst="rect">
             <a:avLst/>
@@ -2089,10 +2144,10 @@
       </p:pic>
       <p:pic>
         <p:nvPicPr>
-          <p:cNvPr id="13" name="Immagine 12">
-            <a:extLst>
-              <a:ext uri="{FF2B5EF4-FFF2-40B4-BE49-F238E27FC236}">
-                <a16:creationId xmlns:a16="http://schemas.microsoft.com/office/drawing/2014/main" id="{1910CB30-B4DD-8455-0B19-BE34D67918A5}"/>
+          <p:cNvPr id="10" name="Immagine 9">
+            <a:extLst>
+              <a:ext uri="{FF2B5EF4-FFF2-40B4-BE49-F238E27FC236}">
+                <a16:creationId xmlns:a16="http://schemas.microsoft.com/office/drawing/2014/main" id="{514E2FA0-71CB-5FE6-268D-C698D3D32247}"/>
               </a:ext>
             </a:extLst>
           </p:cNvPr>
@@ -2109,8 +2164,8 @@
         </p:blipFill>
         <p:spPr>
           <a:xfrm>
-            <a:off x="1632769" y="4113492"/>
-            <a:ext cx="4841183" cy="2050667"/>
+            <a:off x="2336998" y="3794947"/>
+            <a:ext cx="4683548" cy="1810271"/>
           </a:xfrm>
           <a:prstGeom prst="rect">
             <a:avLst/>
@@ -2120,7 +2175,7 @@
     </p:spTree>
     <p:extLst>
       <p:ext uri="{BB962C8B-B14F-4D97-AF65-F5344CB8AC3E}">
-        <p14:creationId xmlns:p14="http://schemas.microsoft.com/office/powerpoint/2010/main" val="1562140548"/>
+        <p14:creationId xmlns:p14="http://schemas.microsoft.com/office/powerpoint/2010/main" val="1332099971"/>
       </p:ext>
     </p:extLst>
   </p:cSld>
@@ -2152,7 +2207,7 @@
           <p:cNvPr id="2" name="Titolo 1">
             <a:extLst>
               <a:ext uri="{FF2B5EF4-FFF2-40B4-BE49-F238E27FC236}">
-                <a16:creationId xmlns:a16="http://schemas.microsoft.com/office/drawing/2014/main" id="{A1C33B46-A1F8-111B-8108-D696C1BBCC68}"/>
+                <a16:creationId xmlns:a16="http://schemas.microsoft.com/office/drawing/2014/main" id="{7E094D2C-2C58-27DB-8836-62C5F689C9C6}"/>
               </a:ext>
             </a:extLst>
           </p:cNvPr>
@@ -2170,7 +2225,7 @@
           <a:p>
             <a:r>
               <a:rPr lang="it-IT" dirty="0"/>
-              <a:t>La keyword «const»</a:t>
+              <a:t>Costruttori</a:t>
             </a:r>
           </a:p>
         </p:txBody>
@@ -2180,7 +2235,7 @@
           <p:cNvPr id="4" name="Segnaposto numero diapositiva 3">
             <a:extLst>
               <a:ext uri="{FF2B5EF4-FFF2-40B4-BE49-F238E27FC236}">
-                <a16:creationId xmlns:a16="http://schemas.microsoft.com/office/drawing/2014/main" id="{30F37182-85E1-1CBA-A05A-CCEC4E40C29C}"/>
+                <a16:creationId xmlns:a16="http://schemas.microsoft.com/office/drawing/2014/main" id="{8FC0F31B-BCEA-FE98-0DBD-53D618ED76C0}"/>
               </a:ext>
             </a:extLst>
           </p:cNvPr>
@@ -2203,17 +2258,17 @@
             </a:fld>
             <a:r>
               <a:rPr lang="en-US" dirty="0"/>
-              <a:t> of 32</a:t>
-            </a:r>
-          </a:p>
-        </p:txBody>
-      </p:sp>
-      <p:sp>
-        <p:nvSpPr>
-          <p:cNvPr id="9" name="CasellaDiTesto 8">
-            <a:extLst>
-              <a:ext uri="{FF2B5EF4-FFF2-40B4-BE49-F238E27FC236}">
-                <a16:creationId xmlns:a16="http://schemas.microsoft.com/office/drawing/2014/main" id="{4B6313EF-3010-D4E4-5F5D-1FF5C2A34D0E}"/>
+              <a:t> di 35</a:t>
+            </a:r>
+          </a:p>
+        </p:txBody>
+      </p:sp>
+      <p:sp>
+        <p:nvSpPr>
+          <p:cNvPr id="5" name="CasellaDiTesto 4">
+            <a:extLst>
+              <a:ext uri="{FF2B5EF4-FFF2-40B4-BE49-F238E27FC236}">
+                <a16:creationId xmlns:a16="http://schemas.microsoft.com/office/drawing/2014/main" id="{71CF3303-6EC9-CDFB-DF05-BA3795CCB248}"/>
               </a:ext>
             </a:extLst>
           </p:cNvPr>
@@ -2222,8 +2277,8 @@
         </p:nvSpPr>
         <p:spPr>
           <a:xfrm>
-            <a:off x="484246" y="1557431"/>
-            <a:ext cx="7769737" cy="923330"/>
+            <a:off x="615141" y="1537855"/>
+            <a:ext cx="7752481" cy="4524315"/>
           </a:xfrm>
           <a:prstGeom prst="rect">
             <a:avLst/>
@@ -2236,88 +2291,75 @@
           </a:bodyPr>
           <a:lstStyle/>
           <a:p>
-            <a:pPr marL="285750" indent="-285750">
-              <a:buFont typeface="Arial" panose="020B0604020202020204" pitchFamily="34" charset="0"/>
-              <a:buChar char="•"/>
-            </a:pPr>
-            <a:r>
-              <a:rPr lang="it-IT" dirty="0"/>
-              <a:t>Vogliamo ottenere </a:t>
-            </a:r>
-            <a:r>
-              <a:rPr lang="it-IT" b="1" dirty="0"/>
-              <a:t>immutabilità</a:t>
-            </a:r>
-          </a:p>
-          <a:p>
-            <a:pPr marL="742950" lvl="1" indent="-285750">
-              <a:buFont typeface="Arial" panose="020B0604020202020204" pitchFamily="34" charset="0"/>
-              <a:buChar char="•"/>
-            </a:pPr>
-            <a:r>
-              <a:rPr lang="it-IT" dirty="0"/>
-              <a:t>Se nelle funzioni </a:t>
-            </a:r>
-            <a:r>
-              <a:rPr lang="it-IT" dirty="0">
-                <a:sym typeface="Wingdings" panose="05000000000000000000" pitchFamily="2" charset="2"/>
-              </a:rPr>
-              <a:t> ogni invocazione non farà modifiche sul parametro</a:t>
-            </a:r>
-          </a:p>
-          <a:p>
-            <a:endParaRPr lang="it-IT" dirty="0"/>
-          </a:p>
-        </p:txBody>
-      </p:sp>
-      <p:sp>
-        <p:nvSpPr>
-          <p:cNvPr id="15" name="CasellaDiTesto 14">
-            <a:extLst>
-              <a:ext uri="{FF2B5EF4-FFF2-40B4-BE49-F238E27FC236}">
-                <a16:creationId xmlns:a16="http://schemas.microsoft.com/office/drawing/2014/main" id="{47625C31-8315-14C7-62B3-10401704C7E5}"/>
-              </a:ext>
-            </a:extLst>
-          </p:cNvPr>
-          <p:cNvSpPr txBox="1"/>
-          <p:nvPr/>
-        </p:nvSpPr>
-        <p:spPr>
-          <a:xfrm>
-            <a:off x="377939" y="4305376"/>
-            <a:ext cx="7668768" cy="369332"/>
-          </a:xfrm>
-          <a:prstGeom prst="rect">
-            <a:avLst/>
-          </a:prstGeom>
-          <a:noFill/>
-        </p:spPr>
-        <p:txBody>
-          <a:bodyPr wrap="square">
-            <a:spAutoFit/>
-          </a:bodyPr>
-          <a:lstStyle/>
-          <a:p>
-            <a:pPr marL="742950" lvl="1" indent="-285750">
-              <a:buFont typeface="Arial" panose="020B0604020202020204" pitchFamily="34" charset="0"/>
-              <a:buChar char="•"/>
-            </a:pPr>
-            <a:r>
-              <a:rPr lang="it-IT" dirty="0">
-                <a:sym typeface="Wingdings" panose="05000000000000000000" pitchFamily="2" charset="2"/>
-              </a:rPr>
-              <a:t>Se sui parametri  abbiamo un valore che non può essere modificato</a:t>
-            </a:r>
+            <a:r>
+              <a:rPr lang="it-IT" dirty="0"/>
+              <a:t>Possiamo facilmente assegnare valori tramite i costruttori:</a:t>
+            </a:r>
+          </a:p>
+          <a:p>
+            <a:endParaRPr lang="it-IT" dirty="0"/>
+          </a:p>
+          <a:p>
+            <a:endParaRPr lang="it-IT" dirty="0"/>
+          </a:p>
+          <a:p>
+            <a:endParaRPr lang="it-IT" dirty="0"/>
+          </a:p>
+          <a:p>
+            <a:endParaRPr lang="it-IT" dirty="0"/>
+          </a:p>
+          <a:p>
+            <a:endParaRPr lang="it-IT" dirty="0"/>
+          </a:p>
+          <a:p>
+            <a:endParaRPr lang="it-IT" dirty="0"/>
+          </a:p>
+          <a:p>
+            <a:endParaRPr lang="it-IT" dirty="0"/>
+          </a:p>
+          <a:p>
+            <a:endParaRPr lang="it-IT" dirty="0"/>
+          </a:p>
+          <a:p>
+            <a:endParaRPr lang="it-IT" dirty="0"/>
+          </a:p>
+          <a:p>
+            <a:endParaRPr lang="it-IT" dirty="0"/>
+          </a:p>
+          <a:p>
+            <a:endParaRPr lang="it-IT" dirty="0"/>
+          </a:p>
+          <a:p>
+            <a:endParaRPr lang="it-IT" dirty="0"/>
+          </a:p>
+          <a:p>
+            <a:r>
+              <a:rPr lang="it-IT" dirty="0"/>
+              <a:t>Si consideri che i costruttori hanno una struttura sequenziale (</a:t>
+            </a:r>
+            <a:r>
+              <a:rPr lang="it-IT" i="1" dirty="0"/>
+              <a:t>che vedremo…</a:t>
+            </a:r>
+            <a:r>
+              <a:rPr lang="it-IT" dirty="0"/>
+              <a:t>)</a:t>
+            </a:r>
+          </a:p>
+          <a:p>
+            <a:endParaRPr lang="it-IT" dirty="0"/>
+          </a:p>
+          <a:p>
             <a:endParaRPr lang="it-IT" dirty="0"/>
           </a:p>
         </p:txBody>
       </p:sp>
       <p:pic>
         <p:nvPicPr>
-          <p:cNvPr id="10" name="Immagine 9">
-            <a:extLst>
-              <a:ext uri="{FF2B5EF4-FFF2-40B4-BE49-F238E27FC236}">
-                <a16:creationId xmlns:a16="http://schemas.microsoft.com/office/drawing/2014/main" id="{71ED464E-2519-74E7-8CB5-88A16C8E9E20}"/>
+          <p:cNvPr id="7" name="Immagine 6">
+            <a:extLst>
+              <a:ext uri="{FF2B5EF4-FFF2-40B4-BE49-F238E27FC236}">
+                <a16:creationId xmlns:a16="http://schemas.microsoft.com/office/drawing/2014/main" id="{08CABBEA-C465-38A2-1F50-C483A66085A3}"/>
               </a:ext>
             </a:extLst>
           </p:cNvPr>
@@ -2334,68 +2376,8 @@
         </p:blipFill>
         <p:spPr>
           <a:xfrm>
-            <a:off x="2160133" y="4721339"/>
-            <a:ext cx="4417962" cy="1220889"/>
-          </a:xfrm>
-          <a:prstGeom prst="rect">
-            <a:avLst/>
-          </a:prstGeom>
-        </p:spPr>
-      </p:pic>
-      <p:pic>
-        <p:nvPicPr>
-          <p:cNvPr id="12" name="Immagine 11">
-            <a:extLst>
-              <a:ext uri="{FF2B5EF4-FFF2-40B4-BE49-F238E27FC236}">
-                <a16:creationId xmlns:a16="http://schemas.microsoft.com/office/drawing/2014/main" id="{C07B29D0-0423-7C81-63B7-020F5A313DAC}"/>
-              </a:ext>
-            </a:extLst>
-          </p:cNvPr>
-          <p:cNvPicPr>
-            <a:picLocks noChangeAspect="1"/>
-          </p:cNvPicPr>
-          <p:nvPr/>
-        </p:nvPicPr>
-        <p:blipFill>
-          <a:blip r:embed="rId3"/>
-          <a:stretch>
-            <a:fillRect/>
-          </a:stretch>
-        </p:blipFill>
-        <p:spPr>
-          <a:xfrm>
-            <a:off x="377938" y="2310311"/>
-            <a:ext cx="3194317" cy="1873999"/>
-          </a:xfrm>
-          <a:prstGeom prst="rect">
-            <a:avLst/>
-          </a:prstGeom>
-        </p:spPr>
-      </p:pic>
-      <p:pic>
-        <p:nvPicPr>
-          <p:cNvPr id="14" name="Immagine 13">
-            <a:extLst>
-              <a:ext uri="{FF2B5EF4-FFF2-40B4-BE49-F238E27FC236}">
-                <a16:creationId xmlns:a16="http://schemas.microsoft.com/office/drawing/2014/main" id="{6984D7E3-7165-D6FE-F82B-E9EE31848F04}"/>
-              </a:ext>
-            </a:extLst>
-          </p:cNvPr>
-          <p:cNvPicPr>
-            <a:picLocks noChangeAspect="1"/>
-          </p:cNvPicPr>
-          <p:nvPr/>
-        </p:nvPicPr>
-        <p:blipFill>
-          <a:blip r:embed="rId4"/>
-          <a:stretch>
-            <a:fillRect/>
-          </a:stretch>
-        </p:blipFill>
-        <p:spPr>
-          <a:xfrm>
-            <a:off x="3974412" y="2593553"/>
-            <a:ext cx="4427846" cy="1229053"/>
+            <a:off x="1940286" y="1938462"/>
+            <a:ext cx="5263428" cy="3079973"/>
           </a:xfrm>
           <a:prstGeom prst="rect">
             <a:avLst/>
@@ -2405,7 +2387,7 @@
     </p:spTree>
     <p:extLst>
       <p:ext uri="{BB962C8B-B14F-4D97-AF65-F5344CB8AC3E}">
-        <p14:creationId xmlns:p14="http://schemas.microsoft.com/office/powerpoint/2010/main" val="1925308791"/>
+        <p14:creationId xmlns:p14="http://schemas.microsoft.com/office/powerpoint/2010/main" val="2446808258"/>
       </p:ext>
     </p:extLst>
   </p:cSld>
@@ -2437,7 +2419,7 @@
           <p:cNvPr id="2" name="Titolo 1">
             <a:extLst>
               <a:ext uri="{FF2B5EF4-FFF2-40B4-BE49-F238E27FC236}">
-                <a16:creationId xmlns:a16="http://schemas.microsoft.com/office/drawing/2014/main" id="{A1C33B46-A1F8-111B-8108-D696C1BBCC68}"/>
+                <a16:creationId xmlns:a16="http://schemas.microsoft.com/office/drawing/2014/main" id="{7E094D2C-2C58-27DB-8836-62C5F689C9C6}"/>
               </a:ext>
             </a:extLst>
           </p:cNvPr>
@@ -2455,7 +2437,7 @@
           <a:p>
             <a:r>
               <a:rPr lang="it-IT" dirty="0"/>
-              <a:t>Const correctness</a:t>
+              <a:t>Costruttori</a:t>
             </a:r>
           </a:p>
         </p:txBody>
@@ -2465,7 +2447,7 @@
           <p:cNvPr id="4" name="Segnaposto numero diapositiva 3">
             <a:extLst>
               <a:ext uri="{FF2B5EF4-FFF2-40B4-BE49-F238E27FC236}">
-                <a16:creationId xmlns:a16="http://schemas.microsoft.com/office/drawing/2014/main" id="{30F37182-85E1-1CBA-A05A-CCEC4E40C29C}"/>
+                <a16:creationId xmlns:a16="http://schemas.microsoft.com/office/drawing/2014/main" id="{8FC0F31B-BCEA-FE98-0DBD-53D618ED76C0}"/>
               </a:ext>
             </a:extLst>
           </p:cNvPr>
@@ -2488,17 +2470,89 @@
             </a:fld>
             <a:r>
               <a:rPr lang="en-US" dirty="0"/>
-              <a:t> of 32</a:t>
+              <a:t> di 35</a:t>
+            </a:r>
+          </a:p>
+        </p:txBody>
+      </p:sp>
+      <p:sp>
+        <p:nvSpPr>
+          <p:cNvPr id="5" name="CasellaDiTesto 4">
+            <a:extLst>
+              <a:ext uri="{FF2B5EF4-FFF2-40B4-BE49-F238E27FC236}">
+                <a16:creationId xmlns:a16="http://schemas.microsoft.com/office/drawing/2014/main" id="{71CF3303-6EC9-CDFB-DF05-BA3795CCB248}"/>
+              </a:ext>
+            </a:extLst>
+          </p:cNvPr>
+          <p:cNvSpPr txBox="1"/>
+          <p:nvPr/>
+        </p:nvSpPr>
+        <p:spPr>
+          <a:xfrm>
+            <a:off x="640526" y="1251171"/>
+            <a:ext cx="7315200" cy="2862322"/>
+          </a:xfrm>
+          <a:prstGeom prst="rect">
+            <a:avLst/>
+          </a:prstGeom>
+          <a:noFill/>
+        </p:spPr>
+        <p:txBody>
+          <a:bodyPr wrap="square" rtlCol="0">
+            <a:spAutoFit/>
+          </a:bodyPr>
+          <a:lstStyle/>
+          <a:p>
+            <a:r>
+              <a:rPr lang="it-IT" dirty="0"/>
+              <a:t>I costruttori vengono chiamati implicitamente; per evitare questo fatto, usiamo la keyword </a:t>
+            </a:r>
+            <a:r>
+              <a:rPr lang="it-IT" u="sng" dirty="0">
+                <a:latin typeface="Consolas" panose="020B0609020204030204" pitchFamily="49" charset="0"/>
+              </a:rPr>
+              <a:t>explicit</a:t>
+            </a:r>
+            <a:r>
+              <a:rPr lang="it-IT" dirty="0"/>
+              <a:t>.</a:t>
+            </a:r>
+          </a:p>
+          <a:p>
+            <a:endParaRPr lang="it-IT" dirty="0"/>
+          </a:p>
+          <a:p>
+            <a:endParaRPr lang="it-IT" dirty="0"/>
+          </a:p>
+          <a:p>
+            <a:endParaRPr lang="it-IT" dirty="0"/>
+          </a:p>
+          <a:p>
+            <a:endParaRPr lang="it-IT" dirty="0"/>
+          </a:p>
+          <a:p>
+            <a:endParaRPr lang="it-IT" dirty="0"/>
+          </a:p>
+          <a:p>
+            <a:endParaRPr lang="it-IT" dirty="0"/>
+          </a:p>
+          <a:p>
+            <a:endParaRPr lang="it-IT" dirty="0"/>
+          </a:p>
+          <a:p>
+            <a:r>
+              <a:rPr lang="it-IT" dirty="0"/>
+              <a:t>Sarebbe anche possibile definire degli operatori espliciti di conversione</a:t>
             </a:r>
           </a:p>
         </p:txBody>
       </p:sp>
       <p:pic>
         <p:nvPicPr>
-          <p:cNvPr id="5" name="Immagine 4">
-            <a:extLst>
-              <a:ext uri="{FF2B5EF4-FFF2-40B4-BE49-F238E27FC236}">
-                <a16:creationId xmlns:a16="http://schemas.microsoft.com/office/drawing/2014/main" id="{A92C03CA-3C81-8268-AC82-236FF9866346}"/>
+          <p:cNvPr id="7" name="Immagine 6">
+            <a:extLst>
+              <a:ext uri="{FF2B5EF4-FFF2-40B4-BE49-F238E27FC236}">
+                <a16:creationId xmlns:a16="http://schemas.microsoft.com/office/drawing/2014/main" id="{59BD9846-B99B-777B-E748-4E0BCB3868E3}"/>
               </a:ext>
             </a:extLst>
           </p:cNvPr>
@@ -2515,8 +2569,38 @@
         </p:blipFill>
         <p:spPr>
           <a:xfrm>
-            <a:off x="1661491" y="1865329"/>
-            <a:ext cx="5821017" cy="2745580"/>
+            <a:off x="1188274" y="1962279"/>
+            <a:ext cx="6086276" cy="1717103"/>
+          </a:xfrm>
+          <a:prstGeom prst="rect">
+            <a:avLst/>
+          </a:prstGeom>
+        </p:spPr>
+      </p:pic>
+      <p:pic>
+        <p:nvPicPr>
+          <p:cNvPr id="13" name="Immagine 12">
+            <a:extLst>
+              <a:ext uri="{FF2B5EF4-FFF2-40B4-BE49-F238E27FC236}">
+                <a16:creationId xmlns:a16="http://schemas.microsoft.com/office/drawing/2014/main" id="{1910CB30-B4DD-8455-0B19-BE34D67918A5}"/>
+              </a:ext>
+            </a:extLst>
+          </p:cNvPr>
+          <p:cNvPicPr>
+            <a:picLocks noChangeAspect="1"/>
+          </p:cNvPicPr>
+          <p:nvPr/>
+        </p:nvPicPr>
+        <p:blipFill>
+          <a:blip r:embed="rId3"/>
+          <a:stretch>
+            <a:fillRect/>
+          </a:stretch>
+        </p:blipFill>
+        <p:spPr>
+          <a:xfrm>
+            <a:off x="1736286" y="4113493"/>
+            <a:ext cx="4841183" cy="2050667"/>
           </a:xfrm>
           <a:prstGeom prst="rect">
             <a:avLst/>
@@ -2526,7 +2610,7 @@
     </p:spTree>
     <p:extLst>
       <p:ext uri="{BB962C8B-B14F-4D97-AF65-F5344CB8AC3E}">
-        <p14:creationId xmlns:p14="http://schemas.microsoft.com/office/powerpoint/2010/main" val="1548187695"/>
+        <p14:creationId xmlns:p14="http://schemas.microsoft.com/office/powerpoint/2010/main" val="1562140548"/>
       </p:ext>
     </p:extLst>
   </p:cSld>
@@ -2558,7 +2642,7 @@
           <p:cNvPr id="2" name="Titolo 1">
             <a:extLst>
               <a:ext uri="{FF2B5EF4-FFF2-40B4-BE49-F238E27FC236}">
-                <a16:creationId xmlns:a16="http://schemas.microsoft.com/office/drawing/2014/main" id="{7E094D2C-2C58-27DB-8836-62C5F689C9C6}"/>
+                <a16:creationId xmlns:a16="http://schemas.microsoft.com/office/drawing/2014/main" id="{A1C33B46-A1F8-111B-8108-D696C1BBCC68}"/>
               </a:ext>
             </a:extLst>
           </p:cNvPr>
@@ -2576,7 +2660,7 @@
           <a:p>
             <a:r>
               <a:rPr lang="it-IT" dirty="0"/>
-              <a:t>Implicazioni</a:t>
+              <a:t>La keyword «const»</a:t>
             </a:r>
           </a:p>
         </p:txBody>
@@ -2586,7 +2670,7 @@
           <p:cNvPr id="4" name="Segnaposto numero diapositiva 3">
             <a:extLst>
               <a:ext uri="{FF2B5EF4-FFF2-40B4-BE49-F238E27FC236}">
-                <a16:creationId xmlns:a16="http://schemas.microsoft.com/office/drawing/2014/main" id="{8FC0F31B-BCEA-FE98-0DBD-53D618ED76C0}"/>
+                <a16:creationId xmlns:a16="http://schemas.microsoft.com/office/drawing/2014/main" id="{30F37182-85E1-1CBA-A05A-CCEC4E40C29C}"/>
               </a:ext>
             </a:extLst>
           </p:cNvPr>
@@ -2602,24 +2686,123 @@
           <a:bodyPr/>
           <a:lstStyle/>
           <a:p>
-            <a:fld id="{4D021CEB-2F22-4EA1-9BAF-E3833982B82A}" type="slidenum">
-              <a:rPr lang="en-US" smtClean="0"/>
-              <a:pPr/>
-              <a:t>13</a:t>
-            </a:fld>
             <a:r>
               <a:rPr lang="en-US" dirty="0"/>
-              <a:t> of 32</a:t>
-            </a:r>
+              <a:t>13 di 35</a:t>
+            </a:r>
+          </a:p>
+        </p:txBody>
+      </p:sp>
+      <p:sp>
+        <p:nvSpPr>
+          <p:cNvPr id="9" name="CasellaDiTesto 8">
+            <a:extLst>
+              <a:ext uri="{FF2B5EF4-FFF2-40B4-BE49-F238E27FC236}">
+                <a16:creationId xmlns:a16="http://schemas.microsoft.com/office/drawing/2014/main" id="{4B6313EF-3010-D4E4-5F5D-1FF5C2A34D0E}"/>
+              </a:ext>
+            </a:extLst>
+          </p:cNvPr>
+          <p:cNvSpPr txBox="1"/>
+          <p:nvPr/>
+        </p:nvSpPr>
+        <p:spPr>
+          <a:xfrm>
+            <a:off x="484246" y="1557431"/>
+            <a:ext cx="7769737" cy="923330"/>
+          </a:xfrm>
+          <a:prstGeom prst="rect">
+            <a:avLst/>
+          </a:prstGeom>
+          <a:noFill/>
+        </p:spPr>
+        <p:txBody>
+          <a:bodyPr wrap="square" rtlCol="0">
+            <a:spAutoFit/>
+          </a:bodyPr>
+          <a:lstStyle/>
+          <a:p>
+            <a:pPr marL="285750" indent="-285750">
+              <a:buFont typeface="Arial" panose="020B0604020202020204" pitchFamily="34" charset="0"/>
+              <a:buChar char="•"/>
+            </a:pPr>
+            <a:r>
+              <a:rPr lang="it-IT" dirty="0"/>
+              <a:t>Vogliamo ottenere </a:t>
+            </a:r>
+            <a:r>
+              <a:rPr lang="it-IT" b="1" dirty="0"/>
+              <a:t>immutabilità</a:t>
+            </a:r>
+          </a:p>
+          <a:p>
+            <a:pPr marL="742950" lvl="1" indent="-285750">
+              <a:buFont typeface="Arial" panose="020B0604020202020204" pitchFamily="34" charset="0"/>
+              <a:buChar char="•"/>
+            </a:pPr>
+            <a:r>
+              <a:rPr lang="it-IT" dirty="0"/>
+              <a:t>Se nelle funzioni </a:t>
+            </a:r>
+            <a:r>
+              <a:rPr lang="it-IT" dirty="0">
+                <a:sym typeface="Wingdings" panose="05000000000000000000" pitchFamily="2" charset="2"/>
+              </a:rPr>
+              <a:t> ogni invocazione non farà modifiche sul parametro</a:t>
+            </a:r>
+          </a:p>
+          <a:p>
+            <a:endParaRPr lang="it-IT" dirty="0"/>
+          </a:p>
+        </p:txBody>
+      </p:sp>
+      <p:sp>
+        <p:nvSpPr>
+          <p:cNvPr id="15" name="CasellaDiTesto 14">
+            <a:extLst>
+              <a:ext uri="{FF2B5EF4-FFF2-40B4-BE49-F238E27FC236}">
+                <a16:creationId xmlns:a16="http://schemas.microsoft.com/office/drawing/2014/main" id="{47625C31-8315-14C7-62B3-10401704C7E5}"/>
+              </a:ext>
+            </a:extLst>
+          </p:cNvPr>
+          <p:cNvSpPr txBox="1"/>
+          <p:nvPr/>
+        </p:nvSpPr>
+        <p:spPr>
+          <a:xfrm>
+            <a:off x="377939" y="4305376"/>
+            <a:ext cx="7668768" cy="369332"/>
+          </a:xfrm>
+          <a:prstGeom prst="rect">
+            <a:avLst/>
+          </a:prstGeom>
+          <a:noFill/>
+        </p:spPr>
+        <p:txBody>
+          <a:bodyPr wrap="square">
+            <a:spAutoFit/>
+          </a:bodyPr>
+          <a:lstStyle/>
+          <a:p>
+            <a:pPr marL="742950" lvl="1" indent="-285750">
+              <a:buFont typeface="Arial" panose="020B0604020202020204" pitchFamily="34" charset="0"/>
+              <a:buChar char="•"/>
+            </a:pPr>
+            <a:r>
+              <a:rPr lang="it-IT" dirty="0">
+                <a:sym typeface="Wingdings" panose="05000000000000000000" pitchFamily="2" charset="2"/>
+              </a:rPr>
+              <a:t>Se sui parametri  abbiamo un valore che non può essere modificato</a:t>
+            </a:r>
+            <a:endParaRPr lang="it-IT" dirty="0"/>
           </a:p>
         </p:txBody>
       </p:sp>
       <p:pic>
         <p:nvPicPr>
-          <p:cNvPr id="5" name="Immagine 4">
-            <a:extLst>
-              <a:ext uri="{FF2B5EF4-FFF2-40B4-BE49-F238E27FC236}">
-                <a16:creationId xmlns:a16="http://schemas.microsoft.com/office/drawing/2014/main" id="{BF7E3385-D0EA-05C4-2F22-2480D4313C42}"/>
+          <p:cNvPr id="10" name="Immagine 9">
+            <a:extLst>
+              <a:ext uri="{FF2B5EF4-FFF2-40B4-BE49-F238E27FC236}">
+                <a16:creationId xmlns:a16="http://schemas.microsoft.com/office/drawing/2014/main" id="{71ED464E-2519-74E7-8CB5-88A16C8E9E20}"/>
               </a:ext>
             </a:extLst>
           </p:cNvPr>
@@ -2636,8 +2819,68 @@
         </p:blipFill>
         <p:spPr>
           <a:xfrm>
-            <a:off x="1382192" y="1517176"/>
-            <a:ext cx="6379616" cy="3823647"/>
+            <a:off x="2160133" y="4721339"/>
+            <a:ext cx="4417962" cy="1220889"/>
+          </a:xfrm>
+          <a:prstGeom prst="rect">
+            <a:avLst/>
+          </a:prstGeom>
+        </p:spPr>
+      </p:pic>
+      <p:pic>
+        <p:nvPicPr>
+          <p:cNvPr id="12" name="Immagine 11">
+            <a:extLst>
+              <a:ext uri="{FF2B5EF4-FFF2-40B4-BE49-F238E27FC236}">
+                <a16:creationId xmlns:a16="http://schemas.microsoft.com/office/drawing/2014/main" id="{C07B29D0-0423-7C81-63B7-020F5A313DAC}"/>
+              </a:ext>
+            </a:extLst>
+          </p:cNvPr>
+          <p:cNvPicPr>
+            <a:picLocks noChangeAspect="1"/>
+          </p:cNvPicPr>
+          <p:nvPr/>
+        </p:nvPicPr>
+        <p:blipFill>
+          <a:blip r:embed="rId3"/>
+          <a:stretch>
+            <a:fillRect/>
+          </a:stretch>
+        </p:blipFill>
+        <p:spPr>
+          <a:xfrm>
+            <a:off x="377938" y="2310311"/>
+            <a:ext cx="3194317" cy="1873999"/>
+          </a:xfrm>
+          <a:prstGeom prst="rect">
+            <a:avLst/>
+          </a:prstGeom>
+        </p:spPr>
+      </p:pic>
+      <p:pic>
+        <p:nvPicPr>
+          <p:cNvPr id="14" name="Immagine 13">
+            <a:extLst>
+              <a:ext uri="{FF2B5EF4-FFF2-40B4-BE49-F238E27FC236}">
+                <a16:creationId xmlns:a16="http://schemas.microsoft.com/office/drawing/2014/main" id="{6984D7E3-7165-D6FE-F82B-E9EE31848F04}"/>
+              </a:ext>
+            </a:extLst>
+          </p:cNvPr>
+          <p:cNvPicPr>
+            <a:picLocks noChangeAspect="1"/>
+          </p:cNvPicPr>
+          <p:nvPr/>
+        </p:nvPicPr>
+        <p:blipFill>
+          <a:blip r:embed="rId4"/>
+          <a:stretch>
+            <a:fillRect/>
+          </a:stretch>
+        </p:blipFill>
+        <p:spPr>
+          <a:xfrm>
+            <a:off x="3974412" y="2593553"/>
+            <a:ext cx="4427846" cy="1229053"/>
           </a:xfrm>
           <a:prstGeom prst="rect">
             <a:avLst/>
@@ -2647,7 +2890,7 @@
     </p:spTree>
     <p:extLst>
       <p:ext uri="{BB962C8B-B14F-4D97-AF65-F5344CB8AC3E}">
-        <p14:creationId xmlns:p14="http://schemas.microsoft.com/office/powerpoint/2010/main" val="891444211"/>
+        <p14:creationId xmlns:p14="http://schemas.microsoft.com/office/powerpoint/2010/main" val="1925308791"/>
       </p:ext>
     </p:extLst>
   </p:cSld>
@@ -2679,7 +2922,7 @@
           <p:cNvPr id="2" name="Titolo 1">
             <a:extLst>
               <a:ext uri="{FF2B5EF4-FFF2-40B4-BE49-F238E27FC236}">
-                <a16:creationId xmlns:a16="http://schemas.microsoft.com/office/drawing/2014/main" id="{7E094D2C-2C58-27DB-8836-62C5F689C9C6}"/>
+                <a16:creationId xmlns:a16="http://schemas.microsoft.com/office/drawing/2014/main" id="{A1C33B46-A1F8-111B-8108-D696C1BBCC68}"/>
               </a:ext>
             </a:extLst>
           </p:cNvPr>
@@ -2697,7 +2940,7 @@
           <a:p>
             <a:r>
               <a:rPr lang="it-IT" dirty="0"/>
-              <a:t>Esercizio 1: Cosa stampa (1)</a:t>
+              <a:t>Const correctness</a:t>
             </a:r>
           </a:p>
         </p:txBody>
@@ -2707,7 +2950,7 @@
           <p:cNvPr id="4" name="Segnaposto numero diapositiva 3">
             <a:extLst>
               <a:ext uri="{FF2B5EF4-FFF2-40B4-BE49-F238E27FC236}">
-                <a16:creationId xmlns:a16="http://schemas.microsoft.com/office/drawing/2014/main" id="{8FC0F31B-BCEA-FE98-0DBD-53D618ED76C0}"/>
+                <a16:creationId xmlns:a16="http://schemas.microsoft.com/office/drawing/2014/main" id="{30F37182-85E1-1CBA-A05A-CCEC4E40C29C}"/>
               </a:ext>
             </a:extLst>
           </p:cNvPr>
@@ -2730,17 +2973,17 @@
             </a:fld>
             <a:r>
               <a:rPr lang="en-US" dirty="0"/>
-              <a:t> of 32</a:t>
+              <a:t> di 35</a:t>
             </a:r>
           </a:p>
         </p:txBody>
       </p:sp>
       <p:pic>
         <p:nvPicPr>
-          <p:cNvPr id="6" name="Immagine 5">
-            <a:extLst>
-              <a:ext uri="{FF2B5EF4-FFF2-40B4-BE49-F238E27FC236}">
-                <a16:creationId xmlns:a16="http://schemas.microsoft.com/office/drawing/2014/main" id="{6B59C408-AC40-5978-E347-9847B0C25FF5}"/>
+          <p:cNvPr id="5" name="Immagine 4">
+            <a:extLst>
+              <a:ext uri="{FF2B5EF4-FFF2-40B4-BE49-F238E27FC236}">
+                <a16:creationId xmlns:a16="http://schemas.microsoft.com/office/drawing/2014/main" id="{A92C03CA-3C81-8268-AC82-236FF9866346}"/>
               </a:ext>
             </a:extLst>
           </p:cNvPr>
@@ -2757,8 +3000,8 @@
         </p:blipFill>
         <p:spPr>
           <a:xfrm>
-            <a:off x="2171734" y="1204481"/>
-            <a:ext cx="4475525" cy="4891519"/>
+            <a:off x="1661491" y="1865329"/>
+            <a:ext cx="5821017" cy="2745580"/>
           </a:xfrm>
           <a:prstGeom prst="rect">
             <a:avLst/>
@@ -2768,7 +3011,7 @@
     </p:spTree>
     <p:extLst>
       <p:ext uri="{BB962C8B-B14F-4D97-AF65-F5344CB8AC3E}">
-        <p14:creationId xmlns:p14="http://schemas.microsoft.com/office/powerpoint/2010/main" val="3347103466"/>
+        <p14:creationId xmlns:p14="http://schemas.microsoft.com/office/powerpoint/2010/main" val="1548187695"/>
       </p:ext>
     </p:extLst>
   </p:cSld>
@@ -2818,7 +3061,7 @@
           <a:p>
             <a:r>
               <a:rPr lang="it-IT" dirty="0"/>
-              <a:t>Esercizio 1: Soluzione</a:t>
+              <a:t>Implicazioni</a:t>
             </a:r>
           </a:p>
         </p:txBody>
@@ -2851,17 +3094,17 @@
             </a:fld>
             <a:r>
               <a:rPr lang="en-US" dirty="0"/>
-              <a:t> of 32</a:t>
+              <a:t> di 35</a:t>
             </a:r>
           </a:p>
         </p:txBody>
       </p:sp>
       <p:pic>
         <p:nvPicPr>
-          <p:cNvPr id="8" name="Immagine 7">
-            <a:extLst>
-              <a:ext uri="{FF2B5EF4-FFF2-40B4-BE49-F238E27FC236}">
-                <a16:creationId xmlns:a16="http://schemas.microsoft.com/office/drawing/2014/main" id="{AD405734-8B03-28BE-4A35-86507E819832}"/>
+          <p:cNvPr id="5" name="Immagine 4">
+            <a:extLst>
+              <a:ext uri="{FF2B5EF4-FFF2-40B4-BE49-F238E27FC236}">
+                <a16:creationId xmlns:a16="http://schemas.microsoft.com/office/drawing/2014/main" id="{BF7E3385-D0EA-05C4-2F22-2480D4313C42}"/>
               </a:ext>
             </a:extLst>
           </p:cNvPr>
@@ -2878,8 +3121,8 @@
         </p:blipFill>
         <p:spPr>
           <a:xfrm>
-            <a:off x="422550" y="1828661"/>
-            <a:ext cx="8298899" cy="3200677"/>
+            <a:off x="1382192" y="1517176"/>
+            <a:ext cx="6379616" cy="3823647"/>
           </a:xfrm>
           <a:prstGeom prst="rect">
             <a:avLst/>
@@ -2889,7 +3132,7 @@
     </p:spTree>
     <p:extLst>
       <p:ext uri="{BB962C8B-B14F-4D97-AF65-F5344CB8AC3E}">
-        <p14:creationId xmlns:p14="http://schemas.microsoft.com/office/powerpoint/2010/main" val="1063531952"/>
+        <p14:creationId xmlns:p14="http://schemas.microsoft.com/office/powerpoint/2010/main" val="891444211"/>
       </p:ext>
     </p:extLst>
   </p:cSld>
@@ -2939,7 +3182,7 @@
           <a:p>
             <a:r>
               <a:rPr lang="it-IT" dirty="0"/>
-              <a:t>Esercizio 2: Cosa stampa (2)</a:t>
+              <a:t>Esercizio 1: Cosa stampa (1)</a:t>
             </a:r>
           </a:p>
         </p:txBody>
@@ -2972,17 +3215,17 @@
             </a:fld>
             <a:r>
               <a:rPr lang="en-US" dirty="0"/>
-              <a:t> of 32</a:t>
+              <a:t> di 35</a:t>
             </a:r>
           </a:p>
         </p:txBody>
       </p:sp>
       <p:pic>
         <p:nvPicPr>
-          <p:cNvPr id="8" name="Immagine 7">
-            <a:extLst>
-              <a:ext uri="{FF2B5EF4-FFF2-40B4-BE49-F238E27FC236}">
-                <a16:creationId xmlns:a16="http://schemas.microsoft.com/office/drawing/2014/main" id="{4B826BB8-3F23-0D24-7C4F-7F8A2DDE3EDA}"/>
+          <p:cNvPr id="5" name="Immagine 4">
+            <a:extLst>
+              <a:ext uri="{FF2B5EF4-FFF2-40B4-BE49-F238E27FC236}">
+                <a16:creationId xmlns:a16="http://schemas.microsoft.com/office/drawing/2014/main" id="{0B0C22AD-3EBD-57F5-652A-B8C04DBA25E5}"/>
               </a:ext>
             </a:extLst>
           </p:cNvPr>
@@ -2999,8 +3242,38 @@
         </p:blipFill>
         <p:spPr>
           <a:xfrm>
-            <a:off x="2687506" y="1717400"/>
-            <a:ext cx="3768988" cy="4099924"/>
+            <a:off x="159574" y="1974132"/>
+            <a:ext cx="5161156" cy="2909733"/>
+          </a:xfrm>
+          <a:prstGeom prst="rect">
+            <a:avLst/>
+          </a:prstGeom>
+        </p:spPr>
+      </p:pic>
+      <p:pic>
+        <p:nvPicPr>
+          <p:cNvPr id="8" name="Immagine 7">
+            <a:extLst>
+              <a:ext uri="{FF2B5EF4-FFF2-40B4-BE49-F238E27FC236}">
+                <a16:creationId xmlns:a16="http://schemas.microsoft.com/office/drawing/2014/main" id="{1DBC3DA5-2D31-B88F-9682-8BB3B730D0C8}"/>
+              </a:ext>
+            </a:extLst>
+          </p:cNvPr>
+          <p:cNvPicPr>
+            <a:picLocks noChangeAspect="1"/>
+          </p:cNvPicPr>
+          <p:nvPr/>
+        </p:nvPicPr>
+        <p:blipFill>
+          <a:blip r:embed="rId3"/>
+          <a:stretch>
+            <a:fillRect/>
+          </a:stretch>
+        </p:blipFill>
+        <p:spPr>
+          <a:xfrm>
+            <a:off x="5577509" y="1735406"/>
+            <a:ext cx="3406917" cy="3611473"/>
           </a:xfrm>
           <a:prstGeom prst="rect">
             <a:avLst/>
@@ -3010,7 +3283,7 @@
     </p:spTree>
     <p:extLst>
       <p:ext uri="{BB962C8B-B14F-4D97-AF65-F5344CB8AC3E}">
-        <p14:creationId xmlns:p14="http://schemas.microsoft.com/office/powerpoint/2010/main" val="1453023319"/>
+        <p14:creationId xmlns:p14="http://schemas.microsoft.com/office/powerpoint/2010/main" val="3347103466"/>
       </p:ext>
     </p:extLst>
   </p:cSld>
@@ -3060,7 +3333,7 @@
           <a:p>
             <a:r>
               <a:rPr lang="it-IT" dirty="0"/>
-              <a:t>Esercizio 2: Soluzione</a:t>
+              <a:t>Esercizio 1: Soluzione</a:t>
             </a:r>
           </a:p>
         </p:txBody>
@@ -3093,7 +3366,7 @@
             </a:fld>
             <a:r>
               <a:rPr lang="en-US" dirty="0"/>
-              <a:t> of 32</a:t>
+              <a:t> di 35</a:t>
             </a:r>
           </a:p>
         </p:txBody>
@@ -3103,7 +3376,7 @@
           <p:cNvPr id="8" name="Immagine 7">
             <a:extLst>
               <a:ext uri="{FF2B5EF4-FFF2-40B4-BE49-F238E27FC236}">
-                <a16:creationId xmlns:a16="http://schemas.microsoft.com/office/drawing/2014/main" id="{57E06D64-5885-705E-1F7F-6B39C9BB55E0}"/>
+                <a16:creationId xmlns:a16="http://schemas.microsoft.com/office/drawing/2014/main" id="{AD405734-8B03-28BE-4A35-86507E819832}"/>
               </a:ext>
             </a:extLst>
           </p:cNvPr>
@@ -3120,8 +3393,8 @@
         </p:blipFill>
         <p:spPr>
           <a:xfrm>
-            <a:off x="2594155" y="1603862"/>
-            <a:ext cx="3955689" cy="3991406"/>
+            <a:off x="422550" y="1828661"/>
+            <a:ext cx="8298899" cy="3200677"/>
           </a:xfrm>
           <a:prstGeom prst="rect">
             <a:avLst/>
@@ -3131,7 +3404,7 @@
     </p:spTree>
     <p:extLst>
       <p:ext uri="{BB962C8B-B14F-4D97-AF65-F5344CB8AC3E}">
-        <p14:creationId xmlns:p14="http://schemas.microsoft.com/office/powerpoint/2010/main" val="569145528"/>
+        <p14:creationId xmlns:p14="http://schemas.microsoft.com/office/powerpoint/2010/main" val="1063531952"/>
       </p:ext>
     </p:extLst>
   </p:cSld>
@@ -3163,7 +3436,7 @@
           <p:cNvPr id="2" name="Titolo 1">
             <a:extLst>
               <a:ext uri="{FF2B5EF4-FFF2-40B4-BE49-F238E27FC236}">
-                <a16:creationId xmlns:a16="http://schemas.microsoft.com/office/drawing/2014/main" id="{A1C33B46-A1F8-111B-8108-D696C1BBCC68}"/>
+                <a16:creationId xmlns:a16="http://schemas.microsoft.com/office/drawing/2014/main" id="{7E094D2C-2C58-27DB-8836-62C5F689C9C6}"/>
               </a:ext>
             </a:extLst>
           </p:cNvPr>
@@ -3181,7 +3454,7 @@
           <a:p>
             <a:r>
               <a:rPr lang="it-IT" dirty="0"/>
-              <a:t>La keyword «static»</a:t>
+              <a:t>Esercizio 2: Cosa stampa (2)</a:t>
             </a:r>
           </a:p>
         </p:txBody>
@@ -3191,7 +3464,7 @@
           <p:cNvPr id="4" name="Segnaposto numero diapositiva 3">
             <a:extLst>
               <a:ext uri="{FF2B5EF4-FFF2-40B4-BE49-F238E27FC236}">
-                <a16:creationId xmlns:a16="http://schemas.microsoft.com/office/drawing/2014/main" id="{30F37182-85E1-1CBA-A05A-CCEC4E40C29C}"/>
+                <a16:creationId xmlns:a16="http://schemas.microsoft.com/office/drawing/2014/main" id="{8FC0F31B-BCEA-FE98-0DBD-53D618ED76C0}"/>
               </a:ext>
             </a:extLst>
           </p:cNvPr>
@@ -3214,79 +3487,17 @@
             </a:fld>
             <a:r>
               <a:rPr lang="en-US" dirty="0"/>
-              <a:t> of 32</a:t>
-            </a:r>
-          </a:p>
-        </p:txBody>
-      </p:sp>
-      <p:sp>
-        <p:nvSpPr>
-          <p:cNvPr id="3" name="CasellaDiTesto 2">
-            <a:extLst>
-              <a:ext uri="{FF2B5EF4-FFF2-40B4-BE49-F238E27FC236}">
-                <a16:creationId xmlns:a16="http://schemas.microsoft.com/office/drawing/2014/main" id="{071EBCA2-DD64-3D2B-5131-56B7182EE4C9}"/>
-              </a:ext>
-            </a:extLst>
-          </p:cNvPr>
-          <p:cNvSpPr txBox="1"/>
-          <p:nvPr/>
-        </p:nvSpPr>
-        <p:spPr>
-          <a:xfrm>
-            <a:off x="557399" y="1467248"/>
-            <a:ext cx="7315200" cy="1754326"/>
-          </a:xfrm>
-          <a:prstGeom prst="rect">
-            <a:avLst/>
-          </a:prstGeom>
-          <a:noFill/>
-        </p:spPr>
-        <p:txBody>
-          <a:bodyPr wrap="square" rtlCol="0">
-            <a:spAutoFit/>
-          </a:bodyPr>
-          <a:lstStyle/>
-          <a:p>
-            <a:pPr marL="285750" indent="-285750">
-              <a:buFont typeface="Arial" panose="020B0604020202020204" pitchFamily="34" charset="0"/>
-              <a:buChar char="•"/>
-            </a:pPr>
-            <a:r>
-              <a:rPr lang="it-IT" dirty="0"/>
-              <a:t>Variabili: istanza condivisa da tutte le istanze della classe invece di essere specifica di ogni istanza</a:t>
-            </a:r>
-          </a:p>
-          <a:p>
-            <a:pPr marL="285750" indent="-285750">
-              <a:buFont typeface="Arial" panose="020B0604020202020204" pitchFamily="34" charset="0"/>
-              <a:buChar char="•"/>
-            </a:pPr>
-            <a:endParaRPr lang="it-IT" dirty="0"/>
-          </a:p>
-          <a:p>
-            <a:pPr marL="285750" indent="-285750">
-              <a:buFont typeface="Arial" panose="020B0604020202020204" pitchFamily="34" charset="0"/>
-              <a:buChar char="•"/>
-            </a:pPr>
-            <a:r>
-              <a:rPr lang="it-IT" dirty="0"/>
-              <a:t>Funzioni: possono essere richiamate direttamente senza creare oggetti</a:t>
-            </a:r>
-          </a:p>
-          <a:p>
-            <a:endParaRPr lang="it-IT" dirty="0"/>
-          </a:p>
-          <a:p>
-            <a:endParaRPr lang="it-IT" dirty="0"/>
+              <a:t> di 35</a:t>
+            </a:r>
           </a:p>
         </p:txBody>
       </p:sp>
       <p:pic>
         <p:nvPicPr>
-          <p:cNvPr id="6" name="Immagine 5">
-            <a:extLst>
-              <a:ext uri="{FF2B5EF4-FFF2-40B4-BE49-F238E27FC236}">
-                <a16:creationId xmlns:a16="http://schemas.microsoft.com/office/drawing/2014/main" id="{61BCDBFB-BA13-4E57-2B80-BB5F662C4671}"/>
+          <p:cNvPr id="8" name="Immagine 7">
+            <a:extLst>
+              <a:ext uri="{FF2B5EF4-FFF2-40B4-BE49-F238E27FC236}">
+                <a16:creationId xmlns:a16="http://schemas.microsoft.com/office/drawing/2014/main" id="{4B826BB8-3F23-0D24-7C4F-7F8A2DDE3EDA}"/>
               </a:ext>
             </a:extLst>
           </p:cNvPr>
@@ -3303,38 +3514,8 @@
         </p:blipFill>
         <p:spPr>
           <a:xfrm>
-            <a:off x="2482480" y="2878980"/>
-            <a:ext cx="3772016" cy="1519583"/>
-          </a:xfrm>
-          <a:prstGeom prst="rect">
-            <a:avLst/>
-          </a:prstGeom>
-        </p:spPr>
-      </p:pic>
-      <p:pic>
-        <p:nvPicPr>
-          <p:cNvPr id="8" name="Immagine 7">
-            <a:extLst>
-              <a:ext uri="{FF2B5EF4-FFF2-40B4-BE49-F238E27FC236}">
-                <a16:creationId xmlns:a16="http://schemas.microsoft.com/office/drawing/2014/main" id="{EC8C0D8B-48A9-30F0-DF4D-87B2AA87007A}"/>
-              </a:ext>
-            </a:extLst>
-          </p:cNvPr>
-          <p:cNvPicPr>
-            <a:picLocks noChangeAspect="1"/>
-          </p:cNvPicPr>
-          <p:nvPr/>
-        </p:nvPicPr>
-        <p:blipFill>
-          <a:blip r:embed="rId3"/>
-          <a:stretch>
-            <a:fillRect/>
-          </a:stretch>
-        </p:blipFill>
-        <p:spPr>
-          <a:xfrm>
-            <a:off x="1281507" y="4731413"/>
-            <a:ext cx="6350685" cy="799388"/>
+            <a:off x="2687506" y="1717400"/>
+            <a:ext cx="3768988" cy="4099924"/>
           </a:xfrm>
           <a:prstGeom prst="rect">
             <a:avLst/>
@@ -3344,7 +3525,7 @@
     </p:spTree>
     <p:extLst>
       <p:ext uri="{BB962C8B-B14F-4D97-AF65-F5344CB8AC3E}">
-        <p14:creationId xmlns:p14="http://schemas.microsoft.com/office/powerpoint/2010/main" val="1083001816"/>
+        <p14:creationId xmlns:p14="http://schemas.microsoft.com/office/powerpoint/2010/main" val="1453023319"/>
       </p:ext>
     </p:extLst>
   </p:cSld>
@@ -3376,7 +3557,7 @@
           <p:cNvPr id="2" name="Titolo 1">
             <a:extLst>
               <a:ext uri="{FF2B5EF4-FFF2-40B4-BE49-F238E27FC236}">
-                <a16:creationId xmlns:a16="http://schemas.microsoft.com/office/drawing/2014/main" id="{A1C33B46-A1F8-111B-8108-D696C1BBCC68}"/>
+                <a16:creationId xmlns:a16="http://schemas.microsoft.com/office/drawing/2014/main" id="{7E094D2C-2C58-27DB-8836-62C5F689C9C6}"/>
               </a:ext>
             </a:extLst>
           </p:cNvPr>
@@ -3394,7 +3575,7 @@
           <a:p>
             <a:r>
               <a:rPr lang="it-IT" dirty="0"/>
-              <a:t>Costruttore di copia</a:t>
+              <a:t>Esercizio 2: Soluzione</a:t>
             </a:r>
           </a:p>
         </p:txBody>
@@ -3404,7 +3585,7 @@
           <p:cNvPr id="4" name="Segnaposto numero diapositiva 3">
             <a:extLst>
               <a:ext uri="{FF2B5EF4-FFF2-40B4-BE49-F238E27FC236}">
-                <a16:creationId xmlns:a16="http://schemas.microsoft.com/office/drawing/2014/main" id="{30F37182-85E1-1CBA-A05A-CCEC4E40C29C}"/>
+                <a16:creationId xmlns:a16="http://schemas.microsoft.com/office/drawing/2014/main" id="{8FC0F31B-BCEA-FE98-0DBD-53D618ED76C0}"/>
               </a:ext>
             </a:extLst>
           </p:cNvPr>
@@ -3427,172 +3608,17 @@
             </a:fld>
             <a:r>
               <a:rPr lang="en-US" dirty="0"/>
-              <a:t> of 32</a:t>
-            </a:r>
-          </a:p>
-        </p:txBody>
-      </p:sp>
-      <p:sp>
-        <p:nvSpPr>
-          <p:cNvPr id="9" name="CasellaDiTesto 8">
-            <a:extLst>
-              <a:ext uri="{FF2B5EF4-FFF2-40B4-BE49-F238E27FC236}">
-                <a16:creationId xmlns:a16="http://schemas.microsoft.com/office/drawing/2014/main" id="{4B6313EF-3010-D4E4-5F5D-1FF5C2A34D0E}"/>
-              </a:ext>
-            </a:extLst>
-          </p:cNvPr>
-          <p:cNvSpPr txBox="1"/>
-          <p:nvPr/>
-        </p:nvSpPr>
-        <p:spPr>
-          <a:xfrm>
-            <a:off x="484244" y="1170455"/>
-            <a:ext cx="7769737" cy="5078313"/>
-          </a:xfrm>
-          <a:prstGeom prst="rect">
-            <a:avLst/>
-          </a:prstGeom>
-          <a:noFill/>
-        </p:spPr>
-        <p:txBody>
-          <a:bodyPr wrap="square" rtlCol="0">
-            <a:spAutoFit/>
-          </a:bodyPr>
-          <a:lstStyle/>
-          <a:p>
-            <a:pPr marL="285750" indent="-285750">
-              <a:buFont typeface="Arial" panose="020B0604020202020204" pitchFamily="34" charset="0"/>
-              <a:buChar char="•"/>
-            </a:pPr>
-            <a:r>
-              <a:rPr lang="it-IT" dirty="0"/>
-              <a:t>Casi di invocazione:</a:t>
-            </a:r>
-          </a:p>
-          <a:p>
-            <a:pPr marL="285750" indent="-285750">
-              <a:buFont typeface="Arial" panose="020B0604020202020204" pitchFamily="34" charset="0"/>
-              <a:buChar char="•"/>
-            </a:pPr>
-            <a:endParaRPr lang="it-IT" dirty="0"/>
-          </a:p>
-          <a:p>
-            <a:pPr marL="342900" indent="-342900">
-              <a:buAutoNum type="arabicParenR"/>
-            </a:pPr>
-            <a:r>
-              <a:rPr lang="it-IT" dirty="0"/>
-              <a:t>Quando un oggetto viene dichiarato ed inizializzato on un altro oggetto della stessa classe:</a:t>
-            </a:r>
-          </a:p>
-          <a:p>
-            <a:pPr marL="342900" indent="-342900">
-              <a:buAutoNum type="arabicParenR"/>
-            </a:pPr>
-            <a:endParaRPr lang="it-IT" dirty="0"/>
-          </a:p>
-          <a:p>
-            <a:pPr marL="342900" indent="-342900">
-              <a:buAutoNum type="arabicParenR"/>
-            </a:pPr>
-            <a:endParaRPr lang="it-IT" dirty="0"/>
-          </a:p>
-          <a:p>
-            <a:pPr marL="342900" indent="-342900">
-              <a:buAutoNum type="arabicParenR"/>
-            </a:pPr>
-            <a:endParaRPr lang="it-IT" dirty="0"/>
-          </a:p>
-          <a:p>
-            <a:pPr marL="342900" indent="-342900">
-              <a:buAutoNum type="arabicParenR"/>
-            </a:pPr>
-            <a:endParaRPr lang="it-IT" dirty="0"/>
-          </a:p>
-          <a:p>
-            <a:pPr marL="342900" indent="-342900">
-              <a:buAutoNum type="arabicParenR"/>
-            </a:pPr>
-            <a:endParaRPr lang="it-IT" dirty="0"/>
-          </a:p>
-          <a:p>
-            <a:pPr marL="342900" indent="-342900">
-              <a:buAutoNum type="arabicParenR"/>
-            </a:pPr>
-            <a:r>
-              <a:rPr lang="it-IT" dirty="0"/>
-              <a:t>Quando un oggetto viene passato </a:t>
-            </a:r>
-            <a:r>
-              <a:rPr lang="it-IT" i="1" dirty="0"/>
-              <a:t>per valore</a:t>
-            </a:r>
-            <a:r>
-              <a:rPr lang="it-IT" dirty="0"/>
-              <a:t>  come parametro di una funzione come:</a:t>
-            </a:r>
-          </a:p>
-          <a:p>
-            <a:pPr marL="342900" indent="-342900">
-              <a:buAutoNum type="arabicParenR"/>
-            </a:pPr>
-            <a:endParaRPr lang="it-IT" dirty="0"/>
-          </a:p>
-          <a:p>
-            <a:pPr marL="342900" indent="-342900">
-              <a:buAutoNum type="arabicParenR"/>
-            </a:pPr>
-            <a:endParaRPr lang="it-IT" dirty="0"/>
-          </a:p>
-          <a:p>
-            <a:pPr marL="342900" indent="-342900">
-              <a:buAutoNum type="arabicParenR"/>
-            </a:pPr>
-            <a:endParaRPr lang="it-IT" dirty="0"/>
-          </a:p>
-          <a:p>
-            <a:pPr marL="342900" indent="-342900">
-              <a:buAutoNum type="arabicParenR"/>
-            </a:pPr>
-            <a:endParaRPr lang="it-IT" dirty="0"/>
-          </a:p>
-          <a:p>
-            <a:pPr marL="342900" indent="-342900">
-              <a:buAutoNum type="arabicParenR"/>
-            </a:pPr>
-            <a:endParaRPr lang="it-IT" dirty="0"/>
-          </a:p>
-          <a:p>
-            <a:pPr marL="342900" indent="-342900">
-              <a:buAutoNum type="arabicParenR"/>
-            </a:pPr>
-            <a:endParaRPr lang="it-IT" dirty="0"/>
-          </a:p>
-          <a:p>
-            <a:pPr marL="342900" indent="-342900">
-              <a:buAutoNum type="arabicParenR"/>
-            </a:pPr>
-            <a:r>
-              <a:rPr lang="it-IT" dirty="0"/>
-              <a:t>Quando una funzione ritorna per valore tramite </a:t>
-            </a:r>
-            <a:r>
-              <a:rPr lang="it-IT" i="1" dirty="0"/>
-              <a:t>return </a:t>
-            </a:r>
-            <a:r>
-              <a:rPr lang="it-IT" dirty="0"/>
-              <a:t>un oggetto</a:t>
+              <a:t> di 35</a:t>
             </a:r>
           </a:p>
         </p:txBody>
       </p:sp>
       <p:pic>
         <p:nvPicPr>
-          <p:cNvPr id="5" name="Immagine 4">
-            <a:extLst>
-              <a:ext uri="{FF2B5EF4-FFF2-40B4-BE49-F238E27FC236}">
-                <a16:creationId xmlns:a16="http://schemas.microsoft.com/office/drawing/2014/main" id="{C1E21FDC-5F2F-65AB-9929-A288B42888E0}"/>
+          <p:cNvPr id="8" name="Immagine 7">
+            <a:extLst>
+              <a:ext uri="{FF2B5EF4-FFF2-40B4-BE49-F238E27FC236}">
+                <a16:creationId xmlns:a16="http://schemas.microsoft.com/office/drawing/2014/main" id="{57E06D64-5885-705E-1F7F-6B39C9BB55E0}"/>
               </a:ext>
             </a:extLst>
           </p:cNvPr>
@@ -3609,38 +3635,8 @@
         </p:blipFill>
         <p:spPr>
           <a:xfrm>
-            <a:off x="2230652" y="2419980"/>
-            <a:ext cx="3962884" cy="1128384"/>
-          </a:xfrm>
-          <a:prstGeom prst="rect">
-            <a:avLst/>
-          </a:prstGeom>
-        </p:spPr>
-      </p:pic>
-      <p:pic>
-        <p:nvPicPr>
-          <p:cNvPr id="8" name="Immagine 7">
-            <a:extLst>
-              <a:ext uri="{FF2B5EF4-FFF2-40B4-BE49-F238E27FC236}">
-                <a16:creationId xmlns:a16="http://schemas.microsoft.com/office/drawing/2014/main" id="{E3655459-391F-BE1B-4165-DCF248644ECD}"/>
-              </a:ext>
-            </a:extLst>
-          </p:cNvPr>
-          <p:cNvPicPr>
-            <a:picLocks noChangeAspect="1"/>
-          </p:cNvPicPr>
-          <p:nvPr/>
-        </p:nvPicPr>
-        <p:blipFill>
-          <a:blip r:embed="rId3"/>
-          <a:stretch>
-            <a:fillRect/>
-          </a:stretch>
-        </p:blipFill>
-        <p:spPr>
-          <a:xfrm>
-            <a:off x="2635092" y="3998977"/>
-            <a:ext cx="3143048" cy="1820062"/>
+            <a:off x="2594155" y="1603862"/>
+            <a:ext cx="3955689" cy="3991406"/>
           </a:xfrm>
           <a:prstGeom prst="rect">
             <a:avLst/>
@@ -3650,7 +3646,7 @@
     </p:spTree>
     <p:extLst>
       <p:ext uri="{BB962C8B-B14F-4D97-AF65-F5344CB8AC3E}">
-        <p14:creationId xmlns:p14="http://schemas.microsoft.com/office/powerpoint/2010/main" val="429483692"/>
+        <p14:creationId xmlns:p14="http://schemas.microsoft.com/office/powerpoint/2010/main" val="569145528"/>
       </p:ext>
     </p:extLst>
   </p:cSld>
@@ -3733,7 +3729,7 @@
             </a:fld>
             <a:r>
               <a:rPr lang="en-US" dirty="0"/>
-              <a:t> of 32</a:t>
+              <a:t> di 35</a:t>
             </a:r>
           </a:p>
         </p:txBody>
@@ -3873,8 +3869,8 @@
         </p:blipFill>
         <p:spPr>
           <a:xfrm>
-            <a:off x="2829204" y="1283618"/>
-            <a:ext cx="3071724" cy="2431364"/>
+            <a:off x="2980757" y="1337570"/>
+            <a:ext cx="3015062" cy="2386514"/>
           </a:xfrm>
           <a:prstGeom prst="rect">
             <a:avLst/>
@@ -3934,7 +3930,7 @@
           <a:p>
             <a:r>
               <a:rPr lang="it-IT" dirty="0"/>
-              <a:t>Operatore di assegnazione</a:t>
+              <a:t>La keyword «static»</a:t>
             </a:r>
           </a:p>
         </p:txBody>
@@ -3967,17 +3963,17 @@
             </a:fld>
             <a:r>
               <a:rPr lang="en-US" dirty="0"/>
-              <a:t> of 32</a:t>
-            </a:r>
-          </a:p>
-        </p:txBody>
-      </p:sp>
-      <p:sp>
-        <p:nvSpPr>
-          <p:cNvPr id="9" name="CasellaDiTesto 8">
-            <a:extLst>
-              <a:ext uri="{FF2B5EF4-FFF2-40B4-BE49-F238E27FC236}">
-                <a16:creationId xmlns:a16="http://schemas.microsoft.com/office/drawing/2014/main" id="{4B6313EF-3010-D4E4-5F5D-1FF5C2A34D0E}"/>
+              <a:t> di 35</a:t>
+            </a:r>
+          </a:p>
+        </p:txBody>
+      </p:sp>
+      <p:sp>
+        <p:nvSpPr>
+          <p:cNvPr id="3" name="CasellaDiTesto 2">
+            <a:extLst>
+              <a:ext uri="{FF2B5EF4-FFF2-40B4-BE49-F238E27FC236}">
+                <a16:creationId xmlns:a16="http://schemas.microsoft.com/office/drawing/2014/main" id="{071EBCA2-DD64-3D2B-5131-56B7182EE4C9}"/>
               </a:ext>
             </a:extLst>
           </p:cNvPr>
@@ -3986,8 +3982,8 @@
         </p:nvSpPr>
         <p:spPr>
           <a:xfrm>
-            <a:off x="687131" y="1865399"/>
-            <a:ext cx="7769737" cy="2031325"/>
+            <a:off x="557399" y="1467248"/>
+            <a:ext cx="7315200" cy="1754326"/>
           </a:xfrm>
           <a:prstGeom prst="rect">
             <a:avLst/>
@@ -4005,14 +4001,13 @@
               <a:buChar char="•"/>
             </a:pPr>
             <a:r>
-              <a:rPr lang="it-IT" dirty="0"/>
-              <a:t>Assegnazione di ogni campo dati membro a membro </a:t>
-            </a:r>
-            <a:r>
               <a:rPr lang="it-IT" i="1" dirty="0"/>
-              <a:t>right to left</a:t>
-            </a:r>
-            <a:endParaRPr lang="it-IT" dirty="0"/>
+              <a:t>Variabili</a:t>
+            </a:r>
+            <a:r>
+              <a:rPr lang="it-IT" dirty="0"/>
+              <a:t>: istanza condivisa da tutte le istanze della classe invece di essere specifica di ogni istanza</a:t>
+            </a:r>
           </a:p>
           <a:p>
             <a:pPr marL="285750" indent="-285750">
@@ -4027,36 +4022,18 @@
               <a:buChar char="•"/>
             </a:pPr>
             <a:r>
-              <a:rPr lang="it-IT" dirty="0"/>
-              <a:t>Questo il comportamento </a:t>
-            </a:r>
-            <a:r>
               <a:rPr lang="it-IT" i="1" dirty="0"/>
-              <a:t>standard</a:t>
-            </a:r>
-            <a:r>
-              <a:rPr lang="it-IT" dirty="0"/>
-              <a:t>, qualora il programmatore non ridefinisca esplicitamente il suo comportamento</a:t>
-            </a:r>
-          </a:p>
-          <a:p>
-            <a:pPr marL="285750" indent="-285750">
-              <a:buFont typeface="Arial" panose="020B0604020202020204" pitchFamily="34" charset="0"/>
-              <a:buChar char="•"/>
-            </a:pPr>
-            <a:endParaRPr lang="it-IT" dirty="0"/>
-          </a:p>
-          <a:p>
-            <a:r>
-              <a:rPr lang="it-IT" dirty="0"/>
-              <a:t>Lo analizzeremo più a fondo successivamente</a:t>
-            </a:r>
-          </a:p>
-          <a:p>
-            <a:pPr marL="285750" indent="-285750">
-              <a:buFont typeface="Arial" panose="020B0604020202020204" pitchFamily="34" charset="0"/>
-              <a:buChar char="•"/>
-            </a:pPr>
+              <a:t>Funzioni</a:t>
+            </a:r>
+            <a:r>
+              <a:rPr lang="it-IT" dirty="0"/>
+              <a:t>: possono essere richiamate direttamente senza creare oggetti</a:t>
+            </a:r>
+          </a:p>
+          <a:p>
+            <a:endParaRPr lang="it-IT" dirty="0"/>
+          </a:p>
+          <a:p>
             <a:endParaRPr lang="it-IT" dirty="0"/>
           </a:p>
         </p:txBody>
@@ -4066,7 +4043,7 @@
           <p:cNvPr id="6" name="Immagine 5">
             <a:extLst>
               <a:ext uri="{FF2B5EF4-FFF2-40B4-BE49-F238E27FC236}">
-                <a16:creationId xmlns:a16="http://schemas.microsoft.com/office/drawing/2014/main" id="{D585905D-3C7B-062B-D7C9-25EFFF64420E}"/>
+                <a16:creationId xmlns:a16="http://schemas.microsoft.com/office/drawing/2014/main" id="{61BCDBFB-BA13-4E57-2B80-BB5F662C4671}"/>
               </a:ext>
             </a:extLst>
           </p:cNvPr>
@@ -4083,8 +4060,38 @@
         </p:blipFill>
         <p:spPr>
           <a:xfrm>
-            <a:off x="2608934" y="3680619"/>
-            <a:ext cx="3730191" cy="2451957"/>
+            <a:off x="2683948" y="2860171"/>
+            <a:ext cx="3545802" cy="1428451"/>
+          </a:xfrm>
+          <a:prstGeom prst="rect">
+            <a:avLst/>
+          </a:prstGeom>
+        </p:spPr>
+      </p:pic>
+      <p:pic>
+        <p:nvPicPr>
+          <p:cNvPr id="8" name="Immagine 7">
+            <a:extLst>
+              <a:ext uri="{FF2B5EF4-FFF2-40B4-BE49-F238E27FC236}">
+                <a16:creationId xmlns:a16="http://schemas.microsoft.com/office/drawing/2014/main" id="{EC8C0D8B-48A9-30F0-DF4D-87B2AA87007A}"/>
+              </a:ext>
+            </a:extLst>
+          </p:cNvPr>
+          <p:cNvPicPr>
+            <a:picLocks noChangeAspect="1"/>
+          </p:cNvPicPr>
+          <p:nvPr/>
+        </p:nvPicPr>
+        <p:blipFill>
+          <a:blip r:embed="rId3"/>
+          <a:stretch>
+            <a:fillRect/>
+          </a:stretch>
+        </p:blipFill>
+        <p:spPr>
+          <a:xfrm>
+            <a:off x="1397480" y="4612477"/>
+            <a:ext cx="6182954" cy="778275"/>
           </a:xfrm>
           <a:prstGeom prst="rect">
             <a:avLst/>
@@ -4094,7 +4101,7 @@
     </p:spTree>
     <p:extLst>
       <p:ext uri="{BB962C8B-B14F-4D97-AF65-F5344CB8AC3E}">
-        <p14:creationId xmlns:p14="http://schemas.microsoft.com/office/powerpoint/2010/main" val="1803315984"/>
+        <p14:creationId xmlns:p14="http://schemas.microsoft.com/office/powerpoint/2010/main" val="1083001816"/>
       </p:ext>
     </p:extLst>
   </p:cSld>
@@ -4139,14 +4146,12 @@
         </p:nvSpPr>
         <p:spPr/>
         <p:txBody>
-          <a:bodyPr>
-            <a:normAutofit fontScale="90000"/>
-          </a:bodyPr>
-          <a:lstStyle/>
-          <a:p>
-            <a:r>
-              <a:rPr lang="it-IT" dirty="0"/>
-              <a:t>Ottimizzazione del compilatore</a:t>
+          <a:bodyPr/>
+          <a:lstStyle/>
+          <a:p>
+            <a:r>
+              <a:rPr lang="it-IT" dirty="0"/>
+              <a:t>La keyword «static»</a:t>
             </a:r>
           </a:p>
         </p:txBody>
@@ -4179,7 +4184,7 @@
             </a:fld>
             <a:r>
               <a:rPr lang="en-US" dirty="0"/>
-              <a:t> of 32</a:t>
+              <a:t> di 35</a:t>
             </a:r>
           </a:p>
         </p:txBody>
@@ -4189,7 +4194,7 @@
           <p:cNvPr id="3" name="CasellaDiTesto 2">
             <a:extLst>
               <a:ext uri="{FF2B5EF4-FFF2-40B4-BE49-F238E27FC236}">
-                <a16:creationId xmlns:a16="http://schemas.microsoft.com/office/drawing/2014/main" id="{6BF61A20-403F-2E80-D5FA-072071836244}"/>
+                <a16:creationId xmlns:a16="http://schemas.microsoft.com/office/drawing/2014/main" id="{071EBCA2-DD64-3D2B-5131-56B7182EE4C9}"/>
               </a:ext>
             </a:extLst>
           </p:cNvPr>
@@ -4198,8 +4203,8 @@
         </p:nvSpPr>
         <p:spPr>
           <a:xfrm>
-            <a:off x="2456688" y="1402346"/>
-            <a:ext cx="3913632" cy="646331"/>
+            <a:off x="557399" y="1467248"/>
+            <a:ext cx="7315200" cy="1200329"/>
           </a:xfrm>
           <a:prstGeom prst="rect">
             <a:avLst/>
@@ -4211,56 +4216,21 @@
             <a:spAutoFit/>
           </a:bodyPr>
           <a:lstStyle/>
-          <a:p>
-            <a:r>
-              <a:rPr lang="it-IT" i="1" dirty="0">
-                <a:latin typeface="Consolas" panose="020B0609020204030204" pitchFamily="49" charset="0"/>
-              </a:rPr>
-              <a:t>g++ -fno-elide-constructors</a:t>
-            </a:r>
-            <a:endParaRPr lang="it-IT" i="1" dirty="0"/>
-          </a:p>
           <a:p>
             <a:pPr marL="285750" indent="-285750">
               <a:buFont typeface="Arial" panose="020B0604020202020204" pitchFamily="34" charset="0"/>
               <a:buChar char="•"/>
             </a:pPr>
-            <a:endParaRPr lang="it-IT" dirty="0"/>
-          </a:p>
-        </p:txBody>
-      </p:sp>
-      <p:sp>
-        <p:nvSpPr>
-          <p:cNvPr id="6" name="CasellaDiTesto 5">
-            <a:extLst>
-              <a:ext uri="{FF2B5EF4-FFF2-40B4-BE49-F238E27FC236}">
-                <a16:creationId xmlns:a16="http://schemas.microsoft.com/office/drawing/2014/main" id="{F5B84F5E-DD35-27D6-D2B3-0E25058CC1BC}"/>
-              </a:ext>
-            </a:extLst>
-          </p:cNvPr>
-          <p:cNvSpPr txBox="1"/>
-          <p:nvPr/>
-        </p:nvSpPr>
-        <p:spPr>
-          <a:xfrm>
-            <a:off x="761999" y="1930947"/>
-            <a:ext cx="7620000" cy="923330"/>
-          </a:xfrm>
-          <a:prstGeom prst="rect">
-            <a:avLst/>
-          </a:prstGeom>
-          <a:noFill/>
-        </p:spPr>
-        <p:txBody>
-          <a:bodyPr wrap="square" rtlCol="0">
-            <a:spAutoFit/>
-          </a:bodyPr>
-          <a:lstStyle/>
-          <a:p>
-            <a:r>
-              <a:rPr lang="it-IT" dirty="0"/>
-              <a:t>Evita la creazione di un oggetto temporaneo inutile per costruire oggetti dello stesso tipo; a fini didattici spesso non consideriamo questa (e lo usiamo nelle stampe per vedere «tutto» quello che avviene in memoria)</a:t>
-            </a:r>
+            <a:r>
+              <a:rPr lang="it-IT" dirty="0"/>
+              <a:t>Un esempio di come un campo dati statico possa essere utilizzato per contare il numero di istanze di una classe costruite da un programma.</a:t>
+            </a:r>
+          </a:p>
+          <a:p>
+            <a:endParaRPr lang="it-IT" dirty="0"/>
+          </a:p>
+          <a:p>
+            <a:endParaRPr lang="it-IT" dirty="0"/>
           </a:p>
         </p:txBody>
       </p:sp>
@@ -4269,7 +4239,7 @@
           <p:cNvPr id="7" name="Immagine 6">
             <a:extLst>
               <a:ext uri="{FF2B5EF4-FFF2-40B4-BE49-F238E27FC236}">
-                <a16:creationId xmlns:a16="http://schemas.microsoft.com/office/drawing/2014/main" id="{7342C12D-26EE-481B-9907-05DE9AC973EF}"/>
+                <a16:creationId xmlns:a16="http://schemas.microsoft.com/office/drawing/2014/main" id="{2B5CD9DB-19ED-F02B-3D47-ED941CFC6F96}"/>
               </a:ext>
             </a:extLst>
           </p:cNvPr>
@@ -4286,8 +4256,8 @@
         </p:blipFill>
         <p:spPr>
           <a:xfrm>
-            <a:off x="1838539" y="3116410"/>
-            <a:ext cx="5466921" cy="2772325"/>
+            <a:off x="1798079" y="2186057"/>
+            <a:ext cx="5547841" cy="3779848"/>
           </a:xfrm>
           <a:prstGeom prst="rect">
             <a:avLst/>
@@ -4297,7 +4267,7 @@
     </p:spTree>
     <p:extLst>
       <p:ext uri="{BB962C8B-B14F-4D97-AF65-F5344CB8AC3E}">
-        <p14:creationId xmlns:p14="http://schemas.microsoft.com/office/powerpoint/2010/main" val="2319117001"/>
+        <p14:creationId xmlns:p14="http://schemas.microsoft.com/office/powerpoint/2010/main" val="2099119326"/>
       </p:ext>
     </p:extLst>
   </p:cSld>
@@ -4329,7 +4299,7 @@
           <p:cNvPr id="2" name="Titolo 1">
             <a:extLst>
               <a:ext uri="{FF2B5EF4-FFF2-40B4-BE49-F238E27FC236}">
-                <a16:creationId xmlns:a16="http://schemas.microsoft.com/office/drawing/2014/main" id="{7E094D2C-2C58-27DB-8836-62C5F689C9C6}"/>
+                <a16:creationId xmlns:a16="http://schemas.microsoft.com/office/drawing/2014/main" id="{A1C33B46-A1F8-111B-8108-D696C1BBCC68}"/>
               </a:ext>
             </a:extLst>
           </p:cNvPr>
@@ -4347,7 +4317,7 @@
           <a:p>
             <a:r>
               <a:rPr lang="it-IT" dirty="0"/>
-              <a:t>Esercizio 3: Cosa stampa (3)</a:t>
+              <a:t>Costruttore di copia</a:t>
             </a:r>
           </a:p>
         </p:txBody>
@@ -4357,7 +4327,7 @@
           <p:cNvPr id="4" name="Segnaposto numero diapositiva 3">
             <a:extLst>
               <a:ext uri="{FF2B5EF4-FFF2-40B4-BE49-F238E27FC236}">
-                <a16:creationId xmlns:a16="http://schemas.microsoft.com/office/drawing/2014/main" id="{8FC0F31B-BCEA-FE98-0DBD-53D618ED76C0}"/>
+                <a16:creationId xmlns:a16="http://schemas.microsoft.com/office/drawing/2014/main" id="{30F37182-85E1-1CBA-A05A-CCEC4E40C29C}"/>
               </a:ext>
             </a:extLst>
           </p:cNvPr>
@@ -4380,17 +4350,154 @@
             </a:fld>
             <a:r>
               <a:rPr lang="en-US" dirty="0"/>
-              <a:t> of 32</a:t>
+              <a:t> di 35</a:t>
+            </a:r>
+          </a:p>
+        </p:txBody>
+      </p:sp>
+      <p:sp>
+        <p:nvSpPr>
+          <p:cNvPr id="9" name="CasellaDiTesto 8">
+            <a:extLst>
+              <a:ext uri="{FF2B5EF4-FFF2-40B4-BE49-F238E27FC236}">
+                <a16:creationId xmlns:a16="http://schemas.microsoft.com/office/drawing/2014/main" id="{4B6313EF-3010-D4E4-5F5D-1FF5C2A34D0E}"/>
+              </a:ext>
+            </a:extLst>
+          </p:cNvPr>
+          <p:cNvSpPr txBox="1"/>
+          <p:nvPr/>
+        </p:nvSpPr>
+        <p:spPr>
+          <a:xfrm>
+            <a:off x="484244" y="1170455"/>
+            <a:ext cx="7769737" cy="4801314"/>
+          </a:xfrm>
+          <a:prstGeom prst="rect">
+            <a:avLst/>
+          </a:prstGeom>
+          <a:noFill/>
+        </p:spPr>
+        <p:txBody>
+          <a:bodyPr wrap="square" rtlCol="0">
+            <a:spAutoFit/>
+          </a:bodyPr>
+          <a:lstStyle/>
+          <a:p>
+            <a:pPr marL="285750" indent="-285750">
+              <a:buFont typeface="Arial" panose="020B0604020202020204" pitchFamily="34" charset="0"/>
+              <a:buChar char="•"/>
+            </a:pPr>
+            <a:r>
+              <a:rPr lang="it-IT" dirty="0"/>
+              <a:t>Casi di invocazione:</a:t>
+            </a:r>
+          </a:p>
+          <a:p>
+            <a:pPr marL="285750" indent="-285750">
+              <a:buFont typeface="Arial" panose="020B0604020202020204" pitchFamily="34" charset="0"/>
+              <a:buChar char="•"/>
+            </a:pPr>
+            <a:endParaRPr lang="it-IT" dirty="0"/>
+          </a:p>
+          <a:p>
+            <a:r>
+              <a:rPr lang="it-IT" dirty="0"/>
+              <a:t>1) Quando un oggetto viene dichiarato ed inizializzato on un altro oggetto della stessa classe:</a:t>
+            </a:r>
+          </a:p>
+          <a:p>
+            <a:pPr marL="342900" indent="-342900">
+              <a:buAutoNum type="arabicParenR"/>
+            </a:pPr>
+            <a:endParaRPr lang="it-IT" dirty="0"/>
+          </a:p>
+          <a:p>
+            <a:pPr marL="342900" indent="-342900">
+              <a:buAutoNum type="arabicParenR"/>
+            </a:pPr>
+            <a:endParaRPr lang="it-IT" dirty="0"/>
+          </a:p>
+          <a:p>
+            <a:endParaRPr lang="it-IT" dirty="0"/>
+          </a:p>
+          <a:p>
+            <a:endParaRPr lang="it-IT" dirty="0"/>
+          </a:p>
+          <a:p>
+            <a:r>
+              <a:rPr lang="it-IT" dirty="0"/>
+              <a:t>2) Quando un oggetto viene passato </a:t>
+            </a:r>
+            <a:r>
+              <a:rPr lang="it-IT" i="1" dirty="0"/>
+              <a:t>per valore</a:t>
+            </a:r>
+            <a:r>
+              <a:rPr lang="it-IT" dirty="0"/>
+              <a:t> come parametro di una funzione come:</a:t>
+            </a:r>
+          </a:p>
+          <a:p>
+            <a:pPr marL="342900" indent="-342900">
+              <a:buAutoNum type="arabicParenR"/>
+            </a:pPr>
+            <a:endParaRPr lang="it-IT" dirty="0"/>
+          </a:p>
+          <a:p>
+            <a:pPr marL="342900" indent="-342900">
+              <a:buAutoNum type="arabicParenR"/>
+            </a:pPr>
+            <a:endParaRPr lang="it-IT" dirty="0"/>
+          </a:p>
+          <a:p>
+            <a:pPr marL="342900" indent="-342900">
+              <a:buAutoNum type="arabicParenR"/>
+            </a:pPr>
+            <a:endParaRPr lang="it-IT" dirty="0"/>
+          </a:p>
+          <a:p>
+            <a:pPr marL="342900" indent="-342900">
+              <a:buAutoNum type="arabicParenR"/>
+            </a:pPr>
+            <a:endParaRPr lang="it-IT" dirty="0"/>
+          </a:p>
+          <a:p>
+            <a:pPr marL="342900" indent="-342900">
+              <a:buAutoNum type="arabicParenR"/>
+            </a:pPr>
+            <a:endParaRPr lang="it-IT" dirty="0"/>
+          </a:p>
+          <a:p>
+            <a:endParaRPr lang="it-IT" dirty="0"/>
+          </a:p>
+          <a:p>
+            <a:r>
+              <a:rPr lang="it-IT" dirty="0"/>
+              <a:t>3) Quando una funzione ritorna per valore tramite </a:t>
+            </a:r>
+            <a:r>
+              <a:rPr lang="it-IT" i="1" dirty="0">
+                <a:latin typeface="Consolas" panose="020B0609020204030204" pitchFamily="49" charset="0"/>
+              </a:rPr>
+              <a:t>return</a:t>
+            </a:r>
+            <a:r>
+              <a:rPr lang="it-IT" i="1" dirty="0"/>
+              <a:t> </a:t>
+            </a:r>
+            <a:r>
+              <a:rPr lang="it-IT" dirty="0"/>
+              <a:t>un oggetto</a:t>
             </a:r>
           </a:p>
         </p:txBody>
       </p:sp>
       <p:pic>
         <p:nvPicPr>
-          <p:cNvPr id="6" name="Immagine 5">
-            <a:extLst>
-              <a:ext uri="{FF2B5EF4-FFF2-40B4-BE49-F238E27FC236}">
-                <a16:creationId xmlns:a16="http://schemas.microsoft.com/office/drawing/2014/main" id="{64FD58DB-5C4B-44EC-7A30-4B0DCEBC10B9}"/>
+          <p:cNvPr id="5" name="Immagine 4">
+            <a:extLst>
+              <a:ext uri="{FF2B5EF4-FFF2-40B4-BE49-F238E27FC236}">
+                <a16:creationId xmlns:a16="http://schemas.microsoft.com/office/drawing/2014/main" id="{C1E21FDC-5F2F-65AB-9929-A288B42888E0}"/>
               </a:ext>
             </a:extLst>
           </p:cNvPr>
@@ -4407,8 +4514,38 @@
         </p:blipFill>
         <p:spPr>
           <a:xfrm>
-            <a:off x="2390523" y="1850006"/>
-            <a:ext cx="4614078" cy="3567492"/>
+            <a:off x="2518913" y="2263174"/>
+            <a:ext cx="3700502" cy="1053674"/>
+          </a:xfrm>
+          <a:prstGeom prst="rect">
+            <a:avLst/>
+          </a:prstGeom>
+        </p:spPr>
+      </p:pic>
+      <p:pic>
+        <p:nvPicPr>
+          <p:cNvPr id="8" name="Immagine 7">
+            <a:extLst>
+              <a:ext uri="{FF2B5EF4-FFF2-40B4-BE49-F238E27FC236}">
+                <a16:creationId xmlns:a16="http://schemas.microsoft.com/office/drawing/2014/main" id="{E3655459-391F-BE1B-4165-DCF248644ECD}"/>
+              </a:ext>
+            </a:extLst>
+          </p:cNvPr>
+          <p:cNvPicPr>
+            <a:picLocks noChangeAspect="1"/>
+          </p:cNvPicPr>
+          <p:nvPr/>
+        </p:nvPicPr>
+        <p:blipFill>
+          <a:blip r:embed="rId3"/>
+          <a:stretch>
+            <a:fillRect/>
+          </a:stretch>
+        </p:blipFill>
+        <p:spPr>
+          <a:xfrm>
+            <a:off x="2660971" y="3734277"/>
+            <a:ext cx="3143048" cy="1820062"/>
           </a:xfrm>
           <a:prstGeom prst="rect">
             <a:avLst/>
@@ -4418,7 +4555,7 @@
     </p:spTree>
     <p:extLst>
       <p:ext uri="{BB962C8B-B14F-4D97-AF65-F5344CB8AC3E}">
-        <p14:creationId xmlns:p14="http://schemas.microsoft.com/office/powerpoint/2010/main" val="2514840377"/>
+        <p14:creationId xmlns:p14="http://schemas.microsoft.com/office/powerpoint/2010/main" val="429483692"/>
       </p:ext>
     </p:extLst>
   </p:cSld>
@@ -4450,7 +4587,7 @@
           <p:cNvPr id="2" name="Titolo 1">
             <a:extLst>
               <a:ext uri="{FF2B5EF4-FFF2-40B4-BE49-F238E27FC236}">
-                <a16:creationId xmlns:a16="http://schemas.microsoft.com/office/drawing/2014/main" id="{7E094D2C-2C58-27DB-8836-62C5F689C9C6}"/>
+                <a16:creationId xmlns:a16="http://schemas.microsoft.com/office/drawing/2014/main" id="{A1C33B46-A1F8-111B-8108-D696C1BBCC68}"/>
               </a:ext>
             </a:extLst>
           </p:cNvPr>
@@ -4468,7 +4605,7 @@
           <a:p>
             <a:r>
               <a:rPr lang="it-IT" dirty="0"/>
-              <a:t>Esercizio 3: Soluzione</a:t>
+              <a:t>Operatore di assegnazione</a:t>
             </a:r>
           </a:p>
         </p:txBody>
@@ -4478,7 +4615,7 @@
           <p:cNvPr id="4" name="Segnaposto numero diapositiva 3">
             <a:extLst>
               <a:ext uri="{FF2B5EF4-FFF2-40B4-BE49-F238E27FC236}">
-                <a16:creationId xmlns:a16="http://schemas.microsoft.com/office/drawing/2014/main" id="{8FC0F31B-BCEA-FE98-0DBD-53D618ED76C0}"/>
+                <a16:creationId xmlns:a16="http://schemas.microsoft.com/office/drawing/2014/main" id="{30F37182-85E1-1CBA-A05A-CCEC4E40C29C}"/>
               </a:ext>
             </a:extLst>
           </p:cNvPr>
@@ -4501,17 +4638,106 @@
             </a:fld>
             <a:r>
               <a:rPr lang="en-US" dirty="0"/>
-              <a:t> of 32</a:t>
-            </a:r>
+              <a:t> di 35</a:t>
+            </a:r>
+          </a:p>
+        </p:txBody>
+      </p:sp>
+      <p:sp>
+        <p:nvSpPr>
+          <p:cNvPr id="9" name="CasellaDiTesto 8">
+            <a:extLst>
+              <a:ext uri="{FF2B5EF4-FFF2-40B4-BE49-F238E27FC236}">
+                <a16:creationId xmlns:a16="http://schemas.microsoft.com/office/drawing/2014/main" id="{4B6313EF-3010-D4E4-5F5D-1FF5C2A34D0E}"/>
+              </a:ext>
+            </a:extLst>
+          </p:cNvPr>
+          <p:cNvSpPr txBox="1"/>
+          <p:nvPr/>
+        </p:nvSpPr>
+        <p:spPr>
+          <a:xfrm>
+            <a:off x="747516" y="1632485"/>
+            <a:ext cx="7769737" cy="2031325"/>
+          </a:xfrm>
+          <a:prstGeom prst="rect">
+            <a:avLst/>
+          </a:prstGeom>
+          <a:noFill/>
+        </p:spPr>
+        <p:txBody>
+          <a:bodyPr wrap="square" rtlCol="0">
+            <a:spAutoFit/>
+          </a:bodyPr>
+          <a:lstStyle/>
+          <a:p>
+            <a:pPr marL="285750" indent="-285750">
+              <a:buFont typeface="Arial" panose="020B0604020202020204" pitchFamily="34" charset="0"/>
+              <a:buChar char="•"/>
+            </a:pPr>
+            <a:r>
+              <a:rPr lang="it-IT" dirty="0"/>
+              <a:t>Assegnazione di ogni campo dati membro a membro </a:t>
+            </a:r>
+            <a:r>
+              <a:rPr lang="it-IT" i="1" dirty="0"/>
+              <a:t>right to left</a:t>
+            </a:r>
+            <a:endParaRPr lang="it-IT" dirty="0"/>
+          </a:p>
+          <a:p>
+            <a:pPr marL="285750" indent="-285750">
+              <a:buFont typeface="Arial" panose="020B0604020202020204" pitchFamily="34" charset="0"/>
+              <a:buChar char="•"/>
+            </a:pPr>
+            <a:endParaRPr lang="it-IT" dirty="0"/>
+          </a:p>
+          <a:p>
+            <a:pPr marL="285750" indent="-285750">
+              <a:buFont typeface="Arial" panose="020B0604020202020204" pitchFamily="34" charset="0"/>
+              <a:buChar char="•"/>
+            </a:pPr>
+            <a:r>
+              <a:rPr lang="it-IT" dirty="0"/>
+              <a:t>Questo il comportamento </a:t>
+            </a:r>
+            <a:r>
+              <a:rPr lang="it-IT" i="1" dirty="0"/>
+              <a:t>standard</a:t>
+            </a:r>
+            <a:r>
+              <a:rPr lang="it-IT" dirty="0"/>
+              <a:t>, qualora il programmatore non ridefinisca esplicitamente il suo comportamento</a:t>
+            </a:r>
+          </a:p>
+          <a:p>
+            <a:pPr marL="285750" indent="-285750">
+              <a:buFont typeface="Arial" panose="020B0604020202020204" pitchFamily="34" charset="0"/>
+              <a:buChar char="•"/>
+            </a:pPr>
+            <a:endParaRPr lang="it-IT" dirty="0"/>
+          </a:p>
+          <a:p>
+            <a:r>
+              <a:rPr lang="it-IT" dirty="0"/>
+              <a:t>Lo analizzeremo più a fondo successivamente.</a:t>
+            </a:r>
+          </a:p>
+          <a:p>
+            <a:pPr marL="285750" indent="-285750">
+              <a:buFont typeface="Arial" panose="020B0604020202020204" pitchFamily="34" charset="0"/>
+              <a:buChar char="•"/>
+            </a:pPr>
+            <a:endParaRPr lang="it-IT" dirty="0"/>
           </a:p>
         </p:txBody>
       </p:sp>
       <p:pic>
         <p:nvPicPr>
-          <p:cNvPr id="5" name="Immagine 4">
-            <a:extLst>
-              <a:ext uri="{FF2B5EF4-FFF2-40B4-BE49-F238E27FC236}">
-                <a16:creationId xmlns:a16="http://schemas.microsoft.com/office/drawing/2014/main" id="{8B6859A2-06F6-C757-4428-8D0D19767977}"/>
+          <p:cNvPr id="6" name="Immagine 5">
+            <a:extLst>
+              <a:ext uri="{FF2B5EF4-FFF2-40B4-BE49-F238E27FC236}">
+                <a16:creationId xmlns:a16="http://schemas.microsoft.com/office/drawing/2014/main" id="{D585905D-3C7B-062B-D7C9-25EFFF64420E}"/>
               </a:ext>
             </a:extLst>
           </p:cNvPr>
@@ -4528,8 +4754,8 @@
         </p:blipFill>
         <p:spPr>
           <a:xfrm>
-            <a:off x="437791" y="1840092"/>
-            <a:ext cx="8268417" cy="3177815"/>
+            <a:off x="2706904" y="3568475"/>
+            <a:ext cx="3730191" cy="2451957"/>
           </a:xfrm>
           <a:prstGeom prst="rect">
             <a:avLst/>
@@ -4539,7 +4765,7 @@
     </p:spTree>
     <p:extLst>
       <p:ext uri="{BB962C8B-B14F-4D97-AF65-F5344CB8AC3E}">
-        <p14:creationId xmlns:p14="http://schemas.microsoft.com/office/powerpoint/2010/main" val="3390164786"/>
+        <p14:creationId xmlns:p14="http://schemas.microsoft.com/office/powerpoint/2010/main" val="1803315984"/>
       </p:ext>
     </p:extLst>
   </p:cSld>
@@ -4584,12 +4810,14 @@
         </p:nvSpPr>
         <p:spPr/>
         <p:txBody>
-          <a:bodyPr/>
-          <a:lstStyle/>
-          <a:p>
-            <a:r>
-              <a:rPr lang="it-IT" dirty="0"/>
-              <a:t>Overloading degli operatori</a:t>
+          <a:bodyPr>
+            <a:normAutofit fontScale="90000"/>
+          </a:bodyPr>
+          <a:lstStyle/>
+          <a:p>
+            <a:r>
+              <a:rPr lang="it-IT" dirty="0"/>
+              <a:t>Ottimizzazione del compilatore</a:t>
             </a:r>
           </a:p>
         </p:txBody>
@@ -4622,17 +4850,17 @@
             </a:fld>
             <a:r>
               <a:rPr lang="en-US" dirty="0"/>
-              <a:t> of 32</a:t>
-            </a:r>
-          </a:p>
-        </p:txBody>
-      </p:sp>
-      <p:sp>
-        <p:nvSpPr>
-          <p:cNvPr id="9" name="CasellaDiTesto 8">
-            <a:extLst>
-              <a:ext uri="{FF2B5EF4-FFF2-40B4-BE49-F238E27FC236}">
-                <a16:creationId xmlns:a16="http://schemas.microsoft.com/office/drawing/2014/main" id="{4B6313EF-3010-D4E4-5F5D-1FF5C2A34D0E}"/>
+              <a:t> di 35</a:t>
+            </a:r>
+          </a:p>
+        </p:txBody>
+      </p:sp>
+      <p:sp>
+        <p:nvSpPr>
+          <p:cNvPr id="3" name="CasellaDiTesto 2">
+            <a:extLst>
+              <a:ext uri="{FF2B5EF4-FFF2-40B4-BE49-F238E27FC236}">
+                <a16:creationId xmlns:a16="http://schemas.microsoft.com/office/drawing/2014/main" id="{6BF61A20-403F-2E80-D5FA-072071836244}"/>
               </a:ext>
             </a:extLst>
           </p:cNvPr>
@@ -4641,8 +4869,8 @@
         </p:nvSpPr>
         <p:spPr>
           <a:xfrm>
-            <a:off x="484246" y="1557431"/>
-            <a:ext cx="7769737" cy="4524315"/>
+            <a:off x="2456688" y="1402346"/>
+            <a:ext cx="3913632" cy="646331"/>
           </a:xfrm>
           <a:prstGeom prst="rect">
             <a:avLst/>
@@ -4654,130 +4882,65 @@
             <a:spAutoFit/>
           </a:bodyPr>
           <a:lstStyle/>
+          <a:p>
+            <a:r>
+              <a:rPr lang="it-IT" i="1" dirty="0">
+                <a:latin typeface="Consolas" panose="020B0609020204030204" pitchFamily="49" charset="0"/>
+              </a:rPr>
+              <a:t>g++ -fno-elide-constructors</a:t>
+            </a:r>
+            <a:endParaRPr lang="it-IT" i="1" dirty="0"/>
+          </a:p>
           <a:p>
             <a:pPr marL="285750" indent="-285750">
               <a:buFont typeface="Arial" panose="020B0604020202020204" pitchFamily="34" charset="0"/>
               <a:buChar char="•"/>
             </a:pPr>
-            <a:r>
-              <a:rPr lang="it-IT" dirty="0"/>
-              <a:t>Ridefinizione di funzionalità per il contesto di una classe</a:t>
-            </a:r>
-          </a:p>
-          <a:p>
-            <a:pPr marL="285750" indent="-285750">
-              <a:buFont typeface="Arial" panose="020B0604020202020204" pitchFamily="34" charset="0"/>
-              <a:buChar char="•"/>
-            </a:pPr>
-            <a:endParaRPr lang="it-IT" dirty="0"/>
-          </a:p>
-          <a:p>
-            <a:pPr marL="285750" indent="-285750">
-              <a:buFont typeface="Arial" panose="020B0604020202020204" pitchFamily="34" charset="0"/>
-              <a:buChar char="•"/>
-            </a:pPr>
-            <a:r>
-              <a:rPr lang="it-IT" dirty="0"/>
-              <a:t>Tali funzionalità vengono definite mediante l’uso di operatori</a:t>
-            </a:r>
-          </a:p>
-          <a:p>
-            <a:pPr marL="285750" indent="-285750">
-              <a:buFont typeface="Arial" panose="020B0604020202020204" pitchFamily="34" charset="0"/>
-              <a:buChar char="•"/>
-            </a:pPr>
-            <a:endParaRPr lang="it-IT" dirty="0"/>
-          </a:p>
-          <a:p>
-            <a:pPr marL="285750" indent="-285750">
-              <a:buFont typeface="Arial" panose="020B0604020202020204" pitchFamily="34" charset="0"/>
-              <a:buChar char="•"/>
-            </a:pPr>
-            <a:endParaRPr lang="it-IT" dirty="0"/>
-          </a:p>
-          <a:p>
-            <a:pPr marL="285750" indent="-285750">
-              <a:buFont typeface="Arial" panose="020B0604020202020204" pitchFamily="34" charset="0"/>
-              <a:buChar char="•"/>
-            </a:pPr>
-            <a:endParaRPr lang="it-IT" dirty="0"/>
-          </a:p>
-          <a:p>
-            <a:pPr marL="285750" indent="-285750">
-              <a:buFont typeface="Arial" panose="020B0604020202020204" pitchFamily="34" charset="0"/>
-              <a:buChar char="•"/>
-            </a:pPr>
-            <a:endParaRPr lang="it-IT" dirty="0"/>
-          </a:p>
-          <a:p>
-            <a:pPr marL="285750" indent="-285750">
-              <a:buFont typeface="Arial" panose="020B0604020202020204" pitchFamily="34" charset="0"/>
-              <a:buChar char="•"/>
-            </a:pPr>
-            <a:r>
-              <a:rPr lang="it-IT" dirty="0"/>
-              <a:t>Caso importante:</a:t>
-            </a:r>
-          </a:p>
-          <a:p>
-            <a:pPr marL="742950" lvl="1" indent="-285750">
-              <a:buFont typeface="Arial" panose="020B0604020202020204" pitchFamily="34" charset="0"/>
-              <a:buChar char="•"/>
-            </a:pPr>
-            <a:r>
-              <a:rPr lang="it-IT" u="sng" dirty="0"/>
-              <a:t>Assegnazione standard</a:t>
-            </a:r>
-          </a:p>
-          <a:p>
-            <a:pPr lvl="1"/>
-            <a:endParaRPr lang="it-IT" dirty="0"/>
-          </a:p>
-          <a:p>
-            <a:pPr lvl="1"/>
-            <a:endParaRPr lang="it-IT" dirty="0"/>
-          </a:p>
-          <a:p>
-            <a:pPr lvl="1"/>
-            <a:endParaRPr lang="it-IT" dirty="0"/>
-          </a:p>
-          <a:p>
-            <a:pPr lvl="1"/>
-            <a:endParaRPr lang="it-IT" dirty="0"/>
-          </a:p>
-          <a:p>
-            <a:pPr marL="742950" lvl="1" indent="-285750">
-              <a:buFont typeface="Arial" panose="020B0604020202020204" pitchFamily="34" charset="0"/>
-              <a:buChar char="•"/>
-            </a:pPr>
-            <a:r>
-              <a:rPr lang="it-IT" dirty="0"/>
-              <a:t>Simile all’assegnazione standard, vi è il </a:t>
-            </a:r>
-            <a:r>
-              <a:rPr lang="it-IT" u="sng" dirty="0"/>
-              <a:t>costruttore di copia</a:t>
-            </a:r>
-          </a:p>
-          <a:p>
-            <a:pPr lvl="1"/>
-            <a:endParaRPr lang="it-IT" dirty="0"/>
-          </a:p>
-          <a:p>
-            <a:pPr marL="285750" indent="-285750">
-              <a:buFont typeface="Arial" panose="020B0604020202020204" pitchFamily="34" charset="0"/>
-              <a:buChar char="•"/>
-            </a:pPr>
-            <a:endParaRPr lang="it-IT" dirty="0"/>
+            <a:endParaRPr lang="it-IT" dirty="0"/>
+          </a:p>
+        </p:txBody>
+      </p:sp>
+      <p:sp>
+        <p:nvSpPr>
+          <p:cNvPr id="6" name="CasellaDiTesto 5">
+            <a:extLst>
+              <a:ext uri="{FF2B5EF4-FFF2-40B4-BE49-F238E27FC236}">
+                <a16:creationId xmlns:a16="http://schemas.microsoft.com/office/drawing/2014/main" id="{F5B84F5E-DD35-27D6-D2B3-0E25058CC1BC}"/>
+              </a:ext>
+            </a:extLst>
+          </p:cNvPr>
+          <p:cNvSpPr txBox="1"/>
+          <p:nvPr/>
+        </p:nvSpPr>
+        <p:spPr>
+          <a:xfrm>
+            <a:off x="761999" y="1930947"/>
+            <a:ext cx="7620000" cy="923330"/>
+          </a:xfrm>
+          <a:prstGeom prst="rect">
+            <a:avLst/>
+          </a:prstGeom>
+          <a:noFill/>
+        </p:spPr>
+        <p:txBody>
+          <a:bodyPr wrap="square" rtlCol="0">
+            <a:spAutoFit/>
+          </a:bodyPr>
+          <a:lstStyle/>
+          <a:p>
+            <a:r>
+              <a:rPr lang="it-IT" dirty="0"/>
+              <a:t>Evita la creazione di un oggetto temporaneo inutile per costruire oggetti dello stesso tipo; a fini didattici spesso non consideriamo questa (e lo usiamo nelle stampe per vedere «tutto» quello che avviene in memoria)</a:t>
+            </a:r>
           </a:p>
         </p:txBody>
       </p:sp>
       <p:pic>
         <p:nvPicPr>
-          <p:cNvPr id="5" name="Immagine 4">
-            <a:extLst>
-              <a:ext uri="{FF2B5EF4-FFF2-40B4-BE49-F238E27FC236}">
-                <a16:creationId xmlns:a16="http://schemas.microsoft.com/office/drawing/2014/main" id="{C62E3CCC-934F-C007-76CB-21E517C631BB}"/>
+          <p:cNvPr id="7" name="Immagine 6">
+            <a:extLst>
+              <a:ext uri="{FF2B5EF4-FFF2-40B4-BE49-F238E27FC236}">
+                <a16:creationId xmlns:a16="http://schemas.microsoft.com/office/drawing/2014/main" id="{7342C12D-26EE-481B-9907-05DE9AC973EF}"/>
               </a:ext>
             </a:extLst>
           </p:cNvPr>
@@ -4794,68 +4957,8 @@
         </p:blipFill>
         <p:spPr>
           <a:xfrm>
-            <a:off x="1521039" y="2752594"/>
-            <a:ext cx="6101922" cy="608095"/>
-          </a:xfrm>
-          <a:prstGeom prst="rect">
-            <a:avLst/>
-          </a:prstGeom>
-        </p:spPr>
-      </p:pic>
-      <p:pic>
-        <p:nvPicPr>
-          <p:cNvPr id="6" name="Immagine 5">
-            <a:extLst>
-              <a:ext uri="{FF2B5EF4-FFF2-40B4-BE49-F238E27FC236}">
-                <a16:creationId xmlns:a16="http://schemas.microsoft.com/office/drawing/2014/main" id="{922C048C-1D1C-6906-FC68-86C1DAEF2EEF}"/>
-              </a:ext>
-            </a:extLst>
-          </p:cNvPr>
-          <p:cNvPicPr>
-            <a:picLocks noChangeAspect="1"/>
-          </p:cNvPicPr>
-          <p:nvPr/>
-        </p:nvPicPr>
-        <p:blipFill>
-          <a:blip r:embed="rId3"/>
-          <a:stretch>
-            <a:fillRect/>
-          </a:stretch>
-        </p:blipFill>
-        <p:spPr>
-          <a:xfrm>
-            <a:off x="4517355" y="3552642"/>
-            <a:ext cx="2685674" cy="779050"/>
-          </a:xfrm>
-          <a:prstGeom prst="rect">
-            <a:avLst/>
-          </a:prstGeom>
-        </p:spPr>
-      </p:pic>
-      <p:pic>
-        <p:nvPicPr>
-          <p:cNvPr id="11" name="Immagine 10">
-            <a:extLst>
-              <a:ext uri="{FF2B5EF4-FFF2-40B4-BE49-F238E27FC236}">
-                <a16:creationId xmlns:a16="http://schemas.microsoft.com/office/drawing/2014/main" id="{C23277DD-9E95-2566-1CB0-D62BF9839433}"/>
-              </a:ext>
-            </a:extLst>
-          </p:cNvPr>
-          <p:cNvPicPr>
-            <a:picLocks noChangeAspect="1"/>
-          </p:cNvPicPr>
-          <p:nvPr/>
-        </p:nvPicPr>
-        <p:blipFill>
-          <a:blip r:embed="rId4"/>
-          <a:stretch>
-            <a:fillRect/>
-          </a:stretch>
-        </p:blipFill>
-        <p:spPr>
-          <a:xfrm>
-            <a:off x="7061507" y="4809016"/>
-            <a:ext cx="1776241" cy="825895"/>
+            <a:off x="1838539" y="3116410"/>
+            <a:ext cx="5466921" cy="2772325"/>
           </a:xfrm>
           <a:prstGeom prst="rect">
             <a:avLst/>
@@ -4865,7 +4968,7 @@
     </p:spTree>
     <p:extLst>
       <p:ext uri="{BB962C8B-B14F-4D97-AF65-F5344CB8AC3E}">
-        <p14:creationId xmlns:p14="http://schemas.microsoft.com/office/powerpoint/2010/main" val="888774464"/>
+        <p14:creationId xmlns:p14="http://schemas.microsoft.com/office/powerpoint/2010/main" val="2319117001"/>
       </p:ext>
     </p:extLst>
   </p:cSld>
@@ -4897,7 +5000,7 @@
           <p:cNvPr id="2" name="Titolo 1">
             <a:extLst>
               <a:ext uri="{FF2B5EF4-FFF2-40B4-BE49-F238E27FC236}">
-                <a16:creationId xmlns:a16="http://schemas.microsoft.com/office/drawing/2014/main" id="{A1C33B46-A1F8-111B-8108-D696C1BBCC68}"/>
+                <a16:creationId xmlns:a16="http://schemas.microsoft.com/office/drawing/2014/main" id="{7E094D2C-2C58-27DB-8836-62C5F689C9C6}"/>
               </a:ext>
             </a:extLst>
           </p:cNvPr>
@@ -4915,7 +5018,7 @@
           <a:p>
             <a:r>
               <a:rPr lang="it-IT" dirty="0"/>
-              <a:t>Overloading degli operatori</a:t>
+              <a:t>Esempio 2: Cosa stampa (3)</a:t>
             </a:r>
           </a:p>
         </p:txBody>
@@ -4925,7 +5028,7 @@
           <p:cNvPr id="4" name="Segnaposto numero diapositiva 3">
             <a:extLst>
               <a:ext uri="{FF2B5EF4-FFF2-40B4-BE49-F238E27FC236}">
-                <a16:creationId xmlns:a16="http://schemas.microsoft.com/office/drawing/2014/main" id="{30F37182-85E1-1CBA-A05A-CCEC4E40C29C}"/>
+                <a16:creationId xmlns:a16="http://schemas.microsoft.com/office/drawing/2014/main" id="{8FC0F31B-BCEA-FE98-0DBD-53D618ED76C0}"/>
               </a:ext>
             </a:extLst>
           </p:cNvPr>
@@ -4948,17 +5051,17 @@
             </a:fld>
             <a:r>
               <a:rPr lang="en-US" dirty="0"/>
-              <a:t> of 32</a:t>
+              <a:t> di 35</a:t>
             </a:r>
           </a:p>
         </p:txBody>
       </p:sp>
       <p:pic>
         <p:nvPicPr>
-          <p:cNvPr id="5" name="Immagine 4">
-            <a:extLst>
-              <a:ext uri="{FF2B5EF4-FFF2-40B4-BE49-F238E27FC236}">
-                <a16:creationId xmlns:a16="http://schemas.microsoft.com/office/drawing/2014/main" id="{5C266208-244E-2124-E579-1836727D1A0C}"/>
+          <p:cNvPr id="6" name="Immagine 5">
+            <a:extLst>
+              <a:ext uri="{FF2B5EF4-FFF2-40B4-BE49-F238E27FC236}">
+                <a16:creationId xmlns:a16="http://schemas.microsoft.com/office/drawing/2014/main" id="{64FD58DB-5C4B-44EC-7A30-4B0DCEBC10B9}"/>
               </a:ext>
             </a:extLst>
           </p:cNvPr>
@@ -4975,87 +5078,8 @@
         </p:blipFill>
         <p:spPr>
           <a:xfrm>
-            <a:off x="941401" y="1523695"/>
-            <a:ext cx="7553805" cy="2148927"/>
-          </a:xfrm>
-          <a:prstGeom prst="rect">
-            <a:avLst/>
-          </a:prstGeom>
-        </p:spPr>
-      </p:pic>
-      <p:sp>
-        <p:nvSpPr>
-          <p:cNvPr id="7" name="CasellaDiTesto 6">
-            <a:extLst>
-              <a:ext uri="{FF2B5EF4-FFF2-40B4-BE49-F238E27FC236}">
-                <a16:creationId xmlns:a16="http://schemas.microsoft.com/office/drawing/2014/main" id="{8545F119-2EA8-E1B2-1131-3546AF4257DC}"/>
-              </a:ext>
-            </a:extLst>
-          </p:cNvPr>
-          <p:cNvSpPr txBox="1"/>
-          <p:nvPr/>
-        </p:nvSpPr>
-        <p:spPr>
-          <a:xfrm>
-            <a:off x="417145" y="3758726"/>
-            <a:ext cx="7769737" cy="646331"/>
-          </a:xfrm>
-          <a:prstGeom prst="rect">
-            <a:avLst/>
-          </a:prstGeom>
-          <a:noFill/>
-        </p:spPr>
-        <p:txBody>
-          <a:bodyPr wrap="square" rtlCol="0">
-            <a:spAutoFit/>
-          </a:bodyPr>
-          <a:lstStyle/>
-          <a:p>
-            <a:pPr marL="742950" lvl="1" indent="-285750">
-              <a:buFont typeface="Arial" panose="020B0604020202020204" pitchFamily="34" charset="0"/>
-              <a:buChar char="•"/>
-            </a:pPr>
-            <a:r>
-              <a:rPr lang="it-IT" dirty="0"/>
-              <a:t>Operatori particolari</a:t>
-            </a:r>
-          </a:p>
-          <a:p>
-            <a:pPr marL="1200150" lvl="2" indent="-285750">
-              <a:buFont typeface="Arial" panose="020B0604020202020204" pitchFamily="34" charset="0"/>
-              <a:buChar char="•"/>
-            </a:pPr>
-            <a:r>
-              <a:rPr lang="it-IT" dirty="0"/>
-              <a:t>Operatore ternario</a:t>
-            </a:r>
-          </a:p>
-        </p:txBody>
-      </p:sp>
-      <p:pic>
-        <p:nvPicPr>
-          <p:cNvPr id="9" name="Immagine 8">
-            <a:extLst>
-              <a:ext uri="{FF2B5EF4-FFF2-40B4-BE49-F238E27FC236}">
-                <a16:creationId xmlns:a16="http://schemas.microsoft.com/office/drawing/2014/main" id="{D52256D4-D525-4959-4B82-56E0F6AA06E1}"/>
-              </a:ext>
-            </a:extLst>
-          </p:cNvPr>
-          <p:cNvPicPr>
-            <a:picLocks noChangeAspect="1"/>
-          </p:cNvPicPr>
-          <p:nvPr/>
-        </p:nvPicPr>
-        <p:blipFill>
-          <a:blip r:embed="rId3"/>
-          <a:stretch>
-            <a:fillRect/>
-          </a:stretch>
-        </p:blipFill>
-        <p:spPr>
-          <a:xfrm>
-            <a:off x="1749229" y="4418858"/>
-            <a:ext cx="5645542" cy="1192566"/>
+            <a:off x="2390523" y="1850006"/>
+            <a:ext cx="4614078" cy="3567492"/>
           </a:xfrm>
           <a:prstGeom prst="rect">
             <a:avLst/>
@@ -5065,7 +5089,7 @@
     </p:spTree>
     <p:extLst>
       <p:ext uri="{BB962C8B-B14F-4D97-AF65-F5344CB8AC3E}">
-        <p14:creationId xmlns:p14="http://schemas.microsoft.com/office/powerpoint/2010/main" val="683277579"/>
+        <p14:creationId xmlns:p14="http://schemas.microsoft.com/office/powerpoint/2010/main" val="2514840377"/>
       </p:ext>
     </p:extLst>
   </p:cSld>
@@ -5097,7 +5121,7 @@
           <p:cNvPr id="2" name="Titolo 1">
             <a:extLst>
               <a:ext uri="{FF2B5EF4-FFF2-40B4-BE49-F238E27FC236}">
-                <a16:creationId xmlns:a16="http://schemas.microsoft.com/office/drawing/2014/main" id="{A1C33B46-A1F8-111B-8108-D696C1BBCC68}"/>
+                <a16:creationId xmlns:a16="http://schemas.microsoft.com/office/drawing/2014/main" id="{7E094D2C-2C58-27DB-8836-62C5F689C9C6}"/>
               </a:ext>
             </a:extLst>
           </p:cNvPr>
@@ -5115,7 +5139,7 @@
           <a:p>
             <a:r>
               <a:rPr lang="it-IT" dirty="0"/>
-              <a:t>Overloading degli operatori</a:t>
+              <a:t>Esempio 2: Soluzione</a:t>
             </a:r>
           </a:p>
         </p:txBody>
@@ -5125,7 +5149,7 @@
           <p:cNvPr id="4" name="Segnaposto numero diapositiva 3">
             <a:extLst>
               <a:ext uri="{FF2B5EF4-FFF2-40B4-BE49-F238E27FC236}">
-                <a16:creationId xmlns:a16="http://schemas.microsoft.com/office/drawing/2014/main" id="{30F37182-85E1-1CBA-A05A-CCEC4E40C29C}"/>
+                <a16:creationId xmlns:a16="http://schemas.microsoft.com/office/drawing/2014/main" id="{8FC0F31B-BCEA-FE98-0DBD-53D618ED76C0}"/>
               </a:ext>
             </a:extLst>
           </p:cNvPr>
@@ -5148,219 +5172,17 @@
             </a:fld>
             <a:r>
               <a:rPr lang="en-US" dirty="0"/>
-              <a:t> of 32</a:t>
-            </a:r>
-          </a:p>
-        </p:txBody>
-      </p:sp>
-      <p:sp>
-        <p:nvSpPr>
-          <p:cNvPr id="9" name="CasellaDiTesto 8">
-            <a:extLst>
-              <a:ext uri="{FF2B5EF4-FFF2-40B4-BE49-F238E27FC236}">
-                <a16:creationId xmlns:a16="http://schemas.microsoft.com/office/drawing/2014/main" id="{4B6313EF-3010-D4E4-5F5D-1FF5C2A34D0E}"/>
-              </a:ext>
-            </a:extLst>
-          </p:cNvPr>
-          <p:cNvSpPr txBox="1"/>
-          <p:nvPr/>
-        </p:nvSpPr>
-        <p:spPr>
-          <a:xfrm>
-            <a:off x="484246" y="1557431"/>
-            <a:ext cx="7769737" cy="4801314"/>
-          </a:xfrm>
-          <a:prstGeom prst="rect">
-            <a:avLst/>
-          </a:prstGeom>
-          <a:noFill/>
-        </p:spPr>
-        <p:txBody>
-          <a:bodyPr wrap="square" rtlCol="0">
-            <a:spAutoFit/>
-          </a:bodyPr>
-          <a:lstStyle/>
-          <a:p>
-            <a:pPr marL="742950" lvl="1" indent="-285750">
-              <a:buFont typeface="Arial" panose="020B0604020202020204" pitchFamily="34" charset="0"/>
-              <a:buChar char="•"/>
-            </a:pPr>
-            <a:r>
-              <a:rPr lang="it-IT" dirty="0"/>
-              <a:t>Si possono sovraccaricare degli operatori come funzioni esterne</a:t>
-            </a:r>
-          </a:p>
-          <a:p>
-            <a:pPr marL="1200150" lvl="2" indent="-285750">
-              <a:buFont typeface="Arial" panose="020B0604020202020204" pitchFamily="34" charset="0"/>
-              <a:buChar char="•"/>
-            </a:pPr>
-            <a:r>
-              <a:rPr lang="it-IT" dirty="0"/>
-              <a:t>Operatore di stampa</a:t>
-            </a:r>
-          </a:p>
-          <a:p>
-            <a:pPr marL="1200150" lvl="2" indent="-285750">
-              <a:buFont typeface="Arial" panose="020B0604020202020204" pitchFamily="34" charset="0"/>
-              <a:buChar char="•"/>
-            </a:pPr>
-            <a:endParaRPr lang="it-IT" dirty="0"/>
-          </a:p>
-          <a:p>
-            <a:pPr marL="1200150" lvl="2" indent="-285750">
-              <a:buFont typeface="Arial" panose="020B0604020202020204" pitchFamily="34" charset="0"/>
-              <a:buChar char="•"/>
-            </a:pPr>
-            <a:endParaRPr lang="it-IT" dirty="0"/>
-          </a:p>
-          <a:p>
-            <a:pPr marL="1200150" lvl="2" indent="-285750">
-              <a:buFont typeface="Arial" panose="020B0604020202020204" pitchFamily="34" charset="0"/>
-              <a:buChar char="•"/>
-            </a:pPr>
-            <a:endParaRPr lang="it-IT" dirty="0"/>
-          </a:p>
-          <a:p>
-            <a:pPr marL="1200150" lvl="2" indent="-285750">
-              <a:buFont typeface="Arial" panose="020B0604020202020204" pitchFamily="34" charset="0"/>
-              <a:buChar char="•"/>
-            </a:pPr>
-            <a:endParaRPr lang="it-IT" dirty="0"/>
-          </a:p>
-          <a:p>
-            <a:pPr marL="285750" indent="-285750">
-              <a:buFont typeface="Arial" panose="020B0604020202020204" pitchFamily="34" charset="0"/>
-              <a:buChar char="•"/>
-            </a:pPr>
-            <a:r>
-              <a:rPr lang="it-IT" dirty="0"/>
-              <a:t>Altri esempi di overloading</a:t>
-            </a:r>
-          </a:p>
-          <a:p>
-            <a:pPr marL="742950" lvl="1" indent="-285750">
-              <a:buFont typeface="Arial" panose="020B0604020202020204" pitchFamily="34" charset="0"/>
-              <a:buChar char="•"/>
-            </a:pPr>
-            <a:r>
-              <a:rPr lang="it-IT" dirty="0"/>
-              <a:t>operator + (somma)</a:t>
-            </a:r>
-          </a:p>
-          <a:p>
-            <a:pPr marL="742950" lvl="1" indent="-285750">
-              <a:buFont typeface="Arial" panose="020B0604020202020204" pitchFamily="34" charset="0"/>
-              <a:buChar char="•"/>
-            </a:pPr>
-            <a:r>
-              <a:rPr lang="it-IT" dirty="0"/>
-              <a:t>operator == (confronto)</a:t>
-            </a:r>
-          </a:p>
-          <a:p>
-            <a:pPr marL="285750" indent="-285750">
-              <a:buFont typeface="Arial" panose="020B0604020202020204" pitchFamily="34" charset="0"/>
-              <a:buChar char="•"/>
-            </a:pPr>
-            <a:r>
-              <a:rPr lang="it-IT" dirty="0"/>
-              <a:t>Altri operatori che ci saranno utili successivamente:</a:t>
-            </a:r>
-          </a:p>
-          <a:p>
-            <a:pPr marL="742950" lvl="1" indent="-285750">
-              <a:buFont typeface="Arial" panose="020B0604020202020204" pitchFamily="34" charset="0"/>
-              <a:buChar char="•"/>
-            </a:pPr>
-            <a:r>
-              <a:rPr lang="it-IT" dirty="0"/>
-              <a:t>operator * (referenziazione)</a:t>
-            </a:r>
-          </a:p>
-          <a:p>
-            <a:pPr marL="742950" lvl="1" indent="-285750">
-              <a:buFont typeface="Arial" panose="020B0604020202020204" pitchFamily="34" charset="0"/>
-              <a:buChar char="•"/>
-            </a:pPr>
-            <a:r>
-              <a:rPr lang="it-IT" dirty="0"/>
-              <a:t>operator &amp; (dereferenziazione)</a:t>
-            </a:r>
-          </a:p>
-          <a:p>
-            <a:pPr marL="742950" lvl="1" indent="-285750">
-              <a:buFont typeface="Arial" panose="020B0604020202020204" pitchFamily="34" charset="0"/>
-              <a:buChar char="•"/>
-            </a:pPr>
-            <a:r>
-              <a:rPr lang="it-IT" dirty="0"/>
-              <a:t>operator </a:t>
-            </a:r>
-            <a:r>
-              <a:rPr lang="it-IT" dirty="0">
-                <a:sym typeface="Wingdings" panose="05000000000000000000" pitchFamily="2" charset="2"/>
-              </a:rPr>
-              <a:t>-&gt; (selezione a membro)</a:t>
-            </a:r>
-          </a:p>
-          <a:p>
-            <a:pPr marL="742950" lvl="1" indent="-285750">
-              <a:buFont typeface="Arial" panose="020B0604020202020204" pitchFamily="34" charset="0"/>
-              <a:buChar char="•"/>
-            </a:pPr>
-            <a:r>
-              <a:rPr lang="it-IT" dirty="0">
-                <a:sym typeface="Wingdings" panose="05000000000000000000" pitchFamily="2" charset="2"/>
-              </a:rPr>
-              <a:t>operator [] (indicizzazione)</a:t>
-            </a:r>
-          </a:p>
-          <a:p>
-            <a:pPr marL="742950" lvl="1" indent="-285750">
-              <a:buFont typeface="Arial" panose="020B0604020202020204" pitchFamily="34" charset="0"/>
-              <a:buChar char="•"/>
-            </a:pPr>
-            <a:r>
-              <a:rPr lang="it-IT" dirty="0">
-                <a:sym typeface="Wingdings" panose="05000000000000000000" pitchFamily="2" charset="2"/>
-              </a:rPr>
-              <a:t>operator ++ (somma</a:t>
-            </a:r>
-          </a:p>
-          <a:p>
-            <a:pPr marL="1200150" lvl="2" indent="-285750">
-              <a:buFont typeface="Arial" panose="020B0604020202020204" pitchFamily="34" charset="0"/>
-              <a:buChar char="•"/>
-            </a:pPr>
-            <a:r>
-              <a:rPr lang="it-IT" dirty="0">
-                <a:sym typeface="Wingdings" panose="05000000000000000000" pitchFamily="2" charset="2"/>
-              </a:rPr>
-              <a:t>Incremento prefisso</a:t>
-            </a:r>
-          </a:p>
-          <a:p>
-            <a:pPr marL="1200150" lvl="2" indent="-285750">
-              <a:buFont typeface="Arial" panose="020B0604020202020204" pitchFamily="34" charset="0"/>
-              <a:buChar char="•"/>
-            </a:pPr>
-            <a:r>
-              <a:rPr lang="it-IT" dirty="0">
-                <a:sym typeface="Wingdings" panose="05000000000000000000" pitchFamily="2" charset="2"/>
-              </a:rPr>
-              <a:t>Incremento postfisso</a:t>
-            </a:r>
-            <a:endParaRPr lang="it-IT" dirty="0"/>
+              <a:t> di 35</a:t>
+            </a:r>
           </a:p>
         </p:txBody>
       </p:sp>
       <p:pic>
         <p:nvPicPr>
-          <p:cNvPr id="11" name="Immagine 10">
-            <a:extLst>
-              <a:ext uri="{FF2B5EF4-FFF2-40B4-BE49-F238E27FC236}">
-                <a16:creationId xmlns:a16="http://schemas.microsoft.com/office/drawing/2014/main" id="{33463B1A-E8B1-8FE9-20E9-7D615C39CFA4}"/>
+          <p:cNvPr id="6" name="Immagine 5">
+            <a:extLst>
+              <a:ext uri="{FF2B5EF4-FFF2-40B4-BE49-F238E27FC236}">
+                <a16:creationId xmlns:a16="http://schemas.microsoft.com/office/drawing/2014/main" id="{CB36E31E-FF45-45BD-D4D9-31A3AFBD1E62}"/>
               </a:ext>
             </a:extLst>
           </p:cNvPr>
@@ -5377,8 +5199,8 @@
         </p:blipFill>
         <p:spPr>
           <a:xfrm>
-            <a:off x="793422" y="2312376"/>
-            <a:ext cx="7557156" cy="744266"/>
+            <a:off x="1066496" y="1468168"/>
+            <a:ext cx="7011008" cy="4404742"/>
           </a:xfrm>
           <a:prstGeom prst="rect">
             <a:avLst/>
@@ -5388,7 +5210,7 @@
     </p:spTree>
     <p:extLst>
       <p:ext uri="{BB962C8B-B14F-4D97-AF65-F5344CB8AC3E}">
-        <p14:creationId xmlns:p14="http://schemas.microsoft.com/office/powerpoint/2010/main" val="3452887810"/>
+        <p14:creationId xmlns:p14="http://schemas.microsoft.com/office/powerpoint/2010/main" val="3390164786"/>
       </p:ext>
     </p:extLst>
   </p:cSld>
@@ -5420,7 +5242,7 @@
           <p:cNvPr id="2" name="Titolo 1">
             <a:extLst>
               <a:ext uri="{FF2B5EF4-FFF2-40B4-BE49-F238E27FC236}">
-                <a16:creationId xmlns:a16="http://schemas.microsoft.com/office/drawing/2014/main" id="{A1C33B46-A1F8-111B-8108-D696C1BBCC68}"/>
+                <a16:creationId xmlns:a16="http://schemas.microsoft.com/office/drawing/2014/main" id="{7E094D2C-2C58-27DB-8836-62C5F689C9C6}"/>
               </a:ext>
             </a:extLst>
           </p:cNvPr>
@@ -5438,7 +5260,7 @@
           <a:p>
             <a:r>
               <a:rPr lang="it-IT" dirty="0"/>
-              <a:t>Overloading degli operatori</a:t>
+              <a:t>Esercizio 3: Cosa stampa (4)</a:t>
             </a:r>
           </a:p>
         </p:txBody>
@@ -5448,7 +5270,7 @@
           <p:cNvPr id="4" name="Segnaposto numero diapositiva 3">
             <a:extLst>
               <a:ext uri="{FF2B5EF4-FFF2-40B4-BE49-F238E27FC236}">
-                <a16:creationId xmlns:a16="http://schemas.microsoft.com/office/drawing/2014/main" id="{30F37182-85E1-1CBA-A05A-CCEC4E40C29C}"/>
+                <a16:creationId xmlns:a16="http://schemas.microsoft.com/office/drawing/2014/main" id="{8FC0F31B-BCEA-FE98-0DBD-53D618ED76C0}"/>
               </a:ext>
             </a:extLst>
           </p:cNvPr>
@@ -5471,144 +5293,75 @@
             </a:fld>
             <a:r>
               <a:rPr lang="en-US" dirty="0"/>
-              <a:t> of 32</a:t>
+              <a:t> di 35</a:t>
             </a:r>
           </a:p>
         </p:txBody>
       </p:sp>
       <p:pic>
         <p:nvPicPr>
-          <p:cNvPr id="3" name="Picture 4" descr="Orario bianco - OROLOGI di Rexite | Arredinitaly">
-            <a:extLst>
-              <a:ext uri="{FF2B5EF4-FFF2-40B4-BE49-F238E27FC236}">
-                <a16:creationId xmlns:a16="http://schemas.microsoft.com/office/drawing/2014/main" id="{04AE8E3B-D957-E061-1728-5FE6414DEE43}"/>
+          <p:cNvPr id="6" name="Immagine 5">
+            <a:extLst>
+              <a:ext uri="{FF2B5EF4-FFF2-40B4-BE49-F238E27FC236}">
+                <a16:creationId xmlns:a16="http://schemas.microsoft.com/office/drawing/2014/main" id="{9F236BD9-3F80-83CA-ECA2-6C8BCAC7C9A2}"/>
               </a:ext>
             </a:extLst>
           </p:cNvPr>
           <p:cNvPicPr>
-            <a:picLocks noChangeAspect="1" noChangeArrowheads="1"/>
+            <a:picLocks noChangeAspect="1"/>
           </p:cNvPicPr>
           <p:nvPr/>
         </p:nvPicPr>
         <p:blipFill>
-          <a:blip r:embed="rId2">
-            <a:extLst>
-              <a:ext uri="{28A0092B-C50C-407E-A947-70E740481C1C}">
-                <a14:useLocalDpi xmlns:a14="http://schemas.microsoft.com/office/drawing/2010/main" val="0"/>
-              </a:ext>
-            </a:extLst>
-          </a:blip>
-          <a:srcRect/>
+          <a:blip r:embed="rId2"/>
           <a:stretch>
             <a:fillRect/>
           </a:stretch>
         </p:blipFill>
-        <p:spPr bwMode="auto">
-          <a:xfrm>
-            <a:off x="832591" y="1580135"/>
-            <a:ext cx="3333750" cy="3333750"/>
-          </a:xfrm>
-          <a:prstGeom prst="rect">
-            <a:avLst/>
-          </a:prstGeom>
-          <a:noFill/>
-          <a:extLst>
-            <a:ext uri="{909E8E84-426E-40DD-AFC4-6F175D3DCCD1}">
-              <a14:hiddenFill xmlns:a14="http://schemas.microsoft.com/office/drawing/2010/main">
-                <a:solidFill>
-                  <a:srgbClr val="FFFFFF"/>
-                </a:solidFill>
-              </a14:hiddenFill>
-            </a:ext>
-          </a:extLst>
+        <p:spPr>
+          <a:xfrm>
+            <a:off x="501113" y="1467523"/>
+            <a:ext cx="4070887" cy="3922954"/>
+          </a:xfrm>
+          <a:prstGeom prst="rect">
+            <a:avLst/>
+          </a:prstGeom>
         </p:spPr>
       </p:pic>
-      <p:sp>
-        <p:nvSpPr>
-          <p:cNvPr id="5" name="CasellaDiTesto 4">
-            <a:extLst>
-              <a:ext uri="{FF2B5EF4-FFF2-40B4-BE49-F238E27FC236}">
-                <a16:creationId xmlns:a16="http://schemas.microsoft.com/office/drawing/2014/main" id="{058BACD3-0645-5D05-B75D-A86D0E2EB011}"/>
-              </a:ext>
-            </a:extLst>
-          </p:cNvPr>
-          <p:cNvSpPr txBox="1"/>
-          <p:nvPr/>
-        </p:nvSpPr>
-        <p:spPr>
-          <a:xfrm>
-            <a:off x="1559498" y="5365052"/>
-            <a:ext cx="7424928" cy="369332"/>
-          </a:xfrm>
-          <a:prstGeom prst="rect">
-            <a:avLst/>
-          </a:prstGeom>
-          <a:noFill/>
-        </p:spPr>
-        <p:txBody>
-          <a:bodyPr wrap="square" rtlCol="0">
-            <a:spAutoFit/>
-          </a:bodyPr>
-          <a:lstStyle/>
-          <a:p>
-            <a:r>
-              <a:rPr lang="it-IT" dirty="0"/>
-              <a:t>Estendiamo la nostra classe «orario» e vediamo alcuni esempi…</a:t>
-            </a:r>
-          </a:p>
-        </p:txBody>
-      </p:sp>
       <p:pic>
         <p:nvPicPr>
-          <p:cNvPr id="6" name="Picture 2">
-            <a:extLst>
-              <a:ext uri="{FF2B5EF4-FFF2-40B4-BE49-F238E27FC236}">
-                <a16:creationId xmlns:a16="http://schemas.microsoft.com/office/drawing/2014/main" id="{5F47177A-DE4A-34A6-EFFD-03A0620070D8}"/>
+          <p:cNvPr id="8" name="Immagine 7">
+            <a:extLst>
+              <a:ext uri="{FF2B5EF4-FFF2-40B4-BE49-F238E27FC236}">
+                <a16:creationId xmlns:a16="http://schemas.microsoft.com/office/drawing/2014/main" id="{D322EAB7-DFCC-C245-61CE-6206296C2C18}"/>
               </a:ext>
             </a:extLst>
           </p:cNvPr>
           <p:cNvPicPr>
-            <a:picLocks noChangeAspect="1" noChangeArrowheads="1"/>
+            <a:picLocks noChangeAspect="1"/>
           </p:cNvPicPr>
           <p:nvPr/>
         </p:nvPicPr>
         <p:blipFill>
-          <a:blip r:embed="rId3">
-            <a:extLst>
-              <a:ext uri="{28A0092B-C50C-407E-A947-70E740481C1C}">
-                <a14:useLocalDpi xmlns:a14="http://schemas.microsoft.com/office/drawing/2010/main" val="0"/>
-              </a:ext>
-            </a:extLst>
-          </a:blip>
-          <a:srcRect/>
+          <a:blip r:embed="rId3"/>
           <a:stretch>
             <a:fillRect/>
           </a:stretch>
         </p:blipFill>
-        <p:spPr bwMode="auto">
-          <a:xfrm>
-            <a:off x="4977661" y="1580135"/>
-            <a:ext cx="3092335" cy="3092335"/>
-          </a:xfrm>
-          <a:prstGeom prst="rect">
-            <a:avLst/>
-          </a:prstGeom>
-          <a:noFill/>
-          <a:extLst>
-            <a:ext uri="{909E8E84-426E-40DD-AFC4-6F175D3DCCD1}">
-              <a14:hiddenFill xmlns:a14="http://schemas.microsoft.com/office/drawing/2010/main">
-                <a:solidFill>
-                  <a:srgbClr val="FFFFFF"/>
-                </a:solidFill>
-              </a14:hiddenFill>
-            </a:ext>
-          </a:extLst>
+        <p:spPr>
+          <a:xfrm>
+            <a:off x="5171103" y="2111479"/>
+            <a:ext cx="2903012" cy="2635042"/>
+          </a:xfrm>
+          <a:prstGeom prst="rect">
+            <a:avLst/>
+          </a:prstGeom>
         </p:spPr>
       </p:pic>
     </p:spTree>
     <p:extLst>
       <p:ext uri="{BB962C8B-B14F-4D97-AF65-F5344CB8AC3E}">
-        <p14:creationId xmlns:p14="http://schemas.microsoft.com/office/powerpoint/2010/main" val="3487479897"/>
+        <p14:creationId xmlns:p14="http://schemas.microsoft.com/office/powerpoint/2010/main" val="1053476045"/>
       </p:ext>
     </p:extLst>
   </p:cSld>
@@ -5640,7 +5393,7 @@
           <p:cNvPr id="2" name="Titolo 1">
             <a:extLst>
               <a:ext uri="{FF2B5EF4-FFF2-40B4-BE49-F238E27FC236}">
-                <a16:creationId xmlns:a16="http://schemas.microsoft.com/office/drawing/2014/main" id="{E6829A7B-6540-852A-128E-AB81590C2F7C}"/>
+                <a16:creationId xmlns:a16="http://schemas.microsoft.com/office/drawing/2014/main" id="{7E094D2C-2C58-27DB-8836-62C5F689C9C6}"/>
               </a:ext>
             </a:extLst>
           </p:cNvPr>
@@ -5658,7 +5411,7 @@
           <a:p>
             <a:r>
               <a:rPr lang="it-IT" dirty="0"/>
-              <a:t>Esercizio 4: Cosa stampa (4)</a:t>
+              <a:t>Esercizio 3: Soluzione</a:t>
             </a:r>
           </a:p>
         </p:txBody>
@@ -5668,7 +5421,7 @@
           <p:cNvPr id="4" name="Segnaposto numero diapositiva 3">
             <a:extLst>
               <a:ext uri="{FF2B5EF4-FFF2-40B4-BE49-F238E27FC236}">
-                <a16:creationId xmlns:a16="http://schemas.microsoft.com/office/drawing/2014/main" id="{C1A726B9-09D1-40A0-9688-9AA9FFB433D8}"/>
+                <a16:creationId xmlns:a16="http://schemas.microsoft.com/office/drawing/2014/main" id="{8FC0F31B-BCEA-FE98-0DBD-53D618ED76C0}"/>
               </a:ext>
             </a:extLst>
           </p:cNvPr>
@@ -5691,17 +5444,17 @@
             </a:fld>
             <a:r>
               <a:rPr lang="en-US" dirty="0"/>
-              <a:t> of 32</a:t>
+              <a:t> di 35</a:t>
             </a:r>
           </a:p>
         </p:txBody>
       </p:sp>
       <p:pic>
         <p:nvPicPr>
-          <p:cNvPr id="6" name="Immagine 5">
-            <a:extLst>
-              <a:ext uri="{FF2B5EF4-FFF2-40B4-BE49-F238E27FC236}">
-                <a16:creationId xmlns:a16="http://schemas.microsoft.com/office/drawing/2014/main" id="{5E0EDCE1-6D2D-D3A3-4255-2AAC4A278E9C}"/>
+          <p:cNvPr id="5" name="Immagine 4">
+            <a:extLst>
+              <a:ext uri="{FF2B5EF4-FFF2-40B4-BE49-F238E27FC236}">
+                <a16:creationId xmlns:a16="http://schemas.microsoft.com/office/drawing/2014/main" id="{D923B37D-0822-E59E-C6AD-E9503356351A}"/>
               </a:ext>
             </a:extLst>
           </p:cNvPr>
@@ -5718,38 +5471,8 @@
         </p:blipFill>
         <p:spPr>
           <a:xfrm>
-            <a:off x="473807" y="1561933"/>
-            <a:ext cx="3829969" cy="4088532"/>
-          </a:xfrm>
-          <a:prstGeom prst="rect">
-            <a:avLst/>
-          </a:prstGeom>
-        </p:spPr>
-      </p:pic>
-      <p:pic>
-        <p:nvPicPr>
-          <p:cNvPr id="8" name="Immagine 7">
-            <a:extLst>
-              <a:ext uri="{FF2B5EF4-FFF2-40B4-BE49-F238E27FC236}">
-                <a16:creationId xmlns:a16="http://schemas.microsoft.com/office/drawing/2014/main" id="{3D3C7E72-5AC8-328C-9DD7-69700DD22F04}"/>
-              </a:ext>
-            </a:extLst>
-          </p:cNvPr>
-          <p:cNvPicPr>
-            <a:picLocks noChangeAspect="1"/>
-          </p:cNvPicPr>
-          <p:nvPr/>
-        </p:nvPicPr>
-        <p:blipFill>
-          <a:blip r:embed="rId3"/>
-          <a:stretch>
-            <a:fillRect/>
-          </a:stretch>
-        </p:blipFill>
-        <p:spPr>
-          <a:xfrm>
-            <a:off x="4940284" y="1905526"/>
-            <a:ext cx="3515709" cy="3046948"/>
+            <a:off x="2162273" y="1978906"/>
+            <a:ext cx="4687101" cy="2900188"/>
           </a:xfrm>
           <a:prstGeom prst="rect">
             <a:avLst/>
@@ -5759,7 +5482,7 @@
     </p:spTree>
     <p:extLst>
       <p:ext uri="{BB962C8B-B14F-4D97-AF65-F5344CB8AC3E}">
-        <p14:creationId xmlns:p14="http://schemas.microsoft.com/office/powerpoint/2010/main" val="4169302503"/>
+        <p14:creationId xmlns:p14="http://schemas.microsoft.com/office/powerpoint/2010/main" val="207736931"/>
       </p:ext>
     </p:extLst>
   </p:cSld>
@@ -5791,7 +5514,7 @@
           <p:cNvPr id="2" name="Titolo 1">
             <a:extLst>
               <a:ext uri="{FF2B5EF4-FFF2-40B4-BE49-F238E27FC236}">
-                <a16:creationId xmlns:a16="http://schemas.microsoft.com/office/drawing/2014/main" id="{E6829A7B-6540-852A-128E-AB81590C2F7C}"/>
+                <a16:creationId xmlns:a16="http://schemas.microsoft.com/office/drawing/2014/main" id="{A1C33B46-A1F8-111B-8108-D696C1BBCC68}"/>
               </a:ext>
             </a:extLst>
           </p:cNvPr>
@@ -5809,7 +5532,7 @@
           <a:p>
             <a:r>
               <a:rPr lang="it-IT" dirty="0"/>
-              <a:t>Esercizio 4: Soluzione</a:t>
+              <a:t>Overloading degli operatori</a:t>
             </a:r>
           </a:p>
         </p:txBody>
@@ -5819,7 +5542,7 @@
           <p:cNvPr id="4" name="Segnaposto numero diapositiva 3">
             <a:extLst>
               <a:ext uri="{FF2B5EF4-FFF2-40B4-BE49-F238E27FC236}">
-                <a16:creationId xmlns:a16="http://schemas.microsoft.com/office/drawing/2014/main" id="{C1A726B9-09D1-40A0-9688-9AA9FFB433D8}"/>
+                <a16:creationId xmlns:a16="http://schemas.microsoft.com/office/drawing/2014/main" id="{30F37182-85E1-1CBA-A05A-CCEC4E40C29C}"/>
               </a:ext>
             </a:extLst>
           </p:cNvPr>
@@ -5842,8 +5565,173 @@
             </a:fld>
             <a:r>
               <a:rPr lang="en-US" dirty="0"/>
-              <a:t> of 32</a:t>
-            </a:r>
+              <a:t> di 35</a:t>
+            </a:r>
+          </a:p>
+        </p:txBody>
+      </p:sp>
+      <p:sp>
+        <p:nvSpPr>
+          <p:cNvPr id="9" name="CasellaDiTesto 8">
+            <a:extLst>
+              <a:ext uri="{FF2B5EF4-FFF2-40B4-BE49-F238E27FC236}">
+                <a16:creationId xmlns:a16="http://schemas.microsoft.com/office/drawing/2014/main" id="{4B6313EF-3010-D4E4-5F5D-1FF5C2A34D0E}"/>
+              </a:ext>
+            </a:extLst>
+          </p:cNvPr>
+          <p:cNvSpPr txBox="1"/>
+          <p:nvPr/>
+        </p:nvSpPr>
+        <p:spPr>
+          <a:xfrm>
+            <a:off x="484246" y="1557431"/>
+            <a:ext cx="7769737" cy="4801314"/>
+          </a:xfrm>
+          <a:prstGeom prst="rect">
+            <a:avLst/>
+          </a:prstGeom>
+          <a:noFill/>
+        </p:spPr>
+        <p:txBody>
+          <a:bodyPr wrap="square" rtlCol="0">
+            <a:spAutoFit/>
+          </a:bodyPr>
+          <a:lstStyle/>
+          <a:p>
+            <a:pPr marL="285750" indent="-285750">
+              <a:buFont typeface="Arial" panose="020B0604020202020204" pitchFamily="34" charset="0"/>
+              <a:buChar char="•"/>
+            </a:pPr>
+            <a:r>
+              <a:rPr lang="it-IT" dirty="0"/>
+              <a:t>Ridefinizione di funzionalità per il contesto di una classe </a:t>
+            </a:r>
+          </a:p>
+          <a:p>
+            <a:pPr marL="742950" lvl="1" indent="-285750">
+              <a:buFont typeface="Arial" panose="020B0604020202020204" pitchFamily="34" charset="0"/>
+              <a:buChar char="•"/>
+            </a:pPr>
+            <a:r>
+              <a:rPr lang="it-IT" dirty="0"/>
+              <a:t>(e.g. somma di orari in </a:t>
+            </a:r>
+            <a:r>
+              <a:rPr lang="it-IT" dirty="0">
+                <a:latin typeface="Consolas" panose="020B0609020204030204" pitchFamily="49" charset="0"/>
+              </a:rPr>
+              <a:t>Orario</a:t>
+            </a:r>
+            <a:r>
+              <a:rPr lang="it-IT" dirty="0"/>
+              <a:t>)</a:t>
+            </a:r>
+          </a:p>
+          <a:p>
+            <a:pPr marL="285750" indent="-285750">
+              <a:buFont typeface="Arial" panose="020B0604020202020204" pitchFamily="34" charset="0"/>
+              <a:buChar char="•"/>
+            </a:pPr>
+            <a:endParaRPr lang="it-IT" dirty="0"/>
+          </a:p>
+          <a:p>
+            <a:pPr marL="285750" indent="-285750">
+              <a:buFont typeface="Arial" panose="020B0604020202020204" pitchFamily="34" charset="0"/>
+              <a:buChar char="•"/>
+            </a:pPr>
+            <a:r>
+              <a:rPr lang="it-IT" dirty="0"/>
+              <a:t>Tali funzionalità vengono definite mediante l’uso di operatori</a:t>
+            </a:r>
+          </a:p>
+          <a:p>
+            <a:pPr marL="285750" indent="-285750">
+              <a:buFont typeface="Arial" panose="020B0604020202020204" pitchFamily="34" charset="0"/>
+              <a:buChar char="•"/>
+            </a:pPr>
+            <a:endParaRPr lang="it-IT" dirty="0"/>
+          </a:p>
+          <a:p>
+            <a:pPr marL="285750" indent="-285750">
+              <a:buFont typeface="Arial" panose="020B0604020202020204" pitchFamily="34" charset="0"/>
+              <a:buChar char="•"/>
+            </a:pPr>
+            <a:endParaRPr lang="it-IT" dirty="0"/>
+          </a:p>
+          <a:p>
+            <a:pPr marL="285750" indent="-285750">
+              <a:buFont typeface="Arial" panose="020B0604020202020204" pitchFamily="34" charset="0"/>
+              <a:buChar char="•"/>
+            </a:pPr>
+            <a:endParaRPr lang="it-IT" dirty="0"/>
+          </a:p>
+          <a:p>
+            <a:pPr marL="285750" indent="-285750">
+              <a:buFont typeface="Arial" panose="020B0604020202020204" pitchFamily="34" charset="0"/>
+              <a:buChar char="•"/>
+            </a:pPr>
+            <a:endParaRPr lang="it-IT" dirty="0"/>
+          </a:p>
+          <a:p>
+            <a:pPr marL="285750" indent="-285750">
+              <a:buFont typeface="Arial" panose="020B0604020202020204" pitchFamily="34" charset="0"/>
+              <a:buChar char="•"/>
+            </a:pPr>
+            <a:r>
+              <a:rPr lang="it-IT" dirty="0"/>
+              <a:t>Caso importante:</a:t>
+            </a:r>
+          </a:p>
+          <a:p>
+            <a:pPr marL="742950" lvl="1" indent="-285750">
+              <a:buFont typeface="Arial" panose="020B0604020202020204" pitchFamily="34" charset="0"/>
+              <a:buChar char="•"/>
+            </a:pPr>
+            <a:r>
+              <a:rPr lang="it-IT" u="sng" dirty="0"/>
+              <a:t>Assegnazione standard</a:t>
+            </a:r>
+          </a:p>
+          <a:p>
+            <a:pPr lvl="1"/>
+            <a:endParaRPr lang="it-IT" dirty="0"/>
+          </a:p>
+          <a:p>
+            <a:pPr lvl="1"/>
+            <a:endParaRPr lang="it-IT" dirty="0"/>
+          </a:p>
+          <a:p>
+            <a:pPr lvl="1"/>
+            <a:endParaRPr lang="it-IT" dirty="0"/>
+          </a:p>
+          <a:p>
+            <a:pPr lvl="1"/>
+            <a:endParaRPr lang="it-IT" dirty="0"/>
+          </a:p>
+          <a:p>
+            <a:pPr marL="742950" lvl="1" indent="-285750">
+              <a:buFont typeface="Arial" panose="020B0604020202020204" pitchFamily="34" charset="0"/>
+              <a:buChar char="•"/>
+            </a:pPr>
+            <a:r>
+              <a:rPr lang="it-IT" dirty="0"/>
+              <a:t>Simile all’assegnazione standard, vi è il </a:t>
+            </a:r>
+            <a:r>
+              <a:rPr lang="it-IT" u="sng" dirty="0"/>
+              <a:t>costruttore di copia</a:t>
+            </a:r>
+          </a:p>
+          <a:p>
+            <a:pPr lvl="1"/>
+            <a:endParaRPr lang="it-IT" dirty="0"/>
+          </a:p>
+          <a:p>
+            <a:pPr marL="285750" indent="-285750">
+              <a:buFont typeface="Arial" panose="020B0604020202020204" pitchFamily="34" charset="0"/>
+              <a:buChar char="•"/>
+            </a:pPr>
+            <a:endParaRPr lang="it-IT" dirty="0"/>
           </a:p>
         </p:txBody>
       </p:sp>
@@ -5852,7 +5740,7 @@
           <p:cNvPr id="5" name="Immagine 4">
             <a:extLst>
               <a:ext uri="{FF2B5EF4-FFF2-40B4-BE49-F238E27FC236}">
-                <a16:creationId xmlns:a16="http://schemas.microsoft.com/office/drawing/2014/main" id="{0BB57CED-A33C-7CBD-CDA7-BDB721096742}"/>
+                <a16:creationId xmlns:a16="http://schemas.microsoft.com/office/drawing/2014/main" id="{C62E3CCC-934F-C007-76CB-21E517C631BB}"/>
               </a:ext>
             </a:extLst>
           </p:cNvPr>
@@ -5869,8 +5757,68 @@
         </p:blipFill>
         <p:spPr>
           <a:xfrm>
-            <a:off x="2417004" y="2010832"/>
-            <a:ext cx="4309991" cy="3076855"/>
+            <a:off x="1521039" y="2752594"/>
+            <a:ext cx="6101922" cy="608095"/>
+          </a:xfrm>
+          <a:prstGeom prst="rect">
+            <a:avLst/>
+          </a:prstGeom>
+        </p:spPr>
+      </p:pic>
+      <p:pic>
+        <p:nvPicPr>
+          <p:cNvPr id="6" name="Immagine 5">
+            <a:extLst>
+              <a:ext uri="{FF2B5EF4-FFF2-40B4-BE49-F238E27FC236}">
+                <a16:creationId xmlns:a16="http://schemas.microsoft.com/office/drawing/2014/main" id="{922C048C-1D1C-6906-FC68-86C1DAEF2EEF}"/>
+              </a:ext>
+            </a:extLst>
+          </p:cNvPr>
+          <p:cNvPicPr>
+            <a:picLocks noChangeAspect="1"/>
+          </p:cNvPicPr>
+          <p:nvPr/>
+        </p:nvPicPr>
+        <p:blipFill>
+          <a:blip r:embed="rId3"/>
+          <a:stretch>
+            <a:fillRect/>
+          </a:stretch>
+        </p:blipFill>
+        <p:spPr>
+          <a:xfrm>
+            <a:off x="4517355" y="3637216"/>
+            <a:ext cx="2685674" cy="779050"/>
+          </a:xfrm>
+          <a:prstGeom prst="rect">
+            <a:avLst/>
+          </a:prstGeom>
+        </p:spPr>
+      </p:pic>
+      <p:pic>
+        <p:nvPicPr>
+          <p:cNvPr id="11" name="Immagine 10">
+            <a:extLst>
+              <a:ext uri="{FF2B5EF4-FFF2-40B4-BE49-F238E27FC236}">
+                <a16:creationId xmlns:a16="http://schemas.microsoft.com/office/drawing/2014/main" id="{C23277DD-9E95-2566-1CB0-D62BF9839433}"/>
+              </a:ext>
+            </a:extLst>
+          </p:cNvPr>
+          <p:cNvPicPr>
+            <a:picLocks noChangeAspect="1"/>
+          </p:cNvPicPr>
+          <p:nvPr/>
+        </p:nvPicPr>
+        <p:blipFill>
+          <a:blip r:embed="rId4"/>
+          <a:stretch>
+            <a:fillRect/>
+          </a:stretch>
+        </p:blipFill>
+        <p:spPr>
+          <a:xfrm>
+            <a:off x="7067605" y="4896760"/>
+            <a:ext cx="1776241" cy="825895"/>
           </a:xfrm>
           <a:prstGeom prst="rect">
             <a:avLst/>
@@ -5880,7 +5828,7 @@
     </p:spTree>
     <p:extLst>
       <p:ext uri="{BB962C8B-B14F-4D97-AF65-F5344CB8AC3E}">
-        <p14:creationId xmlns:p14="http://schemas.microsoft.com/office/powerpoint/2010/main" val="3965213729"/>
+        <p14:creationId xmlns:p14="http://schemas.microsoft.com/office/powerpoint/2010/main" val="888774464"/>
       </p:ext>
     </p:extLst>
   </p:cSld>
@@ -5963,7 +5911,7 @@
             </a:fld>
             <a:r>
               <a:rPr lang="en-US" dirty="0"/>
-              <a:t> of 32</a:t>
+              <a:t> di 35</a:t>
             </a:r>
           </a:p>
         </p:txBody>
@@ -5982,8 +5930,8 @@
         </p:nvSpPr>
         <p:spPr>
           <a:xfrm>
-            <a:off x="1011936" y="1491753"/>
-            <a:ext cx="6662374" cy="2308324"/>
+            <a:off x="1011935" y="1491753"/>
+            <a:ext cx="7157279" cy="2308324"/>
           </a:xfrm>
           <a:prstGeom prst="rect">
             <a:avLst/>
@@ -6030,12 +5978,28 @@
               <a:t>Un esempio classico è il namespace </a:t>
             </a:r>
             <a:r>
+              <a:rPr lang="it-IT" i="1" dirty="0">
+                <a:latin typeface="Consolas" panose="020B0609020204030204" pitchFamily="49" charset="0"/>
+              </a:rPr>
+              <a:t>std</a:t>
+            </a:r>
+            <a:r>
               <a:rPr lang="it-IT" i="1" dirty="0"/>
-              <a:t>std </a:t>
-            </a:r>
-            <a:r>
-              <a:rPr lang="it-IT" dirty="0"/>
-              <a:t>(con la direttiva «using»)</a:t>
+              <a:t> </a:t>
+            </a:r>
+            <a:r>
+              <a:rPr lang="it-IT" dirty="0"/>
+              <a:t>(con la direttiva «</a:t>
+            </a:r>
+            <a:r>
+              <a:rPr lang="it-IT" i="1" dirty="0">
+                <a:latin typeface="Consolas" panose="020B0609020204030204" pitchFamily="49" charset="0"/>
+              </a:rPr>
+              <a:t>using</a:t>
+            </a:r>
+            <a:r>
+              <a:rPr lang="it-IT" dirty="0"/>
+              <a:t>»)</a:t>
             </a:r>
             <a:endParaRPr lang="it-IT" i="1" dirty="0"/>
           </a:p>
@@ -6123,7 +6087,7 @@
           <p:cNvPr id="2" name="Titolo 1">
             <a:extLst>
               <a:ext uri="{FF2B5EF4-FFF2-40B4-BE49-F238E27FC236}">
-                <a16:creationId xmlns:a16="http://schemas.microsoft.com/office/drawing/2014/main" id="{5CF5972C-0648-4853-0835-24A93B1910D8}"/>
+                <a16:creationId xmlns:a16="http://schemas.microsoft.com/office/drawing/2014/main" id="{A1C33B46-A1F8-111B-8108-D696C1BBCC68}"/>
               </a:ext>
             </a:extLst>
           </p:cNvPr>
@@ -6141,7 +6105,7 @@
           <a:p>
             <a:r>
               <a:rPr lang="it-IT" dirty="0"/>
-              <a:t>Esercizio 5: Modellazione</a:t>
+              <a:t>Overloading degli operatori</a:t>
             </a:r>
           </a:p>
         </p:txBody>
@@ -6151,7 +6115,7 @@
           <p:cNvPr id="4" name="Segnaposto numero diapositiva 3">
             <a:extLst>
               <a:ext uri="{FF2B5EF4-FFF2-40B4-BE49-F238E27FC236}">
-                <a16:creationId xmlns:a16="http://schemas.microsoft.com/office/drawing/2014/main" id="{D7633F4F-FEB4-A12D-AED3-C2BED95952C1}"/>
+                <a16:creationId xmlns:a16="http://schemas.microsoft.com/office/drawing/2014/main" id="{30F37182-85E1-1CBA-A05A-CCEC4E40C29C}"/>
               </a:ext>
             </a:extLst>
           </p:cNvPr>
@@ -6174,17 +6138,17 @@
             </a:fld>
             <a:r>
               <a:rPr lang="en-US" dirty="0"/>
-              <a:t> of 32</a:t>
+              <a:t> di 35</a:t>
             </a:r>
           </a:p>
         </p:txBody>
       </p:sp>
       <p:pic>
         <p:nvPicPr>
-          <p:cNvPr id="6" name="Immagine 5">
-            <a:extLst>
-              <a:ext uri="{FF2B5EF4-FFF2-40B4-BE49-F238E27FC236}">
-                <a16:creationId xmlns:a16="http://schemas.microsoft.com/office/drawing/2014/main" id="{4ECB75AF-5757-61C8-A2B0-29EA02BC34C7}"/>
+          <p:cNvPr id="5" name="Immagine 4">
+            <a:extLst>
+              <a:ext uri="{FF2B5EF4-FFF2-40B4-BE49-F238E27FC236}">
+                <a16:creationId xmlns:a16="http://schemas.microsoft.com/office/drawing/2014/main" id="{5C266208-244E-2124-E579-1836727D1A0C}"/>
               </a:ext>
             </a:extLst>
           </p:cNvPr>
@@ -6201,6 +6165,1052 @@
         </p:blipFill>
         <p:spPr>
           <a:xfrm>
+            <a:off x="941401" y="1523695"/>
+            <a:ext cx="7553805" cy="2148927"/>
+          </a:xfrm>
+          <a:prstGeom prst="rect">
+            <a:avLst/>
+          </a:prstGeom>
+        </p:spPr>
+      </p:pic>
+      <p:sp>
+        <p:nvSpPr>
+          <p:cNvPr id="7" name="CasellaDiTesto 6">
+            <a:extLst>
+              <a:ext uri="{FF2B5EF4-FFF2-40B4-BE49-F238E27FC236}">
+                <a16:creationId xmlns:a16="http://schemas.microsoft.com/office/drawing/2014/main" id="{8545F119-2EA8-E1B2-1131-3546AF4257DC}"/>
+              </a:ext>
+            </a:extLst>
+          </p:cNvPr>
+          <p:cNvSpPr txBox="1"/>
+          <p:nvPr/>
+        </p:nvSpPr>
+        <p:spPr>
+          <a:xfrm>
+            <a:off x="417145" y="3758726"/>
+            <a:ext cx="7769737" cy="646331"/>
+          </a:xfrm>
+          <a:prstGeom prst="rect">
+            <a:avLst/>
+          </a:prstGeom>
+          <a:noFill/>
+        </p:spPr>
+        <p:txBody>
+          <a:bodyPr wrap="square" rtlCol="0">
+            <a:spAutoFit/>
+          </a:bodyPr>
+          <a:lstStyle/>
+          <a:p>
+            <a:pPr marL="742950" lvl="1" indent="-285750">
+              <a:buFont typeface="Arial" panose="020B0604020202020204" pitchFamily="34" charset="0"/>
+              <a:buChar char="•"/>
+            </a:pPr>
+            <a:r>
+              <a:rPr lang="it-IT" dirty="0"/>
+              <a:t>Operatori particolari</a:t>
+            </a:r>
+          </a:p>
+          <a:p>
+            <a:pPr marL="1200150" lvl="2" indent="-285750">
+              <a:buFont typeface="Arial" panose="020B0604020202020204" pitchFamily="34" charset="0"/>
+              <a:buChar char="•"/>
+            </a:pPr>
+            <a:r>
+              <a:rPr lang="it-IT" dirty="0"/>
+              <a:t>Operatore ternario</a:t>
+            </a:r>
+          </a:p>
+        </p:txBody>
+      </p:sp>
+      <p:pic>
+        <p:nvPicPr>
+          <p:cNvPr id="9" name="Immagine 8">
+            <a:extLst>
+              <a:ext uri="{FF2B5EF4-FFF2-40B4-BE49-F238E27FC236}">
+                <a16:creationId xmlns:a16="http://schemas.microsoft.com/office/drawing/2014/main" id="{D52256D4-D525-4959-4B82-56E0F6AA06E1}"/>
+              </a:ext>
+            </a:extLst>
+          </p:cNvPr>
+          <p:cNvPicPr>
+            <a:picLocks noChangeAspect="1"/>
+          </p:cNvPicPr>
+          <p:nvPr/>
+        </p:nvPicPr>
+        <p:blipFill>
+          <a:blip r:embed="rId3"/>
+          <a:stretch>
+            <a:fillRect/>
+          </a:stretch>
+        </p:blipFill>
+        <p:spPr>
+          <a:xfrm>
+            <a:off x="1749229" y="4418858"/>
+            <a:ext cx="5645542" cy="1192566"/>
+          </a:xfrm>
+          <a:prstGeom prst="rect">
+            <a:avLst/>
+          </a:prstGeom>
+        </p:spPr>
+      </p:pic>
+    </p:spTree>
+    <p:extLst>
+      <p:ext uri="{BB962C8B-B14F-4D97-AF65-F5344CB8AC3E}">
+        <p14:creationId xmlns:p14="http://schemas.microsoft.com/office/powerpoint/2010/main" val="683277579"/>
+      </p:ext>
+    </p:extLst>
+  </p:cSld>
+  <p:clrMapOvr>
+    <a:masterClrMapping/>
+  </p:clrMapOvr>
+</p:sld>
+</file>
+
+<file path=ppt/slides/slide31.xml><?xml version="1.0" encoding="utf-8"?>
+<p:sld xmlns:a="http://schemas.openxmlformats.org/drawingml/2006/main" xmlns:r="http://schemas.openxmlformats.org/officeDocument/2006/relationships" xmlns:p="http://schemas.openxmlformats.org/presentationml/2006/main">
+  <p:cSld>
+    <p:spTree>
+      <p:nvGrpSpPr>
+        <p:cNvPr id="1" name=""/>
+        <p:cNvGrpSpPr/>
+        <p:nvPr/>
+      </p:nvGrpSpPr>
+      <p:grpSpPr>
+        <a:xfrm>
+          <a:off x="0" y="0"/>
+          <a:ext cx="0" cy="0"/>
+          <a:chOff x="0" y="0"/>
+          <a:chExt cx="0" cy="0"/>
+        </a:xfrm>
+      </p:grpSpPr>
+      <p:sp>
+        <p:nvSpPr>
+          <p:cNvPr id="2" name="Titolo 1">
+            <a:extLst>
+              <a:ext uri="{FF2B5EF4-FFF2-40B4-BE49-F238E27FC236}">
+                <a16:creationId xmlns:a16="http://schemas.microsoft.com/office/drawing/2014/main" id="{A1C33B46-A1F8-111B-8108-D696C1BBCC68}"/>
+              </a:ext>
+            </a:extLst>
+          </p:cNvPr>
+          <p:cNvSpPr>
+            <a:spLocks noGrp="1"/>
+          </p:cNvSpPr>
+          <p:nvPr>
+            <p:ph type="title"/>
+          </p:nvPr>
+        </p:nvSpPr>
+        <p:spPr/>
+        <p:txBody>
+          <a:bodyPr/>
+          <a:lstStyle/>
+          <a:p>
+            <a:r>
+              <a:rPr lang="it-IT" dirty="0"/>
+              <a:t>Overloading degli operatori</a:t>
+            </a:r>
+          </a:p>
+        </p:txBody>
+      </p:sp>
+      <p:sp>
+        <p:nvSpPr>
+          <p:cNvPr id="4" name="Segnaposto numero diapositiva 3">
+            <a:extLst>
+              <a:ext uri="{FF2B5EF4-FFF2-40B4-BE49-F238E27FC236}">
+                <a16:creationId xmlns:a16="http://schemas.microsoft.com/office/drawing/2014/main" id="{30F37182-85E1-1CBA-A05A-CCEC4E40C29C}"/>
+              </a:ext>
+            </a:extLst>
+          </p:cNvPr>
+          <p:cNvSpPr>
+            <a:spLocks noGrp="1"/>
+          </p:cNvSpPr>
+          <p:nvPr>
+            <p:ph type="sldNum" sz="quarter" idx="4"/>
+          </p:nvPr>
+        </p:nvSpPr>
+        <p:spPr/>
+        <p:txBody>
+          <a:bodyPr/>
+          <a:lstStyle/>
+          <a:p>
+            <a:r>
+              <a:rPr lang="en-US" dirty="0"/>
+              <a:t>31 di 35</a:t>
+            </a:r>
+          </a:p>
+        </p:txBody>
+      </p:sp>
+      <p:sp>
+        <p:nvSpPr>
+          <p:cNvPr id="9" name="CasellaDiTesto 8">
+            <a:extLst>
+              <a:ext uri="{FF2B5EF4-FFF2-40B4-BE49-F238E27FC236}">
+                <a16:creationId xmlns:a16="http://schemas.microsoft.com/office/drawing/2014/main" id="{4B6313EF-3010-D4E4-5F5D-1FF5C2A34D0E}"/>
+              </a:ext>
+            </a:extLst>
+          </p:cNvPr>
+          <p:cNvSpPr txBox="1"/>
+          <p:nvPr/>
+        </p:nvSpPr>
+        <p:spPr>
+          <a:xfrm>
+            <a:off x="484246" y="1557431"/>
+            <a:ext cx="7769737" cy="5139869"/>
+          </a:xfrm>
+          <a:prstGeom prst="rect">
+            <a:avLst/>
+          </a:prstGeom>
+          <a:noFill/>
+        </p:spPr>
+        <p:txBody>
+          <a:bodyPr wrap="square" rtlCol="0">
+            <a:spAutoFit/>
+          </a:bodyPr>
+          <a:lstStyle/>
+          <a:p>
+            <a:pPr marL="285750" indent="-285750">
+              <a:buFont typeface="Arial" panose="020B0604020202020204" pitchFamily="34" charset="0"/>
+              <a:buChar char="•"/>
+            </a:pPr>
+            <a:r>
+              <a:rPr lang="it-IT" dirty="0"/>
+              <a:t>Si possono sovraccaricare degli operatori come funzioni esterne</a:t>
+            </a:r>
+          </a:p>
+          <a:p>
+            <a:pPr marL="1200150" lvl="2" indent="-285750">
+              <a:buFont typeface="Arial" panose="020B0604020202020204" pitchFamily="34" charset="0"/>
+              <a:buChar char="•"/>
+            </a:pPr>
+            <a:r>
+              <a:rPr lang="it-IT" dirty="0"/>
+              <a:t>Operatore di stampa</a:t>
+            </a:r>
+          </a:p>
+          <a:p>
+            <a:pPr marL="1200150" lvl="2" indent="-285750">
+              <a:buFont typeface="Arial" panose="020B0604020202020204" pitchFamily="34" charset="0"/>
+              <a:buChar char="•"/>
+            </a:pPr>
+            <a:endParaRPr lang="it-IT" dirty="0"/>
+          </a:p>
+          <a:p>
+            <a:pPr marL="1200150" lvl="2" indent="-285750">
+              <a:buFont typeface="Arial" panose="020B0604020202020204" pitchFamily="34" charset="0"/>
+              <a:buChar char="•"/>
+            </a:pPr>
+            <a:endParaRPr lang="it-IT" dirty="0"/>
+          </a:p>
+          <a:p>
+            <a:pPr marL="1200150" lvl="2" indent="-285750">
+              <a:buFont typeface="Arial" panose="020B0604020202020204" pitchFamily="34" charset="0"/>
+              <a:buChar char="•"/>
+            </a:pPr>
+            <a:endParaRPr lang="it-IT" dirty="0"/>
+          </a:p>
+          <a:p>
+            <a:pPr marL="1200150" lvl="2" indent="-285750">
+              <a:buFont typeface="Arial" panose="020B0604020202020204" pitchFamily="34" charset="0"/>
+              <a:buChar char="•"/>
+            </a:pPr>
+            <a:endParaRPr lang="it-IT" dirty="0"/>
+          </a:p>
+          <a:p>
+            <a:endParaRPr lang="it-IT" dirty="0"/>
+          </a:p>
+          <a:p>
+            <a:pPr marL="285750" indent="-285750">
+              <a:buFont typeface="Arial" panose="020B0604020202020204" pitchFamily="34" charset="0"/>
+              <a:buChar char="•"/>
+            </a:pPr>
+            <a:r>
+              <a:rPr lang="it-IT" sz="1600" dirty="0"/>
+              <a:t>Altri esempi di overloading</a:t>
+            </a:r>
+          </a:p>
+          <a:p>
+            <a:pPr marL="742950" lvl="1" indent="-285750">
+              <a:buFont typeface="Arial" panose="020B0604020202020204" pitchFamily="34" charset="0"/>
+              <a:buChar char="•"/>
+            </a:pPr>
+            <a:r>
+              <a:rPr lang="it-IT" sz="1600" dirty="0"/>
+              <a:t>operator + (somma)</a:t>
+            </a:r>
+          </a:p>
+          <a:p>
+            <a:pPr marL="742950" lvl="1" indent="-285750">
+              <a:buFont typeface="Arial" panose="020B0604020202020204" pitchFamily="34" charset="0"/>
+              <a:buChar char="•"/>
+            </a:pPr>
+            <a:r>
+              <a:rPr lang="it-IT" sz="1600" dirty="0"/>
+              <a:t>operator == (confronto)</a:t>
+            </a:r>
+          </a:p>
+          <a:p>
+            <a:endParaRPr lang="it-IT" sz="1600" dirty="0"/>
+          </a:p>
+          <a:p>
+            <a:pPr marL="285750" indent="-285750">
+              <a:buFont typeface="Arial" panose="020B0604020202020204" pitchFamily="34" charset="0"/>
+              <a:buChar char="•"/>
+            </a:pPr>
+            <a:r>
+              <a:rPr lang="it-IT" sz="1600" dirty="0"/>
+              <a:t>Altri operatori che ci saranno utili successivamente:</a:t>
+            </a:r>
+          </a:p>
+          <a:p>
+            <a:pPr marL="742950" lvl="1" indent="-285750">
+              <a:buFont typeface="Arial" panose="020B0604020202020204" pitchFamily="34" charset="0"/>
+              <a:buChar char="•"/>
+            </a:pPr>
+            <a:r>
+              <a:rPr lang="it-IT" sz="1600" dirty="0"/>
+              <a:t>operator * (referenziazione)</a:t>
+            </a:r>
+          </a:p>
+          <a:p>
+            <a:pPr marL="742950" lvl="1" indent="-285750">
+              <a:buFont typeface="Arial" panose="020B0604020202020204" pitchFamily="34" charset="0"/>
+              <a:buChar char="•"/>
+            </a:pPr>
+            <a:r>
+              <a:rPr lang="it-IT" sz="1600" dirty="0"/>
+              <a:t>operator &amp; (dereferenziazione)</a:t>
+            </a:r>
+          </a:p>
+          <a:p>
+            <a:pPr marL="742950" lvl="1" indent="-285750">
+              <a:buFont typeface="Arial" panose="020B0604020202020204" pitchFamily="34" charset="0"/>
+              <a:buChar char="•"/>
+            </a:pPr>
+            <a:r>
+              <a:rPr lang="it-IT" sz="1600" dirty="0"/>
+              <a:t>operator </a:t>
+            </a:r>
+            <a:r>
+              <a:rPr lang="it-IT" sz="1600" dirty="0">
+                <a:sym typeface="Wingdings" panose="05000000000000000000" pitchFamily="2" charset="2"/>
+              </a:rPr>
+              <a:t>-&gt; (selezione a membro)</a:t>
+            </a:r>
+          </a:p>
+          <a:p>
+            <a:pPr marL="742950" lvl="1" indent="-285750">
+              <a:buFont typeface="Arial" panose="020B0604020202020204" pitchFamily="34" charset="0"/>
+              <a:buChar char="•"/>
+            </a:pPr>
+            <a:r>
+              <a:rPr lang="it-IT" sz="1600" dirty="0">
+                <a:sym typeface="Wingdings" panose="05000000000000000000" pitchFamily="2" charset="2"/>
+              </a:rPr>
+              <a:t>operator [] (indicizzazione)</a:t>
+            </a:r>
+          </a:p>
+          <a:p>
+            <a:pPr marL="742950" lvl="1" indent="-285750">
+              <a:buFont typeface="Arial" panose="020B0604020202020204" pitchFamily="34" charset="0"/>
+              <a:buChar char="•"/>
+            </a:pPr>
+            <a:r>
+              <a:rPr lang="it-IT" sz="1600" dirty="0">
+                <a:sym typeface="Wingdings" panose="05000000000000000000" pitchFamily="2" charset="2"/>
+              </a:rPr>
+              <a:t>operator ++ (somma</a:t>
+            </a:r>
+          </a:p>
+          <a:p>
+            <a:pPr marL="1200150" lvl="2" indent="-285750">
+              <a:buFont typeface="Arial" panose="020B0604020202020204" pitchFamily="34" charset="0"/>
+              <a:buChar char="•"/>
+            </a:pPr>
+            <a:r>
+              <a:rPr lang="it-IT" sz="1600" dirty="0">
+                <a:sym typeface="Wingdings" panose="05000000000000000000" pitchFamily="2" charset="2"/>
+              </a:rPr>
+              <a:t>Incremento prefisso</a:t>
+            </a:r>
+          </a:p>
+          <a:p>
+            <a:pPr marL="1200150" lvl="2" indent="-285750">
+              <a:buFont typeface="Arial" panose="020B0604020202020204" pitchFamily="34" charset="0"/>
+              <a:buChar char="•"/>
+            </a:pPr>
+            <a:r>
+              <a:rPr lang="it-IT" sz="1600" dirty="0">
+                <a:sym typeface="Wingdings" panose="05000000000000000000" pitchFamily="2" charset="2"/>
+              </a:rPr>
+              <a:t>Incremento postfisso</a:t>
+            </a:r>
+            <a:endParaRPr lang="it-IT" sz="1600" dirty="0"/>
+          </a:p>
+        </p:txBody>
+      </p:sp>
+      <p:pic>
+        <p:nvPicPr>
+          <p:cNvPr id="5" name="Immagine 4">
+            <a:extLst>
+              <a:ext uri="{FF2B5EF4-FFF2-40B4-BE49-F238E27FC236}">
+                <a16:creationId xmlns:a16="http://schemas.microsoft.com/office/drawing/2014/main" id="{94321918-A2BB-26A5-A7AA-5C16727A9E4B}"/>
+              </a:ext>
+            </a:extLst>
+          </p:cNvPr>
+          <p:cNvPicPr>
+            <a:picLocks noChangeAspect="1"/>
+          </p:cNvPicPr>
+          <p:nvPr/>
+        </p:nvPicPr>
+        <p:blipFill>
+          <a:blip r:embed="rId2"/>
+          <a:stretch>
+            <a:fillRect/>
+          </a:stretch>
+        </p:blipFill>
+        <p:spPr>
+          <a:xfrm>
+            <a:off x="1472266" y="2228574"/>
+            <a:ext cx="6056433" cy="1109849"/>
+          </a:xfrm>
+          <a:prstGeom prst="rect">
+            <a:avLst/>
+          </a:prstGeom>
+        </p:spPr>
+      </p:pic>
+    </p:spTree>
+    <p:extLst>
+      <p:ext uri="{BB962C8B-B14F-4D97-AF65-F5344CB8AC3E}">
+        <p14:creationId xmlns:p14="http://schemas.microsoft.com/office/powerpoint/2010/main" val="3452887810"/>
+      </p:ext>
+    </p:extLst>
+  </p:cSld>
+  <p:clrMapOvr>
+    <a:masterClrMapping/>
+  </p:clrMapOvr>
+</p:sld>
+</file>
+
+<file path=ppt/slides/slide32.xml><?xml version="1.0" encoding="utf-8"?>
+<p:sld xmlns:a="http://schemas.openxmlformats.org/drawingml/2006/main" xmlns:r="http://schemas.openxmlformats.org/officeDocument/2006/relationships" xmlns:p="http://schemas.openxmlformats.org/presentationml/2006/main">
+  <p:cSld>
+    <p:spTree>
+      <p:nvGrpSpPr>
+        <p:cNvPr id="1" name=""/>
+        <p:cNvGrpSpPr/>
+        <p:nvPr/>
+      </p:nvGrpSpPr>
+      <p:grpSpPr>
+        <a:xfrm>
+          <a:off x="0" y="0"/>
+          <a:ext cx="0" cy="0"/>
+          <a:chOff x="0" y="0"/>
+          <a:chExt cx="0" cy="0"/>
+        </a:xfrm>
+      </p:grpSpPr>
+      <p:sp>
+        <p:nvSpPr>
+          <p:cNvPr id="2" name="Titolo 1">
+            <a:extLst>
+              <a:ext uri="{FF2B5EF4-FFF2-40B4-BE49-F238E27FC236}">
+                <a16:creationId xmlns:a16="http://schemas.microsoft.com/office/drawing/2014/main" id="{A1C33B46-A1F8-111B-8108-D696C1BBCC68}"/>
+              </a:ext>
+            </a:extLst>
+          </p:cNvPr>
+          <p:cNvSpPr>
+            <a:spLocks noGrp="1"/>
+          </p:cNvSpPr>
+          <p:nvPr>
+            <p:ph type="title"/>
+          </p:nvPr>
+        </p:nvSpPr>
+        <p:spPr/>
+        <p:txBody>
+          <a:bodyPr/>
+          <a:lstStyle/>
+          <a:p>
+            <a:r>
+              <a:rPr lang="it-IT" dirty="0"/>
+              <a:t>Overloading degli operatori</a:t>
+            </a:r>
+          </a:p>
+        </p:txBody>
+      </p:sp>
+      <p:sp>
+        <p:nvSpPr>
+          <p:cNvPr id="4" name="Segnaposto numero diapositiva 3">
+            <a:extLst>
+              <a:ext uri="{FF2B5EF4-FFF2-40B4-BE49-F238E27FC236}">
+                <a16:creationId xmlns:a16="http://schemas.microsoft.com/office/drawing/2014/main" id="{30F37182-85E1-1CBA-A05A-CCEC4E40C29C}"/>
+              </a:ext>
+            </a:extLst>
+          </p:cNvPr>
+          <p:cNvSpPr>
+            <a:spLocks noGrp="1"/>
+          </p:cNvSpPr>
+          <p:nvPr>
+            <p:ph type="sldNum" sz="quarter" idx="4"/>
+          </p:nvPr>
+        </p:nvSpPr>
+        <p:spPr/>
+        <p:txBody>
+          <a:bodyPr/>
+          <a:lstStyle/>
+          <a:p>
+            <a:fld id="{4D021CEB-2F22-4EA1-9BAF-E3833982B82A}" type="slidenum">
+              <a:rPr lang="en-US" smtClean="0"/>
+              <a:pPr/>
+              <a:t>32</a:t>
+            </a:fld>
+            <a:r>
+              <a:rPr lang="en-US" dirty="0"/>
+              <a:t> di 35</a:t>
+            </a:r>
+          </a:p>
+        </p:txBody>
+      </p:sp>
+      <p:pic>
+        <p:nvPicPr>
+          <p:cNvPr id="3" name="Picture 4" descr="Orario bianco - OROLOGI di Rexite | Arredinitaly">
+            <a:extLst>
+              <a:ext uri="{FF2B5EF4-FFF2-40B4-BE49-F238E27FC236}">
+                <a16:creationId xmlns:a16="http://schemas.microsoft.com/office/drawing/2014/main" id="{04AE8E3B-D957-E061-1728-5FE6414DEE43}"/>
+              </a:ext>
+            </a:extLst>
+          </p:cNvPr>
+          <p:cNvPicPr>
+            <a:picLocks noChangeAspect="1" noChangeArrowheads="1"/>
+          </p:cNvPicPr>
+          <p:nvPr/>
+        </p:nvPicPr>
+        <p:blipFill>
+          <a:blip r:embed="rId2">
+            <a:extLst>
+              <a:ext uri="{28A0092B-C50C-407E-A947-70E740481C1C}">
+                <a14:useLocalDpi xmlns:a14="http://schemas.microsoft.com/office/drawing/2010/main" val="0"/>
+              </a:ext>
+            </a:extLst>
+          </a:blip>
+          <a:srcRect/>
+          <a:stretch>
+            <a:fillRect/>
+          </a:stretch>
+        </p:blipFill>
+        <p:spPr bwMode="auto">
+          <a:xfrm>
+            <a:off x="832591" y="1580135"/>
+            <a:ext cx="3333750" cy="3333750"/>
+          </a:xfrm>
+          <a:prstGeom prst="rect">
+            <a:avLst/>
+          </a:prstGeom>
+          <a:noFill/>
+          <a:extLst>
+            <a:ext uri="{909E8E84-426E-40DD-AFC4-6F175D3DCCD1}">
+              <a14:hiddenFill xmlns:a14="http://schemas.microsoft.com/office/drawing/2010/main">
+                <a:solidFill>
+                  <a:srgbClr val="FFFFFF"/>
+                </a:solidFill>
+              </a14:hiddenFill>
+            </a:ext>
+          </a:extLst>
+        </p:spPr>
+      </p:pic>
+      <p:sp>
+        <p:nvSpPr>
+          <p:cNvPr id="5" name="CasellaDiTesto 4">
+            <a:extLst>
+              <a:ext uri="{FF2B5EF4-FFF2-40B4-BE49-F238E27FC236}">
+                <a16:creationId xmlns:a16="http://schemas.microsoft.com/office/drawing/2014/main" id="{058BACD3-0645-5D05-B75D-A86D0E2EB011}"/>
+              </a:ext>
+            </a:extLst>
+          </p:cNvPr>
+          <p:cNvSpPr txBox="1"/>
+          <p:nvPr/>
+        </p:nvSpPr>
+        <p:spPr>
+          <a:xfrm>
+            <a:off x="1559498" y="5365052"/>
+            <a:ext cx="7424928" cy="369332"/>
+          </a:xfrm>
+          <a:prstGeom prst="rect">
+            <a:avLst/>
+          </a:prstGeom>
+          <a:noFill/>
+        </p:spPr>
+        <p:txBody>
+          <a:bodyPr wrap="square" rtlCol="0">
+            <a:spAutoFit/>
+          </a:bodyPr>
+          <a:lstStyle/>
+          <a:p>
+            <a:r>
+              <a:rPr lang="it-IT" dirty="0"/>
+              <a:t>Estendiamo la nostra classe «orario» e vediamo alcuni esempi…</a:t>
+            </a:r>
+          </a:p>
+        </p:txBody>
+      </p:sp>
+      <p:pic>
+        <p:nvPicPr>
+          <p:cNvPr id="6" name="Picture 2">
+            <a:extLst>
+              <a:ext uri="{FF2B5EF4-FFF2-40B4-BE49-F238E27FC236}">
+                <a16:creationId xmlns:a16="http://schemas.microsoft.com/office/drawing/2014/main" id="{5F47177A-DE4A-34A6-EFFD-03A0620070D8}"/>
+              </a:ext>
+            </a:extLst>
+          </p:cNvPr>
+          <p:cNvPicPr>
+            <a:picLocks noChangeAspect="1" noChangeArrowheads="1"/>
+          </p:cNvPicPr>
+          <p:nvPr/>
+        </p:nvPicPr>
+        <p:blipFill>
+          <a:blip r:embed="rId3">
+            <a:extLst>
+              <a:ext uri="{28A0092B-C50C-407E-A947-70E740481C1C}">
+                <a14:useLocalDpi xmlns:a14="http://schemas.microsoft.com/office/drawing/2010/main" val="0"/>
+              </a:ext>
+            </a:extLst>
+          </a:blip>
+          <a:srcRect/>
+          <a:stretch>
+            <a:fillRect/>
+          </a:stretch>
+        </p:blipFill>
+        <p:spPr bwMode="auto">
+          <a:xfrm>
+            <a:off x="4977661" y="1580135"/>
+            <a:ext cx="3092335" cy="3092335"/>
+          </a:xfrm>
+          <a:prstGeom prst="rect">
+            <a:avLst/>
+          </a:prstGeom>
+          <a:noFill/>
+          <a:extLst>
+            <a:ext uri="{909E8E84-426E-40DD-AFC4-6F175D3DCCD1}">
+              <a14:hiddenFill xmlns:a14="http://schemas.microsoft.com/office/drawing/2010/main">
+                <a:solidFill>
+                  <a:srgbClr val="FFFFFF"/>
+                </a:solidFill>
+              </a14:hiddenFill>
+            </a:ext>
+          </a:extLst>
+        </p:spPr>
+      </p:pic>
+    </p:spTree>
+    <p:extLst>
+      <p:ext uri="{BB962C8B-B14F-4D97-AF65-F5344CB8AC3E}">
+        <p14:creationId xmlns:p14="http://schemas.microsoft.com/office/powerpoint/2010/main" val="3487479897"/>
+      </p:ext>
+    </p:extLst>
+  </p:cSld>
+  <p:clrMapOvr>
+    <a:masterClrMapping/>
+  </p:clrMapOvr>
+</p:sld>
+</file>
+
+<file path=ppt/slides/slide33.xml><?xml version="1.0" encoding="utf-8"?>
+<p:sld xmlns:a="http://schemas.openxmlformats.org/drawingml/2006/main" xmlns:r="http://schemas.openxmlformats.org/officeDocument/2006/relationships" xmlns:p="http://schemas.openxmlformats.org/presentationml/2006/main">
+  <p:cSld>
+    <p:spTree>
+      <p:nvGrpSpPr>
+        <p:cNvPr id="1" name=""/>
+        <p:cNvGrpSpPr/>
+        <p:nvPr/>
+      </p:nvGrpSpPr>
+      <p:grpSpPr>
+        <a:xfrm>
+          <a:off x="0" y="0"/>
+          <a:ext cx="0" cy="0"/>
+          <a:chOff x="0" y="0"/>
+          <a:chExt cx="0" cy="0"/>
+        </a:xfrm>
+      </p:grpSpPr>
+      <p:sp>
+        <p:nvSpPr>
+          <p:cNvPr id="2" name="Titolo 1">
+            <a:extLst>
+              <a:ext uri="{FF2B5EF4-FFF2-40B4-BE49-F238E27FC236}">
+                <a16:creationId xmlns:a16="http://schemas.microsoft.com/office/drawing/2014/main" id="{E6829A7B-6540-852A-128E-AB81590C2F7C}"/>
+              </a:ext>
+            </a:extLst>
+          </p:cNvPr>
+          <p:cNvSpPr>
+            <a:spLocks noGrp="1"/>
+          </p:cNvSpPr>
+          <p:nvPr>
+            <p:ph type="title"/>
+          </p:nvPr>
+        </p:nvSpPr>
+        <p:spPr/>
+        <p:txBody>
+          <a:bodyPr/>
+          <a:lstStyle/>
+          <a:p>
+            <a:r>
+              <a:rPr lang="it-IT" dirty="0"/>
+              <a:t>Esercizio 4: Cosa stampa (4)</a:t>
+            </a:r>
+          </a:p>
+        </p:txBody>
+      </p:sp>
+      <p:sp>
+        <p:nvSpPr>
+          <p:cNvPr id="4" name="Segnaposto numero diapositiva 3">
+            <a:extLst>
+              <a:ext uri="{FF2B5EF4-FFF2-40B4-BE49-F238E27FC236}">
+                <a16:creationId xmlns:a16="http://schemas.microsoft.com/office/drawing/2014/main" id="{C1A726B9-09D1-40A0-9688-9AA9FFB433D8}"/>
+              </a:ext>
+            </a:extLst>
+          </p:cNvPr>
+          <p:cNvSpPr>
+            <a:spLocks noGrp="1"/>
+          </p:cNvSpPr>
+          <p:nvPr>
+            <p:ph type="sldNum" sz="quarter" idx="4"/>
+          </p:nvPr>
+        </p:nvSpPr>
+        <p:spPr/>
+        <p:txBody>
+          <a:bodyPr/>
+          <a:lstStyle/>
+          <a:p>
+            <a:fld id="{4D021CEB-2F22-4EA1-9BAF-E3833982B82A}" type="slidenum">
+              <a:rPr lang="en-US" smtClean="0"/>
+              <a:pPr/>
+              <a:t>33</a:t>
+            </a:fld>
+            <a:r>
+              <a:rPr lang="en-US" dirty="0"/>
+              <a:t> di 35</a:t>
+            </a:r>
+          </a:p>
+        </p:txBody>
+      </p:sp>
+      <p:pic>
+        <p:nvPicPr>
+          <p:cNvPr id="6" name="Immagine 5">
+            <a:extLst>
+              <a:ext uri="{FF2B5EF4-FFF2-40B4-BE49-F238E27FC236}">
+                <a16:creationId xmlns:a16="http://schemas.microsoft.com/office/drawing/2014/main" id="{5E0EDCE1-6D2D-D3A3-4255-2AAC4A278E9C}"/>
+              </a:ext>
+            </a:extLst>
+          </p:cNvPr>
+          <p:cNvPicPr>
+            <a:picLocks noChangeAspect="1"/>
+          </p:cNvPicPr>
+          <p:nvPr/>
+        </p:nvPicPr>
+        <p:blipFill>
+          <a:blip r:embed="rId2"/>
+          <a:stretch>
+            <a:fillRect/>
+          </a:stretch>
+        </p:blipFill>
+        <p:spPr>
+          <a:xfrm>
+            <a:off x="473807" y="1561933"/>
+            <a:ext cx="3829969" cy="4088532"/>
+          </a:xfrm>
+          <a:prstGeom prst="rect">
+            <a:avLst/>
+          </a:prstGeom>
+        </p:spPr>
+      </p:pic>
+      <p:pic>
+        <p:nvPicPr>
+          <p:cNvPr id="8" name="Immagine 7">
+            <a:extLst>
+              <a:ext uri="{FF2B5EF4-FFF2-40B4-BE49-F238E27FC236}">
+                <a16:creationId xmlns:a16="http://schemas.microsoft.com/office/drawing/2014/main" id="{3D3C7E72-5AC8-328C-9DD7-69700DD22F04}"/>
+              </a:ext>
+            </a:extLst>
+          </p:cNvPr>
+          <p:cNvPicPr>
+            <a:picLocks noChangeAspect="1"/>
+          </p:cNvPicPr>
+          <p:nvPr/>
+        </p:nvPicPr>
+        <p:blipFill>
+          <a:blip r:embed="rId3"/>
+          <a:stretch>
+            <a:fillRect/>
+          </a:stretch>
+        </p:blipFill>
+        <p:spPr>
+          <a:xfrm>
+            <a:off x="4940284" y="1905526"/>
+            <a:ext cx="3515709" cy="3046948"/>
+          </a:xfrm>
+          <a:prstGeom prst="rect">
+            <a:avLst/>
+          </a:prstGeom>
+        </p:spPr>
+      </p:pic>
+    </p:spTree>
+    <p:extLst>
+      <p:ext uri="{BB962C8B-B14F-4D97-AF65-F5344CB8AC3E}">
+        <p14:creationId xmlns:p14="http://schemas.microsoft.com/office/powerpoint/2010/main" val="4169302503"/>
+      </p:ext>
+    </p:extLst>
+  </p:cSld>
+  <p:clrMapOvr>
+    <a:masterClrMapping/>
+  </p:clrMapOvr>
+</p:sld>
+</file>
+
+<file path=ppt/slides/slide34.xml><?xml version="1.0" encoding="utf-8"?>
+<p:sld xmlns:a="http://schemas.openxmlformats.org/drawingml/2006/main" xmlns:r="http://schemas.openxmlformats.org/officeDocument/2006/relationships" xmlns:p="http://schemas.openxmlformats.org/presentationml/2006/main">
+  <p:cSld>
+    <p:spTree>
+      <p:nvGrpSpPr>
+        <p:cNvPr id="1" name=""/>
+        <p:cNvGrpSpPr/>
+        <p:nvPr/>
+      </p:nvGrpSpPr>
+      <p:grpSpPr>
+        <a:xfrm>
+          <a:off x="0" y="0"/>
+          <a:ext cx="0" cy="0"/>
+          <a:chOff x="0" y="0"/>
+          <a:chExt cx="0" cy="0"/>
+        </a:xfrm>
+      </p:grpSpPr>
+      <p:sp>
+        <p:nvSpPr>
+          <p:cNvPr id="2" name="Titolo 1">
+            <a:extLst>
+              <a:ext uri="{FF2B5EF4-FFF2-40B4-BE49-F238E27FC236}">
+                <a16:creationId xmlns:a16="http://schemas.microsoft.com/office/drawing/2014/main" id="{E6829A7B-6540-852A-128E-AB81590C2F7C}"/>
+              </a:ext>
+            </a:extLst>
+          </p:cNvPr>
+          <p:cNvSpPr>
+            <a:spLocks noGrp="1"/>
+          </p:cNvSpPr>
+          <p:nvPr>
+            <p:ph type="title"/>
+          </p:nvPr>
+        </p:nvSpPr>
+        <p:spPr/>
+        <p:txBody>
+          <a:bodyPr/>
+          <a:lstStyle/>
+          <a:p>
+            <a:r>
+              <a:rPr lang="it-IT" dirty="0"/>
+              <a:t>Esercizio 4: Soluzione</a:t>
+            </a:r>
+          </a:p>
+        </p:txBody>
+      </p:sp>
+      <p:sp>
+        <p:nvSpPr>
+          <p:cNvPr id="4" name="Segnaposto numero diapositiva 3">
+            <a:extLst>
+              <a:ext uri="{FF2B5EF4-FFF2-40B4-BE49-F238E27FC236}">
+                <a16:creationId xmlns:a16="http://schemas.microsoft.com/office/drawing/2014/main" id="{C1A726B9-09D1-40A0-9688-9AA9FFB433D8}"/>
+              </a:ext>
+            </a:extLst>
+          </p:cNvPr>
+          <p:cNvSpPr>
+            <a:spLocks noGrp="1"/>
+          </p:cNvSpPr>
+          <p:nvPr>
+            <p:ph type="sldNum" sz="quarter" idx="4"/>
+          </p:nvPr>
+        </p:nvSpPr>
+        <p:spPr/>
+        <p:txBody>
+          <a:bodyPr/>
+          <a:lstStyle/>
+          <a:p>
+            <a:fld id="{4D021CEB-2F22-4EA1-9BAF-E3833982B82A}" type="slidenum">
+              <a:rPr lang="en-US" smtClean="0"/>
+              <a:pPr/>
+              <a:t>34</a:t>
+            </a:fld>
+            <a:r>
+              <a:rPr lang="en-US" dirty="0"/>
+              <a:t> di 35</a:t>
+            </a:r>
+          </a:p>
+        </p:txBody>
+      </p:sp>
+      <p:pic>
+        <p:nvPicPr>
+          <p:cNvPr id="5" name="Immagine 4">
+            <a:extLst>
+              <a:ext uri="{FF2B5EF4-FFF2-40B4-BE49-F238E27FC236}">
+                <a16:creationId xmlns:a16="http://schemas.microsoft.com/office/drawing/2014/main" id="{0BB57CED-A33C-7CBD-CDA7-BDB721096742}"/>
+              </a:ext>
+            </a:extLst>
+          </p:cNvPr>
+          <p:cNvPicPr>
+            <a:picLocks noChangeAspect="1"/>
+          </p:cNvPicPr>
+          <p:nvPr/>
+        </p:nvPicPr>
+        <p:blipFill>
+          <a:blip r:embed="rId2"/>
+          <a:stretch>
+            <a:fillRect/>
+          </a:stretch>
+        </p:blipFill>
+        <p:spPr>
+          <a:xfrm>
+            <a:off x="5093976" y="2160119"/>
+            <a:ext cx="3498952" cy="2497863"/>
+          </a:xfrm>
+          <a:prstGeom prst="rect">
+            <a:avLst/>
+          </a:prstGeom>
+        </p:spPr>
+      </p:pic>
+      <p:pic>
+        <p:nvPicPr>
+          <p:cNvPr id="3" name="Immagine 2">
+            <a:extLst>
+              <a:ext uri="{FF2B5EF4-FFF2-40B4-BE49-F238E27FC236}">
+                <a16:creationId xmlns:a16="http://schemas.microsoft.com/office/drawing/2014/main" id="{3CBCD9A8-0939-A077-FFAF-1D7E0E4889FA}"/>
+              </a:ext>
+            </a:extLst>
+          </p:cNvPr>
+          <p:cNvPicPr>
+            <a:picLocks noChangeAspect="1"/>
+          </p:cNvPicPr>
+          <p:nvPr/>
+        </p:nvPicPr>
+        <p:blipFill>
+          <a:blip r:embed="rId3"/>
+          <a:stretch>
+            <a:fillRect/>
+          </a:stretch>
+        </p:blipFill>
+        <p:spPr>
+          <a:xfrm>
+            <a:off x="721967" y="1905525"/>
+            <a:ext cx="3515709" cy="3046948"/>
+          </a:xfrm>
+          <a:prstGeom prst="rect">
+            <a:avLst/>
+          </a:prstGeom>
+        </p:spPr>
+      </p:pic>
+    </p:spTree>
+    <p:extLst>
+      <p:ext uri="{BB962C8B-B14F-4D97-AF65-F5344CB8AC3E}">
+        <p14:creationId xmlns:p14="http://schemas.microsoft.com/office/powerpoint/2010/main" val="3965213729"/>
+      </p:ext>
+    </p:extLst>
+  </p:cSld>
+  <p:clrMapOvr>
+    <a:masterClrMapping/>
+  </p:clrMapOvr>
+</p:sld>
+</file>
+
+<file path=ppt/slides/slide35.xml><?xml version="1.0" encoding="utf-8"?>
+<p:sld xmlns:a="http://schemas.openxmlformats.org/drawingml/2006/main" xmlns:r="http://schemas.openxmlformats.org/officeDocument/2006/relationships" xmlns:p="http://schemas.openxmlformats.org/presentationml/2006/main">
+  <p:cSld>
+    <p:spTree>
+      <p:nvGrpSpPr>
+        <p:cNvPr id="1" name=""/>
+        <p:cNvGrpSpPr/>
+        <p:nvPr/>
+      </p:nvGrpSpPr>
+      <p:grpSpPr>
+        <a:xfrm>
+          <a:off x="0" y="0"/>
+          <a:ext cx="0" cy="0"/>
+          <a:chOff x="0" y="0"/>
+          <a:chExt cx="0" cy="0"/>
+        </a:xfrm>
+      </p:grpSpPr>
+      <p:sp>
+        <p:nvSpPr>
+          <p:cNvPr id="2" name="Titolo 1">
+            <a:extLst>
+              <a:ext uri="{FF2B5EF4-FFF2-40B4-BE49-F238E27FC236}">
+                <a16:creationId xmlns:a16="http://schemas.microsoft.com/office/drawing/2014/main" id="{5CF5972C-0648-4853-0835-24A93B1910D8}"/>
+              </a:ext>
+            </a:extLst>
+          </p:cNvPr>
+          <p:cNvSpPr>
+            <a:spLocks noGrp="1"/>
+          </p:cNvSpPr>
+          <p:nvPr>
+            <p:ph type="title"/>
+          </p:nvPr>
+        </p:nvSpPr>
+        <p:spPr/>
+        <p:txBody>
+          <a:bodyPr/>
+          <a:lstStyle/>
+          <a:p>
+            <a:r>
+              <a:rPr lang="it-IT" dirty="0"/>
+              <a:t>Esercizio 5: Modellazione</a:t>
+            </a:r>
+          </a:p>
+        </p:txBody>
+      </p:sp>
+      <p:sp>
+        <p:nvSpPr>
+          <p:cNvPr id="4" name="Segnaposto numero diapositiva 3">
+            <a:extLst>
+              <a:ext uri="{FF2B5EF4-FFF2-40B4-BE49-F238E27FC236}">
+                <a16:creationId xmlns:a16="http://schemas.microsoft.com/office/drawing/2014/main" id="{D7633F4F-FEB4-A12D-AED3-C2BED95952C1}"/>
+              </a:ext>
+            </a:extLst>
+          </p:cNvPr>
+          <p:cNvSpPr>
+            <a:spLocks noGrp="1"/>
+          </p:cNvSpPr>
+          <p:nvPr>
+            <p:ph type="sldNum" sz="quarter" idx="4"/>
+          </p:nvPr>
+        </p:nvSpPr>
+        <p:spPr/>
+        <p:txBody>
+          <a:bodyPr/>
+          <a:lstStyle/>
+          <a:p>
+            <a:fld id="{4D021CEB-2F22-4EA1-9BAF-E3833982B82A}" type="slidenum">
+              <a:rPr lang="en-US" smtClean="0"/>
+              <a:pPr/>
+              <a:t>35</a:t>
+            </a:fld>
+            <a:r>
+              <a:rPr lang="en-US" dirty="0"/>
+              <a:t> di 35</a:t>
+            </a:r>
+          </a:p>
+        </p:txBody>
+      </p:sp>
+      <p:pic>
+        <p:nvPicPr>
+          <p:cNvPr id="6" name="Immagine 5">
+            <a:extLst>
+              <a:ext uri="{FF2B5EF4-FFF2-40B4-BE49-F238E27FC236}">
+                <a16:creationId xmlns:a16="http://schemas.microsoft.com/office/drawing/2014/main" id="{4ECB75AF-5757-61C8-A2B0-29EA02BC34C7}"/>
+              </a:ext>
+            </a:extLst>
+          </p:cNvPr>
+          <p:cNvPicPr>
+            <a:picLocks noChangeAspect="1"/>
+          </p:cNvPicPr>
+          <p:nvPr/>
+        </p:nvPicPr>
+        <p:blipFill>
+          <a:blip r:embed="rId2"/>
+          <a:stretch>
+            <a:fillRect/>
+          </a:stretch>
+        </p:blipFill>
+        <p:spPr>
+          <a:xfrm>
             <a:off x="1296413" y="2252287"/>
             <a:ext cx="6551173" cy="2395143"/>
           </a:xfrm>
@@ -6213,6 +7223,173 @@
     <p:extLst>
       <p:ext uri="{BB962C8B-B14F-4D97-AF65-F5344CB8AC3E}">
         <p14:creationId xmlns:p14="http://schemas.microsoft.com/office/powerpoint/2010/main" val="397861251"/>
+      </p:ext>
+    </p:extLst>
+  </p:cSld>
+  <p:clrMapOvr>
+    <a:masterClrMapping/>
+  </p:clrMapOvr>
+</p:sld>
+</file>
+
+<file path=ppt/slides/slide36.xml><?xml version="1.0" encoding="utf-8"?>
+<p:sld xmlns:a="http://schemas.openxmlformats.org/drawingml/2006/main" xmlns:r="http://schemas.openxmlformats.org/officeDocument/2006/relationships" xmlns:p="http://schemas.openxmlformats.org/presentationml/2006/main">
+  <p:cSld>
+    <p:spTree>
+      <p:nvGrpSpPr>
+        <p:cNvPr id="1" name=""/>
+        <p:cNvGrpSpPr/>
+        <p:nvPr/>
+      </p:nvGrpSpPr>
+      <p:grpSpPr>
+        <a:xfrm>
+          <a:off x="0" y="0"/>
+          <a:ext cx="0" cy="0"/>
+          <a:chOff x="0" y="0"/>
+          <a:chExt cx="0" cy="0"/>
+        </a:xfrm>
+      </p:grpSpPr>
+      <p:sp>
+        <p:nvSpPr>
+          <p:cNvPr id="2" name="Titolo 1">
+            <a:extLst>
+              <a:ext uri="{FF2B5EF4-FFF2-40B4-BE49-F238E27FC236}">
+                <a16:creationId xmlns:a16="http://schemas.microsoft.com/office/drawing/2014/main" id="{5CF5972C-0648-4853-0835-24A93B1910D8}"/>
+              </a:ext>
+            </a:extLst>
+          </p:cNvPr>
+          <p:cNvSpPr>
+            <a:spLocks noGrp="1"/>
+          </p:cNvSpPr>
+          <p:nvPr>
+            <p:ph type="title"/>
+          </p:nvPr>
+        </p:nvSpPr>
+        <p:spPr/>
+        <p:txBody>
+          <a:bodyPr>
+            <a:normAutofit fontScale="90000"/>
+          </a:bodyPr>
+          <a:lstStyle/>
+          <a:p>
+            <a:r>
+              <a:rPr lang="it-IT" dirty="0"/>
+              <a:t>Accesso al materiale di tutorato</a:t>
+            </a:r>
+          </a:p>
+        </p:txBody>
+      </p:sp>
+      <p:pic>
+        <p:nvPicPr>
+          <p:cNvPr id="1026" name="Picture 2" descr="GitHub Logo and symbol, meaning, history, PNG, brand">
+            <a:extLst>
+              <a:ext uri="{FF2B5EF4-FFF2-40B4-BE49-F238E27FC236}">
+                <a16:creationId xmlns:a16="http://schemas.microsoft.com/office/drawing/2014/main" id="{79DAC535-A030-E040-CFBA-21A25FEED1ED}"/>
+              </a:ext>
+            </a:extLst>
+          </p:cNvPr>
+          <p:cNvPicPr>
+            <a:picLocks noChangeAspect="1" noChangeArrowheads="1"/>
+          </p:cNvPicPr>
+          <p:nvPr/>
+        </p:nvPicPr>
+        <p:blipFill>
+          <a:blip r:embed="rId2">
+            <a:extLst>
+              <a:ext uri="{28A0092B-C50C-407E-A947-70E740481C1C}">
+                <a14:useLocalDpi xmlns:a14="http://schemas.microsoft.com/office/drawing/2010/main" val="0"/>
+              </a:ext>
+            </a:extLst>
+          </a:blip>
+          <a:srcRect/>
+          <a:stretch>
+            <a:fillRect/>
+          </a:stretch>
+        </p:blipFill>
+        <p:spPr bwMode="auto">
+          <a:xfrm>
+            <a:off x="2286000" y="1658879"/>
+            <a:ext cx="4572000" cy="2571750"/>
+          </a:xfrm>
+          <a:prstGeom prst="rect">
+            <a:avLst/>
+          </a:prstGeom>
+          <a:noFill/>
+          <a:extLst>
+            <a:ext uri="{909E8E84-426E-40DD-AFC4-6F175D3DCCD1}">
+              <a14:hiddenFill xmlns:a14="http://schemas.microsoft.com/office/drawing/2010/main">
+                <a:solidFill>
+                  <a:srgbClr val="FFFFFF"/>
+                </a:solidFill>
+              </a14:hiddenFill>
+            </a:ext>
+          </a:extLst>
+        </p:spPr>
+      </p:pic>
+      <p:sp>
+        <p:nvSpPr>
+          <p:cNvPr id="3" name="CasellaDiTesto 2">
+            <a:extLst>
+              <a:ext uri="{FF2B5EF4-FFF2-40B4-BE49-F238E27FC236}">
+                <a16:creationId xmlns:a16="http://schemas.microsoft.com/office/drawing/2014/main" id="{0F4AC5FE-39CC-083D-9D86-6A7104CA40F4}"/>
+              </a:ext>
+            </a:extLst>
+          </p:cNvPr>
+          <p:cNvSpPr txBox="1"/>
+          <p:nvPr/>
+        </p:nvSpPr>
+        <p:spPr>
+          <a:xfrm>
+            <a:off x="238557" y="4671566"/>
+            <a:ext cx="8430990" cy="1200329"/>
+          </a:xfrm>
+          <a:prstGeom prst="rect">
+            <a:avLst/>
+          </a:prstGeom>
+          <a:noFill/>
+        </p:spPr>
+        <p:txBody>
+          <a:bodyPr wrap="square" rtlCol="0">
+            <a:spAutoFit/>
+          </a:bodyPr>
+          <a:lstStyle/>
+          <a:p>
+            <a:pPr lvl="1" algn="ctr"/>
+            <a:r>
+              <a:rPr lang="it-IT" dirty="0"/>
+              <a:t>Repository di riferimento:</a:t>
+            </a:r>
+          </a:p>
+          <a:p>
+            <a:pPr lvl="1" algn="ctr"/>
+            <a:r>
+              <a:rPr lang="it-IT" u="sng" dirty="0">
+                <a:hlinkClick r:id="rId3"/>
+              </a:rPr>
+              <a:t>https://github.com/gabrielrovesti/Tutorato-Programmazione-ad-Oggetti-2023-2024</a:t>
+            </a:r>
+            <a:r>
+              <a:rPr lang="it-IT" u="sng" dirty="0"/>
+              <a:t> </a:t>
+            </a:r>
+          </a:p>
+          <a:p>
+            <a:pPr lvl="1"/>
+            <a:endParaRPr lang="it-IT" dirty="0"/>
+          </a:p>
+          <a:p>
+            <a:pPr marL="285750" indent="-285750">
+              <a:buFont typeface="Arial" panose="020B0604020202020204" pitchFamily="34" charset="0"/>
+              <a:buChar char="•"/>
+            </a:pPr>
+            <a:endParaRPr lang="it-IT" dirty="0"/>
+          </a:p>
+        </p:txBody>
+      </p:sp>
+    </p:spTree>
+    <p:extLst>
+      <p:ext uri="{BB962C8B-B14F-4D97-AF65-F5344CB8AC3E}">
+        <p14:creationId xmlns:p14="http://schemas.microsoft.com/office/powerpoint/2010/main" val="2756331041"/>
       </p:ext>
     </p:extLst>
   </p:cSld>
@@ -6262,7 +7439,7 @@
           <a:p>
             <a:r>
               <a:rPr lang="it-IT" dirty="0"/>
-              <a:t>Partiamo da un esempio…</a:t>
+              <a:t>Modularizzazione</a:t>
             </a:r>
           </a:p>
         </p:txBody>
@@ -6295,144 +7472,173 @@
             </a:fld>
             <a:r>
               <a:rPr lang="en-US" dirty="0"/>
-              <a:t> of 32</a:t>
-            </a:r>
+              <a:t> di 35</a:t>
+            </a:r>
+          </a:p>
+        </p:txBody>
+      </p:sp>
+      <p:sp>
+        <p:nvSpPr>
+          <p:cNvPr id="3" name="CasellaDiTesto 2">
+            <a:extLst>
+              <a:ext uri="{FF2B5EF4-FFF2-40B4-BE49-F238E27FC236}">
+                <a16:creationId xmlns:a16="http://schemas.microsoft.com/office/drawing/2014/main" id="{882FCE22-207E-4077-C468-65DB9728DF24}"/>
+              </a:ext>
+            </a:extLst>
+          </p:cNvPr>
+          <p:cNvSpPr txBox="1"/>
+          <p:nvPr/>
+        </p:nvSpPr>
+        <p:spPr>
+          <a:xfrm>
+            <a:off x="1020563" y="1440497"/>
+            <a:ext cx="6662374" cy="3970318"/>
+          </a:xfrm>
+          <a:prstGeom prst="rect">
+            <a:avLst/>
+          </a:prstGeom>
+          <a:noFill/>
+        </p:spPr>
+        <p:txBody>
+          <a:bodyPr wrap="square" rtlCol="0">
+            <a:spAutoFit/>
+          </a:bodyPr>
+          <a:lstStyle/>
+          <a:p>
+            <a:pPr marL="285750" indent="-285750">
+              <a:buFont typeface="Arial" panose="020B0604020202020204" pitchFamily="34" charset="0"/>
+              <a:buChar char="•"/>
+            </a:pPr>
+            <a:r>
+              <a:rPr lang="it-IT" dirty="0"/>
+              <a:t>Importante distinguere dalla dichiarazione </a:t>
+            </a:r>
+            <a:r>
+              <a:rPr lang="it-IT" i="1" dirty="0"/>
+              <a:t>inline</a:t>
+            </a:r>
+            <a:r>
+              <a:rPr lang="it-IT" dirty="0"/>
+              <a:t> di metodi</a:t>
+            </a:r>
+          </a:p>
+          <a:p>
+            <a:pPr marL="285750" indent="-285750">
+              <a:buFont typeface="Arial" panose="020B0604020202020204" pitchFamily="34" charset="0"/>
+              <a:buChar char="•"/>
+            </a:pPr>
+            <a:endParaRPr lang="it-IT" dirty="0"/>
+          </a:p>
+          <a:p>
+            <a:pPr marL="285750" indent="-285750">
+              <a:buFont typeface="Arial" panose="020B0604020202020204" pitchFamily="34" charset="0"/>
+              <a:buChar char="•"/>
+            </a:pPr>
+            <a:endParaRPr lang="it-IT" dirty="0"/>
+          </a:p>
+          <a:p>
+            <a:pPr marL="285750" indent="-285750">
+              <a:buFont typeface="Arial" panose="020B0604020202020204" pitchFamily="34" charset="0"/>
+              <a:buChar char="•"/>
+            </a:pPr>
+            <a:endParaRPr lang="it-IT" dirty="0"/>
+          </a:p>
+          <a:p>
+            <a:endParaRPr lang="it-IT" dirty="0"/>
+          </a:p>
+          <a:p>
+            <a:endParaRPr lang="it-IT" dirty="0"/>
+          </a:p>
+          <a:p>
+            <a:endParaRPr lang="it-IT" dirty="0"/>
+          </a:p>
+          <a:p>
+            <a:endParaRPr lang="it-IT" dirty="0"/>
+          </a:p>
+          <a:p>
+            <a:endParaRPr lang="it-IT" dirty="0"/>
+          </a:p>
+          <a:p>
+            <a:endParaRPr lang="it-IT" dirty="0"/>
+          </a:p>
+          <a:p>
+            <a:pPr marL="285750" indent="-285750">
+              <a:buFont typeface="Arial" panose="020B0604020202020204" pitchFamily="34" charset="0"/>
+              <a:buChar char="•"/>
+            </a:pPr>
+            <a:r>
+              <a:rPr lang="it-IT" dirty="0"/>
+              <a:t>… dalla dichiarazione </a:t>
+            </a:r>
+            <a:r>
+              <a:rPr lang="it-IT" i="1" dirty="0"/>
+              <a:t>modulare</a:t>
+            </a:r>
+          </a:p>
+          <a:p>
+            <a:pPr marL="742950" lvl="1" indent="-285750">
+              <a:buFont typeface="Arial" panose="020B0604020202020204" pitchFamily="34" charset="0"/>
+              <a:buChar char="•"/>
+            </a:pPr>
+            <a:r>
+              <a:rPr lang="it-IT" dirty="0"/>
+              <a:t>Definizione </a:t>
+            </a:r>
+            <a:r>
+              <a:rPr lang="it-IT" i="1" dirty="0"/>
+              <a:t>all’esterno della classe</a:t>
+            </a:r>
+            <a:endParaRPr lang="it-IT" dirty="0"/>
+          </a:p>
+          <a:p>
+            <a:pPr marL="742950" lvl="1" indent="-285750">
+              <a:buFont typeface="Arial" panose="020B0604020202020204" pitchFamily="34" charset="0"/>
+              <a:buChar char="•"/>
+            </a:pPr>
+            <a:r>
+              <a:rPr lang="it-IT" dirty="0"/>
+              <a:t>Definizione in due file separati (.h) e (.cpp)</a:t>
+            </a:r>
+          </a:p>
+          <a:p>
+            <a:endParaRPr lang="it-IT" dirty="0"/>
           </a:p>
         </p:txBody>
       </p:sp>
       <p:pic>
         <p:nvPicPr>
-          <p:cNvPr id="1026" name="Picture 2">
-            <a:extLst>
-              <a:ext uri="{FF2B5EF4-FFF2-40B4-BE49-F238E27FC236}">
-                <a16:creationId xmlns:a16="http://schemas.microsoft.com/office/drawing/2014/main" id="{0DE9C769-30F5-5238-652C-DBD531F322BC}"/>
+          <p:cNvPr id="6" name="Immagine 5">
+            <a:extLst>
+              <a:ext uri="{FF2B5EF4-FFF2-40B4-BE49-F238E27FC236}">
+                <a16:creationId xmlns:a16="http://schemas.microsoft.com/office/drawing/2014/main" id="{EA02AB81-BA86-CC03-6D8B-2BC56C6CE8B9}"/>
               </a:ext>
             </a:extLst>
           </p:cNvPr>
           <p:cNvPicPr>
-            <a:picLocks noChangeAspect="1" noChangeArrowheads="1"/>
+            <a:picLocks noChangeAspect="1"/>
           </p:cNvPicPr>
           <p:nvPr/>
         </p:nvPicPr>
         <p:blipFill>
-          <a:blip r:embed="rId2">
-            <a:extLst>
-              <a:ext uri="{28A0092B-C50C-407E-A947-70E740481C1C}">
-                <a14:useLocalDpi xmlns:a14="http://schemas.microsoft.com/office/drawing/2010/main" val="0"/>
-              </a:ext>
-            </a:extLst>
-          </a:blip>
-          <a:srcRect/>
+          <a:blip r:embed="rId2"/>
           <a:stretch>
             <a:fillRect/>
           </a:stretch>
         </p:blipFill>
-        <p:spPr bwMode="auto">
-          <a:xfrm>
-            <a:off x="5178828" y="1882832"/>
-            <a:ext cx="3092335" cy="3092335"/>
-          </a:xfrm>
-          <a:prstGeom prst="rect">
-            <a:avLst/>
-          </a:prstGeom>
-          <a:noFill/>
-          <a:extLst>
-            <a:ext uri="{909E8E84-426E-40DD-AFC4-6F175D3DCCD1}">
-              <a14:hiddenFill xmlns:a14="http://schemas.microsoft.com/office/drawing/2010/main">
-                <a:solidFill>
-                  <a:srgbClr val="FFFFFF"/>
-                </a:solidFill>
-              </a14:hiddenFill>
-            </a:ext>
-          </a:extLst>
+        <p:spPr>
+          <a:xfrm>
+            <a:off x="1471682" y="1962389"/>
+            <a:ext cx="5455344" cy="2048896"/>
+          </a:xfrm>
+          <a:prstGeom prst="rect">
+            <a:avLst/>
+          </a:prstGeom>
         </p:spPr>
       </p:pic>
-      <p:pic>
-        <p:nvPicPr>
-          <p:cNvPr id="1028" name="Picture 4" descr="Orario bianco - OROLOGI di Rexite | Arredinitaly">
-            <a:extLst>
-              <a:ext uri="{FF2B5EF4-FFF2-40B4-BE49-F238E27FC236}">
-                <a16:creationId xmlns:a16="http://schemas.microsoft.com/office/drawing/2014/main" id="{13B8337C-E983-19BE-8511-4E78B7FBE047}"/>
-              </a:ext>
-            </a:extLst>
-          </p:cNvPr>
-          <p:cNvPicPr>
-            <a:picLocks noChangeAspect="1" noChangeArrowheads="1"/>
-          </p:cNvPicPr>
-          <p:nvPr/>
-        </p:nvPicPr>
-        <p:blipFill>
-          <a:blip r:embed="rId3">
-            <a:extLst>
-              <a:ext uri="{28A0092B-C50C-407E-A947-70E740481C1C}">
-                <a14:useLocalDpi xmlns:a14="http://schemas.microsoft.com/office/drawing/2010/main" val="0"/>
-              </a:ext>
-            </a:extLst>
-          </a:blip>
-          <a:srcRect/>
-          <a:stretch>
-            <a:fillRect/>
-          </a:stretch>
-        </p:blipFill>
-        <p:spPr bwMode="auto">
-          <a:xfrm>
-            <a:off x="722863" y="1521055"/>
-            <a:ext cx="3333750" cy="3333750"/>
-          </a:xfrm>
-          <a:prstGeom prst="rect">
-            <a:avLst/>
-          </a:prstGeom>
-          <a:noFill/>
-          <a:extLst>
-            <a:ext uri="{909E8E84-426E-40DD-AFC4-6F175D3DCCD1}">
-              <a14:hiddenFill xmlns:a14="http://schemas.microsoft.com/office/drawing/2010/main">
-                <a:solidFill>
-                  <a:srgbClr val="FFFFFF"/>
-                </a:solidFill>
-              </a14:hiddenFill>
-            </a:ext>
-          </a:extLst>
-        </p:spPr>
-      </p:pic>
-      <p:sp>
-        <p:nvSpPr>
-          <p:cNvPr id="5" name="CasellaDiTesto 4">
-            <a:extLst>
-              <a:ext uri="{FF2B5EF4-FFF2-40B4-BE49-F238E27FC236}">
-                <a16:creationId xmlns:a16="http://schemas.microsoft.com/office/drawing/2014/main" id="{2934096E-B231-E64D-28DC-F727747F9E45}"/>
-              </a:ext>
-            </a:extLst>
-          </p:cNvPr>
-          <p:cNvSpPr txBox="1"/>
-          <p:nvPr/>
-        </p:nvSpPr>
-        <p:spPr>
-          <a:xfrm>
-            <a:off x="3898670" y="5300849"/>
-            <a:ext cx="2019992" cy="369332"/>
-          </a:xfrm>
-          <a:prstGeom prst="rect">
-            <a:avLst/>
-          </a:prstGeom>
-          <a:noFill/>
-        </p:spPr>
-        <p:txBody>
-          <a:bodyPr wrap="square" rtlCol="0">
-            <a:spAutoFit/>
-          </a:bodyPr>
-          <a:lstStyle/>
-          <a:p>
-            <a:r>
-              <a:rPr lang="it-IT" dirty="0"/>
-              <a:t>Classe «orario»</a:t>
-            </a:r>
-          </a:p>
-        </p:txBody>
-      </p:sp>
     </p:spTree>
     <p:extLst>
       <p:ext uri="{BB962C8B-B14F-4D97-AF65-F5344CB8AC3E}">
-        <p14:creationId xmlns:p14="http://schemas.microsoft.com/office/powerpoint/2010/main" val="3283044308"/>
+        <p14:creationId xmlns:p14="http://schemas.microsoft.com/office/powerpoint/2010/main" val="3296739001"/>
       </p:ext>
     </p:extLst>
   </p:cSld>
@@ -6482,7 +7688,7 @@
           <a:p>
             <a:r>
               <a:rPr lang="it-IT" dirty="0"/>
-              <a:t>Il puntatore «this»</a:t>
+              <a:t>Partiamo da un esempio…</a:t>
             </a:r>
           </a:p>
         </p:txBody>
@@ -6515,101 +7721,144 @@
             </a:fld>
             <a:r>
               <a:rPr lang="en-US" dirty="0"/>
-              <a:t> of 32</a:t>
-            </a:r>
-          </a:p>
-        </p:txBody>
-      </p:sp>
-      <p:sp>
-        <p:nvSpPr>
-          <p:cNvPr id="3" name="CasellaDiTesto 2">
-            <a:extLst>
-              <a:ext uri="{FF2B5EF4-FFF2-40B4-BE49-F238E27FC236}">
-                <a16:creationId xmlns:a16="http://schemas.microsoft.com/office/drawing/2014/main" id="{071EBCA2-DD64-3D2B-5131-56B7182EE4C9}"/>
-              </a:ext>
-            </a:extLst>
-          </p:cNvPr>
-          <p:cNvSpPr txBox="1"/>
-          <p:nvPr/>
-        </p:nvSpPr>
-        <p:spPr>
-          <a:xfrm>
-            <a:off x="615142" y="1537855"/>
-            <a:ext cx="7315200" cy="1477328"/>
-          </a:xfrm>
-          <a:prstGeom prst="rect">
-            <a:avLst/>
-          </a:prstGeom>
-          <a:noFill/>
-        </p:spPr>
-        <p:txBody>
-          <a:bodyPr wrap="square" rtlCol="0">
-            <a:spAutoFit/>
-          </a:bodyPr>
-          <a:lstStyle/>
-          <a:p>
-            <a:r>
-              <a:rPr lang="it-IT" dirty="0"/>
-              <a:t>I metodi di una classe possiedono un parametro implicito </a:t>
-            </a:r>
-            <a:r>
-              <a:rPr lang="it-IT" b="1" dirty="0"/>
-              <a:t>this</a:t>
-            </a:r>
-            <a:r>
-              <a:rPr lang="it-IT" i="1" dirty="0"/>
-              <a:t> </a:t>
-            </a:r>
-            <a:r>
-              <a:rPr lang="it-IT" dirty="0"/>
-              <a:t>di puntatore di tipo puntatore ad oggetti della classe stessa. </a:t>
-            </a:r>
-          </a:p>
-          <a:p>
-            <a:endParaRPr lang="it-IT" dirty="0"/>
-          </a:p>
-          <a:p>
-            <a:r>
-              <a:rPr lang="it-IT" dirty="0"/>
-              <a:t>L'esempio più semplice è quello in cui un metodo deve restituire l'oggetto stesso di invocazione:</a:t>
+              <a:t> di 35</a:t>
             </a:r>
           </a:p>
         </p:txBody>
       </p:sp>
       <p:pic>
         <p:nvPicPr>
-          <p:cNvPr id="9" name="Immagine 8">
-            <a:extLst>
-              <a:ext uri="{FF2B5EF4-FFF2-40B4-BE49-F238E27FC236}">
-                <a16:creationId xmlns:a16="http://schemas.microsoft.com/office/drawing/2014/main" id="{DDB9D878-A16E-B5F3-4610-D1A9F6BD7CE4}"/>
+          <p:cNvPr id="1026" name="Picture 2">
+            <a:extLst>
+              <a:ext uri="{FF2B5EF4-FFF2-40B4-BE49-F238E27FC236}">
+                <a16:creationId xmlns:a16="http://schemas.microsoft.com/office/drawing/2014/main" id="{0DE9C769-30F5-5238-652C-DBD531F322BC}"/>
               </a:ext>
             </a:extLst>
           </p:cNvPr>
           <p:cNvPicPr>
-            <a:picLocks noChangeAspect="1"/>
+            <a:picLocks noChangeAspect="1" noChangeArrowheads="1"/>
           </p:cNvPicPr>
           <p:nvPr/>
         </p:nvPicPr>
         <p:blipFill>
-          <a:blip r:embed="rId2"/>
+          <a:blip r:embed="rId2">
+            <a:extLst>
+              <a:ext uri="{28A0092B-C50C-407E-A947-70E740481C1C}">
+                <a14:useLocalDpi xmlns:a14="http://schemas.microsoft.com/office/drawing/2010/main" val="0"/>
+              </a:ext>
+            </a:extLst>
+          </a:blip>
+          <a:srcRect/>
           <a:stretch>
             <a:fillRect/>
           </a:stretch>
         </p:blipFill>
-        <p:spPr>
-          <a:xfrm>
-            <a:off x="3033314" y="3196517"/>
-            <a:ext cx="2478855" cy="2621182"/>
-          </a:xfrm>
-          <a:prstGeom prst="rect">
-            <a:avLst/>
-          </a:prstGeom>
+        <p:spPr bwMode="auto">
+          <a:xfrm>
+            <a:off x="5178828" y="1882832"/>
+            <a:ext cx="3092335" cy="3092335"/>
+          </a:xfrm>
+          <a:prstGeom prst="rect">
+            <a:avLst/>
+          </a:prstGeom>
+          <a:noFill/>
+          <a:extLst>
+            <a:ext uri="{909E8E84-426E-40DD-AFC4-6F175D3DCCD1}">
+              <a14:hiddenFill xmlns:a14="http://schemas.microsoft.com/office/drawing/2010/main">
+                <a:solidFill>
+                  <a:srgbClr val="FFFFFF"/>
+                </a:solidFill>
+              </a14:hiddenFill>
+            </a:ext>
+          </a:extLst>
         </p:spPr>
       </p:pic>
+      <p:pic>
+        <p:nvPicPr>
+          <p:cNvPr id="1028" name="Picture 4" descr="Orario bianco - OROLOGI di Rexite | Arredinitaly">
+            <a:extLst>
+              <a:ext uri="{FF2B5EF4-FFF2-40B4-BE49-F238E27FC236}">
+                <a16:creationId xmlns:a16="http://schemas.microsoft.com/office/drawing/2014/main" id="{13B8337C-E983-19BE-8511-4E78B7FBE047}"/>
+              </a:ext>
+            </a:extLst>
+          </p:cNvPr>
+          <p:cNvPicPr>
+            <a:picLocks noChangeAspect="1" noChangeArrowheads="1"/>
+          </p:cNvPicPr>
+          <p:nvPr/>
+        </p:nvPicPr>
+        <p:blipFill>
+          <a:blip r:embed="rId3">
+            <a:extLst>
+              <a:ext uri="{28A0092B-C50C-407E-A947-70E740481C1C}">
+                <a14:useLocalDpi xmlns:a14="http://schemas.microsoft.com/office/drawing/2010/main" val="0"/>
+              </a:ext>
+            </a:extLst>
+          </a:blip>
+          <a:srcRect/>
+          <a:stretch>
+            <a:fillRect/>
+          </a:stretch>
+        </p:blipFill>
+        <p:spPr bwMode="auto">
+          <a:xfrm>
+            <a:off x="722863" y="1521055"/>
+            <a:ext cx="3333750" cy="3333750"/>
+          </a:xfrm>
+          <a:prstGeom prst="rect">
+            <a:avLst/>
+          </a:prstGeom>
+          <a:noFill/>
+          <a:extLst>
+            <a:ext uri="{909E8E84-426E-40DD-AFC4-6F175D3DCCD1}">
+              <a14:hiddenFill xmlns:a14="http://schemas.microsoft.com/office/drawing/2010/main">
+                <a:solidFill>
+                  <a:srgbClr val="FFFFFF"/>
+                </a:solidFill>
+              </a14:hiddenFill>
+            </a:ext>
+          </a:extLst>
+        </p:spPr>
+      </p:pic>
+      <p:sp>
+        <p:nvSpPr>
+          <p:cNvPr id="5" name="CasellaDiTesto 4">
+            <a:extLst>
+              <a:ext uri="{FF2B5EF4-FFF2-40B4-BE49-F238E27FC236}">
+                <a16:creationId xmlns:a16="http://schemas.microsoft.com/office/drawing/2014/main" id="{2934096E-B231-E64D-28DC-F727747F9E45}"/>
+              </a:ext>
+            </a:extLst>
+          </p:cNvPr>
+          <p:cNvSpPr txBox="1"/>
+          <p:nvPr/>
+        </p:nvSpPr>
+        <p:spPr>
+          <a:xfrm>
+            <a:off x="3898670" y="5300849"/>
+            <a:ext cx="2019992" cy="369332"/>
+          </a:xfrm>
+          <a:prstGeom prst="rect">
+            <a:avLst/>
+          </a:prstGeom>
+          <a:noFill/>
+        </p:spPr>
+        <p:txBody>
+          <a:bodyPr wrap="square" rtlCol="0">
+            <a:spAutoFit/>
+          </a:bodyPr>
+          <a:lstStyle/>
+          <a:p>
+            <a:r>
+              <a:rPr lang="it-IT" dirty="0"/>
+              <a:t>Classe «orario»</a:t>
+            </a:r>
+          </a:p>
+        </p:txBody>
+      </p:sp>
     </p:spTree>
     <p:extLst>
       <p:ext uri="{BB962C8B-B14F-4D97-AF65-F5344CB8AC3E}">
-        <p14:creationId xmlns:p14="http://schemas.microsoft.com/office/powerpoint/2010/main" val="1785573307"/>
+        <p14:creationId xmlns:p14="http://schemas.microsoft.com/office/powerpoint/2010/main" val="3283044308"/>
       </p:ext>
     </p:extLst>
   </p:cSld>
@@ -6641,7 +7890,7 @@
           <p:cNvPr id="2" name="Titolo 1">
             <a:extLst>
               <a:ext uri="{FF2B5EF4-FFF2-40B4-BE49-F238E27FC236}">
-                <a16:creationId xmlns:a16="http://schemas.microsoft.com/office/drawing/2014/main" id="{7E094D2C-2C58-27DB-8836-62C5F689C9C6}"/>
+                <a16:creationId xmlns:a16="http://schemas.microsoft.com/office/drawing/2014/main" id="{A1C33B46-A1F8-111B-8108-D696C1BBCC68}"/>
               </a:ext>
             </a:extLst>
           </p:cNvPr>
@@ -6659,7 +7908,7 @@
           <a:p>
             <a:r>
               <a:rPr lang="it-IT" dirty="0"/>
-              <a:t>Costruttori</a:t>
+              <a:t>Il puntatore «this»</a:t>
             </a:r>
           </a:p>
         </p:txBody>
@@ -6669,7 +7918,7 @@
           <p:cNvPr id="4" name="Segnaposto numero diapositiva 3">
             <a:extLst>
               <a:ext uri="{FF2B5EF4-FFF2-40B4-BE49-F238E27FC236}">
-                <a16:creationId xmlns:a16="http://schemas.microsoft.com/office/drawing/2014/main" id="{8FC0F31B-BCEA-FE98-0DBD-53D618ED76C0}"/>
+                <a16:creationId xmlns:a16="http://schemas.microsoft.com/office/drawing/2014/main" id="{30F37182-85E1-1CBA-A05A-CCEC4E40C29C}"/>
               </a:ext>
             </a:extLst>
           </p:cNvPr>
@@ -6692,17 +7941,17 @@
             </a:fld>
             <a:r>
               <a:rPr lang="en-US" dirty="0"/>
-              <a:t> of 32</a:t>
-            </a:r>
-          </a:p>
-        </p:txBody>
-      </p:sp>
-      <p:sp>
-        <p:nvSpPr>
-          <p:cNvPr id="5" name="CasellaDiTesto 4">
-            <a:extLst>
-              <a:ext uri="{FF2B5EF4-FFF2-40B4-BE49-F238E27FC236}">
-                <a16:creationId xmlns:a16="http://schemas.microsoft.com/office/drawing/2014/main" id="{71CF3303-6EC9-CDFB-DF05-BA3795CCB248}"/>
+              <a:t> di 35</a:t>
+            </a:r>
+          </a:p>
+        </p:txBody>
+      </p:sp>
+      <p:sp>
+        <p:nvSpPr>
+          <p:cNvPr id="3" name="CasellaDiTesto 2">
+            <a:extLst>
+              <a:ext uri="{FF2B5EF4-FFF2-40B4-BE49-F238E27FC236}">
+                <a16:creationId xmlns:a16="http://schemas.microsoft.com/office/drawing/2014/main" id="{071EBCA2-DD64-3D2B-5131-56B7182EE4C9}"/>
               </a:ext>
             </a:extLst>
           </p:cNvPr>
@@ -6711,8 +7960,8 @@
         </p:nvSpPr>
         <p:spPr>
           <a:xfrm>
-            <a:off x="541990" y="1563881"/>
-            <a:ext cx="7315200" cy="4247317"/>
+            <a:off x="615142" y="1537855"/>
+            <a:ext cx="7315200" cy="1477328"/>
           </a:xfrm>
           <a:prstGeom prst="rect">
             <a:avLst/>
@@ -6727,99 +7976,40 @@
           <a:p>
             <a:r>
               <a:rPr lang="it-IT" dirty="0"/>
-              <a:t>Sono dei metodi con lo stesso nome della classe e senza tipo di ritorno che vengono invocati automaticamente quando viene dichiarato (e quindi costruito) un oggetto.</a:t>
-            </a:r>
-          </a:p>
-          <a:p>
-            <a:endParaRPr lang="it-IT" dirty="0"/>
-          </a:p>
-          <a:p>
-            <a:r>
-              <a:rPr lang="it-IT" dirty="0"/>
-              <a:t>Ne esistono di vario tipo:</a:t>
-            </a:r>
-          </a:p>
-          <a:p>
-            <a:endParaRPr lang="it-IT" dirty="0"/>
-          </a:p>
-          <a:p>
-            <a:pPr marL="285750" indent="-285750">
-              <a:buFont typeface="Arial" panose="020B0604020202020204" pitchFamily="34" charset="0"/>
-              <a:buChar char="•"/>
-            </a:pPr>
-            <a:r>
-              <a:rPr lang="it-IT" b="1" dirty="0"/>
-              <a:t>Default</a:t>
-            </a:r>
-            <a:r>
-              <a:rPr lang="it-IT" dirty="0"/>
-              <a:t> (costruttore senza parametri)</a:t>
-            </a:r>
-          </a:p>
-          <a:p>
-            <a:pPr marL="285750" indent="-285750">
-              <a:buFont typeface="Arial" panose="020B0604020202020204" pitchFamily="34" charset="0"/>
-              <a:buChar char="•"/>
-            </a:pPr>
-            <a:endParaRPr lang="it-IT" dirty="0"/>
-          </a:p>
-          <a:p>
-            <a:pPr marL="285750" indent="-285750">
-              <a:buFont typeface="Arial" panose="020B0604020202020204" pitchFamily="34" charset="0"/>
-              <a:buChar char="•"/>
-            </a:pPr>
-            <a:endParaRPr lang="it-IT" dirty="0"/>
-          </a:p>
-          <a:p>
-            <a:pPr marL="285750" indent="-285750">
-              <a:buFont typeface="Arial" panose="020B0604020202020204" pitchFamily="34" charset="0"/>
-              <a:buChar char="•"/>
-            </a:pPr>
-            <a:endParaRPr lang="it-IT" dirty="0"/>
-          </a:p>
-          <a:p>
-            <a:pPr marL="285750" indent="-285750">
-              <a:buFont typeface="Arial" panose="020B0604020202020204" pitchFamily="34" charset="0"/>
-              <a:buChar char="•"/>
-            </a:pPr>
-            <a:endParaRPr lang="it-IT" dirty="0"/>
-          </a:p>
-          <a:p>
-            <a:endParaRPr lang="it-IT" dirty="0"/>
-          </a:p>
-          <a:p>
-            <a:pPr marL="285750" indent="-285750">
-              <a:buFont typeface="Arial" panose="020B0604020202020204" pitchFamily="34" charset="0"/>
-              <a:buChar char="•"/>
-            </a:pPr>
-            <a:endParaRPr lang="it-IT" dirty="0"/>
-          </a:p>
-          <a:p>
-            <a:pPr marL="285750" indent="-285750">
-              <a:buFont typeface="Arial" panose="020B0604020202020204" pitchFamily="34" charset="0"/>
-              <a:buChar char="•"/>
-            </a:pPr>
-            <a:r>
-              <a:rPr lang="it-IT" dirty="0"/>
-              <a:t>Se in una classe non viene dichiarato esplicitamente alcun costruttore, è automatica mente disponibile il cosiddetto </a:t>
-            </a:r>
-            <a:r>
-              <a:rPr lang="it-IT" b="1" dirty="0"/>
-              <a:t>costruttore standard</a:t>
-            </a:r>
-            <a:r>
-              <a:rPr lang="it-IT" dirty="0"/>
-              <a:t>. </a:t>
+              <a:t>I metodi di una classe possiedono un parametro implicito </a:t>
+            </a:r>
+            <a:r>
+              <a:rPr lang="it-IT" u="sng" dirty="0">
+                <a:latin typeface="Consolas" panose="020B0609020204030204" pitchFamily="49" charset="0"/>
+              </a:rPr>
+              <a:t>this</a:t>
+            </a:r>
+            <a:r>
+              <a:rPr lang="it-IT" i="1" dirty="0"/>
+              <a:t> </a:t>
+            </a:r>
+            <a:r>
+              <a:rPr lang="it-IT" dirty="0"/>
+              <a:t>di puntatore di tipo puntatore ad oggetti della classe stessa. </a:t>
+            </a:r>
+          </a:p>
+          <a:p>
+            <a:endParaRPr lang="it-IT" dirty="0"/>
+          </a:p>
+          <a:p>
+            <a:r>
+              <a:rPr lang="it-IT" dirty="0"/>
+              <a:t>L'esempio più semplice è quello in cui un metodo deve restituire l'oggetto stesso di invocazione:</a:t>
             </a:r>
           </a:p>
         </p:txBody>
       </p:sp>
       <p:pic>
         <p:nvPicPr>
-          <p:cNvPr id="10" name="Immagine 9">
-            <a:extLst>
-              <a:ext uri="{FF2B5EF4-FFF2-40B4-BE49-F238E27FC236}">
-                <a16:creationId xmlns:a16="http://schemas.microsoft.com/office/drawing/2014/main" id="{D4A69980-8F12-5BCF-06CB-4E9933EC2E69}"/>
+          <p:cNvPr id="9" name="Immagine 8">
+            <a:extLst>
+              <a:ext uri="{FF2B5EF4-FFF2-40B4-BE49-F238E27FC236}">
+                <a16:creationId xmlns:a16="http://schemas.microsoft.com/office/drawing/2014/main" id="{DDB9D878-A16E-B5F3-4610-D1A9F6BD7CE4}"/>
               </a:ext>
             </a:extLst>
           </p:cNvPr>
@@ -6836,38 +8026,8 @@
         </p:blipFill>
         <p:spPr>
           <a:xfrm>
-            <a:off x="1299002" y="3655384"/>
-            <a:ext cx="1915354" cy="1236366"/>
-          </a:xfrm>
-          <a:prstGeom prst="rect">
-            <a:avLst/>
-          </a:prstGeom>
-        </p:spPr>
-      </p:pic>
-      <p:pic>
-        <p:nvPicPr>
-          <p:cNvPr id="14" name="Immagine 13">
-            <a:extLst>
-              <a:ext uri="{FF2B5EF4-FFF2-40B4-BE49-F238E27FC236}">
-                <a16:creationId xmlns:a16="http://schemas.microsoft.com/office/drawing/2014/main" id="{3C8B602E-0B0F-9C70-2181-5F2E383A5F4B}"/>
-              </a:ext>
-            </a:extLst>
-          </p:cNvPr>
-          <p:cNvPicPr>
-            <a:picLocks noChangeAspect="1"/>
-          </p:cNvPicPr>
-          <p:nvPr/>
-        </p:nvPicPr>
-        <p:blipFill>
-          <a:blip r:embed="rId3"/>
-          <a:stretch>
-            <a:fillRect/>
-          </a:stretch>
-        </p:blipFill>
-        <p:spPr>
-          <a:xfrm>
-            <a:off x="4199590" y="3655384"/>
-            <a:ext cx="2481626" cy="1236366"/>
+            <a:off x="3033314" y="3196517"/>
+            <a:ext cx="2478855" cy="2621182"/>
           </a:xfrm>
           <a:prstGeom prst="rect">
             <a:avLst/>
@@ -6877,7 +8037,7 @@
     </p:spTree>
     <p:extLst>
       <p:ext uri="{BB962C8B-B14F-4D97-AF65-F5344CB8AC3E}">
-        <p14:creationId xmlns:p14="http://schemas.microsoft.com/office/powerpoint/2010/main" val="2765833035"/>
+        <p14:creationId xmlns:p14="http://schemas.microsoft.com/office/powerpoint/2010/main" val="1785573307"/>
       </p:ext>
     </p:extLst>
   </p:cSld>
@@ -6922,14 +8082,12 @@
         </p:nvSpPr>
         <p:spPr/>
         <p:txBody>
-          <a:bodyPr>
-            <a:noAutofit/>
-          </a:bodyPr>
-          <a:lstStyle/>
-          <a:p>
-            <a:r>
-              <a:rPr lang="it-IT" sz="2800" dirty="0"/>
-              <a:t>Esempio utile: Costruttore di default legale</a:t>
+          <a:bodyPr/>
+          <a:lstStyle/>
+          <a:p>
+            <a:r>
+              <a:rPr lang="it-IT" dirty="0"/>
+              <a:t>Costruttori</a:t>
             </a:r>
           </a:p>
         </p:txBody>
@@ -6962,97 +8120,192 @@
             </a:fld>
             <a:r>
               <a:rPr lang="en-US" dirty="0"/>
-              <a:t> of 32</a:t>
+              <a:t> di 35</a:t>
+            </a:r>
+          </a:p>
+        </p:txBody>
+      </p:sp>
+      <p:sp>
+        <p:nvSpPr>
+          <p:cNvPr id="5" name="CasellaDiTesto 4">
+            <a:extLst>
+              <a:ext uri="{FF2B5EF4-FFF2-40B4-BE49-F238E27FC236}">
+                <a16:creationId xmlns:a16="http://schemas.microsoft.com/office/drawing/2014/main" id="{71CF3303-6EC9-CDFB-DF05-BA3795CCB248}"/>
+              </a:ext>
+            </a:extLst>
+          </p:cNvPr>
+          <p:cNvSpPr txBox="1"/>
+          <p:nvPr/>
+        </p:nvSpPr>
+        <p:spPr>
+          <a:xfrm>
+            <a:off x="826661" y="1531725"/>
+            <a:ext cx="7315200" cy="4247317"/>
+          </a:xfrm>
+          <a:prstGeom prst="rect">
+            <a:avLst/>
+          </a:prstGeom>
+          <a:noFill/>
+        </p:spPr>
+        <p:txBody>
+          <a:bodyPr wrap="square" rtlCol="0">
+            <a:spAutoFit/>
+          </a:bodyPr>
+          <a:lstStyle/>
+          <a:p>
+            <a:r>
+              <a:rPr lang="it-IT" dirty="0"/>
+              <a:t>Sono dei metodi con lo stesso nome della classe e senza tipo di ritorno che vengono invocati automaticamente quando viene dichiarato (e quindi costruito) un oggetto.</a:t>
+            </a:r>
+          </a:p>
+          <a:p>
+            <a:endParaRPr lang="it-IT" dirty="0"/>
+          </a:p>
+          <a:p>
+            <a:r>
+              <a:rPr lang="it-IT" dirty="0"/>
+              <a:t>Ne esistono di vario tipo:</a:t>
+            </a:r>
+          </a:p>
+          <a:p>
+            <a:endParaRPr lang="it-IT" dirty="0"/>
+          </a:p>
+          <a:p>
+            <a:pPr marL="285750" indent="-285750">
+              <a:buFont typeface="Arial" panose="020B0604020202020204" pitchFamily="34" charset="0"/>
+              <a:buChar char="•"/>
+            </a:pPr>
+            <a:r>
+              <a:rPr lang="it-IT" b="1" dirty="0"/>
+              <a:t>Default</a:t>
+            </a:r>
+            <a:r>
+              <a:rPr lang="it-IT" dirty="0"/>
+              <a:t> (costruttore senza parametri)</a:t>
+            </a:r>
+          </a:p>
+          <a:p>
+            <a:pPr marL="285750" indent="-285750">
+              <a:buFont typeface="Arial" panose="020B0604020202020204" pitchFamily="34" charset="0"/>
+              <a:buChar char="•"/>
+            </a:pPr>
+            <a:endParaRPr lang="it-IT" dirty="0"/>
+          </a:p>
+          <a:p>
+            <a:pPr marL="285750" indent="-285750">
+              <a:buFont typeface="Arial" panose="020B0604020202020204" pitchFamily="34" charset="0"/>
+              <a:buChar char="•"/>
+            </a:pPr>
+            <a:endParaRPr lang="it-IT" dirty="0"/>
+          </a:p>
+          <a:p>
+            <a:pPr marL="285750" indent="-285750">
+              <a:buFont typeface="Arial" panose="020B0604020202020204" pitchFamily="34" charset="0"/>
+              <a:buChar char="•"/>
+            </a:pPr>
+            <a:endParaRPr lang="it-IT" dirty="0"/>
+          </a:p>
+          <a:p>
+            <a:pPr marL="285750" indent="-285750">
+              <a:buFont typeface="Arial" panose="020B0604020202020204" pitchFamily="34" charset="0"/>
+              <a:buChar char="•"/>
+            </a:pPr>
+            <a:endParaRPr lang="it-IT" dirty="0"/>
+          </a:p>
+          <a:p>
+            <a:endParaRPr lang="it-IT" dirty="0"/>
+          </a:p>
+          <a:p>
+            <a:pPr marL="285750" indent="-285750">
+              <a:buFont typeface="Arial" panose="020B0604020202020204" pitchFamily="34" charset="0"/>
+              <a:buChar char="•"/>
+            </a:pPr>
+            <a:endParaRPr lang="it-IT" dirty="0"/>
+          </a:p>
+          <a:p>
+            <a:pPr marL="285750" indent="-285750">
+              <a:buFont typeface="Arial" panose="020B0604020202020204" pitchFamily="34" charset="0"/>
+              <a:buChar char="•"/>
+            </a:pPr>
+            <a:r>
+              <a:rPr lang="it-IT" dirty="0"/>
+              <a:t>Se in una classe non viene dichiarato esplicitamente alcun costruttore, è automatica mente disponibile il cosiddetto </a:t>
+            </a:r>
+            <a:r>
+              <a:rPr lang="it-IT" b="1" dirty="0"/>
+              <a:t>costruttore standard</a:t>
+            </a:r>
+            <a:r>
+              <a:rPr lang="it-IT" dirty="0"/>
+              <a:t>. </a:t>
             </a:r>
           </a:p>
         </p:txBody>
       </p:sp>
       <p:pic>
         <p:nvPicPr>
-          <p:cNvPr id="3" name="Picture 2">
-            <a:extLst>
-              <a:ext uri="{FF2B5EF4-FFF2-40B4-BE49-F238E27FC236}">
-                <a16:creationId xmlns:a16="http://schemas.microsoft.com/office/drawing/2014/main" id="{F36E02E6-6F12-1A94-9EAD-D2680300AB97}"/>
+          <p:cNvPr id="10" name="Immagine 9">
+            <a:extLst>
+              <a:ext uri="{FF2B5EF4-FFF2-40B4-BE49-F238E27FC236}">
+                <a16:creationId xmlns:a16="http://schemas.microsoft.com/office/drawing/2014/main" id="{D4A69980-8F12-5BCF-06CB-4E9933EC2E69}"/>
               </a:ext>
             </a:extLst>
           </p:cNvPr>
           <p:cNvPicPr>
-            <a:picLocks noChangeAspect="1" noChangeArrowheads="1"/>
+            <a:picLocks noChangeAspect="1"/>
           </p:cNvPicPr>
           <p:nvPr/>
         </p:nvPicPr>
         <p:blipFill>
-          <a:blip r:embed="rId2">
-            <a:extLst>
-              <a:ext uri="{28A0092B-C50C-407E-A947-70E740481C1C}">
-                <a14:useLocalDpi xmlns:a14="http://schemas.microsoft.com/office/drawing/2010/main" val="0"/>
-              </a:ext>
-            </a:extLst>
-          </a:blip>
-          <a:srcRect/>
+          <a:blip r:embed="rId2"/>
           <a:stretch>
             <a:fillRect/>
           </a:stretch>
         </p:blipFill>
-        <p:spPr bwMode="auto">
-          <a:xfrm>
-            <a:off x="2923308" y="1882832"/>
-            <a:ext cx="3092335" cy="3092335"/>
-          </a:xfrm>
-          <a:prstGeom prst="rect">
-            <a:avLst/>
-          </a:prstGeom>
-          <a:noFill/>
-          <a:extLst>
-            <a:ext uri="{909E8E84-426E-40DD-AFC4-6F175D3DCCD1}">
-              <a14:hiddenFill xmlns:a14="http://schemas.microsoft.com/office/drawing/2010/main">
-                <a:solidFill>
-                  <a:srgbClr val="FFFFFF"/>
-                </a:solidFill>
-              </a14:hiddenFill>
-            </a:ext>
-          </a:extLst>
+        <p:spPr>
+          <a:xfrm>
+            <a:off x="1900071" y="3759475"/>
+            <a:ext cx="1633825" cy="1054638"/>
+          </a:xfrm>
+          <a:prstGeom prst="rect">
+            <a:avLst/>
+          </a:prstGeom>
         </p:spPr>
       </p:pic>
-      <p:sp>
-        <p:nvSpPr>
-          <p:cNvPr id="6" name="CasellaDiTesto 5">
-            <a:extLst>
-              <a:ext uri="{FF2B5EF4-FFF2-40B4-BE49-F238E27FC236}">
-                <a16:creationId xmlns:a16="http://schemas.microsoft.com/office/drawing/2014/main" id="{01B2C9AA-5A39-AE1A-1E0F-E55F9EFC9619}"/>
-              </a:ext>
-            </a:extLst>
-          </p:cNvPr>
-          <p:cNvSpPr txBox="1"/>
+      <p:pic>
+        <p:nvPicPr>
+          <p:cNvPr id="14" name="Immagine 13">
+            <a:extLst>
+              <a:ext uri="{FF2B5EF4-FFF2-40B4-BE49-F238E27FC236}">
+                <a16:creationId xmlns:a16="http://schemas.microsoft.com/office/drawing/2014/main" id="{3C8B602E-0B0F-9C70-2181-5F2E383A5F4B}"/>
+              </a:ext>
+            </a:extLst>
+          </p:cNvPr>
+          <p:cNvPicPr>
+            <a:picLocks noChangeAspect="1"/>
+          </p:cNvPicPr>
           <p:nvPr/>
-        </p:nvSpPr>
-        <p:spPr>
-          <a:xfrm>
-            <a:off x="3555980" y="5205222"/>
-            <a:ext cx="4399746" cy="369332"/>
-          </a:xfrm>
-          <a:prstGeom prst="rect">
-            <a:avLst/>
-          </a:prstGeom>
-          <a:noFill/>
-        </p:spPr>
-        <p:txBody>
-          <a:bodyPr wrap="square" rtlCol="0">
-            <a:spAutoFit/>
-          </a:bodyPr>
-          <a:lstStyle/>
-          <a:p>
-            <a:r>
-              <a:rPr lang="it-IT" dirty="0"/>
-              <a:t>Andiamo al codice…</a:t>
-            </a:r>
-          </a:p>
-        </p:txBody>
-      </p:sp>
+        </p:nvPicPr>
+        <p:blipFill>
+          <a:blip r:embed="rId3"/>
+          <a:stretch>
+            <a:fillRect/>
+          </a:stretch>
+        </p:blipFill>
+        <p:spPr>
+          <a:xfrm>
+            <a:off x="4445399" y="3668611"/>
+            <a:ext cx="2616107" cy="1303366"/>
+          </a:xfrm>
+          <a:prstGeom prst="rect">
+            <a:avLst/>
+          </a:prstGeom>
+        </p:spPr>
+      </p:pic>
     </p:spTree>
     <p:extLst>
       <p:ext uri="{BB962C8B-B14F-4D97-AF65-F5344CB8AC3E}">
-        <p14:creationId xmlns:p14="http://schemas.microsoft.com/office/powerpoint/2010/main" val="1832306644"/>
+        <p14:creationId xmlns:p14="http://schemas.microsoft.com/office/powerpoint/2010/main" val="2765833035"/>
       </p:ext>
     </p:extLst>
   </p:cSld>
@@ -7097,12 +8350,14 @@
         </p:nvSpPr>
         <p:spPr/>
         <p:txBody>
-          <a:bodyPr/>
-          <a:lstStyle/>
-          <a:p>
-            <a:r>
-              <a:rPr lang="it-IT" dirty="0"/>
-              <a:t>Costruttori</a:t>
+          <a:bodyPr>
+            <a:noAutofit/>
+          </a:bodyPr>
+          <a:lstStyle/>
+          <a:p>
+            <a:r>
+              <a:rPr lang="it-IT" sz="2800" dirty="0"/>
+              <a:t>Esempio utile: Costruttore di default legale</a:t>
             </a:r>
           </a:p>
         </p:txBody>
@@ -7135,196 +8390,97 @@
             </a:fld>
             <a:r>
               <a:rPr lang="en-US" dirty="0"/>
-              <a:t> of 32</a:t>
-            </a:r>
-          </a:p>
-        </p:txBody>
-      </p:sp>
-      <p:sp>
-        <p:nvSpPr>
-          <p:cNvPr id="5" name="CasellaDiTesto 4">
-            <a:extLst>
-              <a:ext uri="{FF2B5EF4-FFF2-40B4-BE49-F238E27FC236}">
-                <a16:creationId xmlns:a16="http://schemas.microsoft.com/office/drawing/2014/main" id="{71CF3303-6EC9-CDFB-DF05-BA3795CCB248}"/>
-              </a:ext>
-            </a:extLst>
-          </p:cNvPr>
-          <p:cNvSpPr txBox="1"/>
-          <p:nvPr/>
-        </p:nvSpPr>
-        <p:spPr>
-          <a:xfrm>
-            <a:off x="615142" y="1537855"/>
-            <a:ext cx="7315200" cy="3693319"/>
-          </a:xfrm>
-          <a:prstGeom prst="rect">
-            <a:avLst/>
-          </a:prstGeom>
-          <a:noFill/>
-        </p:spPr>
-        <p:txBody>
-          <a:bodyPr wrap="square" rtlCol="0">
-            <a:spAutoFit/>
-          </a:bodyPr>
-          <a:lstStyle/>
-          <a:p>
-            <a:r>
-              <a:rPr lang="it-IT" dirty="0"/>
-              <a:t>I costruttori possono essere utilizzati come:</a:t>
-            </a:r>
-          </a:p>
-          <a:p>
-            <a:endParaRPr lang="it-IT" dirty="0"/>
-          </a:p>
-          <a:p>
-            <a:pPr marL="285750" indent="-285750">
-              <a:buFont typeface="Arial" panose="020B0604020202020204" pitchFamily="34" charset="0"/>
-              <a:buChar char="•"/>
-            </a:pPr>
-            <a:r>
-              <a:rPr lang="it-IT" i="1" dirty="0"/>
-              <a:t>convertitori di tipo</a:t>
-            </a:r>
-          </a:p>
-          <a:p>
-            <a:pPr marL="285750" indent="-285750">
-              <a:buFont typeface="Arial" panose="020B0604020202020204" pitchFamily="34" charset="0"/>
-              <a:buChar char="•"/>
-            </a:pPr>
-            <a:endParaRPr lang="it-IT" dirty="0"/>
-          </a:p>
-          <a:p>
-            <a:pPr marL="285750" indent="-285750">
-              <a:buFont typeface="Arial" panose="020B0604020202020204" pitchFamily="34" charset="0"/>
-              <a:buChar char="•"/>
-            </a:pPr>
-            <a:endParaRPr lang="it-IT" dirty="0"/>
-          </a:p>
-          <a:p>
-            <a:pPr marL="285750" indent="-285750">
-              <a:buFont typeface="Arial" panose="020B0604020202020204" pitchFamily="34" charset="0"/>
-              <a:buChar char="•"/>
-            </a:pPr>
-            <a:endParaRPr lang="it-IT" dirty="0"/>
-          </a:p>
-          <a:p>
-            <a:pPr marL="285750" indent="-285750">
-              <a:buFont typeface="Arial" panose="020B0604020202020204" pitchFamily="34" charset="0"/>
-              <a:buChar char="•"/>
-            </a:pPr>
-            <a:endParaRPr lang="it-IT" dirty="0"/>
-          </a:p>
-          <a:p>
-            <a:pPr marL="285750" indent="-285750">
-              <a:buFont typeface="Arial" panose="020B0604020202020204" pitchFamily="34" charset="0"/>
-              <a:buChar char="•"/>
-            </a:pPr>
-            <a:endParaRPr lang="it-IT" dirty="0"/>
-          </a:p>
-          <a:p>
-            <a:pPr marL="285750" indent="-285750">
-              <a:buFont typeface="Arial" panose="020B0604020202020204" pitchFamily="34" charset="0"/>
-              <a:buChar char="•"/>
-            </a:pPr>
-            <a:endParaRPr lang="it-IT" dirty="0"/>
-          </a:p>
-          <a:p>
-            <a:pPr marL="285750" indent="-285750">
-              <a:buFont typeface="Arial" panose="020B0604020202020204" pitchFamily="34" charset="0"/>
-              <a:buChar char="•"/>
-            </a:pPr>
-            <a:r>
-              <a:rPr lang="it-IT" dirty="0"/>
-              <a:t>assegnare valori a seconda del numero di parametri (</a:t>
-            </a:r>
-            <a:r>
-              <a:rPr lang="it-IT" b="1" dirty="0"/>
-              <a:t>overloading</a:t>
-            </a:r>
-            <a:r>
-              <a:rPr lang="it-IT" dirty="0"/>
-              <a:t>)</a:t>
-            </a:r>
-          </a:p>
-          <a:p>
-            <a:pPr marL="285750" indent="-285750">
-              <a:buFont typeface="Arial" panose="020B0604020202020204" pitchFamily="34" charset="0"/>
-              <a:buChar char="•"/>
-            </a:pPr>
-            <a:endParaRPr lang="it-IT" dirty="0"/>
-          </a:p>
-          <a:p>
-            <a:endParaRPr lang="it-IT" dirty="0"/>
-          </a:p>
-          <a:p>
-            <a:endParaRPr lang="it-IT" dirty="0"/>
+              <a:t> di 35</a:t>
+            </a:r>
           </a:p>
         </p:txBody>
       </p:sp>
       <p:pic>
         <p:nvPicPr>
-          <p:cNvPr id="7" name="Immagine 6">
-            <a:extLst>
-              <a:ext uri="{FF2B5EF4-FFF2-40B4-BE49-F238E27FC236}">
-                <a16:creationId xmlns:a16="http://schemas.microsoft.com/office/drawing/2014/main" id="{2BD64A8D-37AF-1F5D-8DD0-B78E717026BD}"/>
+          <p:cNvPr id="3" name="Picture 2">
+            <a:extLst>
+              <a:ext uri="{FF2B5EF4-FFF2-40B4-BE49-F238E27FC236}">
+                <a16:creationId xmlns:a16="http://schemas.microsoft.com/office/drawing/2014/main" id="{F36E02E6-6F12-1A94-9EAD-D2680300AB97}"/>
               </a:ext>
             </a:extLst>
           </p:cNvPr>
           <p:cNvPicPr>
-            <a:picLocks noChangeAspect="1"/>
+            <a:picLocks noChangeAspect="1" noChangeArrowheads="1"/>
           </p:cNvPicPr>
           <p:nvPr/>
         </p:nvPicPr>
         <p:blipFill>
-          <a:blip r:embed="rId2"/>
+          <a:blip r:embed="rId2">
+            <a:extLst>
+              <a:ext uri="{28A0092B-C50C-407E-A947-70E740481C1C}">
+                <a14:useLocalDpi xmlns:a14="http://schemas.microsoft.com/office/drawing/2010/main" val="0"/>
+              </a:ext>
+            </a:extLst>
+          </a:blip>
+          <a:srcRect/>
           <a:stretch>
             <a:fillRect/>
           </a:stretch>
         </p:blipFill>
-        <p:spPr>
-          <a:xfrm>
-            <a:off x="3055651" y="2412626"/>
-            <a:ext cx="3032698" cy="1506752"/>
-          </a:xfrm>
-          <a:prstGeom prst="rect">
-            <a:avLst/>
-          </a:prstGeom>
+        <p:spPr bwMode="auto">
+          <a:xfrm>
+            <a:off x="2923308" y="1882832"/>
+            <a:ext cx="3092335" cy="3092335"/>
+          </a:xfrm>
+          <a:prstGeom prst="rect">
+            <a:avLst/>
+          </a:prstGeom>
+          <a:noFill/>
+          <a:extLst>
+            <a:ext uri="{909E8E84-426E-40DD-AFC4-6F175D3DCCD1}">
+              <a14:hiddenFill xmlns:a14="http://schemas.microsoft.com/office/drawing/2010/main">
+                <a:solidFill>
+                  <a:srgbClr val="FFFFFF"/>
+                </a:solidFill>
+              </a14:hiddenFill>
+            </a:ext>
+          </a:extLst>
         </p:spPr>
       </p:pic>
-      <p:pic>
-        <p:nvPicPr>
-          <p:cNvPr id="12" name="Immagine 11">
-            <a:extLst>
-              <a:ext uri="{FF2B5EF4-FFF2-40B4-BE49-F238E27FC236}">
-                <a16:creationId xmlns:a16="http://schemas.microsoft.com/office/drawing/2014/main" id="{C69836CC-7F98-66A4-6B5E-CBA6E3E8D3C3}"/>
-              </a:ext>
-            </a:extLst>
-          </p:cNvPr>
-          <p:cNvPicPr>
-            <a:picLocks noChangeAspect="1"/>
-          </p:cNvPicPr>
+      <p:sp>
+        <p:nvSpPr>
+          <p:cNvPr id="6" name="CasellaDiTesto 5">
+            <a:extLst>
+              <a:ext uri="{FF2B5EF4-FFF2-40B4-BE49-F238E27FC236}">
+                <a16:creationId xmlns:a16="http://schemas.microsoft.com/office/drawing/2014/main" id="{01B2C9AA-5A39-AE1A-1E0F-E55F9EFC9619}"/>
+              </a:ext>
+            </a:extLst>
+          </p:cNvPr>
+          <p:cNvSpPr txBox="1"/>
           <p:nvPr/>
-        </p:nvPicPr>
-        <p:blipFill>
-          <a:blip r:embed="rId3"/>
-          <a:stretch>
-            <a:fillRect/>
-          </a:stretch>
-        </p:blipFill>
-        <p:spPr>
-          <a:xfrm>
-            <a:off x="3291036" y="4462061"/>
-            <a:ext cx="2561927" cy="1209230"/>
-          </a:xfrm>
-          <a:prstGeom prst="rect">
-            <a:avLst/>
-          </a:prstGeom>
-        </p:spPr>
-      </p:pic>
+        </p:nvSpPr>
+        <p:spPr>
+          <a:xfrm>
+            <a:off x="3555980" y="5205222"/>
+            <a:ext cx="4399746" cy="369332"/>
+          </a:xfrm>
+          <a:prstGeom prst="rect">
+            <a:avLst/>
+          </a:prstGeom>
+          <a:noFill/>
+        </p:spPr>
+        <p:txBody>
+          <a:bodyPr wrap="square" rtlCol="0">
+            <a:spAutoFit/>
+          </a:bodyPr>
+          <a:lstStyle/>
+          <a:p>
+            <a:r>
+              <a:rPr lang="it-IT" dirty="0"/>
+              <a:t>Andiamo al codice…</a:t>
+            </a:r>
+          </a:p>
+        </p:txBody>
+      </p:sp>
     </p:spTree>
     <p:extLst>
       <p:ext uri="{BB962C8B-B14F-4D97-AF65-F5344CB8AC3E}">
-        <p14:creationId xmlns:p14="http://schemas.microsoft.com/office/powerpoint/2010/main" val="1688503499"/>
+        <p14:creationId xmlns:p14="http://schemas.microsoft.com/office/powerpoint/2010/main" val="1832306644"/>
       </p:ext>
     </p:extLst>
   </p:cSld>
@@ -7407,7 +8563,7 @@
             </a:fld>
             <a:r>
               <a:rPr lang="en-US" dirty="0"/>
-              <a:t> of 32</a:t>
+              <a:t> di 35</a:t>
             </a:r>
           </a:p>
         </p:txBody>
@@ -7427,7 +8583,7 @@
         <p:spPr>
           <a:xfrm>
             <a:off x="615142" y="1537855"/>
-            <a:ext cx="7315200" cy="1200329"/>
+            <a:ext cx="7315200" cy="3693319"/>
           </a:xfrm>
           <a:prstGeom prst="rect">
             <a:avLst/>
@@ -7442,87 +8598,91 @@
           <a:p>
             <a:r>
               <a:rPr lang="it-IT" dirty="0"/>
-              <a:t>La creazione di oggetti può essere statica e prevedere la creazione di un cosiddetto </a:t>
-            </a:r>
-            <a:r>
-              <a:rPr lang="it-IT" u="sng" dirty="0"/>
-              <a:t>oggetto anonimo</a:t>
-            </a:r>
+              <a:t>I costruttori possono essere utilizzati come:</a:t>
+            </a:r>
+          </a:p>
+          <a:p>
+            <a:endParaRPr lang="it-IT" dirty="0"/>
+          </a:p>
+          <a:p>
+            <a:pPr marL="285750" indent="-285750">
+              <a:buFont typeface="Arial" panose="020B0604020202020204" pitchFamily="34" charset="0"/>
+              <a:buChar char="•"/>
+            </a:pPr>
             <a:r>
               <a:rPr lang="it-IT" i="1" dirty="0"/>
-              <a:t>, </a:t>
-            </a:r>
-            <a:r>
-              <a:rPr lang="it-IT" dirty="0"/>
-              <a:t>creato solo per assegnarlo ad un oggetto specifico</a:t>
-            </a:r>
-          </a:p>
-          <a:p>
-            <a:endParaRPr lang="it-IT" dirty="0"/>
-          </a:p>
-        </p:txBody>
-      </p:sp>
-      <p:sp>
-        <p:nvSpPr>
-          <p:cNvPr id="8" name="CasellaDiTesto 7">
-            <a:extLst>
-              <a:ext uri="{FF2B5EF4-FFF2-40B4-BE49-F238E27FC236}">
-                <a16:creationId xmlns:a16="http://schemas.microsoft.com/office/drawing/2014/main" id="{97950B39-F4C1-43A3-C332-6B577ADC08C2}"/>
-              </a:ext>
-            </a:extLst>
-          </p:cNvPr>
-          <p:cNvSpPr txBox="1"/>
-          <p:nvPr/>
-        </p:nvSpPr>
-        <p:spPr>
-          <a:xfrm>
-            <a:off x="640526" y="3209836"/>
-            <a:ext cx="7315200" cy="2585323"/>
-          </a:xfrm>
-          <a:prstGeom prst="rect">
-            <a:avLst/>
-          </a:prstGeom>
-          <a:noFill/>
-        </p:spPr>
-        <p:txBody>
-          <a:bodyPr wrap="square" rtlCol="0">
-            <a:spAutoFit/>
-          </a:bodyPr>
-          <a:lstStyle/>
-          <a:p>
-            <a:r>
-              <a:rPr lang="it-IT" dirty="0"/>
-              <a:t>Può altrimenti essere dinamica, tramite l’operatore </a:t>
+              <a:t>convertitori di tipo</a:t>
+            </a:r>
+          </a:p>
+          <a:p>
+            <a:pPr marL="285750" indent="-285750">
+              <a:buFont typeface="Arial" panose="020B0604020202020204" pitchFamily="34" charset="0"/>
+              <a:buChar char="•"/>
+            </a:pPr>
+            <a:endParaRPr lang="it-IT" dirty="0"/>
+          </a:p>
+          <a:p>
+            <a:pPr marL="285750" indent="-285750">
+              <a:buFont typeface="Arial" panose="020B0604020202020204" pitchFamily="34" charset="0"/>
+              <a:buChar char="•"/>
+            </a:pPr>
+            <a:endParaRPr lang="it-IT" dirty="0"/>
+          </a:p>
+          <a:p>
+            <a:pPr marL="285750" indent="-285750">
+              <a:buFont typeface="Arial" panose="020B0604020202020204" pitchFamily="34" charset="0"/>
+              <a:buChar char="•"/>
+            </a:pPr>
+            <a:endParaRPr lang="it-IT" dirty="0"/>
+          </a:p>
+          <a:p>
+            <a:pPr marL="285750" indent="-285750">
+              <a:buFont typeface="Arial" panose="020B0604020202020204" pitchFamily="34" charset="0"/>
+              <a:buChar char="•"/>
+            </a:pPr>
+            <a:endParaRPr lang="it-IT" dirty="0"/>
+          </a:p>
+          <a:p>
+            <a:pPr marL="285750" indent="-285750">
+              <a:buFont typeface="Arial" panose="020B0604020202020204" pitchFamily="34" charset="0"/>
+              <a:buChar char="•"/>
+            </a:pPr>
+            <a:endParaRPr lang="it-IT" dirty="0"/>
+          </a:p>
+          <a:p>
+            <a:pPr marL="285750" indent="-285750">
+              <a:buFont typeface="Arial" panose="020B0604020202020204" pitchFamily="34" charset="0"/>
+              <a:buChar char="•"/>
+            </a:pPr>
+            <a:endParaRPr lang="it-IT" dirty="0"/>
+          </a:p>
+          <a:p>
+            <a:pPr marL="285750" indent="-285750">
+              <a:buFont typeface="Arial" panose="020B0604020202020204" pitchFamily="34" charset="0"/>
+              <a:buChar char="•"/>
+            </a:pPr>
+            <a:r>
+              <a:rPr lang="it-IT" dirty="0"/>
+              <a:t>assegnare valori a seconda del numero di parametri (</a:t>
             </a:r>
             <a:r>
               <a:rPr lang="it-IT" b="1" dirty="0"/>
-              <a:t>new</a:t>
-            </a:r>
-            <a:r>
-              <a:rPr lang="it-IT" i="1" dirty="0"/>
-              <a:t>.</a:t>
-            </a:r>
-          </a:p>
-          <a:p>
-            <a:endParaRPr lang="it-IT" i="1" dirty="0"/>
-          </a:p>
-          <a:p>
-            <a:endParaRPr lang="it-IT" i="1" dirty="0"/>
-          </a:p>
-          <a:p>
-            <a:endParaRPr lang="it-IT" i="1" dirty="0"/>
-          </a:p>
-          <a:p>
-            <a:endParaRPr lang="it-IT" i="1" dirty="0"/>
-          </a:p>
-          <a:p>
-            <a:endParaRPr lang="it-IT" i="1" dirty="0"/>
-          </a:p>
-          <a:p>
-            <a:endParaRPr lang="it-IT" i="1" dirty="0"/>
-          </a:p>
-          <a:p>
-            <a:endParaRPr lang="it-IT" i="1" dirty="0"/>
+              <a:t>overloading</a:t>
+            </a:r>
+            <a:r>
+              <a:rPr lang="it-IT" dirty="0"/>
+              <a:t>)</a:t>
+            </a:r>
+          </a:p>
+          <a:p>
+            <a:pPr marL="285750" indent="-285750">
+              <a:buFont typeface="Arial" panose="020B0604020202020204" pitchFamily="34" charset="0"/>
+              <a:buChar char="•"/>
+            </a:pPr>
+            <a:endParaRPr lang="it-IT" dirty="0"/>
+          </a:p>
+          <a:p>
+            <a:endParaRPr lang="it-IT" dirty="0"/>
           </a:p>
           <a:p>
             <a:endParaRPr lang="it-IT" dirty="0"/>
@@ -7531,10 +8691,10 @@
       </p:sp>
       <p:pic>
         <p:nvPicPr>
-          <p:cNvPr id="6" name="Immagine 5">
-            <a:extLst>
-              <a:ext uri="{FF2B5EF4-FFF2-40B4-BE49-F238E27FC236}">
-                <a16:creationId xmlns:a16="http://schemas.microsoft.com/office/drawing/2014/main" id="{421EC983-F5A0-5F7A-CEC8-BE88DBD4828D}"/>
+          <p:cNvPr id="7" name="Immagine 6">
+            <a:extLst>
+              <a:ext uri="{FF2B5EF4-FFF2-40B4-BE49-F238E27FC236}">
+                <a16:creationId xmlns:a16="http://schemas.microsoft.com/office/drawing/2014/main" id="{2BD64A8D-37AF-1F5D-8DD0-B78E717026BD}"/>
               </a:ext>
             </a:extLst>
           </p:cNvPr>
@@ -7551,8 +8711,8 @@
         </p:blipFill>
         <p:spPr>
           <a:xfrm>
-            <a:off x="3350336" y="2285334"/>
-            <a:ext cx="2443327" cy="924502"/>
+            <a:off x="3055651" y="2412626"/>
+            <a:ext cx="3032698" cy="1506752"/>
           </a:xfrm>
           <a:prstGeom prst="rect">
             <a:avLst/>
@@ -7561,10 +8721,10 @@
       </p:pic>
       <p:pic>
         <p:nvPicPr>
-          <p:cNvPr id="10" name="Immagine 9">
-            <a:extLst>
-              <a:ext uri="{FF2B5EF4-FFF2-40B4-BE49-F238E27FC236}">
-                <a16:creationId xmlns:a16="http://schemas.microsoft.com/office/drawing/2014/main" id="{514E2FA0-71CB-5FE6-268D-C698D3D32247}"/>
+          <p:cNvPr id="12" name="Immagine 11">
+            <a:extLst>
+              <a:ext uri="{FF2B5EF4-FFF2-40B4-BE49-F238E27FC236}">
+                <a16:creationId xmlns:a16="http://schemas.microsoft.com/office/drawing/2014/main" id="{C69836CC-7F98-66A4-6B5E-CBA6E3E8D3C3}"/>
               </a:ext>
             </a:extLst>
           </p:cNvPr>
@@ -7581,8 +8741,8 @@
         </p:blipFill>
         <p:spPr>
           <a:xfrm>
-            <a:off x="2377959" y="3641770"/>
-            <a:ext cx="4683548" cy="1810271"/>
+            <a:off x="3291036" y="4462061"/>
+            <a:ext cx="2561927" cy="1209230"/>
           </a:xfrm>
           <a:prstGeom prst="rect">
             <a:avLst/>
@@ -7592,7 +8752,7 @@
     </p:spTree>
     <p:extLst>
       <p:ext uri="{BB962C8B-B14F-4D97-AF65-F5344CB8AC3E}">
-        <p14:creationId xmlns:p14="http://schemas.microsoft.com/office/powerpoint/2010/main" val="1332099971"/>
+        <p14:creationId xmlns:p14="http://schemas.microsoft.com/office/powerpoint/2010/main" val="1688503499"/>
       </p:ext>
     </p:extLst>
   </p:cSld>

--- a/UniPD/P2 - Semestre 1/25-10/Tutorato 1.pptx
+++ b/UniPD/P2 - Semestre 1/25-10/Tutorato 1.pptx
@@ -31,18 +31,18 @@
     <p:sldId id="296" r:id="rId22"/>
     <p:sldId id="276" r:id="rId23"/>
     <p:sldId id="285" r:id="rId24"/>
-    <p:sldId id="278" r:id="rId25"/>
-    <p:sldId id="290" r:id="rId26"/>
-    <p:sldId id="293" r:id="rId27"/>
-    <p:sldId id="299" r:id="rId28"/>
-    <p:sldId id="301" r:id="rId29"/>
-    <p:sldId id="267" r:id="rId30"/>
-    <p:sldId id="275" r:id="rId31"/>
-    <p:sldId id="269" r:id="rId32"/>
-    <p:sldId id="273" r:id="rId33"/>
-    <p:sldId id="291" r:id="rId34"/>
-    <p:sldId id="294" r:id="rId35"/>
-    <p:sldId id="292" r:id="rId36"/>
+    <p:sldId id="303" r:id="rId25"/>
+    <p:sldId id="278" r:id="rId26"/>
+    <p:sldId id="290" r:id="rId27"/>
+    <p:sldId id="293" r:id="rId28"/>
+    <p:sldId id="299" r:id="rId29"/>
+    <p:sldId id="301" r:id="rId30"/>
+    <p:sldId id="267" r:id="rId31"/>
+    <p:sldId id="275" r:id="rId32"/>
+    <p:sldId id="269" r:id="rId33"/>
+    <p:sldId id="273" r:id="rId34"/>
+    <p:sldId id="291" r:id="rId35"/>
+    <p:sldId id="294" r:id="rId36"/>
     <p:sldId id="302" r:id="rId37"/>
   </p:sldIdLst>
   <p:sldSz cx="9144000" cy="6858000" type="screen4x3"/>
@@ -232,7 +232,7 @@
           <a:p>
             <a:fld id="{0E4AAC6D-2322-45B9-8ECA-34DF280B0776}" type="datetimeFigureOut">
               <a:rPr lang="en-US" smtClean="0"/>
-              <a:t>10/24/2023</a:t>
+              <a:t>10/25/2023</a:t>
             </a:fld>
             <a:endParaRPr lang="en-US"/>
           </a:p>
@@ -4811,13 +4811,13 @@
         <p:spPr/>
         <p:txBody>
           <a:bodyPr>
-            <a:normAutofit fontScale="90000"/>
+            <a:noAutofit/>
           </a:bodyPr>
           <a:lstStyle/>
           <a:p>
             <a:r>
-              <a:rPr lang="it-IT" dirty="0"/>
-              <a:t>Ottimizzazione del compilatore</a:t>
+              <a:rPr lang="it-IT" sz="3600" dirty="0"/>
+              <a:t>Differenza tra copia e assegnazione</a:t>
             </a:r>
           </a:p>
         </p:txBody>
@@ -4855,92 +4855,12 @@
           </a:p>
         </p:txBody>
       </p:sp>
-      <p:sp>
-        <p:nvSpPr>
-          <p:cNvPr id="3" name="CasellaDiTesto 2">
-            <a:extLst>
-              <a:ext uri="{FF2B5EF4-FFF2-40B4-BE49-F238E27FC236}">
-                <a16:creationId xmlns:a16="http://schemas.microsoft.com/office/drawing/2014/main" id="{6BF61A20-403F-2E80-D5FA-072071836244}"/>
-              </a:ext>
-            </a:extLst>
-          </p:cNvPr>
-          <p:cNvSpPr txBox="1"/>
-          <p:nvPr/>
-        </p:nvSpPr>
-        <p:spPr>
-          <a:xfrm>
-            <a:off x="2456688" y="1402346"/>
-            <a:ext cx="3913632" cy="646331"/>
-          </a:xfrm>
-          <a:prstGeom prst="rect">
-            <a:avLst/>
-          </a:prstGeom>
-          <a:noFill/>
-        </p:spPr>
-        <p:txBody>
-          <a:bodyPr wrap="square" rtlCol="0">
-            <a:spAutoFit/>
-          </a:bodyPr>
-          <a:lstStyle/>
-          <a:p>
-            <a:r>
-              <a:rPr lang="it-IT" i="1" dirty="0">
-                <a:latin typeface="Consolas" panose="020B0609020204030204" pitchFamily="49" charset="0"/>
-              </a:rPr>
-              <a:t>g++ -fno-elide-constructors</a:t>
-            </a:r>
-            <a:endParaRPr lang="it-IT" i="1" dirty="0"/>
-          </a:p>
-          <a:p>
-            <a:pPr marL="285750" indent="-285750">
-              <a:buFont typeface="Arial" panose="020B0604020202020204" pitchFamily="34" charset="0"/>
-              <a:buChar char="•"/>
-            </a:pPr>
-            <a:endParaRPr lang="it-IT" dirty="0"/>
-          </a:p>
-        </p:txBody>
-      </p:sp>
-      <p:sp>
-        <p:nvSpPr>
-          <p:cNvPr id="6" name="CasellaDiTesto 5">
-            <a:extLst>
-              <a:ext uri="{FF2B5EF4-FFF2-40B4-BE49-F238E27FC236}">
-                <a16:creationId xmlns:a16="http://schemas.microsoft.com/office/drawing/2014/main" id="{F5B84F5E-DD35-27D6-D2B3-0E25058CC1BC}"/>
-              </a:ext>
-            </a:extLst>
-          </p:cNvPr>
-          <p:cNvSpPr txBox="1"/>
-          <p:nvPr/>
-        </p:nvSpPr>
-        <p:spPr>
-          <a:xfrm>
-            <a:off x="761999" y="1930947"/>
-            <a:ext cx="7620000" cy="923330"/>
-          </a:xfrm>
-          <a:prstGeom prst="rect">
-            <a:avLst/>
-          </a:prstGeom>
-          <a:noFill/>
-        </p:spPr>
-        <p:txBody>
-          <a:bodyPr wrap="square" rtlCol="0">
-            <a:spAutoFit/>
-          </a:bodyPr>
-          <a:lstStyle/>
-          <a:p>
-            <a:r>
-              <a:rPr lang="it-IT" dirty="0"/>
-              <a:t>Evita la creazione di un oggetto temporaneo inutile per costruire oggetti dello stesso tipo; a fini didattici spesso non consideriamo questa (e lo usiamo nelle stampe per vedere «tutto» quello che avviene in memoria)</a:t>
-            </a:r>
-          </a:p>
-        </p:txBody>
-      </p:sp>
       <p:pic>
         <p:nvPicPr>
-          <p:cNvPr id="7" name="Immagine 6">
-            <a:extLst>
-              <a:ext uri="{FF2B5EF4-FFF2-40B4-BE49-F238E27FC236}">
-                <a16:creationId xmlns:a16="http://schemas.microsoft.com/office/drawing/2014/main" id="{7342C12D-26EE-481B-9907-05DE9AC973EF}"/>
+          <p:cNvPr id="5" name="Immagine 4">
+            <a:extLst>
+              <a:ext uri="{FF2B5EF4-FFF2-40B4-BE49-F238E27FC236}">
+                <a16:creationId xmlns:a16="http://schemas.microsoft.com/office/drawing/2014/main" id="{23BE7C22-258E-3E50-B895-6D4EE51FF4CF}"/>
               </a:ext>
             </a:extLst>
           </p:cNvPr>
@@ -4957,18 +4877,83 @@
         </p:blipFill>
         <p:spPr>
           <a:xfrm>
-            <a:off x="1838539" y="3116410"/>
-            <a:ext cx="5466921" cy="2772325"/>
+            <a:off x="1190550" y="2708369"/>
+            <a:ext cx="6762900" cy="3534974"/>
           </a:xfrm>
           <a:prstGeom prst="rect">
             <a:avLst/>
           </a:prstGeom>
         </p:spPr>
       </p:pic>
+      <p:sp>
+        <p:nvSpPr>
+          <p:cNvPr id="7" name="CasellaDiTesto 6">
+            <a:extLst>
+              <a:ext uri="{FF2B5EF4-FFF2-40B4-BE49-F238E27FC236}">
+                <a16:creationId xmlns:a16="http://schemas.microsoft.com/office/drawing/2014/main" id="{8F516144-0667-4B43-BC72-3725DE1849BB}"/>
+              </a:ext>
+            </a:extLst>
+          </p:cNvPr>
+          <p:cNvSpPr txBox="1"/>
+          <p:nvPr/>
+        </p:nvSpPr>
+        <p:spPr>
+          <a:xfrm>
+            <a:off x="618225" y="1177369"/>
+            <a:ext cx="7769737" cy="1477328"/>
+          </a:xfrm>
+          <a:prstGeom prst="rect">
+            <a:avLst/>
+          </a:prstGeom>
+          <a:noFill/>
+        </p:spPr>
+        <p:txBody>
+          <a:bodyPr wrap="square" rtlCol="0">
+            <a:spAutoFit/>
+          </a:bodyPr>
+          <a:lstStyle/>
+          <a:p>
+            <a:pPr marL="285750" indent="-285750">
+              <a:buFont typeface="Arial" panose="020B0604020202020204" pitchFamily="34" charset="0"/>
+              <a:buChar char="•"/>
+            </a:pPr>
+            <a:r>
+              <a:rPr lang="it-IT" dirty="0"/>
+              <a:t>Costruttore di copia: (copia) uno spazio di memoria della stessa classe per un oggetto </a:t>
+            </a:r>
+            <a:r>
+              <a:rPr lang="it-IT" b="1" dirty="0"/>
+              <a:t>che non esiste già</a:t>
+            </a:r>
+            <a:endParaRPr lang="it-IT" dirty="0"/>
+          </a:p>
+          <a:p>
+            <a:endParaRPr lang="it-IT" dirty="0"/>
+          </a:p>
+          <a:p>
+            <a:pPr marL="285750" indent="-285750">
+              <a:buFont typeface="Arial" panose="020B0604020202020204" pitchFamily="34" charset="0"/>
+              <a:buChar char="•"/>
+            </a:pPr>
+            <a:r>
+              <a:rPr lang="it-IT" dirty="0"/>
+              <a:t>Operatore di assegnazione: (assegna) uno spazio di memoria per due oggetti </a:t>
+            </a:r>
+            <a:r>
+              <a:rPr lang="it-IT" b="1" dirty="0"/>
+              <a:t>già esistenti</a:t>
+            </a:r>
+            <a:r>
+              <a:rPr lang="it-IT" dirty="0"/>
+              <a:t> della stessa classe</a:t>
+            </a:r>
+          </a:p>
+        </p:txBody>
+      </p:sp>
     </p:spTree>
     <p:extLst>
       <p:ext uri="{BB962C8B-B14F-4D97-AF65-F5344CB8AC3E}">
-        <p14:creationId xmlns:p14="http://schemas.microsoft.com/office/powerpoint/2010/main" val="2319117001"/>
+        <p14:creationId xmlns:p14="http://schemas.microsoft.com/office/powerpoint/2010/main" val="3119471848"/>
       </p:ext>
     </p:extLst>
   </p:cSld>
@@ -5000,7 +4985,7 @@
           <p:cNvPr id="2" name="Titolo 1">
             <a:extLst>
               <a:ext uri="{FF2B5EF4-FFF2-40B4-BE49-F238E27FC236}">
-                <a16:creationId xmlns:a16="http://schemas.microsoft.com/office/drawing/2014/main" id="{7E094D2C-2C58-27DB-8836-62C5F689C9C6}"/>
+                <a16:creationId xmlns:a16="http://schemas.microsoft.com/office/drawing/2014/main" id="{A1C33B46-A1F8-111B-8108-D696C1BBCC68}"/>
               </a:ext>
             </a:extLst>
           </p:cNvPr>
@@ -5013,12 +4998,14 @@
         </p:nvSpPr>
         <p:spPr/>
         <p:txBody>
-          <a:bodyPr/>
-          <a:lstStyle/>
-          <a:p>
-            <a:r>
-              <a:rPr lang="it-IT" dirty="0"/>
-              <a:t>Esempio 2: Cosa stampa (3)</a:t>
+          <a:bodyPr>
+            <a:normAutofit fontScale="90000"/>
+          </a:bodyPr>
+          <a:lstStyle/>
+          <a:p>
+            <a:r>
+              <a:rPr lang="it-IT" dirty="0"/>
+              <a:t>Ottimizzazione del compilatore</a:t>
             </a:r>
           </a:p>
         </p:txBody>
@@ -5028,7 +5015,7 @@
           <p:cNvPr id="4" name="Segnaposto numero diapositiva 3">
             <a:extLst>
               <a:ext uri="{FF2B5EF4-FFF2-40B4-BE49-F238E27FC236}">
-                <a16:creationId xmlns:a16="http://schemas.microsoft.com/office/drawing/2014/main" id="{8FC0F31B-BCEA-FE98-0DBD-53D618ED76C0}"/>
+                <a16:creationId xmlns:a16="http://schemas.microsoft.com/office/drawing/2014/main" id="{30F37182-85E1-1CBA-A05A-CCEC4E40C29C}"/>
               </a:ext>
             </a:extLst>
           </p:cNvPr>
@@ -5056,12 +5043,92 @@
           </a:p>
         </p:txBody>
       </p:sp>
+      <p:sp>
+        <p:nvSpPr>
+          <p:cNvPr id="3" name="CasellaDiTesto 2">
+            <a:extLst>
+              <a:ext uri="{FF2B5EF4-FFF2-40B4-BE49-F238E27FC236}">
+                <a16:creationId xmlns:a16="http://schemas.microsoft.com/office/drawing/2014/main" id="{6BF61A20-403F-2E80-D5FA-072071836244}"/>
+              </a:ext>
+            </a:extLst>
+          </p:cNvPr>
+          <p:cNvSpPr txBox="1"/>
+          <p:nvPr/>
+        </p:nvSpPr>
+        <p:spPr>
+          <a:xfrm>
+            <a:off x="2456688" y="1402346"/>
+            <a:ext cx="3913632" cy="646331"/>
+          </a:xfrm>
+          <a:prstGeom prst="rect">
+            <a:avLst/>
+          </a:prstGeom>
+          <a:noFill/>
+        </p:spPr>
+        <p:txBody>
+          <a:bodyPr wrap="square" rtlCol="0">
+            <a:spAutoFit/>
+          </a:bodyPr>
+          <a:lstStyle/>
+          <a:p>
+            <a:r>
+              <a:rPr lang="it-IT" i="1" dirty="0">
+                <a:latin typeface="Consolas" panose="020B0609020204030204" pitchFamily="49" charset="0"/>
+              </a:rPr>
+              <a:t>g++ -fno-elide-constructors</a:t>
+            </a:r>
+            <a:endParaRPr lang="it-IT" i="1" dirty="0"/>
+          </a:p>
+          <a:p>
+            <a:pPr marL="285750" indent="-285750">
+              <a:buFont typeface="Arial" panose="020B0604020202020204" pitchFamily="34" charset="0"/>
+              <a:buChar char="•"/>
+            </a:pPr>
+            <a:endParaRPr lang="it-IT" dirty="0"/>
+          </a:p>
+        </p:txBody>
+      </p:sp>
+      <p:sp>
+        <p:nvSpPr>
+          <p:cNvPr id="6" name="CasellaDiTesto 5">
+            <a:extLst>
+              <a:ext uri="{FF2B5EF4-FFF2-40B4-BE49-F238E27FC236}">
+                <a16:creationId xmlns:a16="http://schemas.microsoft.com/office/drawing/2014/main" id="{F5B84F5E-DD35-27D6-D2B3-0E25058CC1BC}"/>
+              </a:ext>
+            </a:extLst>
+          </p:cNvPr>
+          <p:cNvSpPr txBox="1"/>
+          <p:nvPr/>
+        </p:nvSpPr>
+        <p:spPr>
+          <a:xfrm>
+            <a:off x="761999" y="1930947"/>
+            <a:ext cx="7620000" cy="923330"/>
+          </a:xfrm>
+          <a:prstGeom prst="rect">
+            <a:avLst/>
+          </a:prstGeom>
+          <a:noFill/>
+        </p:spPr>
+        <p:txBody>
+          <a:bodyPr wrap="square" rtlCol="0">
+            <a:spAutoFit/>
+          </a:bodyPr>
+          <a:lstStyle/>
+          <a:p>
+            <a:r>
+              <a:rPr lang="it-IT" dirty="0"/>
+              <a:t>Evita la creazione di un oggetto temporaneo inutile per costruire oggetti dello stesso tipo; a fini didattici spesso non consideriamo questa (e lo usiamo nelle stampe per vedere «tutto» quello che avviene in memoria)</a:t>
+            </a:r>
+          </a:p>
+        </p:txBody>
+      </p:sp>
       <p:pic>
         <p:nvPicPr>
-          <p:cNvPr id="6" name="Immagine 5">
-            <a:extLst>
-              <a:ext uri="{FF2B5EF4-FFF2-40B4-BE49-F238E27FC236}">
-                <a16:creationId xmlns:a16="http://schemas.microsoft.com/office/drawing/2014/main" id="{64FD58DB-5C4B-44EC-7A30-4B0DCEBC10B9}"/>
+          <p:cNvPr id="7" name="Immagine 6">
+            <a:extLst>
+              <a:ext uri="{FF2B5EF4-FFF2-40B4-BE49-F238E27FC236}">
+                <a16:creationId xmlns:a16="http://schemas.microsoft.com/office/drawing/2014/main" id="{7342C12D-26EE-481B-9907-05DE9AC973EF}"/>
               </a:ext>
             </a:extLst>
           </p:cNvPr>
@@ -5078,8 +5145,8 @@
         </p:blipFill>
         <p:spPr>
           <a:xfrm>
-            <a:off x="2390523" y="1850006"/>
-            <a:ext cx="4614078" cy="3567492"/>
+            <a:off x="1838539" y="3116410"/>
+            <a:ext cx="5466921" cy="2772325"/>
           </a:xfrm>
           <a:prstGeom prst="rect">
             <a:avLst/>
@@ -5089,7 +5156,7 @@
     </p:spTree>
     <p:extLst>
       <p:ext uri="{BB962C8B-B14F-4D97-AF65-F5344CB8AC3E}">
-        <p14:creationId xmlns:p14="http://schemas.microsoft.com/office/powerpoint/2010/main" val="2514840377"/>
+        <p14:creationId xmlns:p14="http://schemas.microsoft.com/office/powerpoint/2010/main" val="2319117001"/>
       </p:ext>
     </p:extLst>
   </p:cSld>
@@ -5139,7 +5206,7 @@
           <a:p>
             <a:r>
               <a:rPr lang="it-IT" dirty="0"/>
-              <a:t>Esempio 2: Soluzione</a:t>
+              <a:t>Esempio 2: Cosa stampa (3)</a:t>
             </a:r>
           </a:p>
         </p:txBody>
@@ -5182,7 +5249,7 @@
           <p:cNvPr id="6" name="Immagine 5">
             <a:extLst>
               <a:ext uri="{FF2B5EF4-FFF2-40B4-BE49-F238E27FC236}">
-                <a16:creationId xmlns:a16="http://schemas.microsoft.com/office/drawing/2014/main" id="{CB36E31E-FF45-45BD-D4D9-31A3AFBD1E62}"/>
+                <a16:creationId xmlns:a16="http://schemas.microsoft.com/office/drawing/2014/main" id="{64FD58DB-5C4B-44EC-7A30-4B0DCEBC10B9}"/>
               </a:ext>
             </a:extLst>
           </p:cNvPr>
@@ -5199,8 +5266,8 @@
         </p:blipFill>
         <p:spPr>
           <a:xfrm>
-            <a:off x="1066496" y="1468168"/>
-            <a:ext cx="7011008" cy="4404742"/>
+            <a:off x="2390523" y="1850006"/>
+            <a:ext cx="4614078" cy="3567492"/>
           </a:xfrm>
           <a:prstGeom prst="rect">
             <a:avLst/>
@@ -5210,7 +5277,7 @@
     </p:spTree>
     <p:extLst>
       <p:ext uri="{BB962C8B-B14F-4D97-AF65-F5344CB8AC3E}">
-        <p14:creationId xmlns:p14="http://schemas.microsoft.com/office/powerpoint/2010/main" val="3390164786"/>
+        <p14:creationId xmlns:p14="http://schemas.microsoft.com/office/powerpoint/2010/main" val="2514840377"/>
       </p:ext>
     </p:extLst>
   </p:cSld>
@@ -5260,7 +5327,7 @@
           <a:p>
             <a:r>
               <a:rPr lang="it-IT" dirty="0"/>
-              <a:t>Esercizio 3: Cosa stampa (4)</a:t>
+              <a:t>Esempio 2: Soluzione</a:t>
             </a:r>
           </a:p>
         </p:txBody>
@@ -5303,7 +5370,7 @@
           <p:cNvPr id="6" name="Immagine 5">
             <a:extLst>
               <a:ext uri="{FF2B5EF4-FFF2-40B4-BE49-F238E27FC236}">
-                <a16:creationId xmlns:a16="http://schemas.microsoft.com/office/drawing/2014/main" id="{9F236BD9-3F80-83CA-ECA2-6C8BCAC7C9A2}"/>
+                <a16:creationId xmlns:a16="http://schemas.microsoft.com/office/drawing/2014/main" id="{CB36E31E-FF45-45BD-D4D9-31A3AFBD1E62}"/>
               </a:ext>
             </a:extLst>
           </p:cNvPr>
@@ -5320,38 +5387,8 @@
         </p:blipFill>
         <p:spPr>
           <a:xfrm>
-            <a:off x="501113" y="1467523"/>
-            <a:ext cx="4070887" cy="3922954"/>
-          </a:xfrm>
-          <a:prstGeom prst="rect">
-            <a:avLst/>
-          </a:prstGeom>
-        </p:spPr>
-      </p:pic>
-      <p:pic>
-        <p:nvPicPr>
-          <p:cNvPr id="8" name="Immagine 7">
-            <a:extLst>
-              <a:ext uri="{FF2B5EF4-FFF2-40B4-BE49-F238E27FC236}">
-                <a16:creationId xmlns:a16="http://schemas.microsoft.com/office/drawing/2014/main" id="{D322EAB7-DFCC-C245-61CE-6206296C2C18}"/>
-              </a:ext>
-            </a:extLst>
-          </p:cNvPr>
-          <p:cNvPicPr>
-            <a:picLocks noChangeAspect="1"/>
-          </p:cNvPicPr>
-          <p:nvPr/>
-        </p:nvPicPr>
-        <p:blipFill>
-          <a:blip r:embed="rId3"/>
-          <a:stretch>
-            <a:fillRect/>
-          </a:stretch>
-        </p:blipFill>
-        <p:spPr>
-          <a:xfrm>
-            <a:off x="5171103" y="2111479"/>
-            <a:ext cx="2903012" cy="2635042"/>
+            <a:off x="1066496" y="1468168"/>
+            <a:ext cx="7011008" cy="4404742"/>
           </a:xfrm>
           <a:prstGeom prst="rect">
             <a:avLst/>
@@ -5361,7 +5398,7 @@
     </p:spTree>
     <p:extLst>
       <p:ext uri="{BB962C8B-B14F-4D97-AF65-F5344CB8AC3E}">
-        <p14:creationId xmlns:p14="http://schemas.microsoft.com/office/powerpoint/2010/main" val="1053476045"/>
+        <p14:creationId xmlns:p14="http://schemas.microsoft.com/office/powerpoint/2010/main" val="3390164786"/>
       </p:ext>
     </p:extLst>
   </p:cSld>
@@ -5411,7 +5448,7 @@
           <a:p>
             <a:r>
               <a:rPr lang="it-IT" dirty="0"/>
-              <a:t>Esercizio 3: Soluzione</a:t>
+              <a:t>Esercizio 3: Cosa stampa (4)</a:t>
             </a:r>
           </a:p>
         </p:txBody>
@@ -5451,10 +5488,10 @@
       </p:sp>
       <p:pic>
         <p:nvPicPr>
-          <p:cNvPr id="5" name="Immagine 4">
-            <a:extLst>
-              <a:ext uri="{FF2B5EF4-FFF2-40B4-BE49-F238E27FC236}">
-                <a16:creationId xmlns:a16="http://schemas.microsoft.com/office/drawing/2014/main" id="{D923B37D-0822-E59E-C6AD-E9503356351A}"/>
+          <p:cNvPr id="6" name="Immagine 5">
+            <a:extLst>
+              <a:ext uri="{FF2B5EF4-FFF2-40B4-BE49-F238E27FC236}">
+                <a16:creationId xmlns:a16="http://schemas.microsoft.com/office/drawing/2014/main" id="{9F236BD9-3F80-83CA-ECA2-6C8BCAC7C9A2}"/>
               </a:ext>
             </a:extLst>
           </p:cNvPr>
@@ -5471,8 +5508,38 @@
         </p:blipFill>
         <p:spPr>
           <a:xfrm>
-            <a:off x="2162273" y="1978906"/>
-            <a:ext cx="4687101" cy="2900188"/>
+            <a:off x="501113" y="1467523"/>
+            <a:ext cx="4070887" cy="3922954"/>
+          </a:xfrm>
+          <a:prstGeom prst="rect">
+            <a:avLst/>
+          </a:prstGeom>
+        </p:spPr>
+      </p:pic>
+      <p:pic>
+        <p:nvPicPr>
+          <p:cNvPr id="8" name="Immagine 7">
+            <a:extLst>
+              <a:ext uri="{FF2B5EF4-FFF2-40B4-BE49-F238E27FC236}">
+                <a16:creationId xmlns:a16="http://schemas.microsoft.com/office/drawing/2014/main" id="{D322EAB7-DFCC-C245-61CE-6206296C2C18}"/>
+              </a:ext>
+            </a:extLst>
+          </p:cNvPr>
+          <p:cNvPicPr>
+            <a:picLocks noChangeAspect="1"/>
+          </p:cNvPicPr>
+          <p:nvPr/>
+        </p:nvPicPr>
+        <p:blipFill>
+          <a:blip r:embed="rId3"/>
+          <a:stretch>
+            <a:fillRect/>
+          </a:stretch>
+        </p:blipFill>
+        <p:spPr>
+          <a:xfrm>
+            <a:off x="5171103" y="2111479"/>
+            <a:ext cx="2903012" cy="2635042"/>
           </a:xfrm>
           <a:prstGeom prst="rect">
             <a:avLst/>
@@ -5482,7 +5549,7 @@
     </p:spTree>
     <p:extLst>
       <p:ext uri="{BB962C8B-B14F-4D97-AF65-F5344CB8AC3E}">
-        <p14:creationId xmlns:p14="http://schemas.microsoft.com/office/powerpoint/2010/main" val="207736931"/>
+        <p14:creationId xmlns:p14="http://schemas.microsoft.com/office/powerpoint/2010/main" val="1053476045"/>
       </p:ext>
     </p:extLst>
   </p:cSld>
@@ -5514,7 +5581,7 @@
           <p:cNvPr id="2" name="Titolo 1">
             <a:extLst>
               <a:ext uri="{FF2B5EF4-FFF2-40B4-BE49-F238E27FC236}">
-                <a16:creationId xmlns:a16="http://schemas.microsoft.com/office/drawing/2014/main" id="{A1C33B46-A1F8-111B-8108-D696C1BBCC68}"/>
+                <a16:creationId xmlns:a16="http://schemas.microsoft.com/office/drawing/2014/main" id="{7E094D2C-2C58-27DB-8836-62C5F689C9C6}"/>
               </a:ext>
             </a:extLst>
           </p:cNvPr>
@@ -5532,7 +5599,7 @@
           <a:p>
             <a:r>
               <a:rPr lang="it-IT" dirty="0"/>
-              <a:t>Overloading degli operatori</a:t>
+              <a:t>Esercizio 3: Soluzione</a:t>
             </a:r>
           </a:p>
         </p:txBody>
@@ -5542,7 +5609,7 @@
           <p:cNvPr id="4" name="Segnaposto numero diapositiva 3">
             <a:extLst>
               <a:ext uri="{FF2B5EF4-FFF2-40B4-BE49-F238E27FC236}">
-                <a16:creationId xmlns:a16="http://schemas.microsoft.com/office/drawing/2014/main" id="{30F37182-85E1-1CBA-A05A-CCEC4E40C29C}"/>
+                <a16:creationId xmlns:a16="http://schemas.microsoft.com/office/drawing/2014/main" id="{8FC0F31B-BCEA-FE98-0DBD-53D618ED76C0}"/>
               </a:ext>
             </a:extLst>
           </p:cNvPr>
@@ -5570,177 +5637,12 @@
           </a:p>
         </p:txBody>
       </p:sp>
-      <p:sp>
-        <p:nvSpPr>
-          <p:cNvPr id="9" name="CasellaDiTesto 8">
-            <a:extLst>
-              <a:ext uri="{FF2B5EF4-FFF2-40B4-BE49-F238E27FC236}">
-                <a16:creationId xmlns:a16="http://schemas.microsoft.com/office/drawing/2014/main" id="{4B6313EF-3010-D4E4-5F5D-1FF5C2A34D0E}"/>
-              </a:ext>
-            </a:extLst>
-          </p:cNvPr>
-          <p:cNvSpPr txBox="1"/>
-          <p:nvPr/>
-        </p:nvSpPr>
-        <p:spPr>
-          <a:xfrm>
-            <a:off x="484246" y="1557431"/>
-            <a:ext cx="7769737" cy="4801314"/>
-          </a:xfrm>
-          <a:prstGeom prst="rect">
-            <a:avLst/>
-          </a:prstGeom>
-          <a:noFill/>
-        </p:spPr>
-        <p:txBody>
-          <a:bodyPr wrap="square" rtlCol="0">
-            <a:spAutoFit/>
-          </a:bodyPr>
-          <a:lstStyle/>
-          <a:p>
-            <a:pPr marL="285750" indent="-285750">
-              <a:buFont typeface="Arial" panose="020B0604020202020204" pitchFamily="34" charset="0"/>
-              <a:buChar char="•"/>
-            </a:pPr>
-            <a:r>
-              <a:rPr lang="it-IT" dirty="0"/>
-              <a:t>Ridefinizione di funzionalità per il contesto di una classe </a:t>
-            </a:r>
-          </a:p>
-          <a:p>
-            <a:pPr marL="742950" lvl="1" indent="-285750">
-              <a:buFont typeface="Arial" panose="020B0604020202020204" pitchFamily="34" charset="0"/>
-              <a:buChar char="•"/>
-            </a:pPr>
-            <a:r>
-              <a:rPr lang="it-IT" dirty="0"/>
-              <a:t>(e.g. somma di orari in </a:t>
-            </a:r>
-            <a:r>
-              <a:rPr lang="it-IT" dirty="0">
-                <a:latin typeface="Consolas" panose="020B0609020204030204" pitchFamily="49" charset="0"/>
-              </a:rPr>
-              <a:t>Orario</a:t>
-            </a:r>
-            <a:r>
-              <a:rPr lang="it-IT" dirty="0"/>
-              <a:t>)</a:t>
-            </a:r>
-          </a:p>
-          <a:p>
-            <a:pPr marL="285750" indent="-285750">
-              <a:buFont typeface="Arial" panose="020B0604020202020204" pitchFamily="34" charset="0"/>
-              <a:buChar char="•"/>
-            </a:pPr>
-            <a:endParaRPr lang="it-IT" dirty="0"/>
-          </a:p>
-          <a:p>
-            <a:pPr marL="285750" indent="-285750">
-              <a:buFont typeface="Arial" panose="020B0604020202020204" pitchFamily="34" charset="0"/>
-              <a:buChar char="•"/>
-            </a:pPr>
-            <a:r>
-              <a:rPr lang="it-IT" dirty="0"/>
-              <a:t>Tali funzionalità vengono definite mediante l’uso di operatori</a:t>
-            </a:r>
-          </a:p>
-          <a:p>
-            <a:pPr marL="285750" indent="-285750">
-              <a:buFont typeface="Arial" panose="020B0604020202020204" pitchFamily="34" charset="0"/>
-              <a:buChar char="•"/>
-            </a:pPr>
-            <a:endParaRPr lang="it-IT" dirty="0"/>
-          </a:p>
-          <a:p>
-            <a:pPr marL="285750" indent="-285750">
-              <a:buFont typeface="Arial" panose="020B0604020202020204" pitchFamily="34" charset="0"/>
-              <a:buChar char="•"/>
-            </a:pPr>
-            <a:endParaRPr lang="it-IT" dirty="0"/>
-          </a:p>
-          <a:p>
-            <a:pPr marL="285750" indent="-285750">
-              <a:buFont typeface="Arial" panose="020B0604020202020204" pitchFamily="34" charset="0"/>
-              <a:buChar char="•"/>
-            </a:pPr>
-            <a:endParaRPr lang="it-IT" dirty="0"/>
-          </a:p>
-          <a:p>
-            <a:pPr marL="285750" indent="-285750">
-              <a:buFont typeface="Arial" panose="020B0604020202020204" pitchFamily="34" charset="0"/>
-              <a:buChar char="•"/>
-            </a:pPr>
-            <a:endParaRPr lang="it-IT" dirty="0"/>
-          </a:p>
-          <a:p>
-            <a:pPr marL="285750" indent="-285750">
-              <a:buFont typeface="Arial" panose="020B0604020202020204" pitchFamily="34" charset="0"/>
-              <a:buChar char="•"/>
-            </a:pPr>
-            <a:r>
-              <a:rPr lang="it-IT" dirty="0"/>
-              <a:t>Caso importante:</a:t>
-            </a:r>
-          </a:p>
-          <a:p>
-            <a:pPr marL="742950" lvl="1" indent="-285750">
-              <a:buFont typeface="Arial" panose="020B0604020202020204" pitchFamily="34" charset="0"/>
-              <a:buChar char="•"/>
-            </a:pPr>
-            <a:r>
-              <a:rPr lang="it-IT" u="sng" dirty="0"/>
-              <a:t>Assegnazione standard</a:t>
-            </a:r>
-          </a:p>
-          <a:p>
-            <a:pPr lvl="1"/>
-            <a:endParaRPr lang="it-IT" dirty="0"/>
-          </a:p>
-          <a:p>
-            <a:pPr lvl="1"/>
-            <a:endParaRPr lang="it-IT" dirty="0"/>
-          </a:p>
-          <a:p>
-            <a:pPr lvl="1"/>
-            <a:endParaRPr lang="it-IT" dirty="0"/>
-          </a:p>
-          <a:p>
-            <a:pPr lvl="1"/>
-            <a:endParaRPr lang="it-IT" dirty="0"/>
-          </a:p>
-          <a:p>
-            <a:pPr marL="742950" lvl="1" indent="-285750">
-              <a:buFont typeface="Arial" panose="020B0604020202020204" pitchFamily="34" charset="0"/>
-              <a:buChar char="•"/>
-            </a:pPr>
-            <a:r>
-              <a:rPr lang="it-IT" dirty="0"/>
-              <a:t>Simile all’assegnazione standard, vi è il </a:t>
-            </a:r>
-            <a:r>
-              <a:rPr lang="it-IT" u="sng" dirty="0"/>
-              <a:t>costruttore di copia</a:t>
-            </a:r>
-          </a:p>
-          <a:p>
-            <a:pPr lvl="1"/>
-            <a:endParaRPr lang="it-IT" dirty="0"/>
-          </a:p>
-          <a:p>
-            <a:pPr marL="285750" indent="-285750">
-              <a:buFont typeface="Arial" panose="020B0604020202020204" pitchFamily="34" charset="0"/>
-              <a:buChar char="•"/>
-            </a:pPr>
-            <a:endParaRPr lang="it-IT" dirty="0"/>
-          </a:p>
-        </p:txBody>
-      </p:sp>
       <p:pic>
         <p:nvPicPr>
           <p:cNvPr id="5" name="Immagine 4">
             <a:extLst>
               <a:ext uri="{FF2B5EF4-FFF2-40B4-BE49-F238E27FC236}">
-                <a16:creationId xmlns:a16="http://schemas.microsoft.com/office/drawing/2014/main" id="{C62E3CCC-934F-C007-76CB-21E517C631BB}"/>
+                <a16:creationId xmlns:a16="http://schemas.microsoft.com/office/drawing/2014/main" id="{D923B37D-0822-E59E-C6AD-E9503356351A}"/>
               </a:ext>
             </a:extLst>
           </p:cNvPr>
@@ -5757,68 +5659,8 @@
         </p:blipFill>
         <p:spPr>
           <a:xfrm>
-            <a:off x="1521039" y="2752594"/>
-            <a:ext cx="6101922" cy="608095"/>
-          </a:xfrm>
-          <a:prstGeom prst="rect">
-            <a:avLst/>
-          </a:prstGeom>
-        </p:spPr>
-      </p:pic>
-      <p:pic>
-        <p:nvPicPr>
-          <p:cNvPr id="6" name="Immagine 5">
-            <a:extLst>
-              <a:ext uri="{FF2B5EF4-FFF2-40B4-BE49-F238E27FC236}">
-                <a16:creationId xmlns:a16="http://schemas.microsoft.com/office/drawing/2014/main" id="{922C048C-1D1C-6906-FC68-86C1DAEF2EEF}"/>
-              </a:ext>
-            </a:extLst>
-          </p:cNvPr>
-          <p:cNvPicPr>
-            <a:picLocks noChangeAspect="1"/>
-          </p:cNvPicPr>
-          <p:nvPr/>
-        </p:nvPicPr>
-        <p:blipFill>
-          <a:blip r:embed="rId3"/>
-          <a:stretch>
-            <a:fillRect/>
-          </a:stretch>
-        </p:blipFill>
-        <p:spPr>
-          <a:xfrm>
-            <a:off x="4517355" y="3637216"/>
-            <a:ext cx="2685674" cy="779050"/>
-          </a:xfrm>
-          <a:prstGeom prst="rect">
-            <a:avLst/>
-          </a:prstGeom>
-        </p:spPr>
-      </p:pic>
-      <p:pic>
-        <p:nvPicPr>
-          <p:cNvPr id="11" name="Immagine 10">
-            <a:extLst>
-              <a:ext uri="{FF2B5EF4-FFF2-40B4-BE49-F238E27FC236}">
-                <a16:creationId xmlns:a16="http://schemas.microsoft.com/office/drawing/2014/main" id="{C23277DD-9E95-2566-1CB0-D62BF9839433}"/>
-              </a:ext>
-            </a:extLst>
-          </p:cNvPr>
-          <p:cNvPicPr>
-            <a:picLocks noChangeAspect="1"/>
-          </p:cNvPicPr>
-          <p:nvPr/>
-        </p:nvPicPr>
-        <p:blipFill>
-          <a:blip r:embed="rId4"/>
-          <a:stretch>
-            <a:fillRect/>
-          </a:stretch>
-        </p:blipFill>
-        <p:spPr>
-          <a:xfrm>
-            <a:off x="7067605" y="4896760"/>
-            <a:ext cx="1776241" cy="825895"/>
+            <a:off x="2162273" y="1978906"/>
+            <a:ext cx="4687101" cy="2900188"/>
           </a:xfrm>
           <a:prstGeom prst="rect">
             <a:avLst/>
@@ -5828,7 +5670,7 @@
     </p:spTree>
     <p:extLst>
       <p:ext uri="{BB962C8B-B14F-4D97-AF65-F5344CB8AC3E}">
-        <p14:creationId xmlns:p14="http://schemas.microsoft.com/office/powerpoint/2010/main" val="888774464"/>
+        <p14:creationId xmlns:p14="http://schemas.microsoft.com/office/powerpoint/2010/main" val="207736931"/>
       </p:ext>
     </p:extLst>
   </p:cSld>
@@ -6143,12 +5985,177 @@
           </a:p>
         </p:txBody>
       </p:sp>
+      <p:sp>
+        <p:nvSpPr>
+          <p:cNvPr id="9" name="CasellaDiTesto 8">
+            <a:extLst>
+              <a:ext uri="{FF2B5EF4-FFF2-40B4-BE49-F238E27FC236}">
+                <a16:creationId xmlns:a16="http://schemas.microsoft.com/office/drawing/2014/main" id="{4B6313EF-3010-D4E4-5F5D-1FF5C2A34D0E}"/>
+              </a:ext>
+            </a:extLst>
+          </p:cNvPr>
+          <p:cNvSpPr txBox="1"/>
+          <p:nvPr/>
+        </p:nvSpPr>
+        <p:spPr>
+          <a:xfrm>
+            <a:off x="484246" y="1557431"/>
+            <a:ext cx="7769737" cy="4801314"/>
+          </a:xfrm>
+          <a:prstGeom prst="rect">
+            <a:avLst/>
+          </a:prstGeom>
+          <a:noFill/>
+        </p:spPr>
+        <p:txBody>
+          <a:bodyPr wrap="square" rtlCol="0">
+            <a:spAutoFit/>
+          </a:bodyPr>
+          <a:lstStyle/>
+          <a:p>
+            <a:pPr marL="285750" indent="-285750">
+              <a:buFont typeface="Arial" panose="020B0604020202020204" pitchFamily="34" charset="0"/>
+              <a:buChar char="•"/>
+            </a:pPr>
+            <a:r>
+              <a:rPr lang="it-IT" dirty="0"/>
+              <a:t>Ridefinizione di funzionalità per il contesto di una classe </a:t>
+            </a:r>
+          </a:p>
+          <a:p>
+            <a:pPr marL="742950" lvl="1" indent="-285750">
+              <a:buFont typeface="Arial" panose="020B0604020202020204" pitchFamily="34" charset="0"/>
+              <a:buChar char="•"/>
+            </a:pPr>
+            <a:r>
+              <a:rPr lang="it-IT" dirty="0"/>
+              <a:t>(e.g. somma di orari in </a:t>
+            </a:r>
+            <a:r>
+              <a:rPr lang="it-IT" dirty="0">
+                <a:latin typeface="Consolas" panose="020B0609020204030204" pitchFamily="49" charset="0"/>
+              </a:rPr>
+              <a:t>Orario</a:t>
+            </a:r>
+            <a:r>
+              <a:rPr lang="it-IT" dirty="0"/>
+              <a:t>)</a:t>
+            </a:r>
+          </a:p>
+          <a:p>
+            <a:pPr marL="285750" indent="-285750">
+              <a:buFont typeface="Arial" panose="020B0604020202020204" pitchFamily="34" charset="0"/>
+              <a:buChar char="•"/>
+            </a:pPr>
+            <a:endParaRPr lang="it-IT" dirty="0"/>
+          </a:p>
+          <a:p>
+            <a:pPr marL="285750" indent="-285750">
+              <a:buFont typeface="Arial" panose="020B0604020202020204" pitchFamily="34" charset="0"/>
+              <a:buChar char="•"/>
+            </a:pPr>
+            <a:r>
+              <a:rPr lang="it-IT" dirty="0"/>
+              <a:t>Tali funzionalità vengono definite mediante l’uso di operatori</a:t>
+            </a:r>
+          </a:p>
+          <a:p>
+            <a:pPr marL="285750" indent="-285750">
+              <a:buFont typeface="Arial" panose="020B0604020202020204" pitchFamily="34" charset="0"/>
+              <a:buChar char="•"/>
+            </a:pPr>
+            <a:endParaRPr lang="it-IT" dirty="0"/>
+          </a:p>
+          <a:p>
+            <a:pPr marL="285750" indent="-285750">
+              <a:buFont typeface="Arial" panose="020B0604020202020204" pitchFamily="34" charset="0"/>
+              <a:buChar char="•"/>
+            </a:pPr>
+            <a:endParaRPr lang="it-IT" dirty="0"/>
+          </a:p>
+          <a:p>
+            <a:pPr marL="285750" indent="-285750">
+              <a:buFont typeface="Arial" panose="020B0604020202020204" pitchFamily="34" charset="0"/>
+              <a:buChar char="•"/>
+            </a:pPr>
+            <a:endParaRPr lang="it-IT" dirty="0"/>
+          </a:p>
+          <a:p>
+            <a:pPr marL="285750" indent="-285750">
+              <a:buFont typeface="Arial" panose="020B0604020202020204" pitchFamily="34" charset="0"/>
+              <a:buChar char="•"/>
+            </a:pPr>
+            <a:endParaRPr lang="it-IT" dirty="0"/>
+          </a:p>
+          <a:p>
+            <a:pPr marL="285750" indent="-285750">
+              <a:buFont typeface="Arial" panose="020B0604020202020204" pitchFamily="34" charset="0"/>
+              <a:buChar char="•"/>
+            </a:pPr>
+            <a:r>
+              <a:rPr lang="it-IT" dirty="0"/>
+              <a:t>Caso importante:</a:t>
+            </a:r>
+          </a:p>
+          <a:p>
+            <a:pPr marL="742950" lvl="1" indent="-285750">
+              <a:buFont typeface="Arial" panose="020B0604020202020204" pitchFamily="34" charset="0"/>
+              <a:buChar char="•"/>
+            </a:pPr>
+            <a:r>
+              <a:rPr lang="it-IT" u="sng" dirty="0"/>
+              <a:t>Assegnazione standard</a:t>
+            </a:r>
+          </a:p>
+          <a:p>
+            <a:pPr lvl="1"/>
+            <a:endParaRPr lang="it-IT" dirty="0"/>
+          </a:p>
+          <a:p>
+            <a:pPr lvl="1"/>
+            <a:endParaRPr lang="it-IT" dirty="0"/>
+          </a:p>
+          <a:p>
+            <a:pPr lvl="1"/>
+            <a:endParaRPr lang="it-IT" dirty="0"/>
+          </a:p>
+          <a:p>
+            <a:pPr lvl="1"/>
+            <a:endParaRPr lang="it-IT" dirty="0"/>
+          </a:p>
+          <a:p>
+            <a:pPr marL="742950" lvl="1" indent="-285750">
+              <a:buFont typeface="Arial" panose="020B0604020202020204" pitchFamily="34" charset="0"/>
+              <a:buChar char="•"/>
+            </a:pPr>
+            <a:r>
+              <a:rPr lang="it-IT" dirty="0"/>
+              <a:t>Simile all’assegnazione standard, vi è il </a:t>
+            </a:r>
+            <a:r>
+              <a:rPr lang="it-IT" u="sng" dirty="0"/>
+              <a:t>costruttore di copia</a:t>
+            </a:r>
+          </a:p>
+          <a:p>
+            <a:pPr lvl="1"/>
+            <a:endParaRPr lang="it-IT" dirty="0"/>
+          </a:p>
+          <a:p>
+            <a:pPr marL="285750" indent="-285750">
+              <a:buFont typeface="Arial" panose="020B0604020202020204" pitchFamily="34" charset="0"/>
+              <a:buChar char="•"/>
+            </a:pPr>
+            <a:endParaRPr lang="it-IT" dirty="0"/>
+          </a:p>
+        </p:txBody>
+      </p:sp>
       <p:pic>
         <p:nvPicPr>
           <p:cNvPr id="5" name="Immagine 4">
             <a:extLst>
               <a:ext uri="{FF2B5EF4-FFF2-40B4-BE49-F238E27FC236}">
-                <a16:creationId xmlns:a16="http://schemas.microsoft.com/office/drawing/2014/main" id="{5C266208-244E-2124-E579-1836727D1A0C}"/>
+                <a16:creationId xmlns:a16="http://schemas.microsoft.com/office/drawing/2014/main" id="{C62E3CCC-934F-C007-76CB-21E517C631BB}"/>
               </a:ext>
             </a:extLst>
           </p:cNvPr>
@@ -6165,69 +6172,20 @@
         </p:blipFill>
         <p:spPr>
           <a:xfrm>
-            <a:off x="941401" y="1523695"/>
-            <a:ext cx="7553805" cy="2148927"/>
+            <a:off x="1521039" y="2752594"/>
+            <a:ext cx="6101922" cy="608095"/>
           </a:xfrm>
           <a:prstGeom prst="rect">
             <a:avLst/>
           </a:prstGeom>
         </p:spPr>
       </p:pic>
-      <p:sp>
-        <p:nvSpPr>
-          <p:cNvPr id="7" name="CasellaDiTesto 6">
-            <a:extLst>
-              <a:ext uri="{FF2B5EF4-FFF2-40B4-BE49-F238E27FC236}">
-                <a16:creationId xmlns:a16="http://schemas.microsoft.com/office/drawing/2014/main" id="{8545F119-2EA8-E1B2-1131-3546AF4257DC}"/>
-              </a:ext>
-            </a:extLst>
-          </p:cNvPr>
-          <p:cNvSpPr txBox="1"/>
-          <p:nvPr/>
-        </p:nvSpPr>
-        <p:spPr>
-          <a:xfrm>
-            <a:off x="417145" y="3758726"/>
-            <a:ext cx="7769737" cy="646331"/>
-          </a:xfrm>
-          <a:prstGeom prst="rect">
-            <a:avLst/>
-          </a:prstGeom>
-          <a:noFill/>
-        </p:spPr>
-        <p:txBody>
-          <a:bodyPr wrap="square" rtlCol="0">
-            <a:spAutoFit/>
-          </a:bodyPr>
-          <a:lstStyle/>
-          <a:p>
-            <a:pPr marL="742950" lvl="1" indent="-285750">
-              <a:buFont typeface="Arial" panose="020B0604020202020204" pitchFamily="34" charset="0"/>
-              <a:buChar char="•"/>
-            </a:pPr>
-            <a:r>
-              <a:rPr lang="it-IT" dirty="0"/>
-              <a:t>Operatori particolari</a:t>
-            </a:r>
-          </a:p>
-          <a:p>
-            <a:pPr marL="1200150" lvl="2" indent="-285750">
-              <a:buFont typeface="Arial" panose="020B0604020202020204" pitchFamily="34" charset="0"/>
-              <a:buChar char="•"/>
-            </a:pPr>
-            <a:r>
-              <a:rPr lang="it-IT" dirty="0"/>
-              <a:t>Operatore ternario</a:t>
-            </a:r>
-          </a:p>
-        </p:txBody>
-      </p:sp>
       <p:pic>
         <p:nvPicPr>
-          <p:cNvPr id="9" name="Immagine 8">
-            <a:extLst>
-              <a:ext uri="{FF2B5EF4-FFF2-40B4-BE49-F238E27FC236}">
-                <a16:creationId xmlns:a16="http://schemas.microsoft.com/office/drawing/2014/main" id="{D52256D4-D525-4959-4B82-56E0F6AA06E1}"/>
+          <p:cNvPr id="6" name="Immagine 5">
+            <a:extLst>
+              <a:ext uri="{FF2B5EF4-FFF2-40B4-BE49-F238E27FC236}">
+                <a16:creationId xmlns:a16="http://schemas.microsoft.com/office/drawing/2014/main" id="{922C048C-1D1C-6906-FC68-86C1DAEF2EEF}"/>
               </a:ext>
             </a:extLst>
           </p:cNvPr>
@@ -6244,8 +6202,38 @@
         </p:blipFill>
         <p:spPr>
           <a:xfrm>
-            <a:off x="1749229" y="4418858"/>
-            <a:ext cx="5645542" cy="1192566"/>
+            <a:off x="4517355" y="3637216"/>
+            <a:ext cx="2685674" cy="779050"/>
+          </a:xfrm>
+          <a:prstGeom prst="rect">
+            <a:avLst/>
+          </a:prstGeom>
+        </p:spPr>
+      </p:pic>
+      <p:pic>
+        <p:nvPicPr>
+          <p:cNvPr id="11" name="Immagine 10">
+            <a:extLst>
+              <a:ext uri="{FF2B5EF4-FFF2-40B4-BE49-F238E27FC236}">
+                <a16:creationId xmlns:a16="http://schemas.microsoft.com/office/drawing/2014/main" id="{C23277DD-9E95-2566-1CB0-D62BF9839433}"/>
+              </a:ext>
+            </a:extLst>
+          </p:cNvPr>
+          <p:cNvPicPr>
+            <a:picLocks noChangeAspect="1"/>
+          </p:cNvPicPr>
+          <p:nvPr/>
+        </p:nvPicPr>
+        <p:blipFill>
+          <a:blip r:embed="rId4"/>
+          <a:stretch>
+            <a:fillRect/>
+          </a:stretch>
+        </p:blipFill>
+        <p:spPr>
+          <a:xfrm>
+            <a:off x="7067605" y="4896760"/>
+            <a:ext cx="1776241" cy="825895"/>
           </a:xfrm>
           <a:prstGeom prst="rect">
             <a:avLst/>
@@ -6255,7 +6243,7 @@
     </p:spTree>
     <p:extLst>
       <p:ext uri="{BB962C8B-B14F-4D97-AF65-F5344CB8AC3E}">
-        <p14:creationId xmlns:p14="http://schemas.microsoft.com/office/powerpoint/2010/main" val="683277579"/>
+        <p14:creationId xmlns:p14="http://schemas.microsoft.com/office/powerpoint/2010/main" val="888774464"/>
       </p:ext>
     </p:extLst>
   </p:cSld>
@@ -6331,218 +6319,15 @@
           <a:bodyPr/>
           <a:lstStyle/>
           <a:p>
+            <a:fld id="{4D021CEB-2F22-4EA1-9BAF-E3833982B82A}" type="slidenum">
+              <a:rPr lang="en-US" smtClean="0"/>
+              <a:pPr/>
+              <a:t>31</a:t>
+            </a:fld>
             <a:r>
               <a:rPr lang="en-US" dirty="0"/>
-              <a:t>31 di 35</a:t>
-            </a:r>
-          </a:p>
-        </p:txBody>
-      </p:sp>
-      <p:sp>
-        <p:nvSpPr>
-          <p:cNvPr id="9" name="CasellaDiTesto 8">
-            <a:extLst>
-              <a:ext uri="{FF2B5EF4-FFF2-40B4-BE49-F238E27FC236}">
-                <a16:creationId xmlns:a16="http://schemas.microsoft.com/office/drawing/2014/main" id="{4B6313EF-3010-D4E4-5F5D-1FF5C2A34D0E}"/>
-              </a:ext>
-            </a:extLst>
-          </p:cNvPr>
-          <p:cNvSpPr txBox="1"/>
-          <p:nvPr/>
-        </p:nvSpPr>
-        <p:spPr>
-          <a:xfrm>
-            <a:off x="484246" y="1557431"/>
-            <a:ext cx="7769737" cy="5139869"/>
-          </a:xfrm>
-          <a:prstGeom prst="rect">
-            <a:avLst/>
-          </a:prstGeom>
-          <a:noFill/>
-        </p:spPr>
-        <p:txBody>
-          <a:bodyPr wrap="square" rtlCol="0">
-            <a:spAutoFit/>
-          </a:bodyPr>
-          <a:lstStyle/>
-          <a:p>
-            <a:pPr marL="285750" indent="-285750">
-              <a:buFont typeface="Arial" panose="020B0604020202020204" pitchFamily="34" charset="0"/>
-              <a:buChar char="•"/>
-            </a:pPr>
-            <a:r>
-              <a:rPr lang="it-IT" dirty="0"/>
-              <a:t>Si possono sovraccaricare degli operatori come funzioni esterne</a:t>
-            </a:r>
-          </a:p>
-          <a:p>
-            <a:pPr marL="1200150" lvl="2" indent="-285750">
-              <a:buFont typeface="Arial" panose="020B0604020202020204" pitchFamily="34" charset="0"/>
-              <a:buChar char="•"/>
-            </a:pPr>
-            <a:r>
-              <a:rPr lang="it-IT" dirty="0"/>
-              <a:t>Operatore di stampa</a:t>
-            </a:r>
-          </a:p>
-          <a:p>
-            <a:pPr marL="1200150" lvl="2" indent="-285750">
-              <a:buFont typeface="Arial" panose="020B0604020202020204" pitchFamily="34" charset="0"/>
-              <a:buChar char="•"/>
-            </a:pPr>
-            <a:endParaRPr lang="it-IT" dirty="0"/>
-          </a:p>
-          <a:p>
-            <a:pPr marL="1200150" lvl="2" indent="-285750">
-              <a:buFont typeface="Arial" panose="020B0604020202020204" pitchFamily="34" charset="0"/>
-              <a:buChar char="•"/>
-            </a:pPr>
-            <a:endParaRPr lang="it-IT" dirty="0"/>
-          </a:p>
-          <a:p>
-            <a:pPr marL="1200150" lvl="2" indent="-285750">
-              <a:buFont typeface="Arial" panose="020B0604020202020204" pitchFamily="34" charset="0"/>
-              <a:buChar char="•"/>
-            </a:pPr>
-            <a:endParaRPr lang="it-IT" dirty="0"/>
-          </a:p>
-          <a:p>
-            <a:pPr marL="1200150" lvl="2" indent="-285750">
-              <a:buFont typeface="Arial" panose="020B0604020202020204" pitchFamily="34" charset="0"/>
-              <a:buChar char="•"/>
-            </a:pPr>
-            <a:endParaRPr lang="it-IT" dirty="0"/>
-          </a:p>
-          <a:p>
-            <a:endParaRPr lang="it-IT" dirty="0"/>
-          </a:p>
-          <a:p>
-            <a:pPr marL="285750" indent="-285750">
-              <a:buFont typeface="Arial" panose="020B0604020202020204" pitchFamily="34" charset="0"/>
-              <a:buChar char="•"/>
-            </a:pPr>
-            <a:r>
-              <a:rPr lang="it-IT" sz="1600" dirty="0"/>
-              <a:t>Altri esempi di overloading</a:t>
-            </a:r>
-          </a:p>
-          <a:p>
-            <a:pPr marL="742950" lvl="1" indent="-285750">
-              <a:buFont typeface="Arial" panose="020B0604020202020204" pitchFamily="34" charset="0"/>
-              <a:buChar char="•"/>
-            </a:pPr>
-            <a:r>
-              <a:rPr lang="it-IT" sz="1600" dirty="0"/>
-              <a:t>operator + (somma)</a:t>
-            </a:r>
-          </a:p>
-          <a:p>
-            <a:pPr marL="742950" lvl="1" indent="-285750">
-              <a:buFont typeface="Arial" panose="020B0604020202020204" pitchFamily="34" charset="0"/>
-              <a:buChar char="•"/>
-            </a:pPr>
-            <a:r>
-              <a:rPr lang="it-IT" sz="1600" dirty="0"/>
-              <a:t>operator == (confronto)</a:t>
-            </a:r>
-          </a:p>
-          <a:p>
-            <a:endParaRPr lang="it-IT" sz="1600" dirty="0"/>
-          </a:p>
-          <a:p>
-            <a:pPr marL="285750" indent="-285750">
-              <a:buFont typeface="Arial" panose="020B0604020202020204" pitchFamily="34" charset="0"/>
-              <a:buChar char="•"/>
-            </a:pPr>
-            <a:r>
-              <a:rPr lang="it-IT" sz="1600" dirty="0"/>
-              <a:t>Altri operatori che ci saranno utili successivamente:</a:t>
-            </a:r>
-          </a:p>
-          <a:p>
-            <a:pPr marL="742950" lvl="1" indent="-285750">
-              <a:buFont typeface="Arial" panose="020B0604020202020204" pitchFamily="34" charset="0"/>
-              <a:buChar char="•"/>
-            </a:pPr>
-            <a:r>
-              <a:rPr lang="it-IT" sz="1600" dirty="0"/>
-              <a:t>operator * (referenziazione)</a:t>
-            </a:r>
-          </a:p>
-          <a:p>
-            <a:pPr marL="742950" lvl="1" indent="-285750">
-              <a:buFont typeface="Arial" panose="020B0604020202020204" pitchFamily="34" charset="0"/>
-              <a:buChar char="•"/>
-            </a:pPr>
-            <a:r>
-              <a:rPr lang="it-IT" sz="1600" dirty="0"/>
-              <a:t>operator &amp; (dereferenziazione)</a:t>
-            </a:r>
-          </a:p>
-          <a:p>
-            <a:pPr marL="742950" lvl="1" indent="-285750">
-              <a:buFont typeface="Arial" panose="020B0604020202020204" pitchFamily="34" charset="0"/>
-              <a:buChar char="•"/>
-            </a:pPr>
-            <a:r>
-              <a:rPr lang="it-IT" sz="1600" dirty="0"/>
-              <a:t>operator </a:t>
-            </a:r>
-            <a:r>
-              <a:rPr lang="it-IT" sz="1600" dirty="0">
-                <a:sym typeface="Wingdings" panose="05000000000000000000" pitchFamily="2" charset="2"/>
-              </a:rPr>
-              <a:t>-&gt; (selezione a membro)</a:t>
-            </a:r>
-          </a:p>
-          <a:p>
-            <a:pPr marL="742950" lvl="1" indent="-285750">
-              <a:buFont typeface="Arial" panose="020B0604020202020204" pitchFamily="34" charset="0"/>
-              <a:buChar char="•"/>
-            </a:pPr>
-            <a:r>
-              <a:rPr lang="it-IT" sz="1600" dirty="0">
-                <a:sym typeface="Wingdings" panose="05000000000000000000" pitchFamily="2" charset="2"/>
-              </a:rPr>
-              <a:t>operator [] (indicizzazione)</a:t>
-            </a:r>
-          </a:p>
-          <a:p>
-            <a:pPr marL="742950" lvl="1" indent="-285750">
-              <a:buFont typeface="Arial" panose="020B0604020202020204" pitchFamily="34" charset="0"/>
-              <a:buChar char="•"/>
-            </a:pPr>
-            <a:r>
-              <a:rPr lang="it-IT" sz="1600" dirty="0">
-                <a:sym typeface="Wingdings" panose="05000000000000000000" pitchFamily="2" charset="2"/>
-              </a:rPr>
-              <a:t>operator ++ (somma</a:t>
-            </a:r>
-          </a:p>
-          <a:p>
-            <a:pPr marL="1200150" lvl="2" indent="-285750">
-              <a:buFont typeface="Arial" panose="020B0604020202020204" pitchFamily="34" charset="0"/>
-              <a:buChar char="•"/>
-            </a:pPr>
-            <a:r>
-              <a:rPr lang="it-IT" sz="1600" dirty="0">
-                <a:sym typeface="Wingdings" panose="05000000000000000000" pitchFamily="2" charset="2"/>
-              </a:rPr>
-              <a:t>Incremento prefisso</a:t>
-            </a:r>
-          </a:p>
-          <a:p>
-            <a:pPr marL="1200150" lvl="2" indent="-285750">
-              <a:buFont typeface="Arial" panose="020B0604020202020204" pitchFamily="34" charset="0"/>
-              <a:buChar char="•"/>
-            </a:pPr>
-            <a:r>
-              <a:rPr lang="it-IT" sz="1600" dirty="0">
-                <a:sym typeface="Wingdings" panose="05000000000000000000" pitchFamily="2" charset="2"/>
-              </a:rPr>
-              <a:t>Incremento postfisso</a:t>
-            </a:r>
-            <a:endParaRPr lang="it-IT" sz="1600" dirty="0"/>
+              <a:t> di 35</a:t>
+            </a:r>
           </a:p>
         </p:txBody>
       </p:sp>
@@ -6551,7 +6336,7 @@
           <p:cNvPr id="5" name="Immagine 4">
             <a:extLst>
               <a:ext uri="{FF2B5EF4-FFF2-40B4-BE49-F238E27FC236}">
-                <a16:creationId xmlns:a16="http://schemas.microsoft.com/office/drawing/2014/main" id="{94321918-A2BB-26A5-A7AA-5C16727A9E4B}"/>
+                <a16:creationId xmlns:a16="http://schemas.microsoft.com/office/drawing/2014/main" id="{5C266208-244E-2124-E579-1836727D1A0C}"/>
               </a:ext>
             </a:extLst>
           </p:cNvPr>
@@ -6568,8 +6353,87 @@
         </p:blipFill>
         <p:spPr>
           <a:xfrm>
-            <a:off x="1472266" y="2228574"/>
-            <a:ext cx="6056433" cy="1109849"/>
+            <a:off x="941401" y="1523695"/>
+            <a:ext cx="7553805" cy="2148927"/>
+          </a:xfrm>
+          <a:prstGeom prst="rect">
+            <a:avLst/>
+          </a:prstGeom>
+        </p:spPr>
+      </p:pic>
+      <p:sp>
+        <p:nvSpPr>
+          <p:cNvPr id="7" name="CasellaDiTesto 6">
+            <a:extLst>
+              <a:ext uri="{FF2B5EF4-FFF2-40B4-BE49-F238E27FC236}">
+                <a16:creationId xmlns:a16="http://schemas.microsoft.com/office/drawing/2014/main" id="{8545F119-2EA8-E1B2-1131-3546AF4257DC}"/>
+              </a:ext>
+            </a:extLst>
+          </p:cNvPr>
+          <p:cNvSpPr txBox="1"/>
+          <p:nvPr/>
+        </p:nvSpPr>
+        <p:spPr>
+          <a:xfrm>
+            <a:off x="417145" y="3758726"/>
+            <a:ext cx="7769737" cy="646331"/>
+          </a:xfrm>
+          <a:prstGeom prst="rect">
+            <a:avLst/>
+          </a:prstGeom>
+          <a:noFill/>
+        </p:spPr>
+        <p:txBody>
+          <a:bodyPr wrap="square" rtlCol="0">
+            <a:spAutoFit/>
+          </a:bodyPr>
+          <a:lstStyle/>
+          <a:p>
+            <a:pPr marL="742950" lvl="1" indent="-285750">
+              <a:buFont typeface="Arial" panose="020B0604020202020204" pitchFamily="34" charset="0"/>
+              <a:buChar char="•"/>
+            </a:pPr>
+            <a:r>
+              <a:rPr lang="it-IT" dirty="0"/>
+              <a:t>Operatori particolari</a:t>
+            </a:r>
+          </a:p>
+          <a:p>
+            <a:pPr marL="1200150" lvl="2" indent="-285750">
+              <a:buFont typeface="Arial" panose="020B0604020202020204" pitchFamily="34" charset="0"/>
+              <a:buChar char="•"/>
+            </a:pPr>
+            <a:r>
+              <a:rPr lang="it-IT" dirty="0"/>
+              <a:t>Operatore ternario</a:t>
+            </a:r>
+          </a:p>
+        </p:txBody>
+      </p:sp>
+      <p:pic>
+        <p:nvPicPr>
+          <p:cNvPr id="9" name="Immagine 8">
+            <a:extLst>
+              <a:ext uri="{FF2B5EF4-FFF2-40B4-BE49-F238E27FC236}">
+                <a16:creationId xmlns:a16="http://schemas.microsoft.com/office/drawing/2014/main" id="{D52256D4-D525-4959-4B82-56E0F6AA06E1}"/>
+              </a:ext>
+            </a:extLst>
+          </p:cNvPr>
+          <p:cNvPicPr>
+            <a:picLocks noChangeAspect="1"/>
+          </p:cNvPicPr>
+          <p:nvPr/>
+        </p:nvPicPr>
+        <p:blipFill>
+          <a:blip r:embed="rId3"/>
+          <a:stretch>
+            <a:fillRect/>
+          </a:stretch>
+        </p:blipFill>
+        <p:spPr>
+          <a:xfrm>
+            <a:off x="1749229" y="4418858"/>
+            <a:ext cx="5645542" cy="1192566"/>
           </a:xfrm>
           <a:prstGeom prst="rect">
             <a:avLst/>
@@ -6579,7 +6443,7 @@
     </p:spTree>
     <p:extLst>
       <p:ext uri="{BB962C8B-B14F-4D97-AF65-F5344CB8AC3E}">
-        <p14:creationId xmlns:p14="http://schemas.microsoft.com/office/powerpoint/2010/main" val="3452887810"/>
+        <p14:creationId xmlns:p14="http://schemas.microsoft.com/office/powerpoint/2010/main" val="683277579"/>
       </p:ext>
     </p:extLst>
   </p:cSld>
@@ -6655,151 +6519,255 @@
           <a:bodyPr/>
           <a:lstStyle/>
           <a:p>
-            <a:fld id="{4D021CEB-2F22-4EA1-9BAF-E3833982B82A}" type="slidenum">
-              <a:rPr lang="en-US" smtClean="0"/>
-              <a:pPr/>
-              <a:t>32</a:t>
-            </a:fld>
             <a:r>
               <a:rPr lang="en-US" dirty="0"/>
-              <a:t> di 35</a:t>
-            </a:r>
+              <a:t>31 di 35</a:t>
+            </a:r>
+          </a:p>
+        </p:txBody>
+      </p:sp>
+      <p:sp>
+        <p:nvSpPr>
+          <p:cNvPr id="9" name="CasellaDiTesto 8">
+            <a:extLst>
+              <a:ext uri="{FF2B5EF4-FFF2-40B4-BE49-F238E27FC236}">
+                <a16:creationId xmlns:a16="http://schemas.microsoft.com/office/drawing/2014/main" id="{4B6313EF-3010-D4E4-5F5D-1FF5C2A34D0E}"/>
+              </a:ext>
+            </a:extLst>
+          </p:cNvPr>
+          <p:cNvSpPr txBox="1"/>
+          <p:nvPr/>
+        </p:nvSpPr>
+        <p:spPr>
+          <a:xfrm>
+            <a:off x="484246" y="1557431"/>
+            <a:ext cx="7769737" cy="5139869"/>
+          </a:xfrm>
+          <a:prstGeom prst="rect">
+            <a:avLst/>
+          </a:prstGeom>
+          <a:noFill/>
+        </p:spPr>
+        <p:txBody>
+          <a:bodyPr wrap="square" rtlCol="0">
+            <a:spAutoFit/>
+          </a:bodyPr>
+          <a:lstStyle/>
+          <a:p>
+            <a:pPr marL="285750" indent="-285750">
+              <a:buFont typeface="Arial" panose="020B0604020202020204" pitchFamily="34" charset="0"/>
+              <a:buChar char="•"/>
+            </a:pPr>
+            <a:r>
+              <a:rPr lang="it-IT" dirty="0"/>
+              <a:t>Si possono sovraccaricare degli operatori come funzioni esterne</a:t>
+            </a:r>
+          </a:p>
+          <a:p>
+            <a:pPr marL="1200150" lvl="2" indent="-285750">
+              <a:buFont typeface="Arial" panose="020B0604020202020204" pitchFamily="34" charset="0"/>
+              <a:buChar char="•"/>
+            </a:pPr>
+            <a:r>
+              <a:rPr lang="it-IT" dirty="0"/>
+              <a:t>Operatore di stampa</a:t>
+            </a:r>
+          </a:p>
+          <a:p>
+            <a:pPr marL="1200150" lvl="2" indent="-285750">
+              <a:buFont typeface="Arial" panose="020B0604020202020204" pitchFamily="34" charset="0"/>
+              <a:buChar char="•"/>
+            </a:pPr>
+            <a:endParaRPr lang="it-IT" dirty="0"/>
+          </a:p>
+          <a:p>
+            <a:pPr marL="1200150" lvl="2" indent="-285750">
+              <a:buFont typeface="Arial" panose="020B0604020202020204" pitchFamily="34" charset="0"/>
+              <a:buChar char="•"/>
+            </a:pPr>
+            <a:endParaRPr lang="it-IT" dirty="0"/>
+          </a:p>
+          <a:p>
+            <a:pPr marL="1200150" lvl="2" indent="-285750">
+              <a:buFont typeface="Arial" panose="020B0604020202020204" pitchFamily="34" charset="0"/>
+              <a:buChar char="•"/>
+            </a:pPr>
+            <a:endParaRPr lang="it-IT" dirty="0"/>
+          </a:p>
+          <a:p>
+            <a:pPr marL="1200150" lvl="2" indent="-285750">
+              <a:buFont typeface="Arial" panose="020B0604020202020204" pitchFamily="34" charset="0"/>
+              <a:buChar char="•"/>
+            </a:pPr>
+            <a:endParaRPr lang="it-IT" dirty="0"/>
+          </a:p>
+          <a:p>
+            <a:endParaRPr lang="it-IT" dirty="0"/>
+          </a:p>
+          <a:p>
+            <a:pPr marL="285750" indent="-285750">
+              <a:buFont typeface="Arial" panose="020B0604020202020204" pitchFamily="34" charset="0"/>
+              <a:buChar char="•"/>
+            </a:pPr>
+            <a:r>
+              <a:rPr lang="it-IT" sz="1600" dirty="0"/>
+              <a:t>Altri esempi di overloading</a:t>
+            </a:r>
+          </a:p>
+          <a:p>
+            <a:pPr marL="742950" lvl="1" indent="-285750">
+              <a:buFont typeface="Arial" panose="020B0604020202020204" pitchFamily="34" charset="0"/>
+              <a:buChar char="•"/>
+            </a:pPr>
+            <a:r>
+              <a:rPr lang="it-IT" sz="1600" dirty="0"/>
+              <a:t>operator + (somma)</a:t>
+            </a:r>
+          </a:p>
+          <a:p>
+            <a:pPr marL="742950" lvl="1" indent="-285750">
+              <a:buFont typeface="Arial" panose="020B0604020202020204" pitchFamily="34" charset="0"/>
+              <a:buChar char="•"/>
+            </a:pPr>
+            <a:r>
+              <a:rPr lang="it-IT" sz="1600" dirty="0"/>
+              <a:t>operator == (confronto)</a:t>
+            </a:r>
+          </a:p>
+          <a:p>
+            <a:endParaRPr lang="it-IT" sz="1600" dirty="0"/>
+          </a:p>
+          <a:p>
+            <a:pPr marL="285750" indent="-285750">
+              <a:buFont typeface="Arial" panose="020B0604020202020204" pitchFamily="34" charset="0"/>
+              <a:buChar char="•"/>
+            </a:pPr>
+            <a:r>
+              <a:rPr lang="it-IT" sz="1600" dirty="0"/>
+              <a:t>Altri operatori che ci saranno utili successivamente:</a:t>
+            </a:r>
+          </a:p>
+          <a:p>
+            <a:pPr marL="742950" lvl="1" indent="-285750">
+              <a:buFont typeface="Arial" panose="020B0604020202020204" pitchFamily="34" charset="0"/>
+              <a:buChar char="•"/>
+            </a:pPr>
+            <a:r>
+              <a:rPr lang="it-IT" sz="1600" dirty="0"/>
+              <a:t>operator * (referenziazione)</a:t>
+            </a:r>
+          </a:p>
+          <a:p>
+            <a:pPr marL="742950" lvl="1" indent="-285750">
+              <a:buFont typeface="Arial" panose="020B0604020202020204" pitchFamily="34" charset="0"/>
+              <a:buChar char="•"/>
+            </a:pPr>
+            <a:r>
+              <a:rPr lang="it-IT" sz="1600" dirty="0"/>
+              <a:t>operator &amp; (dereferenziazione)</a:t>
+            </a:r>
+          </a:p>
+          <a:p>
+            <a:pPr marL="742950" lvl="1" indent="-285750">
+              <a:buFont typeface="Arial" panose="020B0604020202020204" pitchFamily="34" charset="0"/>
+              <a:buChar char="•"/>
+            </a:pPr>
+            <a:r>
+              <a:rPr lang="it-IT" sz="1600" dirty="0"/>
+              <a:t>operator </a:t>
+            </a:r>
+            <a:r>
+              <a:rPr lang="it-IT" sz="1600" dirty="0">
+                <a:sym typeface="Wingdings" panose="05000000000000000000" pitchFamily="2" charset="2"/>
+              </a:rPr>
+              <a:t>-&gt; (selezione a membro)</a:t>
+            </a:r>
+          </a:p>
+          <a:p>
+            <a:pPr marL="742950" lvl="1" indent="-285750">
+              <a:buFont typeface="Arial" panose="020B0604020202020204" pitchFamily="34" charset="0"/>
+              <a:buChar char="•"/>
+            </a:pPr>
+            <a:r>
+              <a:rPr lang="it-IT" sz="1600" dirty="0">
+                <a:sym typeface="Wingdings" panose="05000000000000000000" pitchFamily="2" charset="2"/>
+              </a:rPr>
+              <a:t>operator [] (indicizzazione)</a:t>
+            </a:r>
+          </a:p>
+          <a:p>
+            <a:pPr marL="742950" lvl="1" indent="-285750">
+              <a:buFont typeface="Arial" panose="020B0604020202020204" pitchFamily="34" charset="0"/>
+              <a:buChar char="•"/>
+            </a:pPr>
+            <a:r>
+              <a:rPr lang="it-IT" sz="1600" dirty="0">
+                <a:sym typeface="Wingdings" panose="05000000000000000000" pitchFamily="2" charset="2"/>
+              </a:rPr>
+              <a:t>operator ++ (somma</a:t>
+            </a:r>
+          </a:p>
+          <a:p>
+            <a:pPr marL="1200150" lvl="2" indent="-285750">
+              <a:buFont typeface="Arial" panose="020B0604020202020204" pitchFamily="34" charset="0"/>
+              <a:buChar char="•"/>
+            </a:pPr>
+            <a:r>
+              <a:rPr lang="it-IT" sz="1600" dirty="0">
+                <a:sym typeface="Wingdings" panose="05000000000000000000" pitchFamily="2" charset="2"/>
+              </a:rPr>
+              <a:t>Incremento prefisso</a:t>
+            </a:r>
+          </a:p>
+          <a:p>
+            <a:pPr marL="1200150" lvl="2" indent="-285750">
+              <a:buFont typeface="Arial" panose="020B0604020202020204" pitchFamily="34" charset="0"/>
+              <a:buChar char="•"/>
+            </a:pPr>
+            <a:r>
+              <a:rPr lang="it-IT" sz="1600" dirty="0">
+                <a:sym typeface="Wingdings" panose="05000000000000000000" pitchFamily="2" charset="2"/>
+              </a:rPr>
+              <a:t>Incremento postfisso</a:t>
+            </a:r>
+            <a:endParaRPr lang="it-IT" sz="1600" dirty="0"/>
           </a:p>
         </p:txBody>
       </p:sp>
       <p:pic>
         <p:nvPicPr>
-          <p:cNvPr id="3" name="Picture 4" descr="Orario bianco - OROLOGI di Rexite | Arredinitaly">
-            <a:extLst>
-              <a:ext uri="{FF2B5EF4-FFF2-40B4-BE49-F238E27FC236}">
-                <a16:creationId xmlns:a16="http://schemas.microsoft.com/office/drawing/2014/main" id="{04AE8E3B-D957-E061-1728-5FE6414DEE43}"/>
+          <p:cNvPr id="5" name="Immagine 4">
+            <a:extLst>
+              <a:ext uri="{FF2B5EF4-FFF2-40B4-BE49-F238E27FC236}">
+                <a16:creationId xmlns:a16="http://schemas.microsoft.com/office/drawing/2014/main" id="{94321918-A2BB-26A5-A7AA-5C16727A9E4B}"/>
               </a:ext>
             </a:extLst>
           </p:cNvPr>
           <p:cNvPicPr>
-            <a:picLocks noChangeAspect="1" noChangeArrowheads="1"/>
+            <a:picLocks noChangeAspect="1"/>
           </p:cNvPicPr>
           <p:nvPr/>
         </p:nvPicPr>
         <p:blipFill>
-          <a:blip r:embed="rId2">
-            <a:extLst>
-              <a:ext uri="{28A0092B-C50C-407E-A947-70E740481C1C}">
-                <a14:useLocalDpi xmlns:a14="http://schemas.microsoft.com/office/drawing/2010/main" val="0"/>
-              </a:ext>
-            </a:extLst>
-          </a:blip>
-          <a:srcRect/>
+          <a:blip r:embed="rId2"/>
           <a:stretch>
             <a:fillRect/>
           </a:stretch>
         </p:blipFill>
-        <p:spPr bwMode="auto">
-          <a:xfrm>
-            <a:off x="832591" y="1580135"/>
-            <a:ext cx="3333750" cy="3333750"/>
-          </a:xfrm>
-          <a:prstGeom prst="rect">
-            <a:avLst/>
-          </a:prstGeom>
-          <a:noFill/>
-          <a:extLst>
-            <a:ext uri="{909E8E84-426E-40DD-AFC4-6F175D3DCCD1}">
-              <a14:hiddenFill xmlns:a14="http://schemas.microsoft.com/office/drawing/2010/main">
-                <a:solidFill>
-                  <a:srgbClr val="FFFFFF"/>
-                </a:solidFill>
-              </a14:hiddenFill>
-            </a:ext>
-          </a:extLst>
-        </p:spPr>
-      </p:pic>
-      <p:sp>
-        <p:nvSpPr>
-          <p:cNvPr id="5" name="CasellaDiTesto 4">
-            <a:extLst>
-              <a:ext uri="{FF2B5EF4-FFF2-40B4-BE49-F238E27FC236}">
-                <a16:creationId xmlns:a16="http://schemas.microsoft.com/office/drawing/2014/main" id="{058BACD3-0645-5D05-B75D-A86D0E2EB011}"/>
-              </a:ext>
-            </a:extLst>
-          </p:cNvPr>
-          <p:cNvSpPr txBox="1"/>
-          <p:nvPr/>
-        </p:nvSpPr>
-        <p:spPr>
-          <a:xfrm>
-            <a:off x="1559498" y="5365052"/>
-            <a:ext cx="7424928" cy="369332"/>
-          </a:xfrm>
-          <a:prstGeom prst="rect">
-            <a:avLst/>
-          </a:prstGeom>
-          <a:noFill/>
-        </p:spPr>
-        <p:txBody>
-          <a:bodyPr wrap="square" rtlCol="0">
-            <a:spAutoFit/>
-          </a:bodyPr>
-          <a:lstStyle/>
-          <a:p>
-            <a:r>
-              <a:rPr lang="it-IT" dirty="0"/>
-              <a:t>Estendiamo la nostra classe «orario» e vediamo alcuni esempi…</a:t>
-            </a:r>
-          </a:p>
-        </p:txBody>
-      </p:sp>
-      <p:pic>
-        <p:nvPicPr>
-          <p:cNvPr id="6" name="Picture 2">
-            <a:extLst>
-              <a:ext uri="{FF2B5EF4-FFF2-40B4-BE49-F238E27FC236}">
-                <a16:creationId xmlns:a16="http://schemas.microsoft.com/office/drawing/2014/main" id="{5F47177A-DE4A-34A6-EFFD-03A0620070D8}"/>
-              </a:ext>
-            </a:extLst>
-          </p:cNvPr>
-          <p:cNvPicPr>
-            <a:picLocks noChangeAspect="1" noChangeArrowheads="1"/>
-          </p:cNvPicPr>
-          <p:nvPr/>
-        </p:nvPicPr>
-        <p:blipFill>
-          <a:blip r:embed="rId3">
-            <a:extLst>
-              <a:ext uri="{28A0092B-C50C-407E-A947-70E740481C1C}">
-                <a14:useLocalDpi xmlns:a14="http://schemas.microsoft.com/office/drawing/2010/main" val="0"/>
-              </a:ext>
-            </a:extLst>
-          </a:blip>
-          <a:srcRect/>
-          <a:stretch>
-            <a:fillRect/>
-          </a:stretch>
-        </p:blipFill>
-        <p:spPr bwMode="auto">
-          <a:xfrm>
-            <a:off x="4977661" y="1580135"/>
-            <a:ext cx="3092335" cy="3092335"/>
-          </a:xfrm>
-          <a:prstGeom prst="rect">
-            <a:avLst/>
-          </a:prstGeom>
-          <a:noFill/>
-          <a:extLst>
-            <a:ext uri="{909E8E84-426E-40DD-AFC4-6F175D3DCCD1}">
-              <a14:hiddenFill xmlns:a14="http://schemas.microsoft.com/office/drawing/2010/main">
-                <a:solidFill>
-                  <a:srgbClr val="FFFFFF"/>
-                </a:solidFill>
-              </a14:hiddenFill>
-            </a:ext>
-          </a:extLst>
+        <p:spPr>
+          <a:xfrm>
+            <a:off x="1472266" y="2228574"/>
+            <a:ext cx="6056433" cy="1109849"/>
+          </a:xfrm>
+          <a:prstGeom prst="rect">
+            <a:avLst/>
+          </a:prstGeom>
         </p:spPr>
       </p:pic>
     </p:spTree>
     <p:extLst>
       <p:ext uri="{BB962C8B-B14F-4D97-AF65-F5344CB8AC3E}">
-        <p14:creationId xmlns:p14="http://schemas.microsoft.com/office/powerpoint/2010/main" val="3487479897"/>
+        <p14:creationId xmlns:p14="http://schemas.microsoft.com/office/powerpoint/2010/main" val="3452887810"/>
       </p:ext>
     </p:extLst>
   </p:cSld>
@@ -6831,7 +6799,7 @@
           <p:cNvPr id="2" name="Titolo 1">
             <a:extLst>
               <a:ext uri="{FF2B5EF4-FFF2-40B4-BE49-F238E27FC236}">
-                <a16:creationId xmlns:a16="http://schemas.microsoft.com/office/drawing/2014/main" id="{E6829A7B-6540-852A-128E-AB81590C2F7C}"/>
+                <a16:creationId xmlns:a16="http://schemas.microsoft.com/office/drawing/2014/main" id="{A1C33B46-A1F8-111B-8108-D696C1BBCC68}"/>
               </a:ext>
             </a:extLst>
           </p:cNvPr>
@@ -6849,7 +6817,7 @@
           <a:p>
             <a:r>
               <a:rPr lang="it-IT" dirty="0"/>
-              <a:t>Esercizio 4: Cosa stampa (4)</a:t>
+              <a:t>Overloading degli operatori</a:t>
             </a:r>
           </a:p>
         </p:txBody>
@@ -6859,7 +6827,7 @@
           <p:cNvPr id="4" name="Segnaposto numero diapositiva 3">
             <a:extLst>
               <a:ext uri="{FF2B5EF4-FFF2-40B4-BE49-F238E27FC236}">
-                <a16:creationId xmlns:a16="http://schemas.microsoft.com/office/drawing/2014/main" id="{C1A726B9-09D1-40A0-9688-9AA9FFB433D8}"/>
+                <a16:creationId xmlns:a16="http://schemas.microsoft.com/office/drawing/2014/main" id="{30F37182-85E1-1CBA-A05A-CCEC4E40C29C}"/>
               </a:ext>
             </a:extLst>
           </p:cNvPr>
@@ -6889,68 +6857,137 @@
       </p:sp>
       <p:pic>
         <p:nvPicPr>
-          <p:cNvPr id="6" name="Immagine 5">
-            <a:extLst>
-              <a:ext uri="{FF2B5EF4-FFF2-40B4-BE49-F238E27FC236}">
-                <a16:creationId xmlns:a16="http://schemas.microsoft.com/office/drawing/2014/main" id="{5E0EDCE1-6D2D-D3A3-4255-2AAC4A278E9C}"/>
+          <p:cNvPr id="3" name="Picture 4" descr="Orario bianco - OROLOGI di Rexite | Arredinitaly">
+            <a:extLst>
+              <a:ext uri="{FF2B5EF4-FFF2-40B4-BE49-F238E27FC236}">
+                <a16:creationId xmlns:a16="http://schemas.microsoft.com/office/drawing/2014/main" id="{04AE8E3B-D957-E061-1728-5FE6414DEE43}"/>
               </a:ext>
             </a:extLst>
           </p:cNvPr>
           <p:cNvPicPr>
-            <a:picLocks noChangeAspect="1"/>
+            <a:picLocks noChangeAspect="1" noChangeArrowheads="1"/>
           </p:cNvPicPr>
           <p:nvPr/>
         </p:nvPicPr>
         <p:blipFill>
-          <a:blip r:embed="rId2"/>
+          <a:blip r:embed="rId2">
+            <a:extLst>
+              <a:ext uri="{28A0092B-C50C-407E-A947-70E740481C1C}">
+                <a14:useLocalDpi xmlns:a14="http://schemas.microsoft.com/office/drawing/2010/main" val="0"/>
+              </a:ext>
+            </a:extLst>
+          </a:blip>
+          <a:srcRect/>
           <a:stretch>
             <a:fillRect/>
           </a:stretch>
         </p:blipFill>
-        <p:spPr>
-          <a:xfrm>
-            <a:off x="473807" y="1561933"/>
-            <a:ext cx="3829969" cy="4088532"/>
-          </a:xfrm>
-          <a:prstGeom prst="rect">
-            <a:avLst/>
-          </a:prstGeom>
+        <p:spPr bwMode="auto">
+          <a:xfrm>
+            <a:off x="832591" y="1580135"/>
+            <a:ext cx="3333750" cy="3333750"/>
+          </a:xfrm>
+          <a:prstGeom prst="rect">
+            <a:avLst/>
+          </a:prstGeom>
+          <a:noFill/>
+          <a:extLst>
+            <a:ext uri="{909E8E84-426E-40DD-AFC4-6F175D3DCCD1}">
+              <a14:hiddenFill xmlns:a14="http://schemas.microsoft.com/office/drawing/2010/main">
+                <a:solidFill>
+                  <a:srgbClr val="FFFFFF"/>
+                </a:solidFill>
+              </a14:hiddenFill>
+            </a:ext>
+          </a:extLst>
         </p:spPr>
       </p:pic>
+      <p:sp>
+        <p:nvSpPr>
+          <p:cNvPr id="5" name="CasellaDiTesto 4">
+            <a:extLst>
+              <a:ext uri="{FF2B5EF4-FFF2-40B4-BE49-F238E27FC236}">
+                <a16:creationId xmlns:a16="http://schemas.microsoft.com/office/drawing/2014/main" id="{058BACD3-0645-5D05-B75D-A86D0E2EB011}"/>
+              </a:ext>
+            </a:extLst>
+          </p:cNvPr>
+          <p:cNvSpPr txBox="1"/>
+          <p:nvPr/>
+        </p:nvSpPr>
+        <p:spPr>
+          <a:xfrm>
+            <a:off x="1559498" y="5365052"/>
+            <a:ext cx="7424928" cy="369332"/>
+          </a:xfrm>
+          <a:prstGeom prst="rect">
+            <a:avLst/>
+          </a:prstGeom>
+          <a:noFill/>
+        </p:spPr>
+        <p:txBody>
+          <a:bodyPr wrap="square" rtlCol="0">
+            <a:spAutoFit/>
+          </a:bodyPr>
+          <a:lstStyle/>
+          <a:p>
+            <a:r>
+              <a:rPr lang="it-IT" dirty="0"/>
+              <a:t>Estendiamo la nostra classe «orario» e vediamo alcuni esempi…</a:t>
+            </a:r>
+          </a:p>
+        </p:txBody>
+      </p:sp>
       <p:pic>
         <p:nvPicPr>
-          <p:cNvPr id="8" name="Immagine 7">
-            <a:extLst>
-              <a:ext uri="{FF2B5EF4-FFF2-40B4-BE49-F238E27FC236}">
-                <a16:creationId xmlns:a16="http://schemas.microsoft.com/office/drawing/2014/main" id="{3D3C7E72-5AC8-328C-9DD7-69700DD22F04}"/>
+          <p:cNvPr id="6" name="Picture 2">
+            <a:extLst>
+              <a:ext uri="{FF2B5EF4-FFF2-40B4-BE49-F238E27FC236}">
+                <a16:creationId xmlns:a16="http://schemas.microsoft.com/office/drawing/2014/main" id="{5F47177A-DE4A-34A6-EFFD-03A0620070D8}"/>
               </a:ext>
             </a:extLst>
           </p:cNvPr>
           <p:cNvPicPr>
-            <a:picLocks noChangeAspect="1"/>
+            <a:picLocks noChangeAspect="1" noChangeArrowheads="1"/>
           </p:cNvPicPr>
           <p:nvPr/>
         </p:nvPicPr>
         <p:blipFill>
-          <a:blip r:embed="rId3"/>
+          <a:blip r:embed="rId3">
+            <a:extLst>
+              <a:ext uri="{28A0092B-C50C-407E-A947-70E740481C1C}">
+                <a14:useLocalDpi xmlns:a14="http://schemas.microsoft.com/office/drawing/2010/main" val="0"/>
+              </a:ext>
+            </a:extLst>
+          </a:blip>
+          <a:srcRect/>
           <a:stretch>
             <a:fillRect/>
           </a:stretch>
         </p:blipFill>
-        <p:spPr>
-          <a:xfrm>
-            <a:off x="4940284" y="1905526"/>
-            <a:ext cx="3515709" cy="3046948"/>
-          </a:xfrm>
-          <a:prstGeom prst="rect">
-            <a:avLst/>
-          </a:prstGeom>
+        <p:spPr bwMode="auto">
+          <a:xfrm>
+            <a:off x="4977661" y="1580135"/>
+            <a:ext cx="3092335" cy="3092335"/>
+          </a:xfrm>
+          <a:prstGeom prst="rect">
+            <a:avLst/>
+          </a:prstGeom>
+          <a:noFill/>
+          <a:extLst>
+            <a:ext uri="{909E8E84-426E-40DD-AFC4-6F175D3DCCD1}">
+              <a14:hiddenFill xmlns:a14="http://schemas.microsoft.com/office/drawing/2010/main">
+                <a:solidFill>
+                  <a:srgbClr val="FFFFFF"/>
+                </a:solidFill>
+              </a14:hiddenFill>
+            </a:ext>
+          </a:extLst>
         </p:spPr>
       </p:pic>
     </p:spTree>
     <p:extLst>
       <p:ext uri="{BB962C8B-B14F-4D97-AF65-F5344CB8AC3E}">
-        <p14:creationId xmlns:p14="http://schemas.microsoft.com/office/powerpoint/2010/main" val="4169302503"/>
+        <p14:creationId xmlns:p14="http://schemas.microsoft.com/office/powerpoint/2010/main" val="3487479897"/>
       </p:ext>
     </p:extLst>
   </p:cSld>
@@ -7000,7 +7037,7 @@
           <a:p>
             <a:r>
               <a:rPr lang="it-IT" dirty="0"/>
-              <a:t>Esercizio 4: Soluzione</a:t>
+              <a:t>Esercizio 4: Cosa stampa (4)</a:t>
             </a:r>
           </a:p>
         </p:txBody>
@@ -7040,10 +7077,10 @@
       </p:sp>
       <p:pic>
         <p:nvPicPr>
-          <p:cNvPr id="5" name="Immagine 4">
-            <a:extLst>
-              <a:ext uri="{FF2B5EF4-FFF2-40B4-BE49-F238E27FC236}">
-                <a16:creationId xmlns:a16="http://schemas.microsoft.com/office/drawing/2014/main" id="{0BB57CED-A33C-7CBD-CDA7-BDB721096742}"/>
+          <p:cNvPr id="6" name="Immagine 5">
+            <a:extLst>
+              <a:ext uri="{FF2B5EF4-FFF2-40B4-BE49-F238E27FC236}">
+                <a16:creationId xmlns:a16="http://schemas.microsoft.com/office/drawing/2014/main" id="{5E0EDCE1-6D2D-D3A3-4255-2AAC4A278E9C}"/>
               </a:ext>
             </a:extLst>
           </p:cNvPr>
@@ -7060,8 +7097,8 @@
         </p:blipFill>
         <p:spPr>
           <a:xfrm>
-            <a:off x="5093976" y="2160119"/>
-            <a:ext cx="3498952" cy="2497863"/>
+            <a:off x="473807" y="1561933"/>
+            <a:ext cx="3829969" cy="4088532"/>
           </a:xfrm>
           <a:prstGeom prst="rect">
             <a:avLst/>
@@ -7070,10 +7107,10 @@
       </p:pic>
       <p:pic>
         <p:nvPicPr>
-          <p:cNvPr id="3" name="Immagine 2">
-            <a:extLst>
-              <a:ext uri="{FF2B5EF4-FFF2-40B4-BE49-F238E27FC236}">
-                <a16:creationId xmlns:a16="http://schemas.microsoft.com/office/drawing/2014/main" id="{3CBCD9A8-0939-A077-FFAF-1D7E0E4889FA}"/>
+          <p:cNvPr id="8" name="Immagine 7">
+            <a:extLst>
+              <a:ext uri="{FF2B5EF4-FFF2-40B4-BE49-F238E27FC236}">
+                <a16:creationId xmlns:a16="http://schemas.microsoft.com/office/drawing/2014/main" id="{3D3C7E72-5AC8-328C-9DD7-69700DD22F04}"/>
               </a:ext>
             </a:extLst>
           </p:cNvPr>
@@ -7090,7 +7127,7 @@
         </p:blipFill>
         <p:spPr>
           <a:xfrm>
-            <a:off x="721967" y="1905525"/>
+            <a:off x="4940284" y="1905526"/>
             <a:ext cx="3515709" cy="3046948"/>
           </a:xfrm>
           <a:prstGeom prst="rect">
@@ -7101,7 +7138,7 @@
     </p:spTree>
     <p:extLst>
       <p:ext uri="{BB962C8B-B14F-4D97-AF65-F5344CB8AC3E}">
-        <p14:creationId xmlns:p14="http://schemas.microsoft.com/office/powerpoint/2010/main" val="3965213729"/>
+        <p14:creationId xmlns:p14="http://schemas.microsoft.com/office/powerpoint/2010/main" val="4169302503"/>
       </p:ext>
     </p:extLst>
   </p:cSld>
@@ -7133,7 +7170,7 @@
           <p:cNvPr id="2" name="Titolo 1">
             <a:extLst>
               <a:ext uri="{FF2B5EF4-FFF2-40B4-BE49-F238E27FC236}">
-                <a16:creationId xmlns:a16="http://schemas.microsoft.com/office/drawing/2014/main" id="{5CF5972C-0648-4853-0835-24A93B1910D8}"/>
+                <a16:creationId xmlns:a16="http://schemas.microsoft.com/office/drawing/2014/main" id="{E6829A7B-6540-852A-128E-AB81590C2F7C}"/>
               </a:ext>
             </a:extLst>
           </p:cNvPr>
@@ -7151,7 +7188,7 @@
           <a:p>
             <a:r>
               <a:rPr lang="it-IT" dirty="0"/>
-              <a:t>Esercizio 5: Modellazione</a:t>
+              <a:t>Esercizio 4: Soluzione</a:t>
             </a:r>
           </a:p>
         </p:txBody>
@@ -7161,7 +7198,7 @@
           <p:cNvPr id="4" name="Segnaposto numero diapositiva 3">
             <a:extLst>
               <a:ext uri="{FF2B5EF4-FFF2-40B4-BE49-F238E27FC236}">
-                <a16:creationId xmlns:a16="http://schemas.microsoft.com/office/drawing/2014/main" id="{D7633F4F-FEB4-A12D-AED3-C2BED95952C1}"/>
+                <a16:creationId xmlns:a16="http://schemas.microsoft.com/office/drawing/2014/main" id="{C1A726B9-09D1-40A0-9688-9AA9FFB433D8}"/>
               </a:ext>
             </a:extLst>
           </p:cNvPr>
@@ -7191,10 +7228,10 @@
       </p:sp>
       <p:pic>
         <p:nvPicPr>
-          <p:cNvPr id="6" name="Immagine 5">
-            <a:extLst>
-              <a:ext uri="{FF2B5EF4-FFF2-40B4-BE49-F238E27FC236}">
-                <a16:creationId xmlns:a16="http://schemas.microsoft.com/office/drawing/2014/main" id="{4ECB75AF-5757-61C8-A2B0-29EA02BC34C7}"/>
+          <p:cNvPr id="5" name="Immagine 4">
+            <a:extLst>
+              <a:ext uri="{FF2B5EF4-FFF2-40B4-BE49-F238E27FC236}">
+                <a16:creationId xmlns:a16="http://schemas.microsoft.com/office/drawing/2014/main" id="{0BB57CED-A33C-7CBD-CDA7-BDB721096742}"/>
               </a:ext>
             </a:extLst>
           </p:cNvPr>
@@ -7211,8 +7248,38 @@
         </p:blipFill>
         <p:spPr>
           <a:xfrm>
-            <a:off x="1296413" y="2252287"/>
-            <a:ext cx="6551173" cy="2395143"/>
+            <a:off x="5093976" y="2160119"/>
+            <a:ext cx="3498952" cy="2497863"/>
+          </a:xfrm>
+          <a:prstGeom prst="rect">
+            <a:avLst/>
+          </a:prstGeom>
+        </p:spPr>
+      </p:pic>
+      <p:pic>
+        <p:nvPicPr>
+          <p:cNvPr id="3" name="Immagine 2">
+            <a:extLst>
+              <a:ext uri="{FF2B5EF4-FFF2-40B4-BE49-F238E27FC236}">
+                <a16:creationId xmlns:a16="http://schemas.microsoft.com/office/drawing/2014/main" id="{3CBCD9A8-0939-A077-FFAF-1D7E0E4889FA}"/>
+              </a:ext>
+            </a:extLst>
+          </p:cNvPr>
+          <p:cNvPicPr>
+            <a:picLocks noChangeAspect="1"/>
+          </p:cNvPicPr>
+          <p:nvPr/>
+        </p:nvPicPr>
+        <p:blipFill>
+          <a:blip r:embed="rId3"/>
+          <a:stretch>
+            <a:fillRect/>
+          </a:stretch>
+        </p:blipFill>
+        <p:spPr>
+          <a:xfrm>
+            <a:off x="721967" y="1905525"/>
+            <a:ext cx="3515709" cy="3046948"/>
           </a:xfrm>
           <a:prstGeom prst="rect">
             <a:avLst/>
@@ -7222,7 +7289,7 @@
     </p:spTree>
     <p:extLst>
       <p:ext uri="{BB962C8B-B14F-4D97-AF65-F5344CB8AC3E}">
-        <p14:creationId xmlns:p14="http://schemas.microsoft.com/office/powerpoint/2010/main" val="397861251"/>
+        <p14:creationId xmlns:p14="http://schemas.microsoft.com/office/powerpoint/2010/main" val="3965213729"/>
       </p:ext>
     </p:extLst>
   </p:cSld>
@@ -7308,7 +7375,7 @@
         </p:blipFill>
         <p:spPr bwMode="auto">
           <a:xfrm>
-            <a:off x="2286000" y="1658879"/>
+            <a:off x="2286000" y="2041434"/>
             <a:ext cx="4572000" cy="2571750"/>
           </a:xfrm>
           <a:prstGeom prst="rect">
@@ -7326,66 +7393,6 @@
           </a:extLst>
         </p:spPr>
       </p:pic>
-      <p:sp>
-        <p:nvSpPr>
-          <p:cNvPr id="3" name="CasellaDiTesto 2">
-            <a:extLst>
-              <a:ext uri="{FF2B5EF4-FFF2-40B4-BE49-F238E27FC236}">
-                <a16:creationId xmlns:a16="http://schemas.microsoft.com/office/drawing/2014/main" id="{0F4AC5FE-39CC-083D-9D86-6A7104CA40F4}"/>
-              </a:ext>
-            </a:extLst>
-          </p:cNvPr>
-          <p:cNvSpPr txBox="1"/>
-          <p:nvPr/>
-        </p:nvSpPr>
-        <p:spPr>
-          <a:xfrm>
-            <a:off x="238557" y="4671566"/>
-            <a:ext cx="8430990" cy="1200329"/>
-          </a:xfrm>
-          <a:prstGeom prst="rect">
-            <a:avLst/>
-          </a:prstGeom>
-          <a:noFill/>
-        </p:spPr>
-        <p:txBody>
-          <a:bodyPr wrap="square" rtlCol="0">
-            <a:spAutoFit/>
-          </a:bodyPr>
-          <a:lstStyle/>
-          <a:p>
-            <a:pPr lvl="1" algn="ctr"/>
-            <a:r>
-              <a:rPr lang="it-IT" dirty="0"/>
-              <a:t>Repository di riferimento:</a:t>
-            </a:r>
-          </a:p>
-          <a:p>
-            <a:pPr lvl="1" algn="ctr"/>
-            <a:r>
-              <a:rPr lang="it-IT" u="sng" dirty="0">
-                <a:hlinkClick r:id="rId3"/>
-              </a:rPr>
-              <a:t>https://github.com/gabrielrovesti/Tutorato-Programmazione-ad-Oggetti-2023-2024</a:t>
-            </a:r>
-            <a:r>
-              <a:rPr lang="it-IT" u="sng" dirty="0"/>
-              <a:t> </a:t>
-            </a:r>
-          </a:p>
-          <a:p>
-            <a:pPr lvl="1"/>
-            <a:endParaRPr lang="it-IT" dirty="0"/>
-          </a:p>
-          <a:p>
-            <a:pPr marL="285750" indent="-285750">
-              <a:buFont typeface="Arial" panose="020B0604020202020204" pitchFamily="34" charset="0"/>
-              <a:buChar char="•"/>
-            </a:pPr>
-            <a:endParaRPr lang="it-IT" dirty="0"/>
-          </a:p>
-        </p:txBody>
-      </p:sp>
     </p:spTree>
     <p:extLst>
       <p:ext uri="{BB962C8B-B14F-4D97-AF65-F5344CB8AC3E}">
